--- a/Documentacion/Proyecto/Presentacion Final/Exposicion Final.pptx
+++ b/Documentacion/Proyecto/Presentacion Final/Exposicion Final.pptx
@@ -1528,7 +1528,7 @@
   <dgm:whole/>
   <dgm:extLst>
     <a:ext uri="http://schemas.microsoft.com/office/drawing/2008/diagram">
-      <dsp:dataModelExt xmlns:dsp="http://schemas.microsoft.com/office/drawing/2008/diagram" xmlns="" relId="rId9" minVer="http://schemas.openxmlformats.org/drawingml/2006/diagram"/>
+      <dsp:dataModelExt xmlns="" xmlns:dsp="http://schemas.microsoft.com/office/drawing/2008/diagram" relId="rId9" minVer="http://schemas.openxmlformats.org/drawingml/2006/diagram"/>
     </a:ext>
   </dgm:extLst>
 </dgm:dataModel>
@@ -3815,7 +3815,7 @@
     </p:spTree>
     <p:extLst>
       <p:ext uri="{BB962C8B-B14F-4D97-AF65-F5344CB8AC3E}">
-        <p14:creationId xmlns="" xmlns:p14="http://schemas.microsoft.com/office/powerpoint/2010/main" val="2850839577"/>
+        <p14:creationId xmlns:p14="http://schemas.microsoft.com/office/powerpoint/2010/main" xmlns="" val="2850839577"/>
       </p:ext>
     </p:extLst>
   </p:cSld>
@@ -9961,7 +9961,7 @@
     </p:spTree>
     <p:extLst>
       <p:ext uri="{BB962C8B-B14F-4D97-AF65-F5344CB8AC3E}">
-        <p14:creationId xmlns="" xmlns:p14="http://schemas.microsoft.com/office/powerpoint/2010/main" val="1330727078"/>
+        <p14:creationId xmlns:p14="http://schemas.microsoft.com/office/powerpoint/2010/main" xmlns="" val="1330727078"/>
       </p:ext>
     </p:extLst>
   </p:cSld>
@@ -10137,7 +10137,7 @@
     </p:spTree>
     <p:extLst>
       <p:ext uri="{BB962C8B-B14F-4D97-AF65-F5344CB8AC3E}">
-        <p14:creationId xmlns="" xmlns:p14="http://schemas.microsoft.com/office/powerpoint/2010/main" val="72257086"/>
+        <p14:creationId xmlns:p14="http://schemas.microsoft.com/office/powerpoint/2010/main" xmlns="" val="72257086"/>
       </p:ext>
     </p:extLst>
   </p:cSld>
@@ -10323,7 +10323,7 @@
     </p:spTree>
     <p:extLst>
       <p:ext uri="{BB962C8B-B14F-4D97-AF65-F5344CB8AC3E}">
-        <p14:creationId xmlns="" xmlns:p14="http://schemas.microsoft.com/office/powerpoint/2010/main" val="3996790497"/>
+        <p14:creationId xmlns:p14="http://schemas.microsoft.com/office/powerpoint/2010/main" xmlns="" val="3996790497"/>
       </p:ext>
     </p:extLst>
   </p:cSld>
@@ -10499,7 +10499,7 @@
     </p:spTree>
     <p:extLst>
       <p:ext uri="{BB962C8B-B14F-4D97-AF65-F5344CB8AC3E}">
-        <p14:creationId xmlns="" xmlns:p14="http://schemas.microsoft.com/office/powerpoint/2010/main" val="3822553965"/>
+        <p14:creationId xmlns:p14="http://schemas.microsoft.com/office/powerpoint/2010/main" xmlns="" val="3822553965"/>
       </p:ext>
     </p:extLst>
   </p:cSld>
@@ -10751,7 +10751,7 @@
     </p:spTree>
     <p:extLst>
       <p:ext uri="{BB962C8B-B14F-4D97-AF65-F5344CB8AC3E}">
-        <p14:creationId xmlns="" xmlns:p14="http://schemas.microsoft.com/office/powerpoint/2010/main" val="352929955"/>
+        <p14:creationId xmlns:p14="http://schemas.microsoft.com/office/powerpoint/2010/main" xmlns="" val="352929955"/>
       </p:ext>
     </p:extLst>
   </p:cSld>
@@ -10989,7 +10989,7 @@
     </p:spTree>
     <p:extLst>
       <p:ext uri="{BB962C8B-B14F-4D97-AF65-F5344CB8AC3E}">
-        <p14:creationId xmlns="" xmlns:p14="http://schemas.microsoft.com/office/powerpoint/2010/main" val="1863607196"/>
+        <p14:creationId xmlns:p14="http://schemas.microsoft.com/office/powerpoint/2010/main" xmlns="" val="1863607196"/>
       </p:ext>
     </p:extLst>
   </p:cSld>
@@ -11425,7 +11425,7 @@
     </p:spTree>
     <p:extLst>
       <p:ext uri="{BB962C8B-B14F-4D97-AF65-F5344CB8AC3E}">
-        <p14:creationId xmlns="" xmlns:p14="http://schemas.microsoft.com/office/powerpoint/2010/main" val="2276288299"/>
+        <p14:creationId xmlns:p14="http://schemas.microsoft.com/office/powerpoint/2010/main" xmlns="" val="2276288299"/>
       </p:ext>
     </p:extLst>
   </p:cSld>
@@ -11549,7 +11549,7 @@
     </p:spTree>
     <p:extLst>
       <p:ext uri="{BB962C8B-B14F-4D97-AF65-F5344CB8AC3E}">
-        <p14:creationId xmlns="" xmlns:p14="http://schemas.microsoft.com/office/powerpoint/2010/main" val="3533055302"/>
+        <p14:creationId xmlns:p14="http://schemas.microsoft.com/office/powerpoint/2010/main" xmlns="" val="3533055302"/>
       </p:ext>
     </p:extLst>
   </p:cSld>
@@ -11650,7 +11650,7 @@
     </p:spTree>
     <p:extLst>
       <p:ext uri="{BB962C8B-B14F-4D97-AF65-F5344CB8AC3E}">
-        <p14:creationId xmlns="" xmlns:p14="http://schemas.microsoft.com/office/powerpoint/2010/main" val="512267318"/>
+        <p14:creationId xmlns:p14="http://schemas.microsoft.com/office/powerpoint/2010/main" xmlns="" val="512267318"/>
       </p:ext>
     </p:extLst>
   </p:cSld>
@@ -14755,7 +14755,7 @@
     </p:spTree>
     <p:extLst>
       <p:ext uri="{BB962C8B-B14F-4D97-AF65-F5344CB8AC3E}">
-        <p14:creationId xmlns="" xmlns:p14="http://schemas.microsoft.com/office/powerpoint/2010/main" val="1507695741"/>
+        <p14:creationId xmlns:p14="http://schemas.microsoft.com/office/powerpoint/2010/main" xmlns="" val="1507695741"/>
       </p:ext>
     </p:extLst>
   </p:cSld>
@@ -17846,7 +17846,7 @@
     </p:spTree>
     <p:extLst>
       <p:ext uri="{BB962C8B-B14F-4D97-AF65-F5344CB8AC3E}">
-        <p14:creationId xmlns="" xmlns:p14="http://schemas.microsoft.com/office/powerpoint/2010/main" val="2962261683"/>
+        <p14:creationId xmlns:p14="http://schemas.microsoft.com/office/powerpoint/2010/main" xmlns="" val="2962261683"/>
       </p:ext>
     </p:extLst>
   </p:cSld>
@@ -20852,7 +20852,7 @@
     </p:spTree>
     <p:extLst>
       <p:ext uri="{BB962C8B-B14F-4D97-AF65-F5344CB8AC3E}">
-        <p14:creationId xmlns="" xmlns:p14="http://schemas.microsoft.com/office/powerpoint/2010/main" val="1509962220"/>
+        <p14:creationId xmlns:p14="http://schemas.microsoft.com/office/powerpoint/2010/main" xmlns="" val="1509962220"/>
       </p:ext>
     </p:extLst>
   </p:cSld>
@@ -21422,7 +21422,7 @@
           <a:noFill/>
           <a:extLst>
             <a:ext uri="{909E8E84-426E-40DD-AFC4-6F175D3DCCD1}">
-              <a14:hiddenFill xmlns="" xmlns:a14="http://schemas.microsoft.com/office/drawing/2010/main">
+              <a14:hiddenFill xmlns:a14="http://schemas.microsoft.com/office/drawing/2010/main" xmlns="">
                 <a:solidFill>
                   <a:srgbClr val="FFFFFF"/>
                 </a:solidFill>
@@ -21458,7 +21458,7 @@
           <a:blip r:embed="rId3" cstate="print">
             <a:extLst>
               <a:ext uri="{28A0092B-C50C-407E-A947-70E740481C1C}">
-                <a14:useLocalDpi xmlns="" xmlns:a14="http://schemas.microsoft.com/office/drawing/2010/main" val="0"/>
+                <a14:useLocalDpi xmlns:a14="http://schemas.microsoft.com/office/drawing/2010/main" xmlns="" val="0"/>
               </a:ext>
             </a:extLst>
           </a:blip>
@@ -21478,7 +21478,7 @@
           <a:noFill/>
           <a:extLst>
             <a:ext uri="{909E8E84-426E-40DD-AFC4-6F175D3DCCD1}">
-              <a14:hiddenFill xmlns="" xmlns:a14="http://schemas.microsoft.com/office/drawing/2010/main">
+              <a14:hiddenFill xmlns:a14="http://schemas.microsoft.com/office/drawing/2010/main" xmlns="">
                 <a:solidFill>
                   <a:srgbClr val="FFFFFF"/>
                 </a:solidFill>
@@ -21499,7 +21499,7 @@
           <a:blip r:embed="rId4" cstate="print">
             <a:extLst>
               <a:ext uri="{28A0092B-C50C-407E-A947-70E740481C1C}">
-                <a14:useLocalDpi xmlns="" xmlns:a14="http://schemas.microsoft.com/office/drawing/2010/main" val="0"/>
+                <a14:useLocalDpi xmlns:a14="http://schemas.microsoft.com/office/drawing/2010/main" xmlns="" val="0"/>
               </a:ext>
             </a:extLst>
           </a:blip>
@@ -21519,7 +21519,7 @@
           <a:noFill/>
           <a:extLst>
             <a:ext uri="{909E8E84-426E-40DD-AFC4-6F175D3DCCD1}">
-              <a14:hiddenFill xmlns="" xmlns:a14="http://schemas.microsoft.com/office/drawing/2010/main">
+              <a14:hiddenFill xmlns:a14="http://schemas.microsoft.com/office/drawing/2010/main" xmlns="">
                 <a:solidFill>
                   <a:srgbClr val="FFFFFF"/>
                 </a:solidFill>
@@ -21531,7 +21531,7 @@
     </p:spTree>
     <p:extLst>
       <p:ext uri="{BB962C8B-B14F-4D97-AF65-F5344CB8AC3E}">
-        <p14:creationId xmlns="" xmlns:p14="http://schemas.microsoft.com/office/powerpoint/2010/main" val="1948239631"/>
+        <p14:creationId xmlns:p14="http://schemas.microsoft.com/office/powerpoint/2010/main" xmlns="" val="1948239631"/>
       </p:ext>
     </p:extLst>
   </p:cSld>
@@ -21874,7 +21874,7 @@
           <a:blip r:embed="rId3" cstate="print">
             <a:extLst>
               <a:ext uri="{28A0092B-C50C-407E-A947-70E740481C1C}">
-                <a14:useLocalDpi xmlns="" xmlns:a14="http://schemas.microsoft.com/office/drawing/2010/main" val="0"/>
+                <a14:useLocalDpi xmlns:a14="http://schemas.microsoft.com/office/drawing/2010/main" xmlns="" val="0"/>
               </a:ext>
             </a:extLst>
           </a:blip>
@@ -21894,7 +21894,7 @@
           <a:noFill/>
           <a:extLst>
             <a:ext uri="{909E8E84-426E-40DD-AFC4-6F175D3DCCD1}">
-              <a14:hiddenFill xmlns="" xmlns:a14="http://schemas.microsoft.com/office/drawing/2010/main">
+              <a14:hiddenFill xmlns:a14="http://schemas.microsoft.com/office/drawing/2010/main" xmlns="">
                 <a:solidFill>
                   <a:srgbClr val="FFFFFF"/>
                 </a:solidFill>
@@ -21915,7 +21915,7 @@
           <a:blip r:embed="rId4" cstate="print">
             <a:extLst>
               <a:ext uri="{28A0092B-C50C-407E-A947-70E740481C1C}">
-                <a14:useLocalDpi xmlns="" xmlns:a14="http://schemas.microsoft.com/office/drawing/2010/main" val="0"/>
+                <a14:useLocalDpi xmlns:a14="http://schemas.microsoft.com/office/drawing/2010/main" xmlns="" val="0"/>
               </a:ext>
             </a:extLst>
           </a:blip>
@@ -21935,7 +21935,7 @@
           <a:noFill/>
           <a:extLst>
             <a:ext uri="{909E8E84-426E-40DD-AFC4-6F175D3DCCD1}">
-              <a14:hiddenFill xmlns="" xmlns:a14="http://schemas.microsoft.com/office/drawing/2010/main">
+              <a14:hiddenFill xmlns:a14="http://schemas.microsoft.com/office/drawing/2010/main" xmlns="">
                 <a:solidFill>
                   <a:srgbClr val="FFFFFF"/>
                 </a:solidFill>
@@ -21947,7 +21947,7 @@
     </p:spTree>
     <p:extLst>
       <p:ext uri="{BB962C8B-B14F-4D97-AF65-F5344CB8AC3E}">
-        <p14:creationId xmlns="" xmlns:p14="http://schemas.microsoft.com/office/powerpoint/2010/main" val="3730440862"/>
+        <p14:creationId xmlns:p14="http://schemas.microsoft.com/office/powerpoint/2010/main" xmlns="" val="3730440862"/>
       </p:ext>
     </p:extLst>
   </p:cSld>
@@ -22025,7 +22025,7 @@
           <a:blip r:embed="rId3" cstate="print">
             <a:extLst>
               <a:ext uri="{28A0092B-C50C-407E-A947-70E740481C1C}">
-                <a14:useLocalDpi xmlns="" xmlns:a14="http://schemas.microsoft.com/office/drawing/2010/main" val="0"/>
+                <a14:useLocalDpi xmlns:a14="http://schemas.microsoft.com/office/drawing/2010/main" xmlns="" val="0"/>
               </a:ext>
             </a:extLst>
           </a:blip>
@@ -22045,7 +22045,7 @@
           <a:noFill/>
           <a:extLst>
             <a:ext uri="{909E8E84-426E-40DD-AFC4-6F175D3DCCD1}">
-              <a14:hiddenFill xmlns="" xmlns:a14="http://schemas.microsoft.com/office/drawing/2010/main">
+              <a14:hiddenFill xmlns:a14="http://schemas.microsoft.com/office/drawing/2010/main" xmlns="">
                 <a:solidFill>
                   <a:srgbClr val="FFFFFF"/>
                 </a:solidFill>
@@ -22066,7 +22066,7 @@
           <a:blip r:embed="rId4" cstate="print">
             <a:extLst>
               <a:ext uri="{28A0092B-C50C-407E-A947-70E740481C1C}">
-                <a14:useLocalDpi xmlns="" xmlns:a14="http://schemas.microsoft.com/office/drawing/2010/main" val="0"/>
+                <a14:useLocalDpi xmlns:a14="http://schemas.microsoft.com/office/drawing/2010/main" xmlns="" val="0"/>
               </a:ext>
             </a:extLst>
           </a:blip>
@@ -22086,7 +22086,7 @@
           <a:noFill/>
           <a:extLst>
             <a:ext uri="{909E8E84-426E-40DD-AFC4-6F175D3DCCD1}">
-              <a14:hiddenFill xmlns="" xmlns:a14="http://schemas.microsoft.com/office/drawing/2010/main">
+              <a14:hiddenFill xmlns:a14="http://schemas.microsoft.com/office/drawing/2010/main" xmlns="">
                 <a:solidFill>
                   <a:srgbClr val="FFFFFF"/>
                 </a:solidFill>
@@ -22533,7 +22533,7 @@
           <a:blip r:embed="rId5" cstate="print">
             <a:extLst>
               <a:ext uri="{28A0092B-C50C-407E-A947-70E740481C1C}">
-                <a14:useLocalDpi xmlns="" xmlns:a14="http://schemas.microsoft.com/office/drawing/2010/main" val="0"/>
+                <a14:useLocalDpi xmlns:a14="http://schemas.microsoft.com/office/drawing/2010/main" xmlns="" val="0"/>
               </a:ext>
             </a:extLst>
           </a:blip>
@@ -22592,7 +22592,7 @@
     </p:spTree>
     <p:extLst>
       <p:ext uri="{BB962C8B-B14F-4D97-AF65-F5344CB8AC3E}">
-        <p14:creationId xmlns="" xmlns:p14="http://schemas.microsoft.com/office/powerpoint/2010/main" val="371114157"/>
+        <p14:creationId xmlns:p14="http://schemas.microsoft.com/office/powerpoint/2010/main" xmlns="" val="371114157"/>
       </p:ext>
     </p:extLst>
   </p:cSld>
@@ -22670,7 +22670,7 @@
           <a:blip r:embed="rId3" cstate="print">
             <a:extLst>
               <a:ext uri="{28A0092B-C50C-407E-A947-70E740481C1C}">
-                <a14:useLocalDpi xmlns="" xmlns:a14="http://schemas.microsoft.com/office/drawing/2010/main" val="0"/>
+                <a14:useLocalDpi xmlns:a14="http://schemas.microsoft.com/office/drawing/2010/main" xmlns="" val="0"/>
               </a:ext>
             </a:extLst>
           </a:blip>
@@ -22690,7 +22690,7 @@
           <a:noFill/>
           <a:extLst>
             <a:ext uri="{909E8E84-426E-40DD-AFC4-6F175D3DCCD1}">
-              <a14:hiddenFill xmlns="" xmlns:a14="http://schemas.microsoft.com/office/drawing/2010/main">
+              <a14:hiddenFill xmlns:a14="http://schemas.microsoft.com/office/drawing/2010/main" xmlns="">
                 <a:solidFill>
                   <a:srgbClr val="FFFFFF"/>
                 </a:solidFill>
@@ -22711,7 +22711,7 @@
           <a:blip r:embed="rId4" cstate="print">
             <a:extLst>
               <a:ext uri="{28A0092B-C50C-407E-A947-70E740481C1C}">
-                <a14:useLocalDpi xmlns="" xmlns:a14="http://schemas.microsoft.com/office/drawing/2010/main" val="0"/>
+                <a14:useLocalDpi xmlns:a14="http://schemas.microsoft.com/office/drawing/2010/main" xmlns="" val="0"/>
               </a:ext>
             </a:extLst>
           </a:blip>
@@ -22731,7 +22731,7 @@
           <a:noFill/>
           <a:extLst>
             <a:ext uri="{909E8E84-426E-40DD-AFC4-6F175D3DCCD1}">
-              <a14:hiddenFill xmlns="" xmlns:a14="http://schemas.microsoft.com/office/drawing/2010/main">
+              <a14:hiddenFill xmlns:a14="http://schemas.microsoft.com/office/drawing/2010/main" xmlns="">
                 <a:solidFill>
                   <a:srgbClr val="FFFFFF"/>
                 </a:solidFill>
@@ -23200,7 +23200,7 @@
     </p:spTree>
     <p:extLst>
       <p:ext uri="{BB962C8B-B14F-4D97-AF65-F5344CB8AC3E}">
-        <p14:creationId xmlns="" xmlns:p14="http://schemas.microsoft.com/office/powerpoint/2010/main" val="2451265666"/>
+        <p14:creationId xmlns:p14="http://schemas.microsoft.com/office/powerpoint/2010/main" xmlns="" val="2451265666"/>
       </p:ext>
     </p:extLst>
   </p:cSld>
@@ -23278,7 +23278,7 @@
           <a:blip r:embed="rId3" cstate="print">
             <a:extLst>
               <a:ext uri="{28A0092B-C50C-407E-A947-70E740481C1C}">
-                <a14:useLocalDpi xmlns="" xmlns:a14="http://schemas.microsoft.com/office/drawing/2010/main" val="0"/>
+                <a14:useLocalDpi xmlns:a14="http://schemas.microsoft.com/office/drawing/2010/main" xmlns="" val="0"/>
               </a:ext>
             </a:extLst>
           </a:blip>
@@ -23298,7 +23298,7 @@
           <a:noFill/>
           <a:extLst>
             <a:ext uri="{909E8E84-426E-40DD-AFC4-6F175D3DCCD1}">
-              <a14:hiddenFill xmlns="" xmlns:a14="http://schemas.microsoft.com/office/drawing/2010/main">
+              <a14:hiddenFill xmlns:a14="http://schemas.microsoft.com/office/drawing/2010/main" xmlns="">
                 <a:solidFill>
                   <a:srgbClr val="FFFFFF"/>
                 </a:solidFill>
@@ -23319,7 +23319,7 @@
           <a:blip r:embed="rId4" cstate="print">
             <a:extLst>
               <a:ext uri="{28A0092B-C50C-407E-A947-70E740481C1C}">
-                <a14:useLocalDpi xmlns="" xmlns:a14="http://schemas.microsoft.com/office/drawing/2010/main" val="0"/>
+                <a14:useLocalDpi xmlns:a14="http://schemas.microsoft.com/office/drawing/2010/main" xmlns="" val="0"/>
               </a:ext>
             </a:extLst>
           </a:blip>
@@ -23339,7 +23339,7 @@
           <a:noFill/>
           <a:extLst>
             <a:ext uri="{909E8E84-426E-40DD-AFC4-6F175D3DCCD1}">
-              <a14:hiddenFill xmlns="" xmlns:a14="http://schemas.microsoft.com/office/drawing/2010/main">
+              <a14:hiddenFill xmlns:a14="http://schemas.microsoft.com/office/drawing/2010/main" xmlns="">
                 <a:solidFill>
                   <a:srgbClr val="FFFFFF"/>
                 </a:solidFill>
@@ -23633,7 +23633,7 @@
     </p:spTree>
     <p:extLst>
       <p:ext uri="{BB962C8B-B14F-4D97-AF65-F5344CB8AC3E}">
-        <p14:creationId xmlns="" xmlns:p14="http://schemas.microsoft.com/office/powerpoint/2010/main" val="2270680916"/>
+        <p14:creationId xmlns:p14="http://schemas.microsoft.com/office/powerpoint/2010/main" xmlns="" val="2270680916"/>
       </p:ext>
     </p:extLst>
   </p:cSld>
@@ -23711,7 +23711,7 @@
           <a:blip r:embed="rId3" cstate="print">
             <a:extLst>
               <a:ext uri="{28A0092B-C50C-407E-A947-70E740481C1C}">
-                <a14:useLocalDpi xmlns="" xmlns:a14="http://schemas.microsoft.com/office/drawing/2010/main" val="0"/>
+                <a14:useLocalDpi xmlns:a14="http://schemas.microsoft.com/office/drawing/2010/main" xmlns="" val="0"/>
               </a:ext>
             </a:extLst>
           </a:blip>
@@ -23731,7 +23731,7 @@
           <a:noFill/>
           <a:extLst>
             <a:ext uri="{909E8E84-426E-40DD-AFC4-6F175D3DCCD1}">
-              <a14:hiddenFill xmlns="" xmlns:a14="http://schemas.microsoft.com/office/drawing/2010/main">
+              <a14:hiddenFill xmlns:a14="http://schemas.microsoft.com/office/drawing/2010/main" xmlns="">
                 <a:solidFill>
                   <a:srgbClr val="FFFFFF"/>
                 </a:solidFill>
@@ -23752,7 +23752,7 @@
           <a:blip r:embed="rId4" cstate="print">
             <a:extLst>
               <a:ext uri="{28A0092B-C50C-407E-A947-70E740481C1C}">
-                <a14:useLocalDpi xmlns="" xmlns:a14="http://schemas.microsoft.com/office/drawing/2010/main" val="0"/>
+                <a14:useLocalDpi xmlns:a14="http://schemas.microsoft.com/office/drawing/2010/main" xmlns="" val="0"/>
               </a:ext>
             </a:extLst>
           </a:blip>
@@ -23772,7 +23772,7 @@
           <a:noFill/>
           <a:extLst>
             <a:ext uri="{909E8E84-426E-40DD-AFC4-6F175D3DCCD1}">
-              <a14:hiddenFill xmlns="" xmlns:a14="http://schemas.microsoft.com/office/drawing/2010/main">
+              <a14:hiddenFill xmlns:a14="http://schemas.microsoft.com/office/drawing/2010/main" xmlns="">
                 <a:solidFill>
                   <a:srgbClr val="FFFFFF"/>
                 </a:solidFill>
@@ -24291,7 +24291,7 @@
     </p:spTree>
     <p:extLst>
       <p:ext uri="{BB962C8B-B14F-4D97-AF65-F5344CB8AC3E}">
-        <p14:creationId xmlns="" xmlns:p14="http://schemas.microsoft.com/office/powerpoint/2010/main" val="1231639983"/>
+        <p14:creationId xmlns:p14="http://schemas.microsoft.com/office/powerpoint/2010/main" xmlns="" val="1231639983"/>
       </p:ext>
     </p:extLst>
   </p:cSld>
@@ -24369,7 +24369,7 @@
           <a:blip r:embed="rId3" cstate="print">
             <a:extLst>
               <a:ext uri="{28A0092B-C50C-407E-A947-70E740481C1C}">
-                <a14:useLocalDpi xmlns="" xmlns:a14="http://schemas.microsoft.com/office/drawing/2010/main" val="0"/>
+                <a14:useLocalDpi xmlns:a14="http://schemas.microsoft.com/office/drawing/2010/main" xmlns="" val="0"/>
               </a:ext>
             </a:extLst>
           </a:blip>
@@ -24389,7 +24389,7 @@
           <a:noFill/>
           <a:extLst>
             <a:ext uri="{909E8E84-426E-40DD-AFC4-6F175D3DCCD1}">
-              <a14:hiddenFill xmlns="" xmlns:a14="http://schemas.microsoft.com/office/drawing/2010/main">
+              <a14:hiddenFill xmlns:a14="http://schemas.microsoft.com/office/drawing/2010/main" xmlns="">
                 <a:solidFill>
                   <a:srgbClr val="FFFFFF"/>
                 </a:solidFill>
@@ -24410,7 +24410,7 @@
           <a:blip r:embed="rId4" cstate="print">
             <a:extLst>
               <a:ext uri="{28A0092B-C50C-407E-A947-70E740481C1C}">
-                <a14:useLocalDpi xmlns="" xmlns:a14="http://schemas.microsoft.com/office/drawing/2010/main" val="0"/>
+                <a14:useLocalDpi xmlns:a14="http://schemas.microsoft.com/office/drawing/2010/main" xmlns="" val="0"/>
               </a:ext>
             </a:extLst>
           </a:blip>
@@ -24430,7 +24430,7 @@
           <a:noFill/>
           <a:extLst>
             <a:ext uri="{909E8E84-426E-40DD-AFC4-6F175D3DCCD1}">
-              <a14:hiddenFill xmlns="" xmlns:a14="http://schemas.microsoft.com/office/drawing/2010/main">
+              <a14:hiddenFill xmlns:a14="http://schemas.microsoft.com/office/drawing/2010/main" xmlns="">
                 <a:solidFill>
                   <a:srgbClr val="FFFFFF"/>
                 </a:solidFill>
@@ -24719,7 +24719,7 @@
           <a:blip r:embed="rId5" cstate="print">
             <a:extLst>
               <a:ext uri="{28A0092B-C50C-407E-A947-70E740481C1C}">
-                <a14:useLocalDpi xmlns="" xmlns:a14="http://schemas.microsoft.com/office/drawing/2010/main" val="0"/>
+                <a14:useLocalDpi xmlns:a14="http://schemas.microsoft.com/office/drawing/2010/main" xmlns="" val="0"/>
               </a:ext>
             </a:extLst>
           </a:blip>
@@ -24740,7 +24740,7 @@
     </p:spTree>
     <p:extLst>
       <p:ext uri="{BB962C8B-B14F-4D97-AF65-F5344CB8AC3E}">
-        <p14:creationId xmlns="" xmlns:p14="http://schemas.microsoft.com/office/powerpoint/2010/main" val="2631451680"/>
+        <p14:creationId xmlns:p14="http://schemas.microsoft.com/office/powerpoint/2010/main" xmlns="" val="2631451680"/>
       </p:ext>
     </p:extLst>
   </p:cSld>
@@ -24818,7 +24818,7 @@
           <a:blip r:embed="rId3" cstate="print">
             <a:extLst>
               <a:ext uri="{28A0092B-C50C-407E-A947-70E740481C1C}">
-                <a14:useLocalDpi xmlns="" xmlns:a14="http://schemas.microsoft.com/office/drawing/2010/main" val="0"/>
+                <a14:useLocalDpi xmlns:a14="http://schemas.microsoft.com/office/drawing/2010/main" xmlns="" val="0"/>
               </a:ext>
             </a:extLst>
           </a:blip>
@@ -24838,7 +24838,7 @@
           <a:noFill/>
           <a:extLst>
             <a:ext uri="{909E8E84-426E-40DD-AFC4-6F175D3DCCD1}">
-              <a14:hiddenFill xmlns="" xmlns:a14="http://schemas.microsoft.com/office/drawing/2010/main">
+              <a14:hiddenFill xmlns:a14="http://schemas.microsoft.com/office/drawing/2010/main" xmlns="">
                 <a:solidFill>
                   <a:srgbClr val="FFFFFF"/>
                 </a:solidFill>
@@ -24859,7 +24859,7 @@
           <a:blip r:embed="rId4" cstate="print">
             <a:extLst>
               <a:ext uri="{28A0092B-C50C-407E-A947-70E740481C1C}">
-                <a14:useLocalDpi xmlns="" xmlns:a14="http://schemas.microsoft.com/office/drawing/2010/main" val="0"/>
+                <a14:useLocalDpi xmlns:a14="http://schemas.microsoft.com/office/drawing/2010/main" xmlns="" val="0"/>
               </a:ext>
             </a:extLst>
           </a:blip>
@@ -24879,7 +24879,7 @@
           <a:noFill/>
           <a:extLst>
             <a:ext uri="{909E8E84-426E-40DD-AFC4-6F175D3DCCD1}">
-              <a14:hiddenFill xmlns="" xmlns:a14="http://schemas.microsoft.com/office/drawing/2010/main">
+              <a14:hiddenFill xmlns:a14="http://schemas.microsoft.com/office/drawing/2010/main" xmlns="">
                 <a:solidFill>
                   <a:srgbClr val="FFFFFF"/>
                 </a:solidFill>
@@ -25400,7 +25400,7 @@
     </p:spTree>
     <p:extLst>
       <p:ext uri="{BB962C8B-B14F-4D97-AF65-F5344CB8AC3E}">
-        <p14:creationId xmlns="" xmlns:p14="http://schemas.microsoft.com/office/powerpoint/2010/main" val="3569134236"/>
+        <p14:creationId xmlns:p14="http://schemas.microsoft.com/office/powerpoint/2010/main" xmlns="" val="3569134236"/>
       </p:ext>
     </p:extLst>
   </p:cSld>
@@ -25478,7 +25478,7 @@
           <a:blip r:embed="rId3" cstate="print">
             <a:extLst>
               <a:ext uri="{28A0092B-C50C-407E-A947-70E740481C1C}">
-                <a14:useLocalDpi xmlns="" xmlns:a14="http://schemas.microsoft.com/office/drawing/2010/main" val="0"/>
+                <a14:useLocalDpi xmlns:a14="http://schemas.microsoft.com/office/drawing/2010/main" xmlns="" val="0"/>
               </a:ext>
             </a:extLst>
           </a:blip>
@@ -25498,7 +25498,7 @@
           <a:noFill/>
           <a:extLst>
             <a:ext uri="{909E8E84-426E-40DD-AFC4-6F175D3DCCD1}">
-              <a14:hiddenFill xmlns="" xmlns:a14="http://schemas.microsoft.com/office/drawing/2010/main">
+              <a14:hiddenFill xmlns:a14="http://schemas.microsoft.com/office/drawing/2010/main" xmlns="">
                 <a:solidFill>
                   <a:srgbClr val="FFFFFF"/>
                 </a:solidFill>
@@ -25519,7 +25519,7 @@
           <a:blip r:embed="rId4" cstate="print">
             <a:extLst>
               <a:ext uri="{28A0092B-C50C-407E-A947-70E740481C1C}">
-                <a14:useLocalDpi xmlns="" xmlns:a14="http://schemas.microsoft.com/office/drawing/2010/main" val="0"/>
+                <a14:useLocalDpi xmlns:a14="http://schemas.microsoft.com/office/drawing/2010/main" xmlns="" val="0"/>
               </a:ext>
             </a:extLst>
           </a:blip>
@@ -25539,7 +25539,7 @@
           <a:noFill/>
           <a:extLst>
             <a:ext uri="{909E8E84-426E-40DD-AFC4-6F175D3DCCD1}">
-              <a14:hiddenFill xmlns="" xmlns:a14="http://schemas.microsoft.com/office/drawing/2010/main">
+              <a14:hiddenFill xmlns:a14="http://schemas.microsoft.com/office/drawing/2010/main" xmlns="">
                 <a:solidFill>
                   <a:srgbClr val="FFFFFF"/>
                 </a:solidFill>
@@ -26072,7 +26072,7 @@
     </p:spTree>
     <p:extLst>
       <p:ext uri="{BB962C8B-B14F-4D97-AF65-F5344CB8AC3E}">
-        <p14:creationId xmlns="" xmlns:p14="http://schemas.microsoft.com/office/powerpoint/2010/main" val="3452687192"/>
+        <p14:creationId xmlns:p14="http://schemas.microsoft.com/office/powerpoint/2010/main" xmlns="" val="3452687192"/>
       </p:ext>
     </p:extLst>
   </p:cSld>
@@ -26150,7 +26150,7 @@
           <a:blip r:embed="rId3" cstate="print">
             <a:extLst>
               <a:ext uri="{28A0092B-C50C-407E-A947-70E740481C1C}">
-                <a14:useLocalDpi xmlns="" xmlns:a14="http://schemas.microsoft.com/office/drawing/2010/main" val="0"/>
+                <a14:useLocalDpi xmlns:a14="http://schemas.microsoft.com/office/drawing/2010/main" xmlns="" val="0"/>
               </a:ext>
             </a:extLst>
           </a:blip>
@@ -26170,7 +26170,7 @@
           <a:noFill/>
           <a:extLst>
             <a:ext uri="{909E8E84-426E-40DD-AFC4-6F175D3DCCD1}">
-              <a14:hiddenFill xmlns="" xmlns:a14="http://schemas.microsoft.com/office/drawing/2010/main">
+              <a14:hiddenFill xmlns:a14="http://schemas.microsoft.com/office/drawing/2010/main" xmlns="">
                 <a:solidFill>
                   <a:srgbClr val="FFFFFF"/>
                 </a:solidFill>
@@ -26191,7 +26191,7 @@
           <a:blip r:embed="rId4" cstate="print">
             <a:extLst>
               <a:ext uri="{28A0092B-C50C-407E-A947-70E740481C1C}">
-                <a14:useLocalDpi xmlns="" xmlns:a14="http://schemas.microsoft.com/office/drawing/2010/main" val="0"/>
+                <a14:useLocalDpi xmlns:a14="http://schemas.microsoft.com/office/drawing/2010/main" xmlns="" val="0"/>
               </a:ext>
             </a:extLst>
           </a:blip>
@@ -26211,7 +26211,7 @@
           <a:noFill/>
           <a:extLst>
             <a:ext uri="{909E8E84-426E-40DD-AFC4-6F175D3DCCD1}">
-              <a14:hiddenFill xmlns="" xmlns:a14="http://schemas.microsoft.com/office/drawing/2010/main">
+              <a14:hiddenFill xmlns:a14="http://schemas.microsoft.com/office/drawing/2010/main" xmlns="">
                 <a:solidFill>
                   <a:srgbClr val="FFFFFF"/>
                 </a:solidFill>
@@ -26705,7 +26705,7 @@
           <a:blip r:embed="rId5" cstate="print">
             <a:extLst>
               <a:ext uri="{28A0092B-C50C-407E-A947-70E740481C1C}">
-                <a14:useLocalDpi xmlns="" xmlns:a14="http://schemas.microsoft.com/office/drawing/2010/main" val="0"/>
+                <a14:useLocalDpi xmlns:a14="http://schemas.microsoft.com/office/drawing/2010/main" xmlns="" val="0"/>
               </a:ext>
             </a:extLst>
           </a:blip>
@@ -26726,7 +26726,7 @@
     </p:spTree>
     <p:extLst>
       <p:ext uri="{BB962C8B-B14F-4D97-AF65-F5344CB8AC3E}">
-        <p14:creationId xmlns="" xmlns:p14="http://schemas.microsoft.com/office/powerpoint/2010/main" val="1895813771"/>
+        <p14:creationId xmlns:p14="http://schemas.microsoft.com/office/powerpoint/2010/main" xmlns="" val="1895813771"/>
       </p:ext>
     </p:extLst>
   </p:cSld>
@@ -26804,7 +26804,7 @@
           <a:blip r:embed="rId3" cstate="print">
             <a:extLst>
               <a:ext uri="{28A0092B-C50C-407E-A947-70E740481C1C}">
-                <a14:useLocalDpi xmlns="" xmlns:a14="http://schemas.microsoft.com/office/drawing/2010/main" val="0"/>
+                <a14:useLocalDpi xmlns:a14="http://schemas.microsoft.com/office/drawing/2010/main" xmlns="" val="0"/>
               </a:ext>
             </a:extLst>
           </a:blip>
@@ -26824,7 +26824,7 @@
           <a:noFill/>
           <a:extLst>
             <a:ext uri="{909E8E84-426E-40DD-AFC4-6F175D3DCCD1}">
-              <a14:hiddenFill xmlns="" xmlns:a14="http://schemas.microsoft.com/office/drawing/2010/main">
+              <a14:hiddenFill xmlns:a14="http://schemas.microsoft.com/office/drawing/2010/main" xmlns="">
                 <a:solidFill>
                   <a:srgbClr val="FFFFFF"/>
                 </a:solidFill>
@@ -26845,7 +26845,7 @@
           <a:blip r:embed="rId4" cstate="print">
             <a:extLst>
               <a:ext uri="{28A0092B-C50C-407E-A947-70E740481C1C}">
-                <a14:useLocalDpi xmlns="" xmlns:a14="http://schemas.microsoft.com/office/drawing/2010/main" val="0"/>
+                <a14:useLocalDpi xmlns:a14="http://schemas.microsoft.com/office/drawing/2010/main" xmlns="" val="0"/>
               </a:ext>
             </a:extLst>
           </a:blip>
@@ -26865,7 +26865,7 @@
           <a:noFill/>
           <a:extLst>
             <a:ext uri="{909E8E84-426E-40DD-AFC4-6F175D3DCCD1}">
-              <a14:hiddenFill xmlns="" xmlns:a14="http://schemas.microsoft.com/office/drawing/2010/main">
+              <a14:hiddenFill xmlns:a14="http://schemas.microsoft.com/office/drawing/2010/main" xmlns="">
                 <a:solidFill>
                   <a:srgbClr val="FFFFFF"/>
                 </a:solidFill>
@@ -27359,7 +27359,7 @@
           <a:blip r:embed="rId5" cstate="print">
             <a:extLst>
               <a:ext uri="{28A0092B-C50C-407E-A947-70E740481C1C}">
-                <a14:useLocalDpi xmlns="" xmlns:a14="http://schemas.microsoft.com/office/drawing/2010/main" val="0"/>
+                <a14:useLocalDpi xmlns:a14="http://schemas.microsoft.com/office/drawing/2010/main" xmlns="" val="0"/>
               </a:ext>
             </a:extLst>
           </a:blip>
@@ -27380,7 +27380,7 @@
     </p:spTree>
     <p:extLst>
       <p:ext uri="{BB962C8B-B14F-4D97-AF65-F5344CB8AC3E}">
-        <p14:creationId xmlns="" xmlns:p14="http://schemas.microsoft.com/office/powerpoint/2010/main" val="1731941927"/>
+        <p14:creationId xmlns:p14="http://schemas.microsoft.com/office/powerpoint/2010/main" xmlns="" val="1731941927"/>
       </p:ext>
     </p:extLst>
   </p:cSld>
@@ -27835,7 +27835,7 @@
           <a:blip r:embed="rId3" cstate="print">
             <a:extLst>
               <a:ext uri="{28A0092B-C50C-407E-A947-70E740481C1C}">
-                <a14:useLocalDpi xmlns="" xmlns:a14="http://schemas.microsoft.com/office/drawing/2010/main" val="0"/>
+                <a14:useLocalDpi xmlns:a14="http://schemas.microsoft.com/office/drawing/2010/main" xmlns="" val="0"/>
               </a:ext>
             </a:extLst>
           </a:blip>
@@ -27855,7 +27855,7 @@
           <a:noFill/>
           <a:extLst>
             <a:ext uri="{909E8E84-426E-40DD-AFC4-6F175D3DCCD1}">
-              <a14:hiddenFill xmlns="" xmlns:a14="http://schemas.microsoft.com/office/drawing/2010/main">
+              <a14:hiddenFill xmlns:a14="http://schemas.microsoft.com/office/drawing/2010/main" xmlns="">
                 <a:solidFill>
                   <a:srgbClr val="FFFFFF"/>
                 </a:solidFill>
@@ -27876,7 +27876,7 @@
           <a:blip r:embed="rId4" cstate="print">
             <a:extLst>
               <a:ext uri="{28A0092B-C50C-407E-A947-70E740481C1C}">
-                <a14:useLocalDpi xmlns="" xmlns:a14="http://schemas.microsoft.com/office/drawing/2010/main" val="0"/>
+                <a14:useLocalDpi xmlns:a14="http://schemas.microsoft.com/office/drawing/2010/main" xmlns="" val="0"/>
               </a:ext>
             </a:extLst>
           </a:blip>
@@ -27896,7 +27896,7 @@
           <a:noFill/>
           <a:extLst>
             <a:ext uri="{909E8E84-426E-40DD-AFC4-6F175D3DCCD1}">
-              <a14:hiddenFill xmlns="" xmlns:a14="http://schemas.microsoft.com/office/drawing/2010/main">
+              <a14:hiddenFill xmlns:a14="http://schemas.microsoft.com/office/drawing/2010/main" xmlns="">
                 <a:solidFill>
                   <a:srgbClr val="FFFFFF"/>
                 </a:solidFill>
@@ -27908,7 +27908,7 @@
     </p:spTree>
     <p:extLst>
       <p:ext uri="{BB962C8B-B14F-4D97-AF65-F5344CB8AC3E}">
-        <p14:creationId xmlns="" xmlns:p14="http://schemas.microsoft.com/office/powerpoint/2010/main" val="326677412"/>
+        <p14:creationId xmlns:p14="http://schemas.microsoft.com/office/powerpoint/2010/main" xmlns="" val="326677412"/>
       </p:ext>
     </p:extLst>
   </p:cSld>
@@ -27986,7 +27986,7 @@
           <a:blip r:embed="rId3" cstate="print">
             <a:extLst>
               <a:ext uri="{28A0092B-C50C-407E-A947-70E740481C1C}">
-                <a14:useLocalDpi xmlns="" xmlns:a14="http://schemas.microsoft.com/office/drawing/2010/main" val="0"/>
+                <a14:useLocalDpi xmlns:a14="http://schemas.microsoft.com/office/drawing/2010/main" xmlns="" val="0"/>
               </a:ext>
             </a:extLst>
           </a:blip>
@@ -28006,7 +28006,7 @@
           <a:noFill/>
           <a:extLst>
             <a:ext uri="{909E8E84-426E-40DD-AFC4-6F175D3DCCD1}">
-              <a14:hiddenFill xmlns="" xmlns:a14="http://schemas.microsoft.com/office/drawing/2010/main">
+              <a14:hiddenFill xmlns:a14="http://schemas.microsoft.com/office/drawing/2010/main" xmlns="">
                 <a:solidFill>
                   <a:srgbClr val="FFFFFF"/>
                 </a:solidFill>
@@ -28027,7 +28027,7 @@
           <a:blip r:embed="rId4" cstate="print">
             <a:extLst>
               <a:ext uri="{28A0092B-C50C-407E-A947-70E740481C1C}">
-                <a14:useLocalDpi xmlns="" xmlns:a14="http://schemas.microsoft.com/office/drawing/2010/main" val="0"/>
+                <a14:useLocalDpi xmlns:a14="http://schemas.microsoft.com/office/drawing/2010/main" xmlns="" val="0"/>
               </a:ext>
             </a:extLst>
           </a:blip>
@@ -28047,7 +28047,7 @@
           <a:noFill/>
           <a:extLst>
             <a:ext uri="{909E8E84-426E-40DD-AFC4-6F175D3DCCD1}">
-              <a14:hiddenFill xmlns="" xmlns:a14="http://schemas.microsoft.com/office/drawing/2010/main">
+              <a14:hiddenFill xmlns:a14="http://schemas.microsoft.com/office/drawing/2010/main" xmlns="">
                 <a:solidFill>
                   <a:srgbClr val="FFFFFF"/>
                 </a:solidFill>
@@ -28597,7 +28597,7 @@
     </p:spTree>
     <p:extLst>
       <p:ext uri="{BB962C8B-B14F-4D97-AF65-F5344CB8AC3E}">
-        <p14:creationId xmlns="" xmlns:p14="http://schemas.microsoft.com/office/powerpoint/2010/main" val="2144027803"/>
+        <p14:creationId xmlns:p14="http://schemas.microsoft.com/office/powerpoint/2010/main" xmlns="" val="2144027803"/>
       </p:ext>
     </p:extLst>
   </p:cSld>
@@ -28675,7 +28675,7 @@
           <a:blip r:embed="rId3" cstate="print">
             <a:extLst>
               <a:ext uri="{28A0092B-C50C-407E-A947-70E740481C1C}">
-                <a14:useLocalDpi xmlns="" xmlns:a14="http://schemas.microsoft.com/office/drawing/2010/main" val="0"/>
+                <a14:useLocalDpi xmlns:a14="http://schemas.microsoft.com/office/drawing/2010/main" xmlns="" val="0"/>
               </a:ext>
             </a:extLst>
           </a:blip>
@@ -28695,7 +28695,7 @@
           <a:noFill/>
           <a:extLst>
             <a:ext uri="{909E8E84-426E-40DD-AFC4-6F175D3DCCD1}">
-              <a14:hiddenFill xmlns="" xmlns:a14="http://schemas.microsoft.com/office/drawing/2010/main">
+              <a14:hiddenFill xmlns:a14="http://schemas.microsoft.com/office/drawing/2010/main" xmlns="">
                 <a:solidFill>
                   <a:srgbClr val="FFFFFF"/>
                 </a:solidFill>
@@ -28716,7 +28716,7 @@
           <a:blip r:embed="rId4" cstate="print">
             <a:extLst>
               <a:ext uri="{28A0092B-C50C-407E-A947-70E740481C1C}">
-                <a14:useLocalDpi xmlns="" xmlns:a14="http://schemas.microsoft.com/office/drawing/2010/main" val="0"/>
+                <a14:useLocalDpi xmlns:a14="http://schemas.microsoft.com/office/drawing/2010/main" xmlns="" val="0"/>
               </a:ext>
             </a:extLst>
           </a:blip>
@@ -28736,7 +28736,7 @@
           <a:noFill/>
           <a:extLst>
             <a:ext uri="{909E8E84-426E-40DD-AFC4-6F175D3DCCD1}">
-              <a14:hiddenFill xmlns="" xmlns:a14="http://schemas.microsoft.com/office/drawing/2010/main">
+              <a14:hiddenFill xmlns:a14="http://schemas.microsoft.com/office/drawing/2010/main" xmlns="">
                 <a:solidFill>
                   <a:srgbClr val="FFFFFF"/>
                 </a:solidFill>
@@ -29277,7 +29277,7 @@
     </p:spTree>
     <p:extLst>
       <p:ext uri="{BB962C8B-B14F-4D97-AF65-F5344CB8AC3E}">
-        <p14:creationId xmlns="" xmlns:p14="http://schemas.microsoft.com/office/powerpoint/2010/main" val="3033221212"/>
+        <p14:creationId xmlns:p14="http://schemas.microsoft.com/office/powerpoint/2010/main" xmlns="" val="3033221212"/>
       </p:ext>
     </p:extLst>
   </p:cSld>
@@ -29355,7 +29355,7 @@
           <a:blip r:embed="rId3" cstate="print">
             <a:extLst>
               <a:ext uri="{28A0092B-C50C-407E-A947-70E740481C1C}">
-                <a14:useLocalDpi xmlns="" xmlns:a14="http://schemas.microsoft.com/office/drawing/2010/main" val="0"/>
+                <a14:useLocalDpi xmlns:a14="http://schemas.microsoft.com/office/drawing/2010/main" xmlns="" val="0"/>
               </a:ext>
             </a:extLst>
           </a:blip>
@@ -29375,7 +29375,7 @@
           <a:noFill/>
           <a:extLst>
             <a:ext uri="{909E8E84-426E-40DD-AFC4-6F175D3DCCD1}">
-              <a14:hiddenFill xmlns="" xmlns:a14="http://schemas.microsoft.com/office/drawing/2010/main">
+              <a14:hiddenFill xmlns:a14="http://schemas.microsoft.com/office/drawing/2010/main" xmlns="">
                 <a:solidFill>
                   <a:srgbClr val="FFFFFF"/>
                 </a:solidFill>
@@ -29396,7 +29396,7 @@
           <a:blip r:embed="rId4" cstate="print">
             <a:extLst>
               <a:ext uri="{28A0092B-C50C-407E-A947-70E740481C1C}">
-                <a14:useLocalDpi xmlns="" xmlns:a14="http://schemas.microsoft.com/office/drawing/2010/main" val="0"/>
+                <a14:useLocalDpi xmlns:a14="http://schemas.microsoft.com/office/drawing/2010/main" xmlns="" val="0"/>
               </a:ext>
             </a:extLst>
           </a:blip>
@@ -29416,7 +29416,7 @@
           <a:noFill/>
           <a:extLst>
             <a:ext uri="{909E8E84-426E-40DD-AFC4-6F175D3DCCD1}">
-              <a14:hiddenFill xmlns="" xmlns:a14="http://schemas.microsoft.com/office/drawing/2010/main">
+              <a14:hiddenFill xmlns:a14="http://schemas.microsoft.com/office/drawing/2010/main" xmlns="">
                 <a:solidFill>
                   <a:srgbClr val="FFFFFF"/>
                 </a:solidFill>
@@ -29702,7 +29702,7 @@
     </p:spTree>
     <p:extLst>
       <p:ext uri="{BB962C8B-B14F-4D97-AF65-F5344CB8AC3E}">
-        <p14:creationId xmlns="" xmlns:p14="http://schemas.microsoft.com/office/powerpoint/2010/main" val="2045473191"/>
+        <p14:creationId xmlns:p14="http://schemas.microsoft.com/office/powerpoint/2010/main" xmlns="" val="2045473191"/>
       </p:ext>
     </p:extLst>
   </p:cSld>
@@ -29780,7 +29780,7 @@
           <a:blip r:embed="rId3" cstate="print">
             <a:extLst>
               <a:ext uri="{28A0092B-C50C-407E-A947-70E740481C1C}">
-                <a14:useLocalDpi xmlns="" xmlns:a14="http://schemas.microsoft.com/office/drawing/2010/main" val="0"/>
+                <a14:useLocalDpi xmlns:a14="http://schemas.microsoft.com/office/drawing/2010/main" xmlns="" val="0"/>
               </a:ext>
             </a:extLst>
           </a:blip>
@@ -29800,7 +29800,7 @@
           <a:noFill/>
           <a:extLst>
             <a:ext uri="{909E8E84-426E-40DD-AFC4-6F175D3DCCD1}">
-              <a14:hiddenFill xmlns="" xmlns:a14="http://schemas.microsoft.com/office/drawing/2010/main">
+              <a14:hiddenFill xmlns:a14="http://schemas.microsoft.com/office/drawing/2010/main" xmlns="">
                 <a:solidFill>
                   <a:srgbClr val="FFFFFF"/>
                 </a:solidFill>
@@ -29821,7 +29821,7 @@
           <a:blip r:embed="rId4" cstate="print">
             <a:extLst>
               <a:ext uri="{28A0092B-C50C-407E-A947-70E740481C1C}">
-                <a14:useLocalDpi xmlns="" xmlns:a14="http://schemas.microsoft.com/office/drawing/2010/main" val="0"/>
+                <a14:useLocalDpi xmlns:a14="http://schemas.microsoft.com/office/drawing/2010/main" xmlns="" val="0"/>
               </a:ext>
             </a:extLst>
           </a:blip>
@@ -29841,7 +29841,7 @@
           <a:noFill/>
           <a:extLst>
             <a:ext uri="{909E8E84-426E-40DD-AFC4-6F175D3DCCD1}">
-              <a14:hiddenFill xmlns="" xmlns:a14="http://schemas.microsoft.com/office/drawing/2010/main">
+              <a14:hiddenFill xmlns:a14="http://schemas.microsoft.com/office/drawing/2010/main" xmlns="">
                 <a:solidFill>
                   <a:srgbClr val="FFFFFF"/>
                 </a:solidFill>
@@ -30364,7 +30364,7 @@
     </p:spTree>
     <p:extLst>
       <p:ext uri="{BB962C8B-B14F-4D97-AF65-F5344CB8AC3E}">
-        <p14:creationId xmlns="" xmlns:p14="http://schemas.microsoft.com/office/powerpoint/2010/main" val="3791234836"/>
+        <p14:creationId xmlns:p14="http://schemas.microsoft.com/office/powerpoint/2010/main" xmlns="" val="3791234836"/>
       </p:ext>
     </p:extLst>
   </p:cSld>
@@ -30589,7 +30589,7 @@
           <a:noFill/>
           <a:extLst>
             <a:ext uri="{909E8E84-426E-40DD-AFC4-6F175D3DCCD1}">
-              <a14:hiddenFill xmlns="" xmlns:a14="http://schemas.microsoft.com/office/drawing/2010/main">
+              <a14:hiddenFill xmlns:a14="http://schemas.microsoft.com/office/drawing/2010/main" xmlns="">
                 <a:solidFill>
                   <a:srgbClr val="FFFFFF"/>
                 </a:solidFill>
@@ -30625,7 +30625,7 @@
           <a:blip r:embed="rId3" cstate="print">
             <a:extLst>
               <a:ext uri="{28A0092B-C50C-407E-A947-70E740481C1C}">
-                <a14:useLocalDpi xmlns="" xmlns:a14="http://schemas.microsoft.com/office/drawing/2010/main" val="0"/>
+                <a14:useLocalDpi xmlns:a14="http://schemas.microsoft.com/office/drawing/2010/main" xmlns="" val="0"/>
               </a:ext>
             </a:extLst>
           </a:blip>
@@ -30645,7 +30645,7 @@
           <a:noFill/>
           <a:extLst>
             <a:ext uri="{909E8E84-426E-40DD-AFC4-6F175D3DCCD1}">
-              <a14:hiddenFill xmlns="" xmlns:a14="http://schemas.microsoft.com/office/drawing/2010/main">
+              <a14:hiddenFill xmlns:a14="http://schemas.microsoft.com/office/drawing/2010/main" xmlns="">
                 <a:solidFill>
                   <a:srgbClr val="FFFFFF"/>
                 </a:solidFill>
@@ -30666,7 +30666,7 @@
           <a:blip r:embed="rId4" cstate="print">
             <a:extLst>
               <a:ext uri="{28A0092B-C50C-407E-A947-70E740481C1C}">
-                <a14:useLocalDpi xmlns="" xmlns:a14="http://schemas.microsoft.com/office/drawing/2010/main" val="0"/>
+                <a14:useLocalDpi xmlns:a14="http://schemas.microsoft.com/office/drawing/2010/main" xmlns="" val="0"/>
               </a:ext>
             </a:extLst>
           </a:blip>
@@ -30686,7 +30686,7 @@
           <a:noFill/>
           <a:extLst>
             <a:ext uri="{909E8E84-426E-40DD-AFC4-6F175D3DCCD1}">
-              <a14:hiddenFill xmlns="" xmlns:a14="http://schemas.microsoft.com/office/drawing/2010/main">
+              <a14:hiddenFill xmlns:a14="http://schemas.microsoft.com/office/drawing/2010/main" xmlns="">
                 <a:solidFill>
                   <a:srgbClr val="FFFFFF"/>
                 </a:solidFill>
@@ -30698,7 +30698,7 @@
     </p:spTree>
     <p:extLst>
       <p:ext uri="{BB962C8B-B14F-4D97-AF65-F5344CB8AC3E}">
-        <p14:creationId xmlns="" xmlns:p14="http://schemas.microsoft.com/office/powerpoint/2010/main" val="1948239631"/>
+        <p14:creationId xmlns:p14="http://schemas.microsoft.com/office/powerpoint/2010/main" xmlns="" val="1948239631"/>
       </p:ext>
     </p:extLst>
   </p:cSld>
@@ -30802,8 +30802,13 @@
             <a:pPr marL="114300" indent="0"/>
             <a:r>
               <a:rPr lang="es-AR" dirty="0" smtClean="0"/>
-              <a:t>Paquetes Identificados e Implementados</a:t>
+              <a:t>Paquetes </a:t>
             </a:r>
+            <a:r>
+              <a:rPr lang="es-AR" dirty="0" smtClean="0"/>
+              <a:t>Implementados</a:t>
+            </a:r>
+            <a:endParaRPr lang="es-AR" dirty="0" smtClean="0"/>
           </a:p>
           <a:p>
             <a:pPr marL="114300" indent="0"/>
@@ -30911,7 +30916,7 @@
           <a:blip r:embed="rId3" cstate="print">
             <a:extLst>
               <a:ext uri="{28A0092B-C50C-407E-A947-70E740481C1C}">
-                <a14:useLocalDpi xmlns="" xmlns:a14="http://schemas.microsoft.com/office/drawing/2010/main" val="0"/>
+                <a14:useLocalDpi xmlns:a14="http://schemas.microsoft.com/office/drawing/2010/main" xmlns="" val="0"/>
               </a:ext>
             </a:extLst>
           </a:blip>
@@ -30931,7 +30936,7 @@
           <a:noFill/>
           <a:extLst>
             <a:ext uri="{909E8E84-426E-40DD-AFC4-6F175D3DCCD1}">
-              <a14:hiddenFill xmlns="" xmlns:a14="http://schemas.microsoft.com/office/drawing/2010/main">
+              <a14:hiddenFill xmlns:a14="http://schemas.microsoft.com/office/drawing/2010/main" xmlns="">
                 <a:solidFill>
                   <a:srgbClr val="FFFFFF"/>
                 </a:solidFill>
@@ -30952,7 +30957,7 @@
           <a:blip r:embed="rId4" cstate="print">
             <a:extLst>
               <a:ext uri="{28A0092B-C50C-407E-A947-70E740481C1C}">
-                <a14:useLocalDpi xmlns="" xmlns:a14="http://schemas.microsoft.com/office/drawing/2010/main" val="0"/>
+                <a14:useLocalDpi xmlns:a14="http://schemas.microsoft.com/office/drawing/2010/main" xmlns="" val="0"/>
               </a:ext>
             </a:extLst>
           </a:blip>
@@ -30972,7 +30977,7 @@
           <a:noFill/>
           <a:extLst>
             <a:ext uri="{909E8E84-426E-40DD-AFC4-6F175D3DCCD1}">
-              <a14:hiddenFill xmlns="" xmlns:a14="http://schemas.microsoft.com/office/drawing/2010/main">
+              <a14:hiddenFill xmlns:a14="http://schemas.microsoft.com/office/drawing/2010/main" xmlns="">
                 <a:solidFill>
                   <a:srgbClr val="FFFFFF"/>
                 </a:solidFill>
@@ -30984,7 +30989,7 @@
     </p:spTree>
     <p:extLst>
       <p:ext uri="{BB962C8B-B14F-4D97-AF65-F5344CB8AC3E}">
-        <p14:creationId xmlns="" xmlns:p14="http://schemas.microsoft.com/office/powerpoint/2010/main" val="1648912756"/>
+        <p14:creationId xmlns:p14="http://schemas.microsoft.com/office/powerpoint/2010/main" xmlns="" val="1648912756"/>
       </p:ext>
     </p:extLst>
   </p:cSld>
@@ -31130,7 +31135,7 @@
           <a:blip r:embed="rId3" cstate="print">
             <a:extLst>
               <a:ext uri="{28A0092B-C50C-407E-A947-70E740481C1C}">
-                <a14:useLocalDpi xmlns="" xmlns:a14="http://schemas.microsoft.com/office/drawing/2010/main" val="0"/>
+                <a14:useLocalDpi xmlns:a14="http://schemas.microsoft.com/office/drawing/2010/main" xmlns="" val="0"/>
               </a:ext>
             </a:extLst>
           </a:blip>
@@ -31150,7 +31155,7 @@
           <a:noFill/>
           <a:extLst>
             <a:ext uri="{909E8E84-426E-40DD-AFC4-6F175D3DCCD1}">
-              <a14:hiddenFill xmlns="" xmlns:a14="http://schemas.microsoft.com/office/drawing/2010/main">
+              <a14:hiddenFill xmlns:a14="http://schemas.microsoft.com/office/drawing/2010/main" xmlns="">
                 <a:solidFill>
                   <a:srgbClr val="FFFFFF"/>
                 </a:solidFill>
@@ -31171,7 +31176,7 @@
           <a:blip r:embed="rId4" cstate="print">
             <a:extLst>
               <a:ext uri="{28A0092B-C50C-407E-A947-70E740481C1C}">
-                <a14:useLocalDpi xmlns="" xmlns:a14="http://schemas.microsoft.com/office/drawing/2010/main" val="0"/>
+                <a14:useLocalDpi xmlns:a14="http://schemas.microsoft.com/office/drawing/2010/main" xmlns="" val="0"/>
               </a:ext>
             </a:extLst>
           </a:blip>
@@ -31191,7 +31196,7 @@
           <a:noFill/>
           <a:extLst>
             <a:ext uri="{909E8E84-426E-40DD-AFC4-6F175D3DCCD1}">
-              <a14:hiddenFill xmlns="" xmlns:a14="http://schemas.microsoft.com/office/drawing/2010/main">
+              <a14:hiddenFill xmlns:a14="http://schemas.microsoft.com/office/drawing/2010/main" xmlns="">
                 <a:solidFill>
                   <a:srgbClr val="FFFFFF"/>
                 </a:solidFill>
@@ -31306,7 +31311,7 @@
     </p:spTree>
     <p:extLst>
       <p:ext uri="{BB962C8B-B14F-4D97-AF65-F5344CB8AC3E}">
-        <p14:creationId xmlns="" xmlns:p14="http://schemas.microsoft.com/office/powerpoint/2010/main" val="565033084"/>
+        <p14:creationId xmlns:p14="http://schemas.microsoft.com/office/powerpoint/2010/main" xmlns="" val="565033084"/>
       </p:ext>
     </p:extLst>
   </p:cSld>
@@ -31354,7 +31359,7 @@
         <p:spPr>
           <a:xfrm>
             <a:off x="1000100" y="785794"/>
-            <a:ext cx="7024744" cy="1143000"/>
+            <a:ext cx="7024744" cy="714380"/>
           </a:xfrm>
         </p:spPr>
         <p:txBody>
@@ -31365,7 +31370,11 @@
           <a:p>
             <a:r>
               <a:rPr lang="es-AR" dirty="0" smtClean="0"/>
-              <a:t>Paquetes Identificados e Implementados</a:t>
+              <a:t>Paquetes </a:t>
+            </a:r>
+            <a:r>
+              <a:rPr lang="es-AR" dirty="0" smtClean="0"/>
+              <a:t>Implementados</a:t>
             </a:r>
             <a:endParaRPr lang="es-AR" dirty="0"/>
           </a:p>
@@ -31383,7 +31392,7 @@
           <a:blip r:embed="rId3" cstate="print">
             <a:extLst>
               <a:ext uri="{28A0092B-C50C-407E-A947-70E740481C1C}">
-                <a14:useLocalDpi xmlns="" xmlns:a14="http://schemas.microsoft.com/office/drawing/2010/main" val="0"/>
+                <a14:useLocalDpi xmlns:a14="http://schemas.microsoft.com/office/drawing/2010/main" xmlns="" val="0"/>
               </a:ext>
             </a:extLst>
           </a:blip>
@@ -31403,7 +31412,7 @@
           <a:noFill/>
           <a:extLst>
             <a:ext uri="{909E8E84-426E-40DD-AFC4-6F175D3DCCD1}">
-              <a14:hiddenFill xmlns="" xmlns:a14="http://schemas.microsoft.com/office/drawing/2010/main">
+              <a14:hiddenFill xmlns:a14="http://schemas.microsoft.com/office/drawing/2010/main" xmlns="">
                 <a:solidFill>
                   <a:srgbClr val="FFFFFF"/>
                 </a:solidFill>
@@ -31424,7 +31433,7 @@
           <a:blip r:embed="rId4" cstate="print">
             <a:extLst>
               <a:ext uri="{28A0092B-C50C-407E-A947-70E740481C1C}">
-                <a14:useLocalDpi xmlns="" xmlns:a14="http://schemas.microsoft.com/office/drawing/2010/main" val="0"/>
+                <a14:useLocalDpi xmlns:a14="http://schemas.microsoft.com/office/drawing/2010/main" xmlns="" val="0"/>
               </a:ext>
             </a:extLst>
           </a:blip>
@@ -31444,7 +31453,7 @@
           <a:noFill/>
           <a:extLst>
             <a:ext uri="{909E8E84-426E-40DD-AFC4-6F175D3DCCD1}">
-              <a14:hiddenFill xmlns="" xmlns:a14="http://schemas.microsoft.com/office/drawing/2010/main">
+              <a14:hiddenFill xmlns:a14="http://schemas.microsoft.com/office/drawing/2010/main" xmlns="">
                 <a:solidFill>
                   <a:srgbClr val="FFFFFF"/>
                 </a:solidFill>
@@ -31489,8 +31498,8 @@
         </p:blipFill>
         <p:spPr bwMode="auto">
           <a:xfrm>
-            <a:off x="571472" y="1785926"/>
-            <a:ext cx="7715304" cy="4709047"/>
+            <a:off x="500033" y="1428736"/>
+            <a:ext cx="8193083" cy="5000660"/>
           </a:xfrm>
           <a:prstGeom prst="rect">
             <a:avLst/>
@@ -31508,7 +31517,7 @@
     </p:spTree>
     <p:extLst>
       <p:ext uri="{BB962C8B-B14F-4D97-AF65-F5344CB8AC3E}">
-        <p14:creationId xmlns="" xmlns:p14="http://schemas.microsoft.com/office/powerpoint/2010/main" val="3710940657"/>
+        <p14:creationId xmlns:p14="http://schemas.microsoft.com/office/powerpoint/2010/main" xmlns="" val="3710940657"/>
       </p:ext>
     </p:extLst>
   </p:cSld>
@@ -31586,7 +31595,7 @@
           <a:blip r:embed="rId3" cstate="print">
             <a:extLst>
               <a:ext uri="{28A0092B-C50C-407E-A947-70E740481C1C}">
-                <a14:useLocalDpi xmlns="" xmlns:a14="http://schemas.microsoft.com/office/drawing/2010/main" val="0"/>
+                <a14:useLocalDpi xmlns:a14="http://schemas.microsoft.com/office/drawing/2010/main" xmlns="" val="0"/>
               </a:ext>
             </a:extLst>
           </a:blip>
@@ -31606,7 +31615,7 @@
           <a:noFill/>
           <a:extLst>
             <a:ext uri="{909E8E84-426E-40DD-AFC4-6F175D3DCCD1}">
-              <a14:hiddenFill xmlns="" xmlns:a14="http://schemas.microsoft.com/office/drawing/2010/main">
+              <a14:hiddenFill xmlns:a14="http://schemas.microsoft.com/office/drawing/2010/main" xmlns="">
                 <a:solidFill>
                   <a:srgbClr val="FFFFFF"/>
                 </a:solidFill>
@@ -31627,7 +31636,7 @@
           <a:blip r:embed="rId4" cstate="print">
             <a:extLst>
               <a:ext uri="{28A0092B-C50C-407E-A947-70E740481C1C}">
-                <a14:useLocalDpi xmlns="" xmlns:a14="http://schemas.microsoft.com/office/drawing/2010/main" val="0"/>
+                <a14:useLocalDpi xmlns:a14="http://schemas.microsoft.com/office/drawing/2010/main" xmlns="" val="0"/>
               </a:ext>
             </a:extLst>
           </a:blip>
@@ -31647,7 +31656,7 @@
           <a:noFill/>
           <a:extLst>
             <a:ext uri="{909E8E84-426E-40DD-AFC4-6F175D3DCCD1}">
-              <a14:hiddenFill xmlns="" xmlns:a14="http://schemas.microsoft.com/office/drawing/2010/main">
+              <a14:hiddenFill xmlns:a14="http://schemas.microsoft.com/office/drawing/2010/main" xmlns="">
                 <a:solidFill>
                   <a:srgbClr val="FFFFFF"/>
                 </a:solidFill>
@@ -32086,7 +32095,7 @@
     </p:spTree>
     <p:extLst>
       <p:ext uri="{BB962C8B-B14F-4D97-AF65-F5344CB8AC3E}">
-        <p14:creationId xmlns="" xmlns:p14="http://schemas.microsoft.com/office/powerpoint/2010/main" val="2045473191"/>
+        <p14:creationId xmlns:p14="http://schemas.microsoft.com/office/powerpoint/2010/main" xmlns="" val="2045473191"/>
       </p:ext>
     </p:extLst>
   </p:cSld>
@@ -32290,7 +32299,7 @@
           <a:blip r:embed="rId3" cstate="print">
             <a:extLst>
               <a:ext uri="{28A0092B-C50C-407E-A947-70E740481C1C}">
-                <a14:useLocalDpi xmlns="" xmlns:a14="http://schemas.microsoft.com/office/drawing/2010/main" val="0"/>
+                <a14:useLocalDpi xmlns:a14="http://schemas.microsoft.com/office/drawing/2010/main" xmlns="" val="0"/>
               </a:ext>
             </a:extLst>
           </a:blip>
@@ -32310,7 +32319,7 @@
           <a:noFill/>
           <a:extLst>
             <a:ext uri="{909E8E84-426E-40DD-AFC4-6F175D3DCCD1}">
-              <a14:hiddenFill xmlns="" xmlns:a14="http://schemas.microsoft.com/office/drawing/2010/main">
+              <a14:hiddenFill xmlns:a14="http://schemas.microsoft.com/office/drawing/2010/main" xmlns="">
                 <a:solidFill>
                   <a:srgbClr val="FFFFFF"/>
                 </a:solidFill>
@@ -32331,7 +32340,7 @@
           <a:blip r:embed="rId4" cstate="print">
             <a:extLst>
               <a:ext uri="{28A0092B-C50C-407E-A947-70E740481C1C}">
-                <a14:useLocalDpi xmlns="" xmlns:a14="http://schemas.microsoft.com/office/drawing/2010/main" val="0"/>
+                <a14:useLocalDpi xmlns:a14="http://schemas.microsoft.com/office/drawing/2010/main" xmlns="" val="0"/>
               </a:ext>
             </a:extLst>
           </a:blip>
@@ -32351,7 +32360,7 @@
           <a:noFill/>
           <a:extLst>
             <a:ext uri="{909E8E84-426E-40DD-AFC4-6F175D3DCCD1}">
-              <a14:hiddenFill xmlns="" xmlns:a14="http://schemas.microsoft.com/office/drawing/2010/main">
+              <a14:hiddenFill xmlns:a14="http://schemas.microsoft.com/office/drawing/2010/main" xmlns="">
                 <a:solidFill>
                   <a:srgbClr val="FFFFFF"/>
                 </a:solidFill>
@@ -32363,7 +32372,7 @@
     </p:spTree>
     <p:extLst>
       <p:ext uri="{BB962C8B-B14F-4D97-AF65-F5344CB8AC3E}">
-        <p14:creationId xmlns="" xmlns:p14="http://schemas.microsoft.com/office/powerpoint/2010/main" val="4139888175"/>
+        <p14:creationId xmlns:p14="http://schemas.microsoft.com/office/powerpoint/2010/main" xmlns="" val="4139888175"/>
       </p:ext>
     </p:extLst>
   </p:cSld>
@@ -32553,7 +32562,7 @@
           <a:blip r:embed="rId3" cstate="print">
             <a:extLst>
               <a:ext uri="{28A0092B-C50C-407E-A947-70E740481C1C}">
-                <a14:useLocalDpi xmlns="" xmlns:a14="http://schemas.microsoft.com/office/drawing/2010/main" val="0"/>
+                <a14:useLocalDpi xmlns:a14="http://schemas.microsoft.com/office/drawing/2010/main" xmlns="" val="0"/>
               </a:ext>
             </a:extLst>
           </a:blip>
@@ -32573,7 +32582,7 @@
           <a:noFill/>
           <a:extLst>
             <a:ext uri="{909E8E84-426E-40DD-AFC4-6F175D3DCCD1}">
-              <a14:hiddenFill xmlns="" xmlns:a14="http://schemas.microsoft.com/office/drawing/2010/main">
+              <a14:hiddenFill xmlns:a14="http://schemas.microsoft.com/office/drawing/2010/main" xmlns="">
                 <a:solidFill>
                   <a:srgbClr val="FFFFFF"/>
                 </a:solidFill>
@@ -32594,7 +32603,7 @@
           <a:blip r:embed="rId4" cstate="print">
             <a:extLst>
               <a:ext uri="{28A0092B-C50C-407E-A947-70E740481C1C}">
-                <a14:useLocalDpi xmlns="" xmlns:a14="http://schemas.microsoft.com/office/drawing/2010/main" val="0"/>
+                <a14:useLocalDpi xmlns:a14="http://schemas.microsoft.com/office/drawing/2010/main" xmlns="" val="0"/>
               </a:ext>
             </a:extLst>
           </a:blip>
@@ -32614,7 +32623,7 @@
           <a:noFill/>
           <a:extLst>
             <a:ext uri="{909E8E84-426E-40DD-AFC4-6F175D3DCCD1}">
-              <a14:hiddenFill xmlns="" xmlns:a14="http://schemas.microsoft.com/office/drawing/2010/main">
+              <a14:hiddenFill xmlns:a14="http://schemas.microsoft.com/office/drawing/2010/main" xmlns="">
                 <a:solidFill>
                   <a:srgbClr val="FFFFFF"/>
                 </a:solidFill>
@@ -32626,7 +32635,7 @@
     </p:spTree>
     <p:extLst>
       <p:ext uri="{BB962C8B-B14F-4D97-AF65-F5344CB8AC3E}">
-        <p14:creationId xmlns="" xmlns:p14="http://schemas.microsoft.com/office/powerpoint/2010/main" val="1263464234"/>
+        <p14:creationId xmlns:p14="http://schemas.microsoft.com/office/powerpoint/2010/main" xmlns="" val="1263464234"/>
       </p:ext>
     </p:extLst>
   </p:cSld>
@@ -32796,7 +32805,7 @@
           <a:blip r:embed="rId3" cstate="print">
             <a:extLst>
               <a:ext uri="{28A0092B-C50C-407E-A947-70E740481C1C}">
-                <a14:useLocalDpi xmlns="" xmlns:a14="http://schemas.microsoft.com/office/drawing/2010/main" val="0"/>
+                <a14:useLocalDpi xmlns:a14="http://schemas.microsoft.com/office/drawing/2010/main" xmlns="" val="0"/>
               </a:ext>
             </a:extLst>
           </a:blip>
@@ -32816,7 +32825,7 @@
           <a:noFill/>
           <a:extLst>
             <a:ext uri="{909E8E84-426E-40DD-AFC4-6F175D3DCCD1}">
-              <a14:hiddenFill xmlns="" xmlns:a14="http://schemas.microsoft.com/office/drawing/2010/main">
+              <a14:hiddenFill xmlns:a14="http://schemas.microsoft.com/office/drawing/2010/main" xmlns="">
                 <a:solidFill>
                   <a:srgbClr val="FFFFFF"/>
                 </a:solidFill>
@@ -32837,7 +32846,7 @@
           <a:blip r:embed="rId4" cstate="print">
             <a:extLst>
               <a:ext uri="{28A0092B-C50C-407E-A947-70E740481C1C}">
-                <a14:useLocalDpi xmlns="" xmlns:a14="http://schemas.microsoft.com/office/drawing/2010/main" val="0"/>
+                <a14:useLocalDpi xmlns:a14="http://schemas.microsoft.com/office/drawing/2010/main" xmlns="" val="0"/>
               </a:ext>
             </a:extLst>
           </a:blip>
@@ -32857,7 +32866,7 @@
           <a:noFill/>
           <a:extLst>
             <a:ext uri="{909E8E84-426E-40DD-AFC4-6F175D3DCCD1}">
-              <a14:hiddenFill xmlns="" xmlns:a14="http://schemas.microsoft.com/office/drawing/2010/main">
+              <a14:hiddenFill xmlns:a14="http://schemas.microsoft.com/office/drawing/2010/main" xmlns="">
                 <a:solidFill>
                   <a:srgbClr val="FFFFFF"/>
                 </a:solidFill>
@@ -32869,7 +32878,7 @@
     </p:spTree>
     <p:extLst>
       <p:ext uri="{BB962C8B-B14F-4D97-AF65-F5344CB8AC3E}">
-        <p14:creationId xmlns="" xmlns:p14="http://schemas.microsoft.com/office/powerpoint/2010/main" val="3706723102"/>
+        <p14:creationId xmlns:p14="http://schemas.microsoft.com/office/powerpoint/2010/main" xmlns="" val="3706723102"/>
       </p:ext>
     </p:extLst>
   </p:cSld>
@@ -33085,7 +33094,7 @@
           <a:blip r:embed="rId3" cstate="print">
             <a:extLst>
               <a:ext uri="{28A0092B-C50C-407E-A947-70E740481C1C}">
-                <a14:useLocalDpi xmlns="" xmlns:a14="http://schemas.microsoft.com/office/drawing/2010/main" val="0"/>
+                <a14:useLocalDpi xmlns:a14="http://schemas.microsoft.com/office/drawing/2010/main" xmlns="" val="0"/>
               </a:ext>
             </a:extLst>
           </a:blip>
@@ -33105,7 +33114,7 @@
           <a:noFill/>
           <a:extLst>
             <a:ext uri="{909E8E84-426E-40DD-AFC4-6F175D3DCCD1}">
-              <a14:hiddenFill xmlns="" xmlns:a14="http://schemas.microsoft.com/office/drawing/2010/main">
+              <a14:hiddenFill xmlns:a14="http://schemas.microsoft.com/office/drawing/2010/main" xmlns="">
                 <a:solidFill>
                   <a:srgbClr val="FFFFFF"/>
                 </a:solidFill>
@@ -33126,7 +33135,7 @@
           <a:blip r:embed="rId4" cstate="print">
             <a:extLst>
               <a:ext uri="{28A0092B-C50C-407E-A947-70E740481C1C}">
-                <a14:useLocalDpi xmlns="" xmlns:a14="http://schemas.microsoft.com/office/drawing/2010/main" val="0"/>
+                <a14:useLocalDpi xmlns:a14="http://schemas.microsoft.com/office/drawing/2010/main" xmlns="" val="0"/>
               </a:ext>
             </a:extLst>
           </a:blip>
@@ -33146,7 +33155,7 @@
           <a:noFill/>
           <a:extLst>
             <a:ext uri="{909E8E84-426E-40DD-AFC4-6F175D3DCCD1}">
-              <a14:hiddenFill xmlns="" xmlns:a14="http://schemas.microsoft.com/office/drawing/2010/main">
+              <a14:hiddenFill xmlns:a14="http://schemas.microsoft.com/office/drawing/2010/main" xmlns="">
                 <a:solidFill>
                   <a:srgbClr val="FFFFFF"/>
                 </a:solidFill>
@@ -33158,7 +33167,7 @@
     </p:spTree>
     <p:extLst>
       <p:ext uri="{BB962C8B-B14F-4D97-AF65-F5344CB8AC3E}">
-        <p14:creationId xmlns="" xmlns:p14="http://schemas.microsoft.com/office/powerpoint/2010/main" val="3706723102"/>
+        <p14:creationId xmlns:p14="http://schemas.microsoft.com/office/powerpoint/2010/main" xmlns="" val="3706723102"/>
       </p:ext>
     </p:extLst>
   </p:cSld>
@@ -33371,7 +33380,7 @@
           <a:blip r:embed="rId3" cstate="print">
             <a:extLst>
               <a:ext uri="{28A0092B-C50C-407E-A947-70E740481C1C}">
-                <a14:useLocalDpi xmlns="" xmlns:a14="http://schemas.microsoft.com/office/drawing/2010/main" val="0"/>
+                <a14:useLocalDpi xmlns:a14="http://schemas.microsoft.com/office/drawing/2010/main" xmlns="" val="0"/>
               </a:ext>
             </a:extLst>
           </a:blip>
@@ -33391,7 +33400,7 @@
           <a:noFill/>
           <a:extLst>
             <a:ext uri="{909E8E84-426E-40DD-AFC4-6F175D3DCCD1}">
-              <a14:hiddenFill xmlns="" xmlns:a14="http://schemas.microsoft.com/office/drawing/2010/main">
+              <a14:hiddenFill xmlns:a14="http://schemas.microsoft.com/office/drawing/2010/main" xmlns="">
                 <a:solidFill>
                   <a:srgbClr val="FFFFFF"/>
                 </a:solidFill>
@@ -33412,7 +33421,7 @@
           <a:blip r:embed="rId4" cstate="print">
             <a:extLst>
               <a:ext uri="{28A0092B-C50C-407E-A947-70E740481C1C}">
-                <a14:useLocalDpi xmlns="" xmlns:a14="http://schemas.microsoft.com/office/drawing/2010/main" val="0"/>
+                <a14:useLocalDpi xmlns:a14="http://schemas.microsoft.com/office/drawing/2010/main" xmlns="" val="0"/>
               </a:ext>
             </a:extLst>
           </a:blip>
@@ -33432,7 +33441,7 @@
           <a:noFill/>
           <a:extLst>
             <a:ext uri="{909E8E84-426E-40DD-AFC4-6F175D3DCCD1}">
-              <a14:hiddenFill xmlns="" xmlns:a14="http://schemas.microsoft.com/office/drawing/2010/main">
+              <a14:hiddenFill xmlns:a14="http://schemas.microsoft.com/office/drawing/2010/main" xmlns="">
                 <a:solidFill>
                   <a:srgbClr val="FFFFFF"/>
                 </a:solidFill>
@@ -33444,7 +33453,7 @@
     </p:spTree>
     <p:extLst>
       <p:ext uri="{BB962C8B-B14F-4D97-AF65-F5344CB8AC3E}">
-        <p14:creationId xmlns="" xmlns:p14="http://schemas.microsoft.com/office/powerpoint/2010/main" val="3706723102"/>
+        <p14:creationId xmlns:p14="http://schemas.microsoft.com/office/powerpoint/2010/main" xmlns="" val="3706723102"/>
       </p:ext>
     </p:extLst>
   </p:cSld>
@@ -33623,7 +33632,7 @@
           <a:blip r:embed="rId3" cstate="print">
             <a:extLst>
               <a:ext uri="{28A0092B-C50C-407E-A947-70E740481C1C}">
-                <a14:useLocalDpi xmlns="" xmlns:a14="http://schemas.microsoft.com/office/drawing/2010/main" val="0"/>
+                <a14:useLocalDpi xmlns:a14="http://schemas.microsoft.com/office/drawing/2010/main" xmlns="" val="0"/>
               </a:ext>
             </a:extLst>
           </a:blip>
@@ -33643,7 +33652,7 @@
           <a:noFill/>
           <a:extLst>
             <a:ext uri="{909E8E84-426E-40DD-AFC4-6F175D3DCCD1}">
-              <a14:hiddenFill xmlns="" xmlns:a14="http://schemas.microsoft.com/office/drawing/2010/main">
+              <a14:hiddenFill xmlns:a14="http://schemas.microsoft.com/office/drawing/2010/main" xmlns="">
                 <a:solidFill>
                   <a:srgbClr val="FFFFFF"/>
                 </a:solidFill>
@@ -33664,7 +33673,7 @@
           <a:blip r:embed="rId4" cstate="print">
             <a:extLst>
               <a:ext uri="{28A0092B-C50C-407E-A947-70E740481C1C}">
-                <a14:useLocalDpi xmlns="" xmlns:a14="http://schemas.microsoft.com/office/drawing/2010/main" val="0"/>
+                <a14:useLocalDpi xmlns:a14="http://schemas.microsoft.com/office/drawing/2010/main" xmlns="" val="0"/>
               </a:ext>
             </a:extLst>
           </a:blip>
@@ -33684,7 +33693,7 @@
           <a:noFill/>
           <a:extLst>
             <a:ext uri="{909E8E84-426E-40DD-AFC4-6F175D3DCCD1}">
-              <a14:hiddenFill xmlns="" xmlns:a14="http://schemas.microsoft.com/office/drawing/2010/main">
+              <a14:hiddenFill xmlns:a14="http://schemas.microsoft.com/office/drawing/2010/main" xmlns="">
                 <a:solidFill>
                   <a:srgbClr val="FFFFFF"/>
                 </a:solidFill>
@@ -33696,7 +33705,7 @@
     </p:spTree>
     <p:extLst>
       <p:ext uri="{BB962C8B-B14F-4D97-AF65-F5344CB8AC3E}">
-        <p14:creationId xmlns="" xmlns:p14="http://schemas.microsoft.com/office/powerpoint/2010/main" val="3706723102"/>
+        <p14:creationId xmlns:p14="http://schemas.microsoft.com/office/powerpoint/2010/main" xmlns="" val="3706723102"/>
       </p:ext>
     </p:extLst>
   </p:cSld>
@@ -33821,7 +33830,7 @@
           <a:blip r:embed="rId3" cstate="print">
             <a:extLst>
               <a:ext uri="{28A0092B-C50C-407E-A947-70E740481C1C}">
-                <a14:useLocalDpi xmlns="" xmlns:a14="http://schemas.microsoft.com/office/drawing/2010/main" val="0"/>
+                <a14:useLocalDpi xmlns:a14="http://schemas.microsoft.com/office/drawing/2010/main" xmlns="" val="0"/>
               </a:ext>
             </a:extLst>
           </a:blip>
@@ -33841,7 +33850,7 @@
           <a:noFill/>
           <a:extLst>
             <a:ext uri="{909E8E84-426E-40DD-AFC4-6F175D3DCCD1}">
-              <a14:hiddenFill xmlns="" xmlns:a14="http://schemas.microsoft.com/office/drawing/2010/main">
+              <a14:hiddenFill xmlns:a14="http://schemas.microsoft.com/office/drawing/2010/main" xmlns="">
                 <a:solidFill>
                   <a:srgbClr val="FFFFFF"/>
                 </a:solidFill>
@@ -33862,7 +33871,7 @@
           <a:blip r:embed="rId4" cstate="print">
             <a:extLst>
               <a:ext uri="{28A0092B-C50C-407E-A947-70E740481C1C}">
-                <a14:useLocalDpi xmlns="" xmlns:a14="http://schemas.microsoft.com/office/drawing/2010/main" val="0"/>
+                <a14:useLocalDpi xmlns:a14="http://schemas.microsoft.com/office/drawing/2010/main" xmlns="" val="0"/>
               </a:ext>
             </a:extLst>
           </a:blip>
@@ -33882,7 +33891,7 @@
           <a:noFill/>
           <a:extLst>
             <a:ext uri="{909E8E84-426E-40DD-AFC4-6F175D3DCCD1}">
-              <a14:hiddenFill xmlns="" xmlns:a14="http://schemas.microsoft.com/office/drawing/2010/main">
+              <a14:hiddenFill xmlns:a14="http://schemas.microsoft.com/office/drawing/2010/main" xmlns="">
                 <a:solidFill>
                   <a:srgbClr val="FFFFFF"/>
                 </a:solidFill>
@@ -33894,7 +33903,7 @@
     </p:spTree>
     <p:extLst>
       <p:ext uri="{BB962C8B-B14F-4D97-AF65-F5344CB8AC3E}">
-        <p14:creationId xmlns="" xmlns:p14="http://schemas.microsoft.com/office/powerpoint/2010/main" val="3706723102"/>
+        <p14:creationId xmlns:p14="http://schemas.microsoft.com/office/powerpoint/2010/main" xmlns="" val="3706723102"/>
       </p:ext>
     </p:extLst>
   </p:cSld>
@@ -33965,7 +33974,7 @@
           <a:blip r:embed="rId3" cstate="print">
             <a:extLst>
               <a:ext uri="{28A0092B-C50C-407E-A947-70E740481C1C}">
-                <a14:useLocalDpi xmlns="" xmlns:a14="http://schemas.microsoft.com/office/drawing/2010/main" val="0"/>
+                <a14:useLocalDpi xmlns:a14="http://schemas.microsoft.com/office/drawing/2010/main" xmlns="" val="0"/>
               </a:ext>
             </a:extLst>
           </a:blip>
@@ -33989,14 +33998,14 @@
           <a:effectLst/>
           <a:extLst>
             <a:ext uri="{909E8E84-426E-40DD-AFC4-6F175D3DCCD1}">
-              <a14:hiddenFill xmlns="" xmlns:a14="http://schemas.microsoft.com/office/drawing/2010/main">
+              <a14:hiddenFill xmlns:a14="http://schemas.microsoft.com/office/drawing/2010/main" xmlns="">
                 <a:solidFill>
                   <a:schemeClr val="accent1"/>
                 </a:solidFill>
               </a14:hiddenFill>
             </a:ext>
             <a:ext uri="{91240B29-F687-4F45-9708-019B960494DF}">
-              <a14:hiddenLine xmlns="" xmlns:a14="http://schemas.microsoft.com/office/drawing/2010/main" w="9525">
+              <a14:hiddenLine xmlns:a14="http://schemas.microsoft.com/office/drawing/2010/main" xmlns="" w="9525">
                 <a:solidFill>
                   <a:schemeClr val="tx1"/>
                 </a:solidFill>
@@ -34006,7 +34015,7 @@
               </a14:hiddenLine>
             </a:ext>
             <a:ext uri="{AF507438-7753-43E0-B8FC-AC1667EBCBE1}">
-              <a14:hiddenEffects xmlns="" xmlns:a14="http://schemas.microsoft.com/office/drawing/2010/main">
+              <a14:hiddenEffects xmlns:a14="http://schemas.microsoft.com/office/drawing/2010/main" xmlns="">
                 <a:effectLst>
                   <a:outerShdw dist="35921" dir="2700000" algn="ctr" rotWithShape="0">
                     <a:schemeClr val="bg2"/>
@@ -34029,7 +34038,7 @@
           <a:blip r:embed="rId4" cstate="print">
             <a:extLst>
               <a:ext uri="{28A0092B-C50C-407E-A947-70E740481C1C}">
-                <a14:useLocalDpi xmlns="" xmlns:a14="http://schemas.microsoft.com/office/drawing/2010/main" val="0"/>
+                <a14:useLocalDpi xmlns:a14="http://schemas.microsoft.com/office/drawing/2010/main" xmlns="" val="0"/>
               </a:ext>
             </a:extLst>
           </a:blip>
@@ -34049,7 +34058,7 @@
           <a:noFill/>
           <a:extLst>
             <a:ext uri="{909E8E84-426E-40DD-AFC4-6F175D3DCCD1}">
-              <a14:hiddenFill xmlns="" xmlns:a14="http://schemas.microsoft.com/office/drawing/2010/main">
+              <a14:hiddenFill xmlns:a14="http://schemas.microsoft.com/office/drawing/2010/main" xmlns="">
                 <a:solidFill>
                   <a:srgbClr val="FFFFFF"/>
                 </a:solidFill>
@@ -34070,7 +34079,7 @@
           <a:blip r:embed="rId5" cstate="print">
             <a:extLst>
               <a:ext uri="{28A0092B-C50C-407E-A947-70E740481C1C}">
-                <a14:useLocalDpi xmlns="" xmlns:a14="http://schemas.microsoft.com/office/drawing/2010/main" val="0"/>
+                <a14:useLocalDpi xmlns:a14="http://schemas.microsoft.com/office/drawing/2010/main" xmlns="" val="0"/>
               </a:ext>
             </a:extLst>
           </a:blip>
@@ -34090,7 +34099,7 @@
           <a:noFill/>
           <a:extLst>
             <a:ext uri="{909E8E84-426E-40DD-AFC4-6F175D3DCCD1}">
-              <a14:hiddenFill xmlns="" xmlns:a14="http://schemas.microsoft.com/office/drawing/2010/main">
+              <a14:hiddenFill xmlns:a14="http://schemas.microsoft.com/office/drawing/2010/main" xmlns="">
                 <a:solidFill>
                   <a:srgbClr val="FFFFFF"/>
                 </a:solidFill>
@@ -34102,7 +34111,7 @@
     </p:spTree>
     <p:extLst>
       <p:ext uri="{BB962C8B-B14F-4D97-AF65-F5344CB8AC3E}">
-        <p14:creationId xmlns="" xmlns:p14="http://schemas.microsoft.com/office/powerpoint/2010/main" val="1450032067"/>
+        <p14:creationId xmlns:p14="http://schemas.microsoft.com/office/powerpoint/2010/main" xmlns="" val="1450032067"/>
       </p:ext>
     </p:extLst>
   </p:cSld>
@@ -34173,7 +34182,7 @@
           <a:blip r:embed="rId3" cstate="print">
             <a:extLst>
               <a:ext uri="{28A0092B-C50C-407E-A947-70E740481C1C}">
-                <a14:useLocalDpi xmlns="" xmlns:a14="http://schemas.microsoft.com/office/drawing/2010/main" val="0"/>
+                <a14:useLocalDpi xmlns:a14="http://schemas.microsoft.com/office/drawing/2010/main" xmlns="" val="0"/>
               </a:ext>
             </a:extLst>
           </a:blip>
@@ -34193,7 +34202,7 @@
           <a:noFill/>
           <a:extLst>
             <a:ext uri="{909E8E84-426E-40DD-AFC4-6F175D3DCCD1}">
-              <a14:hiddenFill xmlns="" xmlns:a14="http://schemas.microsoft.com/office/drawing/2010/main">
+              <a14:hiddenFill xmlns:a14="http://schemas.microsoft.com/office/drawing/2010/main" xmlns="">
                 <a:solidFill>
                   <a:srgbClr val="FFFFFF"/>
                 </a:solidFill>
@@ -34214,7 +34223,7 @@
           <a:blip r:embed="rId4" cstate="print">
             <a:extLst>
               <a:ext uri="{28A0092B-C50C-407E-A947-70E740481C1C}">
-                <a14:useLocalDpi xmlns="" xmlns:a14="http://schemas.microsoft.com/office/drawing/2010/main" val="0"/>
+                <a14:useLocalDpi xmlns:a14="http://schemas.microsoft.com/office/drawing/2010/main" xmlns="" val="0"/>
               </a:ext>
             </a:extLst>
           </a:blip>
@@ -34234,7 +34243,7 @@
           <a:noFill/>
           <a:extLst>
             <a:ext uri="{909E8E84-426E-40DD-AFC4-6F175D3DCCD1}">
-              <a14:hiddenFill xmlns="" xmlns:a14="http://schemas.microsoft.com/office/drawing/2010/main">
+              <a14:hiddenFill xmlns:a14="http://schemas.microsoft.com/office/drawing/2010/main" xmlns="">
                 <a:solidFill>
                   <a:srgbClr val="FFFFFF"/>
                 </a:solidFill>
@@ -34255,7 +34264,7 @@
           <a:blip r:embed="rId5" cstate="print">
             <a:extLst>
               <a:ext uri="{28A0092B-C50C-407E-A947-70E740481C1C}">
-                <a14:useLocalDpi xmlns="" xmlns:a14="http://schemas.microsoft.com/office/drawing/2010/main" val="0"/>
+                <a14:useLocalDpi xmlns:a14="http://schemas.microsoft.com/office/drawing/2010/main" xmlns="" val="0"/>
               </a:ext>
             </a:extLst>
           </a:blip>
@@ -34275,7 +34284,7 @@
           <a:noFill/>
           <a:extLst>
             <a:ext uri="{909E8E84-426E-40DD-AFC4-6F175D3DCCD1}">
-              <a14:hiddenFill xmlns="" xmlns:a14="http://schemas.microsoft.com/office/drawing/2010/main">
+              <a14:hiddenFill xmlns:a14="http://schemas.microsoft.com/office/drawing/2010/main" xmlns="">
                 <a:solidFill>
                   <a:srgbClr val="FFFFFF"/>
                 </a:solidFill>
@@ -34287,7 +34296,7 @@
     </p:spTree>
     <p:extLst>
       <p:ext uri="{BB962C8B-B14F-4D97-AF65-F5344CB8AC3E}">
-        <p14:creationId xmlns="" xmlns:p14="http://schemas.microsoft.com/office/powerpoint/2010/main" val="1688055498"/>
+        <p14:creationId xmlns:p14="http://schemas.microsoft.com/office/powerpoint/2010/main" xmlns="" val="1688055498"/>
       </p:ext>
     </p:extLst>
   </p:cSld>
@@ -34334,7 +34343,7 @@
           <a:blip r:embed="rId3" cstate="print">
             <a:extLst>
               <a:ext uri="{28A0092B-C50C-407E-A947-70E740481C1C}">
-                <a14:useLocalDpi xmlns="" xmlns:a14="http://schemas.microsoft.com/office/drawing/2010/main" val="0"/>
+                <a14:useLocalDpi xmlns:a14="http://schemas.microsoft.com/office/drawing/2010/main" xmlns="" val="0"/>
               </a:ext>
             </a:extLst>
           </a:blip>
@@ -34354,7 +34363,7 @@
           <a:noFill/>
           <a:extLst>
             <a:ext uri="{909E8E84-426E-40DD-AFC4-6F175D3DCCD1}">
-              <a14:hiddenFill xmlns="" xmlns:a14="http://schemas.microsoft.com/office/drawing/2010/main">
+              <a14:hiddenFill xmlns:a14="http://schemas.microsoft.com/office/drawing/2010/main" xmlns="">
                 <a:solidFill>
                   <a:srgbClr val="FFFFFF"/>
                 </a:solidFill>
@@ -34626,7 +34635,7 @@
           <a:blip r:embed="rId4" cstate="print">
             <a:extLst>
               <a:ext uri="{28A0092B-C50C-407E-A947-70E740481C1C}">
-                <a14:useLocalDpi xmlns="" xmlns:a14="http://schemas.microsoft.com/office/drawing/2010/main" val="0"/>
+                <a14:useLocalDpi xmlns:a14="http://schemas.microsoft.com/office/drawing/2010/main" xmlns="" val="0"/>
               </a:ext>
             </a:extLst>
           </a:blip>
@@ -34646,7 +34655,7 @@
           <a:noFill/>
           <a:extLst>
             <a:ext uri="{909E8E84-426E-40DD-AFC4-6F175D3DCCD1}">
-              <a14:hiddenFill xmlns="" xmlns:a14="http://schemas.microsoft.com/office/drawing/2010/main">
+              <a14:hiddenFill xmlns:a14="http://schemas.microsoft.com/office/drawing/2010/main" xmlns="">
                 <a:solidFill>
                   <a:srgbClr val="FFFFFF"/>
                 </a:solidFill>
@@ -35168,7 +35177,7 @@
     </p:spTree>
     <p:extLst>
       <p:ext uri="{BB962C8B-B14F-4D97-AF65-F5344CB8AC3E}">
-        <p14:creationId xmlns="" xmlns:p14="http://schemas.microsoft.com/office/powerpoint/2010/main" val="4128302494"/>
+        <p14:creationId xmlns:p14="http://schemas.microsoft.com/office/powerpoint/2010/main" xmlns="" val="4128302494"/>
       </p:ext>
     </p:extLst>
   </p:cSld>
@@ -35244,7 +35253,7 @@
           <a:blip r:embed="rId3" cstate="print">
             <a:extLst>
               <a:ext uri="{28A0092B-C50C-407E-A947-70E740481C1C}">
-                <a14:useLocalDpi xmlns="" xmlns:a14="http://schemas.microsoft.com/office/drawing/2010/main" val="0"/>
+                <a14:useLocalDpi xmlns:a14="http://schemas.microsoft.com/office/drawing/2010/main" xmlns="" val="0"/>
               </a:ext>
             </a:extLst>
           </a:blip>
@@ -35264,7 +35273,7 @@
           <a:noFill/>
           <a:extLst>
             <a:ext uri="{909E8E84-426E-40DD-AFC4-6F175D3DCCD1}">
-              <a14:hiddenFill xmlns="" xmlns:a14="http://schemas.microsoft.com/office/drawing/2010/main">
+              <a14:hiddenFill xmlns:a14="http://schemas.microsoft.com/office/drawing/2010/main" xmlns="">
                 <a:solidFill>
                   <a:srgbClr val="FFFFFF"/>
                 </a:solidFill>
@@ -35285,7 +35294,7 @@
           <a:blip r:embed="rId4" cstate="print">
             <a:extLst>
               <a:ext uri="{28A0092B-C50C-407E-A947-70E740481C1C}">
-                <a14:useLocalDpi xmlns="" xmlns:a14="http://schemas.microsoft.com/office/drawing/2010/main" val="0"/>
+                <a14:useLocalDpi xmlns:a14="http://schemas.microsoft.com/office/drawing/2010/main" xmlns="" val="0"/>
               </a:ext>
             </a:extLst>
           </a:blip>
@@ -35305,7 +35314,7 @@
           <a:noFill/>
           <a:extLst>
             <a:ext uri="{909E8E84-426E-40DD-AFC4-6F175D3DCCD1}">
-              <a14:hiddenFill xmlns="" xmlns:a14="http://schemas.microsoft.com/office/drawing/2010/main">
+              <a14:hiddenFill xmlns:a14="http://schemas.microsoft.com/office/drawing/2010/main" xmlns="">
                 <a:solidFill>
                   <a:srgbClr val="FFFFFF"/>
                 </a:solidFill>
@@ -35646,7 +35655,7 @@
     </p:spTree>
     <p:extLst>
       <p:ext uri="{BB962C8B-B14F-4D97-AF65-F5344CB8AC3E}">
-        <p14:creationId xmlns="" xmlns:p14="http://schemas.microsoft.com/office/powerpoint/2010/main" val="1435359822"/>
+        <p14:creationId xmlns:p14="http://schemas.microsoft.com/office/powerpoint/2010/main" xmlns="" val="1435359822"/>
       </p:ext>
     </p:extLst>
   </p:cSld>
@@ -35800,7 +35809,7 @@
           <a:blip r:embed="rId3" cstate="print">
             <a:extLst>
               <a:ext uri="{28A0092B-C50C-407E-A947-70E740481C1C}">
-                <a14:useLocalDpi xmlns="" xmlns:a14="http://schemas.microsoft.com/office/drawing/2010/main" val="0"/>
+                <a14:useLocalDpi xmlns:a14="http://schemas.microsoft.com/office/drawing/2010/main" xmlns="" val="0"/>
               </a:ext>
             </a:extLst>
           </a:blip>
@@ -35820,7 +35829,7 @@
           <a:noFill/>
           <a:extLst>
             <a:ext uri="{909E8E84-426E-40DD-AFC4-6F175D3DCCD1}">
-              <a14:hiddenFill xmlns="" xmlns:a14="http://schemas.microsoft.com/office/drawing/2010/main">
+              <a14:hiddenFill xmlns:a14="http://schemas.microsoft.com/office/drawing/2010/main" xmlns="">
                 <a:solidFill>
                   <a:srgbClr val="FFFFFF"/>
                 </a:solidFill>
@@ -35841,7 +35850,7 @@
           <a:blip r:embed="rId4" cstate="print">
             <a:extLst>
               <a:ext uri="{28A0092B-C50C-407E-A947-70E740481C1C}">
-                <a14:useLocalDpi xmlns="" xmlns:a14="http://schemas.microsoft.com/office/drawing/2010/main" val="0"/>
+                <a14:useLocalDpi xmlns:a14="http://schemas.microsoft.com/office/drawing/2010/main" xmlns="" val="0"/>
               </a:ext>
             </a:extLst>
           </a:blip>
@@ -35861,7 +35870,7 @@
           <a:noFill/>
           <a:extLst>
             <a:ext uri="{909E8E84-426E-40DD-AFC4-6F175D3DCCD1}">
-              <a14:hiddenFill xmlns="" xmlns:a14="http://schemas.microsoft.com/office/drawing/2010/main">
+              <a14:hiddenFill xmlns:a14="http://schemas.microsoft.com/office/drawing/2010/main" xmlns="">
                 <a:solidFill>
                   <a:srgbClr val="FFFFFF"/>
                 </a:solidFill>
@@ -35873,7 +35882,7 @@
     </p:spTree>
     <p:extLst>
       <p:ext uri="{BB962C8B-B14F-4D97-AF65-F5344CB8AC3E}">
-        <p14:creationId xmlns="" xmlns:p14="http://schemas.microsoft.com/office/powerpoint/2010/main" val="3185166434"/>
+        <p14:creationId xmlns:p14="http://schemas.microsoft.com/office/powerpoint/2010/main" xmlns="" val="3185166434"/>
       </p:ext>
     </p:extLst>
   </p:cSld>
@@ -35949,7 +35958,7 @@
           <a:blip r:embed="rId3" cstate="print">
             <a:extLst>
               <a:ext uri="{28A0092B-C50C-407E-A947-70E740481C1C}">
-                <a14:useLocalDpi xmlns="" xmlns:a14="http://schemas.microsoft.com/office/drawing/2010/main" val="0"/>
+                <a14:useLocalDpi xmlns:a14="http://schemas.microsoft.com/office/drawing/2010/main" xmlns="" val="0"/>
               </a:ext>
             </a:extLst>
           </a:blip>
@@ -35969,7 +35978,7 @@
           <a:noFill/>
           <a:extLst>
             <a:ext uri="{909E8E84-426E-40DD-AFC4-6F175D3DCCD1}">
-              <a14:hiddenFill xmlns="" xmlns:a14="http://schemas.microsoft.com/office/drawing/2010/main">
+              <a14:hiddenFill xmlns:a14="http://schemas.microsoft.com/office/drawing/2010/main" xmlns="">
                 <a:solidFill>
                   <a:srgbClr val="FFFFFF"/>
                 </a:solidFill>
@@ -35990,7 +35999,7 @@
           <a:blip r:embed="rId4" cstate="print">
             <a:extLst>
               <a:ext uri="{28A0092B-C50C-407E-A947-70E740481C1C}">
-                <a14:useLocalDpi xmlns="" xmlns:a14="http://schemas.microsoft.com/office/drawing/2010/main" val="0"/>
+                <a14:useLocalDpi xmlns:a14="http://schemas.microsoft.com/office/drawing/2010/main" xmlns="" val="0"/>
               </a:ext>
             </a:extLst>
           </a:blip>
@@ -36010,7 +36019,7 @@
           <a:noFill/>
           <a:extLst>
             <a:ext uri="{909E8E84-426E-40DD-AFC4-6F175D3DCCD1}">
-              <a14:hiddenFill xmlns="" xmlns:a14="http://schemas.microsoft.com/office/drawing/2010/main">
+              <a14:hiddenFill xmlns:a14="http://schemas.microsoft.com/office/drawing/2010/main" xmlns="">
                 <a:solidFill>
                   <a:srgbClr val="FFFFFF"/>
                 </a:solidFill>
@@ -36266,7 +36275,7 @@
     </p:spTree>
     <p:extLst>
       <p:ext uri="{BB962C8B-B14F-4D97-AF65-F5344CB8AC3E}">
-        <p14:creationId xmlns="" xmlns:p14="http://schemas.microsoft.com/office/powerpoint/2010/main" val="4010760893"/>
+        <p14:creationId xmlns:p14="http://schemas.microsoft.com/office/powerpoint/2010/main" xmlns="" val="4010760893"/>
       </p:ext>
     </p:extLst>
   </p:cSld>
@@ -36313,7 +36322,7 @@
           <a:blip r:embed="rId3" cstate="print">
             <a:extLst>
               <a:ext uri="{28A0092B-C50C-407E-A947-70E740481C1C}">
-                <a14:useLocalDpi xmlns="" xmlns:a14="http://schemas.microsoft.com/office/drawing/2010/main" val="0"/>
+                <a14:useLocalDpi xmlns:a14="http://schemas.microsoft.com/office/drawing/2010/main" xmlns="" val="0"/>
               </a:ext>
             </a:extLst>
           </a:blip>
@@ -36333,7 +36342,7 @@
           <a:noFill/>
           <a:extLst>
             <a:ext uri="{909E8E84-426E-40DD-AFC4-6F175D3DCCD1}">
-              <a14:hiddenFill xmlns="" xmlns:a14="http://schemas.microsoft.com/office/drawing/2010/main">
+              <a14:hiddenFill xmlns:a14="http://schemas.microsoft.com/office/drawing/2010/main" xmlns="">
                 <a:solidFill>
                   <a:srgbClr val="FFFFFF"/>
                 </a:solidFill>
@@ -36354,7 +36363,7 @@
           <a:blip r:embed="rId4" cstate="print">
             <a:extLst>
               <a:ext uri="{28A0092B-C50C-407E-A947-70E740481C1C}">
-                <a14:useLocalDpi xmlns="" xmlns:a14="http://schemas.microsoft.com/office/drawing/2010/main" val="0"/>
+                <a14:useLocalDpi xmlns:a14="http://schemas.microsoft.com/office/drawing/2010/main" xmlns="" val="0"/>
               </a:ext>
             </a:extLst>
           </a:blip>
@@ -36374,7 +36383,7 @@
           <a:noFill/>
           <a:extLst>
             <a:ext uri="{909E8E84-426E-40DD-AFC4-6F175D3DCCD1}">
-              <a14:hiddenFill xmlns="" xmlns:a14="http://schemas.microsoft.com/office/drawing/2010/main">
+              <a14:hiddenFill xmlns:a14="http://schemas.microsoft.com/office/drawing/2010/main" xmlns="">
                 <a:solidFill>
                   <a:srgbClr val="FFFFFF"/>
                 </a:solidFill>
@@ -36419,7 +36428,7 @@
           <p:nvPr>
             <p:extLst>
               <p:ext uri="{D42A27DB-BD31-4B8C-83A1-F6EECF244321}">
-                <p14:modId xmlns="" xmlns:p14="http://schemas.microsoft.com/office/powerpoint/2010/main" val="621550113"/>
+                <p14:modId xmlns:p14="http://schemas.microsoft.com/office/powerpoint/2010/main" xmlns="" val="621550113"/>
               </p:ext>
             </p:extLst>
           </p:nvPr>
@@ -36437,7 +36446,7 @@
     </p:spTree>
     <p:extLst>
       <p:ext uri="{BB962C8B-B14F-4D97-AF65-F5344CB8AC3E}">
-        <p14:creationId xmlns="" xmlns:p14="http://schemas.microsoft.com/office/powerpoint/2010/main" val="1850118340"/>
+        <p14:creationId xmlns:p14="http://schemas.microsoft.com/office/powerpoint/2010/main" xmlns="" val="1850118340"/>
       </p:ext>
     </p:extLst>
   </p:cSld>
@@ -36797,7 +36806,7 @@
           <a:blip r:embed="rId3" cstate="print">
             <a:extLst>
               <a:ext uri="{28A0092B-C50C-407E-A947-70E740481C1C}">
-                <a14:useLocalDpi xmlns="" xmlns:a14="http://schemas.microsoft.com/office/drawing/2010/main" val="0"/>
+                <a14:useLocalDpi xmlns:a14="http://schemas.microsoft.com/office/drawing/2010/main" xmlns="" val="0"/>
               </a:ext>
             </a:extLst>
           </a:blip>
@@ -36817,7 +36826,7 @@
           <a:noFill/>
           <a:extLst>
             <a:ext uri="{909E8E84-426E-40DD-AFC4-6F175D3DCCD1}">
-              <a14:hiddenFill xmlns="" xmlns:a14="http://schemas.microsoft.com/office/drawing/2010/main">
+              <a14:hiddenFill xmlns:a14="http://schemas.microsoft.com/office/drawing/2010/main" xmlns="">
                 <a:solidFill>
                   <a:srgbClr val="FFFFFF"/>
                 </a:solidFill>
@@ -36838,7 +36847,7 @@
           <a:blip r:embed="rId4" cstate="print">
             <a:extLst>
               <a:ext uri="{28A0092B-C50C-407E-A947-70E740481C1C}">
-                <a14:useLocalDpi xmlns="" xmlns:a14="http://schemas.microsoft.com/office/drawing/2010/main" val="0"/>
+                <a14:useLocalDpi xmlns:a14="http://schemas.microsoft.com/office/drawing/2010/main" xmlns="" val="0"/>
               </a:ext>
             </a:extLst>
           </a:blip>
@@ -36858,7 +36867,7 @@
           <a:noFill/>
           <a:extLst>
             <a:ext uri="{909E8E84-426E-40DD-AFC4-6F175D3DCCD1}">
-              <a14:hiddenFill xmlns="" xmlns:a14="http://schemas.microsoft.com/office/drawing/2010/main">
+              <a14:hiddenFill xmlns:a14="http://schemas.microsoft.com/office/drawing/2010/main" xmlns="">
                 <a:solidFill>
                   <a:srgbClr val="FFFFFF"/>
                 </a:solidFill>
@@ -36870,7 +36879,7 @@
     </p:spTree>
     <p:extLst>
       <p:ext uri="{BB962C8B-B14F-4D97-AF65-F5344CB8AC3E}">
-        <p14:creationId xmlns="" xmlns:p14="http://schemas.microsoft.com/office/powerpoint/2010/main" val="3730440862"/>
+        <p14:creationId xmlns:p14="http://schemas.microsoft.com/office/powerpoint/2010/main" xmlns="" val="3730440862"/>
       </p:ext>
     </p:extLst>
   </p:cSld>

--- a/Documentacion/Proyecto/Presentacion Final/Exposicion Final.pptx
+++ b/Documentacion/Proyecto/Presentacion Final/Exposicion Final.pptx
@@ -958,7 +958,11 @@
         <a:p>
           <a:r>
             <a:rPr lang="es-ES" dirty="0" smtClean="0"/>
-            <a:t>Informe preliminar lista de requerimientos</a:t>
+            <a:t>Informe </a:t>
+          </a:r>
+          <a:r>
+            <a:rPr lang="es-ES" dirty="0" smtClean="0"/>
+            <a:t>preliminar</a:t>
           </a:r>
           <a:endParaRPr lang="en-US" dirty="0"/>
         </a:p>
@@ -1316,6 +1320,33 @@
         </a:p>
       </dgm:t>
     </dgm:pt>
+    <dgm:pt modelId="{31F45068-6429-4DB1-859C-A42325B05AFA}">
+      <dgm:prSet phldrT="[Text]"/>
+      <dgm:spPr/>
+      <dgm:t>
+        <a:bodyPr/>
+        <a:lstStyle/>
+        <a:p>
+          <a:r>
+            <a:rPr lang="es-ES" dirty="0" smtClean="0"/>
+            <a:t>Lista </a:t>
+          </a:r>
+          <a:r>
+            <a:rPr lang="es-ES" dirty="0" smtClean="0"/>
+            <a:t>de requerimientos</a:t>
+          </a:r>
+          <a:endParaRPr lang="en-US" dirty="0"/>
+        </a:p>
+      </dgm:t>
+    </dgm:pt>
+    <dgm:pt modelId="{5C30A858-4117-4B40-90A2-9E61D6C7CA4D}" type="parTrans" cxnId="{096016B3-FF8A-411D-9BBE-8C4B36316E7B}">
+      <dgm:prSet/>
+      <dgm:spPr/>
+    </dgm:pt>
+    <dgm:pt modelId="{34B41A6C-6244-4C21-8F57-7CE1FE8CDA7C}" type="sibTrans" cxnId="{096016B3-FF8A-411D-9BBE-8C4B36316E7B}">
+      <dgm:prSet/>
+      <dgm:spPr/>
+    </dgm:pt>
     <dgm:pt modelId="{A269C954-6C69-4EFD-BC78-8B18276D4525}" type="pres">
       <dgm:prSet presAssocID="{0069092C-E876-4322-B292-7F8C73C3584F}" presName="Name0" presStyleCnt="0">
         <dgm:presLayoutVars>
@@ -1487,27 +1518,29 @@
     </dgm:pt>
   </dgm:ptLst>
   <dgm:cxnLst>
-    <dgm:cxn modelId="{71B934D1-A1BE-4D03-83AF-914726330904}" srcId="{08E1CF32-7D7D-4CF2-BAA9-C037C0EC0945}" destId="{2760651A-C8D9-4824-8874-1737C10BF8BC}" srcOrd="0" destOrd="0" parTransId="{76463492-48F4-4890-A095-1D24A7F0F984}" sibTransId="{FFEB90C6-A7C7-4B0A-89F2-919DD9364739}"/>
-    <dgm:cxn modelId="{3C69F642-B970-4116-8188-D040E030F41C}" srcId="{0069092C-E876-4322-B292-7F8C73C3584F}" destId="{813616D9-BE8E-4A10-BF86-762692BB6A0F}" srcOrd="3" destOrd="0" parTransId="{D5B80464-B801-4E50-B9EE-A4120F3DB6BA}" sibTransId="{EB607165-0503-4330-BE7C-FB630D47E442}"/>
-    <dgm:cxn modelId="{A0E40EFF-1B01-4164-A7AC-C78B3A933590}" type="presOf" srcId="{9D53F5CF-E73A-49B8-82D5-67B6E1B4D3B0}" destId="{22944780-7EA4-41AB-96B8-5A60D8CD2618}" srcOrd="0" destOrd="0" presId="urn:microsoft.com/office/officeart/2005/8/layout/vList5"/>
-    <dgm:cxn modelId="{F72D7F2D-5129-42E2-9017-708D8A91409B}" type="presOf" srcId="{0069092C-E876-4322-B292-7F8C73C3584F}" destId="{A269C954-6C69-4EFD-BC78-8B18276D4525}" srcOrd="0" destOrd="0" presId="urn:microsoft.com/office/officeart/2005/8/layout/vList5"/>
-    <dgm:cxn modelId="{FAA15890-4F2A-44A5-B421-87163F49C83F}" srcId="{0069092C-E876-4322-B292-7F8C73C3584F}" destId="{9D53F5CF-E73A-49B8-82D5-67B6E1B4D3B0}" srcOrd="1" destOrd="0" parTransId="{EFD8FFF1-CB0D-440F-8A6B-873EF7FB1F08}" sibTransId="{6E01CB81-79F9-4927-A467-F09033DCA897}"/>
-    <dgm:cxn modelId="{FE595EAB-F590-4967-B72D-32D5D3697D74}" type="presOf" srcId="{813616D9-BE8E-4A10-BF86-762692BB6A0F}" destId="{BBB6B52B-E046-4419-AB1D-58DD3C86F0D8}" srcOrd="0" destOrd="0" presId="urn:microsoft.com/office/officeart/2005/8/layout/vList5"/>
-    <dgm:cxn modelId="{FE78F3AE-2FA6-42E9-B720-08B83FEB33CD}" srcId="{813616D9-BE8E-4A10-BF86-762692BB6A0F}" destId="{82EDBB78-BDE0-49D3-BA2A-620A1AA99448}" srcOrd="1" destOrd="0" parTransId="{D7E6FD12-68CA-46EE-A997-236107332458}" sibTransId="{A43D6ED7-12FD-41CF-A98E-BB344017184C}"/>
-    <dgm:cxn modelId="{68C641F5-2370-4126-97C2-5EB7C51E9922}" type="presOf" srcId="{82EDBB78-BDE0-49D3-BA2A-620A1AA99448}" destId="{1DF7ADA8-0EAC-48DE-AFD6-FDBB67CD9962}" srcOrd="0" destOrd="1" presId="urn:microsoft.com/office/officeart/2005/8/layout/vList5"/>
-    <dgm:cxn modelId="{7B254469-F4F5-4AEB-A0B0-CC2BF361E6C3}" type="presOf" srcId="{5913FBD2-A8EA-4DD9-B679-25A7E714503E}" destId="{08E185FC-CEAB-4B95-8C69-65CB50B7EE28}" srcOrd="0" destOrd="1" presId="urn:microsoft.com/office/officeart/2005/8/layout/vList5"/>
-    <dgm:cxn modelId="{93790AE3-421D-4F5F-AC55-46FF2C557FAC}" type="presOf" srcId="{34496EE1-B95B-44E8-BB0A-0CAC482AB970}" destId="{5BA1A675-5232-4C7A-A9C3-FFF93194D31F}" srcOrd="0" destOrd="0" presId="urn:microsoft.com/office/officeart/2005/8/layout/vList5"/>
-    <dgm:cxn modelId="{5B3D558D-03CB-410E-BC29-DCE746D8222F}" type="presOf" srcId="{454E7899-FD60-471D-A87C-7F22BA1EC279}" destId="{B7CE4811-3286-4DF5-8DD8-3FB6DEAC28E9}" srcOrd="0" destOrd="0" presId="urn:microsoft.com/office/officeart/2005/8/layout/vList5"/>
-    <dgm:cxn modelId="{69A0E095-17E7-42E7-94DF-6521557440D8}" srcId="{08E1CF32-7D7D-4CF2-BAA9-C037C0EC0945}" destId="{5913FBD2-A8EA-4DD9-B679-25A7E714503E}" srcOrd="1" destOrd="0" parTransId="{50B59DB0-D698-4E18-9C75-DED440676B7C}" sibTransId="{C845D9E3-1694-466B-A08B-2FF052C9DA60}"/>
-    <dgm:cxn modelId="{B3A6CE16-803A-489F-AD0E-2100646AF1AE}" srcId="{454E7899-FD60-471D-A87C-7F22BA1EC279}" destId="{34496EE1-B95B-44E8-BB0A-0CAC482AB970}" srcOrd="0" destOrd="0" parTransId="{D29517DA-32A9-439E-B16D-511E21F194AD}" sibTransId="{C038C20B-2977-4BC8-BE69-AB6BD2E32905}"/>
-    <dgm:cxn modelId="{209AFB32-84E2-41E5-A2D0-AC0687D3F341}" srcId="{813616D9-BE8E-4A10-BF86-762692BB6A0F}" destId="{E9E98E57-AA12-4079-AB9F-42765B204AFD}" srcOrd="0" destOrd="0" parTransId="{C4577ADC-16D1-4D49-8707-154E0725CC4F}" sibTransId="{22148C02-D536-448C-A88E-FA359F360214}"/>
-    <dgm:cxn modelId="{BA4EB1E3-BF27-43E0-9B6B-011D52333FF5}" srcId="{0069092C-E876-4322-B292-7F8C73C3584F}" destId="{454E7899-FD60-471D-A87C-7F22BA1EC279}" srcOrd="2" destOrd="0" parTransId="{450023FD-E05D-46DD-97F6-01EC1F446AF8}" sibTransId="{CAAB7403-FC4F-4CE9-B67F-90C081C8A81C}"/>
-    <dgm:cxn modelId="{170C5141-9DC3-4B96-8F2D-45A3D336F9B2}" type="presOf" srcId="{E9E98E57-AA12-4079-AB9F-42765B204AFD}" destId="{1DF7ADA8-0EAC-48DE-AFD6-FDBB67CD9962}" srcOrd="0" destOrd="0" presId="urn:microsoft.com/office/officeart/2005/8/layout/vList5"/>
-    <dgm:cxn modelId="{9FB5EF73-95C6-4EB7-B5E2-4E0873914F7C}" type="presOf" srcId="{2760651A-C8D9-4824-8874-1737C10BF8BC}" destId="{08E185FC-CEAB-4B95-8C69-65CB50B7EE28}" srcOrd="0" destOrd="0" presId="urn:microsoft.com/office/officeart/2005/8/layout/vList5"/>
-    <dgm:cxn modelId="{13260AA9-F28E-461D-96E4-8FE2C3D698EC}" type="presOf" srcId="{08E1CF32-7D7D-4CF2-BAA9-C037C0EC0945}" destId="{D34768DB-64FD-4294-BFEE-0BC3987FFB41}" srcOrd="0" destOrd="0" presId="urn:microsoft.com/office/officeart/2005/8/layout/vList5"/>
     <dgm:cxn modelId="{03A36938-19A8-410D-88E7-EE099D03C49C}" type="presOf" srcId="{852AA831-7837-42DD-942D-617B2AD798FD}" destId="{F32870B6-D861-425B-A22A-69583A7DE8E8}" srcOrd="0" destOrd="0" presId="urn:microsoft.com/office/officeart/2005/8/layout/vList5"/>
     <dgm:cxn modelId="{17A4585D-7AE7-4DF7-BD4F-28F26443DC4A}" srcId="{9D53F5CF-E73A-49B8-82D5-67B6E1B4D3B0}" destId="{852AA831-7837-42DD-942D-617B2AD798FD}" srcOrd="0" destOrd="0" parTransId="{8CBF793F-D39E-496A-A905-BCC78B32A0A3}" sibTransId="{F2E800E2-1A52-4F90-9030-3DD289CD9ED0}"/>
+    <dgm:cxn modelId="{5B3D558D-03CB-410E-BC29-DCE746D8222F}" type="presOf" srcId="{454E7899-FD60-471D-A87C-7F22BA1EC279}" destId="{B7CE4811-3286-4DF5-8DD8-3FB6DEAC28E9}" srcOrd="0" destOrd="0" presId="urn:microsoft.com/office/officeart/2005/8/layout/vList5"/>
+    <dgm:cxn modelId="{B3A6CE16-803A-489F-AD0E-2100646AF1AE}" srcId="{454E7899-FD60-471D-A87C-7F22BA1EC279}" destId="{34496EE1-B95B-44E8-BB0A-0CAC482AB970}" srcOrd="0" destOrd="0" parTransId="{D29517DA-32A9-439E-B16D-511E21F194AD}" sibTransId="{C038C20B-2977-4BC8-BE69-AB6BD2E32905}"/>
+    <dgm:cxn modelId="{F72D7F2D-5129-42E2-9017-708D8A91409B}" type="presOf" srcId="{0069092C-E876-4322-B292-7F8C73C3584F}" destId="{A269C954-6C69-4EFD-BC78-8B18276D4525}" srcOrd="0" destOrd="0" presId="urn:microsoft.com/office/officeart/2005/8/layout/vList5"/>
+    <dgm:cxn modelId="{69A0E095-17E7-42E7-94DF-6521557440D8}" srcId="{08E1CF32-7D7D-4CF2-BAA9-C037C0EC0945}" destId="{5913FBD2-A8EA-4DD9-B679-25A7E714503E}" srcOrd="2" destOrd="0" parTransId="{50B59DB0-D698-4E18-9C75-DED440676B7C}" sibTransId="{C845D9E3-1694-466B-A08B-2FF052C9DA60}"/>
+    <dgm:cxn modelId="{096016B3-FF8A-411D-9BBE-8C4B36316E7B}" srcId="{08E1CF32-7D7D-4CF2-BAA9-C037C0EC0945}" destId="{31F45068-6429-4DB1-859C-A42325B05AFA}" srcOrd="1" destOrd="0" parTransId="{5C30A858-4117-4B40-90A2-9E61D6C7CA4D}" sibTransId="{34B41A6C-6244-4C21-8F57-7CE1FE8CDA7C}"/>
+    <dgm:cxn modelId="{13260AA9-F28E-461D-96E4-8FE2C3D698EC}" type="presOf" srcId="{08E1CF32-7D7D-4CF2-BAA9-C037C0EC0945}" destId="{D34768DB-64FD-4294-BFEE-0BC3987FFB41}" srcOrd="0" destOrd="0" presId="urn:microsoft.com/office/officeart/2005/8/layout/vList5"/>
     <dgm:cxn modelId="{AB09CD83-31B4-4E29-BE3B-CE8AC19DE7C6}" srcId="{0069092C-E876-4322-B292-7F8C73C3584F}" destId="{08E1CF32-7D7D-4CF2-BAA9-C037C0EC0945}" srcOrd="0" destOrd="0" parTransId="{B6516F18-BDC8-4A97-9C5C-6CEE01C69A90}" sibTransId="{C9217CDE-DFED-466C-80F2-DAA6B5AA755A}"/>
+    <dgm:cxn modelId="{170C5141-9DC3-4B96-8F2D-45A3D336F9B2}" type="presOf" srcId="{E9E98E57-AA12-4079-AB9F-42765B204AFD}" destId="{1DF7ADA8-0EAC-48DE-AFD6-FDBB67CD9962}" srcOrd="0" destOrd="0" presId="urn:microsoft.com/office/officeart/2005/8/layout/vList5"/>
+    <dgm:cxn modelId="{FE595EAB-F590-4967-B72D-32D5D3697D74}" type="presOf" srcId="{813616D9-BE8E-4A10-BF86-762692BB6A0F}" destId="{BBB6B52B-E046-4419-AB1D-58DD3C86F0D8}" srcOrd="0" destOrd="0" presId="urn:microsoft.com/office/officeart/2005/8/layout/vList5"/>
+    <dgm:cxn modelId="{71B934D1-A1BE-4D03-83AF-914726330904}" srcId="{08E1CF32-7D7D-4CF2-BAA9-C037C0EC0945}" destId="{2760651A-C8D9-4824-8874-1737C10BF8BC}" srcOrd="0" destOrd="0" parTransId="{76463492-48F4-4890-A095-1D24A7F0F984}" sibTransId="{FFEB90C6-A7C7-4B0A-89F2-919DD9364739}"/>
+    <dgm:cxn modelId="{FE78F3AE-2FA6-42E9-B720-08B83FEB33CD}" srcId="{813616D9-BE8E-4A10-BF86-762692BB6A0F}" destId="{82EDBB78-BDE0-49D3-BA2A-620A1AA99448}" srcOrd="1" destOrd="0" parTransId="{D7E6FD12-68CA-46EE-A997-236107332458}" sibTransId="{A43D6ED7-12FD-41CF-A98E-BB344017184C}"/>
+    <dgm:cxn modelId="{3C69F642-B970-4116-8188-D040E030F41C}" srcId="{0069092C-E876-4322-B292-7F8C73C3584F}" destId="{813616D9-BE8E-4A10-BF86-762692BB6A0F}" srcOrd="3" destOrd="0" parTransId="{D5B80464-B801-4E50-B9EE-A4120F3DB6BA}" sibTransId="{EB607165-0503-4330-BE7C-FB630D47E442}"/>
+    <dgm:cxn modelId="{BA4EB1E3-BF27-43E0-9B6B-011D52333FF5}" srcId="{0069092C-E876-4322-B292-7F8C73C3584F}" destId="{454E7899-FD60-471D-A87C-7F22BA1EC279}" srcOrd="2" destOrd="0" parTransId="{450023FD-E05D-46DD-97F6-01EC1F446AF8}" sibTransId="{CAAB7403-FC4F-4CE9-B67F-90C081C8A81C}"/>
+    <dgm:cxn modelId="{FAA15890-4F2A-44A5-B421-87163F49C83F}" srcId="{0069092C-E876-4322-B292-7F8C73C3584F}" destId="{9D53F5CF-E73A-49B8-82D5-67B6E1B4D3B0}" srcOrd="1" destOrd="0" parTransId="{EFD8FFF1-CB0D-440F-8A6B-873EF7FB1F08}" sibTransId="{6E01CB81-79F9-4927-A467-F09033DCA897}"/>
+    <dgm:cxn modelId="{93790AE3-421D-4F5F-AC55-46FF2C557FAC}" type="presOf" srcId="{34496EE1-B95B-44E8-BB0A-0CAC482AB970}" destId="{5BA1A675-5232-4C7A-A9C3-FFF93194D31F}" srcOrd="0" destOrd="0" presId="urn:microsoft.com/office/officeart/2005/8/layout/vList5"/>
+    <dgm:cxn modelId="{A0E40EFF-1B01-4164-A7AC-C78B3A933590}" type="presOf" srcId="{9D53F5CF-E73A-49B8-82D5-67B6E1B4D3B0}" destId="{22944780-7EA4-41AB-96B8-5A60D8CD2618}" srcOrd="0" destOrd="0" presId="urn:microsoft.com/office/officeart/2005/8/layout/vList5"/>
+    <dgm:cxn modelId="{68C641F5-2370-4126-97C2-5EB7C51E9922}" type="presOf" srcId="{82EDBB78-BDE0-49D3-BA2A-620A1AA99448}" destId="{1DF7ADA8-0EAC-48DE-AFD6-FDBB67CD9962}" srcOrd="0" destOrd="1" presId="urn:microsoft.com/office/officeart/2005/8/layout/vList5"/>
+    <dgm:cxn modelId="{A4EAC2C3-F1A4-4BF1-8896-60753FCF56C9}" type="presOf" srcId="{31F45068-6429-4DB1-859C-A42325B05AFA}" destId="{08E185FC-CEAB-4B95-8C69-65CB50B7EE28}" srcOrd="0" destOrd="1" presId="urn:microsoft.com/office/officeart/2005/8/layout/vList5"/>
+    <dgm:cxn modelId="{9FB5EF73-95C6-4EB7-B5E2-4E0873914F7C}" type="presOf" srcId="{2760651A-C8D9-4824-8874-1737C10BF8BC}" destId="{08E185FC-CEAB-4B95-8C69-65CB50B7EE28}" srcOrd="0" destOrd="0" presId="urn:microsoft.com/office/officeart/2005/8/layout/vList5"/>
+    <dgm:cxn modelId="{7B254469-F4F5-4AEB-A0B0-CC2BF361E6C3}" type="presOf" srcId="{5913FBD2-A8EA-4DD9-B679-25A7E714503E}" destId="{08E185FC-CEAB-4B95-8C69-65CB50B7EE28}" srcOrd="0" destOrd="2" presId="urn:microsoft.com/office/officeart/2005/8/layout/vList5"/>
+    <dgm:cxn modelId="{209AFB32-84E2-41E5-A2D0-AC0687D3F341}" srcId="{813616D9-BE8E-4A10-BF86-762692BB6A0F}" destId="{E9E98E57-AA12-4079-AB9F-42765B204AFD}" srcOrd="0" destOrd="0" parTransId="{C4577ADC-16D1-4D49-8707-154E0725CC4F}" sibTransId="{22148C02-D536-448C-A88E-FA359F360214}"/>
     <dgm:cxn modelId="{78DB57C4-A05D-4EC5-B1EB-C6B1B6E2A797}" type="presParOf" srcId="{A269C954-6C69-4EFD-BC78-8B18276D4525}" destId="{3EECDA9C-80A6-4FD0-93CD-CC698886C13F}" srcOrd="0" destOrd="0" presId="urn:microsoft.com/office/officeart/2005/8/layout/vList5"/>
     <dgm:cxn modelId="{DF6297AF-4709-4524-A47B-29ED51B533C2}" type="presParOf" srcId="{3EECDA9C-80A6-4FD0-93CD-CC698886C13F}" destId="{D34768DB-64FD-4294-BFEE-0BC3987FFB41}" srcOrd="0" destOrd="0" presId="urn:microsoft.com/office/officeart/2005/8/layout/vList5"/>
     <dgm:cxn modelId="{4E7E7847-F1C4-44A9-A44F-79C7E634DAA9}" type="presParOf" srcId="{3EECDA9C-80A6-4FD0-93CD-CC698886C13F}" destId="{08E185FC-CEAB-4B95-8C69-65CB50B7EE28}" srcOrd="1" destOrd="0" presId="urn:microsoft.com/office/officeart/2005/8/layout/vList5"/>
@@ -1528,14 +1561,14 @@
   <dgm:whole/>
   <dgm:extLst>
     <a:ext uri="http://schemas.microsoft.com/office/drawing/2008/diagram">
-      <dsp:dataModelExt xmlns="" xmlns:dsp="http://schemas.microsoft.com/office/drawing/2008/diagram" relId="rId9" minVer="http://schemas.openxmlformats.org/drawingml/2006/diagram"/>
+      <dsp:dataModelExt xmlns:dsp="http://schemas.microsoft.com/office/drawing/2008/diagram" relId="rId9" minVer="http://schemas.openxmlformats.org/drawingml/2006/diagram"/>
     </a:ext>
   </dgm:extLst>
 </dgm:dataModel>
 </file>
 
 <file path=ppt/diagrams/drawing1.xml><?xml version="1.0" encoding="utf-8"?>
-<dsp:drawing xmlns:dgm="http://schemas.openxmlformats.org/drawingml/2006/diagram" xmlns:a="http://schemas.openxmlformats.org/drawingml/2006/main" xmlns:dsp="http://schemas.microsoft.com/office/drawing/2008/diagram">
+<dsp:drawing xmlns:dgm="http://schemas.openxmlformats.org/drawingml/2006/diagram" xmlns:dsp="http://schemas.microsoft.com/office/drawing/2008/diagram" xmlns:a="http://schemas.openxmlformats.org/drawingml/2006/main">
   <dsp:spTree>
     <dsp:nvGrpSpPr>
       <dsp:cNvPr id="0" name=""/>
@@ -1593,12 +1626,12 @@
         <a:fontRef idx="minor"/>
       </dsp:style>
       <dsp:txBody>
-        <a:bodyPr spcFirstLastPara="0" vert="horz" wrap="square" lIns="72390" tIns="36195" rIns="72390" bIns="36195" numCol="1" spcCol="1270" anchor="ctr" anchorCtr="0">
+        <a:bodyPr spcFirstLastPara="0" vert="horz" wrap="square" lIns="53340" tIns="26670" rIns="53340" bIns="26670" numCol="1" spcCol="1270" anchor="ctr" anchorCtr="0">
           <a:noAutofit/>
         </a:bodyPr>
         <a:lstStyle/>
         <a:p>
-          <a:pPr marL="171450" lvl="1" indent="-171450" algn="l" defTabSz="844550">
+          <a:pPr marL="114300" lvl="1" indent="-114300" algn="l" defTabSz="622300">
             <a:lnSpc>
               <a:spcPct val="90000"/>
             </a:lnSpc>
@@ -1611,13 +1644,17 @@
             <a:buChar char="••"/>
           </a:pPr>
           <a:r>
-            <a:rPr lang="es-ES" sz="1900" kern="1200" dirty="0" smtClean="0"/>
-            <a:t>Informe preliminar lista de requerimientos</a:t>
+            <a:rPr lang="es-ES" sz="1400" kern="1200" dirty="0" smtClean="0"/>
+            <a:t>Informe </a:t>
           </a:r>
-          <a:endParaRPr lang="en-US" sz="1900" kern="1200" dirty="0"/>
+          <a:r>
+            <a:rPr lang="es-ES" sz="1400" kern="1200" dirty="0" smtClean="0"/>
+            <a:t>preliminar</a:t>
+          </a:r>
+          <a:endParaRPr lang="en-US" sz="1400" kern="1200" dirty="0"/>
         </a:p>
         <a:p>
-          <a:pPr marL="171450" lvl="1" indent="-171450" algn="l" defTabSz="844550">
+          <a:pPr marL="114300" lvl="1" indent="-114300" algn="l" defTabSz="622300">
             <a:lnSpc>
               <a:spcPct val="90000"/>
             </a:lnSpc>
@@ -1630,15 +1667,38 @@
             <a:buChar char="••"/>
           </a:pPr>
           <a:r>
-            <a:rPr lang="es-ES" sz="1900" kern="1200" dirty="0" smtClean="0"/>
+            <a:rPr lang="es-ES" sz="1400" kern="1200" dirty="0" smtClean="0"/>
+            <a:t>Lista </a:t>
+          </a:r>
+          <a:r>
+            <a:rPr lang="es-ES" sz="1400" kern="1200" dirty="0" smtClean="0"/>
+            <a:t>de requerimientos</a:t>
+          </a:r>
+          <a:endParaRPr lang="en-US" sz="1400" kern="1200" dirty="0"/>
+        </a:p>
+        <a:p>
+          <a:pPr marL="114300" lvl="1" indent="-114300" algn="l" defTabSz="622300">
+            <a:lnSpc>
+              <a:spcPct val="90000"/>
+            </a:lnSpc>
+            <a:spcBef>
+              <a:spcPct val="0"/>
+            </a:spcBef>
+            <a:spcAft>
+              <a:spcPct val="15000"/>
+            </a:spcAft>
+            <a:buChar char="••"/>
+          </a:pPr>
+          <a:r>
+            <a:rPr lang="es-ES" sz="1400" kern="1200" dirty="0" smtClean="0"/>
             <a:t>Diagrama de proceso de negocio</a:t>
           </a:r>
-          <a:endParaRPr lang="en-US" sz="1900" kern="1200" dirty="0"/>
+          <a:endParaRPr lang="en-US" sz="1400" kern="1200" dirty="0"/>
         </a:p>
       </dsp:txBody>
-      <dsp:txXfrm rot="5400000">
-        <a:off x="4959781" y="-2037862"/>
-        <a:ext cx="754903" cy="5023278"/>
+      <dsp:txXfrm rot="-5400000">
+        <a:off x="2825594" y="133176"/>
+        <a:ext cx="4986427" cy="681201"/>
       </dsp:txXfrm>
     </dsp:sp>
     <dsp:sp modelId="{D34768DB-64FD-4294-BFEE-0BC3987FFB41}">
@@ -1731,8 +1791,8 @@
         </a:p>
       </dsp:txBody>
       <dsp:txXfrm>
-        <a:off x="0" y="1961"/>
-        <a:ext cx="2825593" cy="943628"/>
+        <a:off x="46064" y="48025"/>
+        <a:ext cx="2733465" cy="851500"/>
       </dsp:txXfrm>
     </dsp:sp>
     <dsp:sp modelId="{F32870B6-D861-425B-A22A-69583A7DE8E8}">
@@ -1786,12 +1846,12 @@
         <a:fontRef idx="minor"/>
       </dsp:style>
       <dsp:txBody>
-        <a:bodyPr spcFirstLastPara="0" vert="horz" wrap="square" lIns="72390" tIns="36195" rIns="72390" bIns="36195" numCol="1" spcCol="1270" anchor="ctr" anchorCtr="0">
+        <a:bodyPr spcFirstLastPara="0" vert="horz" wrap="square" lIns="53340" tIns="26670" rIns="53340" bIns="26670" numCol="1" spcCol="1270" anchor="ctr" anchorCtr="0">
           <a:noAutofit/>
         </a:bodyPr>
         <a:lstStyle/>
         <a:p>
-          <a:pPr marL="171450" lvl="1" indent="-171450" algn="l" defTabSz="844550">
+          <a:pPr marL="114300" lvl="1" indent="-114300" algn="l" defTabSz="622300">
             <a:lnSpc>
               <a:spcPct val="90000"/>
             </a:lnSpc>
@@ -1804,15 +1864,15 @@
             <a:buChar char="••"/>
           </a:pPr>
           <a:r>
-            <a:rPr lang="es-AR" sz="1900" kern="1200" dirty="0" smtClean="0"/>
+            <a:rPr lang="es-AR" sz="1400" kern="1200" dirty="0" smtClean="0"/>
             <a:t>Implementación de los CU prioridad Alta</a:t>
           </a:r>
-          <a:endParaRPr lang="en-US" sz="1900" kern="1200" dirty="0"/>
+          <a:endParaRPr lang="en-US" sz="1400" kern="1200" dirty="0"/>
         </a:p>
       </dsp:txBody>
-      <dsp:txXfrm rot="5400000">
-        <a:off x="4959781" y="-1047052"/>
-        <a:ext cx="754903" cy="5023278"/>
+      <dsp:txXfrm rot="-5400000">
+        <a:off x="2825594" y="1123986"/>
+        <a:ext cx="4986427" cy="681201"/>
       </dsp:txXfrm>
     </dsp:sp>
     <dsp:sp modelId="{22944780-7EA4-41AB-96B8-5A60D8CD2618}">
@@ -1905,8 +1965,8 @@
         </a:p>
       </dsp:txBody>
       <dsp:txXfrm>
-        <a:off x="0" y="992772"/>
-        <a:ext cx="2825593" cy="943628"/>
+        <a:off x="46064" y="1038836"/>
+        <a:ext cx="2733465" cy="851500"/>
       </dsp:txXfrm>
     </dsp:sp>
     <dsp:sp modelId="{5BA1A675-5232-4C7A-A9C3-FFF93194D31F}">
@@ -1960,12 +2020,12 @@
         <a:fontRef idx="minor"/>
       </dsp:style>
       <dsp:txBody>
-        <a:bodyPr spcFirstLastPara="0" vert="horz" wrap="square" lIns="72390" tIns="36195" rIns="72390" bIns="36195" numCol="1" spcCol="1270" anchor="ctr" anchorCtr="0">
+        <a:bodyPr spcFirstLastPara="0" vert="horz" wrap="square" lIns="53340" tIns="26670" rIns="53340" bIns="26670" numCol="1" spcCol="1270" anchor="ctr" anchorCtr="0">
           <a:noAutofit/>
         </a:bodyPr>
         <a:lstStyle/>
         <a:p>
-          <a:pPr marL="171450" lvl="1" indent="-171450" algn="l" defTabSz="844550">
+          <a:pPr marL="114300" lvl="1" indent="-114300" algn="l" defTabSz="622300">
             <a:lnSpc>
               <a:spcPct val="90000"/>
             </a:lnSpc>
@@ -1978,15 +2038,15 @@
             <a:buChar char="••"/>
           </a:pPr>
           <a:r>
-            <a:rPr lang="es-AR" sz="1900" kern="1200" dirty="0" smtClean="0"/>
+            <a:rPr lang="es-AR" sz="1400" kern="1200" dirty="0" smtClean="0"/>
             <a:t>Implementación de los CU prioridad Media y Baja</a:t>
           </a:r>
-          <a:endParaRPr lang="en-US" sz="1900" kern="1200" dirty="0"/>
+          <a:endParaRPr lang="en-US" sz="1400" kern="1200" dirty="0"/>
         </a:p>
       </dsp:txBody>
-      <dsp:txXfrm rot="5400000">
-        <a:off x="4959781" y="-56241"/>
-        <a:ext cx="754903" cy="5023278"/>
+      <dsp:txXfrm rot="-5400000">
+        <a:off x="2825594" y="2114797"/>
+        <a:ext cx="4986427" cy="681201"/>
       </dsp:txXfrm>
     </dsp:sp>
     <dsp:sp modelId="{B7CE4811-3286-4DF5-8DD8-3FB6DEAC28E9}">
@@ -2079,8 +2139,8 @@
         </a:p>
       </dsp:txBody>
       <dsp:txXfrm>
-        <a:off x="0" y="1983582"/>
-        <a:ext cx="2825593" cy="943628"/>
+        <a:off x="46064" y="2029646"/>
+        <a:ext cx="2733465" cy="851500"/>
       </dsp:txXfrm>
     </dsp:sp>
     <dsp:sp modelId="{1DF7ADA8-0EAC-48DE-AFD6-FDBB67CD9962}">
@@ -2134,12 +2194,12 @@
         <a:fontRef idx="minor"/>
       </dsp:style>
       <dsp:txBody>
-        <a:bodyPr spcFirstLastPara="0" vert="horz" wrap="square" lIns="72390" tIns="36195" rIns="72390" bIns="36195" numCol="1" spcCol="1270" anchor="ctr" anchorCtr="0">
+        <a:bodyPr spcFirstLastPara="0" vert="horz" wrap="square" lIns="53340" tIns="26670" rIns="53340" bIns="26670" numCol="1" spcCol="1270" anchor="ctr" anchorCtr="0">
           <a:noAutofit/>
         </a:bodyPr>
         <a:lstStyle/>
         <a:p>
-          <a:pPr marL="171450" lvl="1" indent="-171450" algn="l" defTabSz="844550">
+          <a:pPr marL="114300" lvl="1" indent="-114300" algn="l" defTabSz="622300">
             <a:lnSpc>
               <a:spcPct val="90000"/>
             </a:lnSpc>
@@ -2152,29 +2212,29 @@
             <a:buChar char="••"/>
           </a:pPr>
           <a:r>
-            <a:rPr lang="en-US" sz="1900" kern="1200" dirty="0" err="1" smtClean="0"/>
+            <a:rPr lang="en-US" sz="1400" kern="1200" dirty="0" err="1" smtClean="0"/>
             <a:t>Sistema</a:t>
           </a:r>
           <a:r>
-            <a:rPr lang="en-US" sz="1900" kern="1200" dirty="0" smtClean="0"/>
+            <a:rPr lang="en-US" sz="1400" kern="1200" dirty="0" smtClean="0"/>
             <a:t> </a:t>
           </a:r>
           <a:r>
-            <a:rPr lang="en-US" sz="1900" kern="1200" dirty="0" err="1" smtClean="0"/>
+            <a:rPr lang="en-US" sz="1400" kern="1200" dirty="0" err="1" smtClean="0"/>
             <a:t>implementado</a:t>
           </a:r>
           <a:r>
-            <a:rPr lang="en-US" sz="1900" kern="1200" dirty="0" smtClean="0"/>
+            <a:rPr lang="en-US" sz="1400" kern="1200" dirty="0" smtClean="0"/>
             <a:t> en forma </a:t>
           </a:r>
           <a:r>
-            <a:rPr lang="es-ES" sz="1900" kern="1200" dirty="0" smtClean="0"/>
+            <a:rPr lang="es-ES" sz="1400" kern="1200" dirty="0" smtClean="0"/>
             <a:t>completa</a:t>
           </a:r>
-          <a:endParaRPr lang="en-US" sz="1900" kern="1200" dirty="0"/>
+          <a:endParaRPr lang="en-US" sz="1400" kern="1200" dirty="0"/>
         </a:p>
         <a:p>
-          <a:pPr marL="171450" lvl="1" indent="-171450" algn="l" defTabSz="844550">
+          <a:pPr marL="114300" lvl="1" indent="-114300" algn="l" defTabSz="622300">
             <a:lnSpc>
               <a:spcPct val="90000"/>
             </a:lnSpc>
@@ -2187,15 +2247,15 @@
             <a:buChar char="••"/>
           </a:pPr>
           <a:r>
-            <a:rPr lang="es-ES" sz="1900" kern="1200" dirty="0" smtClean="0"/>
+            <a:rPr lang="es-ES" sz="1400" kern="1200" dirty="0" smtClean="0"/>
             <a:t>Manual de usuario y de procedimiento</a:t>
           </a:r>
-          <a:endParaRPr lang="en-US" sz="1900" kern="1200" dirty="0"/>
+          <a:endParaRPr lang="en-US" sz="1400" kern="1200" dirty="0"/>
         </a:p>
       </dsp:txBody>
-      <dsp:txXfrm rot="5400000">
-        <a:off x="4959781" y="934568"/>
-        <a:ext cx="754903" cy="5023278"/>
+      <dsp:txXfrm rot="-5400000">
+        <a:off x="2825594" y="3105607"/>
+        <a:ext cx="4986427" cy="681201"/>
       </dsp:txXfrm>
     </dsp:sp>
     <dsp:sp modelId="{BBB6B52B-E046-4419-AB1D-58DD3C86F0D8}">
@@ -2288,8 +2348,8 @@
         </a:p>
       </dsp:txBody>
       <dsp:txXfrm>
-        <a:off x="0" y="2974393"/>
-        <a:ext cx="2825593" cy="943628"/>
+        <a:off x="46064" y="3020457"/>
+        <a:ext cx="2733465" cy="851500"/>
       </dsp:txXfrm>
     </dsp:sp>
   </dsp:spTree>
@@ -3646,7 +3706,7 @@
             <a:fld id="{0FCD3181-B84A-4C7F-BCE9-433A8C37C4B6}" type="datetimeFigureOut">
               <a:rPr lang="es-AR" smtClean="0"/>
               <a:pPr/>
-              <a:t>17/12/2012</a:t>
+              <a:t>18/12/2012</a:t>
             </a:fld>
             <a:endParaRPr lang="es-AR"/>
           </a:p>
@@ -3806,7 +3866,7 @@
             <a:fld id="{A7B64929-4861-4CD2-8535-8985BEACB04E}" type="slidenum">
               <a:rPr lang="es-AR" smtClean="0"/>
               <a:pPr/>
-              <a:t>‹Nº›</a:t>
+              <a:t>‹#›</a:t>
             </a:fld>
             <a:endParaRPr lang="es-AR"/>
           </a:p>
@@ -3815,7 +3875,7 @@
     </p:spTree>
     <p:extLst>
       <p:ext uri="{BB962C8B-B14F-4D97-AF65-F5344CB8AC3E}">
-        <p14:creationId xmlns:p14="http://schemas.microsoft.com/office/powerpoint/2010/main" xmlns="" val="2850839577"/>
+        <p14:creationId xmlns:p14="http://schemas.microsoft.com/office/powerpoint/2010/main" val="2850839577"/>
       </p:ext>
     </p:extLst>
   </p:cSld>
@@ -9769,7 +9829,7 @@
             <a:fld id="{46F4E5E0-CC8A-4447-8D98-8F21A5814697}" type="datetimeFigureOut">
               <a:rPr lang="en-US" smtClean="0"/>
               <a:pPr/>
-              <a:t>12/17/2012</a:t>
+              <a:t>12/18/2012</a:t>
             </a:fld>
             <a:endParaRPr lang="en-US"/>
           </a:p>
@@ -9898,7 +9958,7 @@
                 </a:solidFill>
               </a:rPr>
               <a:pPr/>
-              <a:t>‹Nº›</a:t>
+              <a:t>‹#›</a:t>
             </a:fld>
             <a:endParaRPr lang="en-US">
               <a:solidFill>
@@ -9961,7 +10021,7 @@
     </p:spTree>
     <p:extLst>
       <p:ext uri="{BB962C8B-B14F-4D97-AF65-F5344CB8AC3E}">
-        <p14:creationId xmlns:p14="http://schemas.microsoft.com/office/powerpoint/2010/main" xmlns="" val="1330727078"/>
+        <p14:creationId xmlns:p14="http://schemas.microsoft.com/office/powerpoint/2010/main" val="1330727078"/>
       </p:ext>
     </p:extLst>
   </p:cSld>
@@ -10081,7 +10141,7 @@
             <a:fld id="{46F4E5E0-CC8A-4447-8D98-8F21A5814697}" type="datetimeFigureOut">
               <a:rPr lang="en-US" smtClean="0"/>
               <a:pPr/>
-              <a:t>12/17/2012</a:t>
+              <a:t>12/18/2012</a:t>
             </a:fld>
             <a:endParaRPr lang="en-US"/>
           </a:p>
@@ -10128,7 +10188,7 @@
             <a:fld id="{DCCC8732-F178-4423-B0C1-D52A699E8877}" type="slidenum">
               <a:rPr lang="en-US" smtClean="0"/>
               <a:pPr/>
-              <a:t>‹Nº›</a:t>
+              <a:t>‹#›</a:t>
             </a:fld>
             <a:endParaRPr lang="en-US"/>
           </a:p>
@@ -10137,7 +10197,7 @@
     </p:spTree>
     <p:extLst>
       <p:ext uri="{BB962C8B-B14F-4D97-AF65-F5344CB8AC3E}">
-        <p14:creationId xmlns:p14="http://schemas.microsoft.com/office/powerpoint/2010/main" xmlns="" val="72257086"/>
+        <p14:creationId xmlns:p14="http://schemas.microsoft.com/office/powerpoint/2010/main" val="72257086"/>
       </p:ext>
     </p:extLst>
   </p:cSld>
@@ -10267,7 +10327,7 @@
             <a:fld id="{46F4E5E0-CC8A-4447-8D98-8F21A5814697}" type="datetimeFigureOut">
               <a:rPr lang="en-US" smtClean="0"/>
               <a:pPr/>
-              <a:t>12/17/2012</a:t>
+              <a:t>12/18/2012</a:t>
             </a:fld>
             <a:endParaRPr lang="en-US"/>
           </a:p>
@@ -10314,7 +10374,7 @@
             <a:fld id="{DCCC8732-F178-4423-B0C1-D52A699E8877}" type="slidenum">
               <a:rPr lang="en-US" smtClean="0"/>
               <a:pPr/>
-              <a:t>‹Nº›</a:t>
+              <a:t>‹#›</a:t>
             </a:fld>
             <a:endParaRPr lang="en-US"/>
           </a:p>
@@ -10323,7 +10383,7 @@
     </p:spTree>
     <p:extLst>
       <p:ext uri="{BB962C8B-B14F-4D97-AF65-F5344CB8AC3E}">
-        <p14:creationId xmlns:p14="http://schemas.microsoft.com/office/powerpoint/2010/main" xmlns="" val="3996790497"/>
+        <p14:creationId xmlns:p14="http://schemas.microsoft.com/office/powerpoint/2010/main" val="3996790497"/>
       </p:ext>
     </p:extLst>
   </p:cSld>
@@ -10443,7 +10503,7 @@
             <a:fld id="{46F4E5E0-CC8A-4447-8D98-8F21A5814697}" type="datetimeFigureOut">
               <a:rPr lang="en-US" smtClean="0"/>
               <a:pPr/>
-              <a:t>12/17/2012</a:t>
+              <a:t>12/18/2012</a:t>
             </a:fld>
             <a:endParaRPr lang="en-US"/>
           </a:p>
@@ -10490,7 +10550,7 @@
             <a:fld id="{DCCC8732-F178-4423-B0C1-D52A699E8877}" type="slidenum">
               <a:rPr lang="en-US" smtClean="0"/>
               <a:pPr/>
-              <a:t>‹Nº›</a:t>
+              <a:t>‹#›</a:t>
             </a:fld>
             <a:endParaRPr lang="en-US"/>
           </a:p>
@@ -10499,7 +10559,7 @@
     </p:spTree>
     <p:extLst>
       <p:ext uri="{BB962C8B-B14F-4D97-AF65-F5344CB8AC3E}">
-        <p14:creationId xmlns:p14="http://schemas.microsoft.com/office/powerpoint/2010/main" xmlns="" val="3822553965"/>
+        <p14:creationId xmlns:p14="http://schemas.microsoft.com/office/powerpoint/2010/main" val="3822553965"/>
       </p:ext>
     </p:extLst>
   </p:cSld>
@@ -10695,7 +10755,7 @@
             <a:fld id="{46F4E5E0-CC8A-4447-8D98-8F21A5814697}" type="datetimeFigureOut">
               <a:rPr lang="en-US" smtClean="0"/>
               <a:pPr/>
-              <a:t>12/17/2012</a:t>
+              <a:t>12/18/2012</a:t>
             </a:fld>
             <a:endParaRPr lang="en-US"/>
           </a:p>
@@ -10742,7 +10802,7 @@
             <a:fld id="{DCCC8732-F178-4423-B0C1-D52A699E8877}" type="slidenum">
               <a:rPr lang="en-US" smtClean="0"/>
               <a:pPr/>
-              <a:t>‹Nº›</a:t>
+              <a:t>‹#›</a:t>
             </a:fld>
             <a:endParaRPr lang="en-US"/>
           </a:p>
@@ -10751,7 +10811,7 @@
     </p:spTree>
     <p:extLst>
       <p:ext uri="{BB962C8B-B14F-4D97-AF65-F5344CB8AC3E}">
-        <p14:creationId xmlns:p14="http://schemas.microsoft.com/office/powerpoint/2010/main" xmlns="" val="352929955"/>
+        <p14:creationId xmlns:p14="http://schemas.microsoft.com/office/powerpoint/2010/main" val="352929955"/>
       </p:ext>
     </p:extLst>
   </p:cSld>
@@ -10819,7 +10879,7 @@
             <a:fld id="{46F4E5E0-CC8A-4447-8D98-8F21A5814697}" type="datetimeFigureOut">
               <a:rPr lang="en-US" smtClean="0"/>
               <a:pPr/>
-              <a:t>12/17/2012</a:t>
+              <a:t>12/18/2012</a:t>
             </a:fld>
             <a:endParaRPr lang="en-US"/>
           </a:p>
@@ -10866,7 +10926,7 @@
             <a:fld id="{DCCC8732-F178-4423-B0C1-D52A699E8877}" type="slidenum">
               <a:rPr lang="en-US" smtClean="0"/>
               <a:pPr/>
-              <a:t>‹Nº›</a:t>
+              <a:t>‹#›</a:t>
             </a:fld>
             <a:endParaRPr lang="en-US"/>
           </a:p>
@@ -10989,7 +11049,7 @@
     </p:spTree>
     <p:extLst>
       <p:ext uri="{BB962C8B-B14F-4D97-AF65-F5344CB8AC3E}">
-        <p14:creationId xmlns:p14="http://schemas.microsoft.com/office/powerpoint/2010/main" xmlns="" val="1863607196"/>
+        <p14:creationId xmlns:p14="http://schemas.microsoft.com/office/powerpoint/2010/main" val="1863607196"/>
       </p:ext>
     </p:extLst>
   </p:cSld>
@@ -11369,7 +11429,7 @@
             <a:fld id="{46F4E5E0-CC8A-4447-8D98-8F21A5814697}" type="datetimeFigureOut">
               <a:rPr lang="en-US" smtClean="0"/>
               <a:pPr/>
-              <a:t>12/17/2012</a:t>
+              <a:t>12/18/2012</a:t>
             </a:fld>
             <a:endParaRPr lang="en-US"/>
           </a:p>
@@ -11416,7 +11476,7 @@
             <a:fld id="{DCCC8732-F178-4423-B0C1-D52A699E8877}" type="slidenum">
               <a:rPr lang="en-US" smtClean="0"/>
               <a:pPr/>
-              <a:t>‹Nº›</a:t>
+              <a:t>‹#›</a:t>
             </a:fld>
             <a:endParaRPr lang="en-US"/>
           </a:p>
@@ -11425,7 +11485,7 @@
     </p:spTree>
     <p:extLst>
       <p:ext uri="{BB962C8B-B14F-4D97-AF65-F5344CB8AC3E}">
-        <p14:creationId xmlns:p14="http://schemas.microsoft.com/office/powerpoint/2010/main" xmlns="" val="2276288299"/>
+        <p14:creationId xmlns:p14="http://schemas.microsoft.com/office/powerpoint/2010/main" val="2276288299"/>
       </p:ext>
     </p:extLst>
   </p:cSld>
@@ -11493,7 +11553,7 @@
             <a:fld id="{46F4E5E0-CC8A-4447-8D98-8F21A5814697}" type="datetimeFigureOut">
               <a:rPr lang="en-US" smtClean="0"/>
               <a:pPr/>
-              <a:t>12/17/2012</a:t>
+              <a:t>12/18/2012</a:t>
             </a:fld>
             <a:endParaRPr lang="en-US"/>
           </a:p>
@@ -11540,7 +11600,7 @@
             <a:fld id="{DCCC8732-F178-4423-B0C1-D52A699E8877}" type="slidenum">
               <a:rPr lang="en-US" smtClean="0"/>
               <a:pPr/>
-              <a:t>‹Nº›</a:t>
+              <a:t>‹#›</a:t>
             </a:fld>
             <a:endParaRPr lang="en-US"/>
           </a:p>
@@ -11549,7 +11609,7 @@
     </p:spTree>
     <p:extLst>
       <p:ext uri="{BB962C8B-B14F-4D97-AF65-F5344CB8AC3E}">
-        <p14:creationId xmlns:p14="http://schemas.microsoft.com/office/powerpoint/2010/main" xmlns="" val="3533055302"/>
+        <p14:creationId xmlns:p14="http://schemas.microsoft.com/office/powerpoint/2010/main" val="3533055302"/>
       </p:ext>
     </p:extLst>
   </p:cSld>
@@ -11594,7 +11654,7 @@
             <a:fld id="{46F4E5E0-CC8A-4447-8D98-8F21A5814697}" type="datetimeFigureOut">
               <a:rPr lang="en-US" smtClean="0"/>
               <a:pPr/>
-              <a:t>12/17/2012</a:t>
+              <a:t>12/18/2012</a:t>
             </a:fld>
             <a:endParaRPr lang="en-US"/>
           </a:p>
@@ -11641,7 +11701,7 @@
             <a:fld id="{DCCC8732-F178-4423-B0C1-D52A699E8877}" type="slidenum">
               <a:rPr lang="en-US" smtClean="0"/>
               <a:pPr/>
-              <a:t>‹Nº›</a:t>
+              <a:t>‹#›</a:t>
             </a:fld>
             <a:endParaRPr lang="en-US"/>
           </a:p>
@@ -11650,7 +11710,7 @@
     </p:spTree>
     <p:extLst>
       <p:ext uri="{BB962C8B-B14F-4D97-AF65-F5344CB8AC3E}">
-        <p14:creationId xmlns:p14="http://schemas.microsoft.com/office/powerpoint/2010/main" xmlns="" val="512267318"/>
+        <p14:creationId xmlns:p14="http://schemas.microsoft.com/office/powerpoint/2010/main" val="512267318"/>
       </p:ext>
     </p:extLst>
   </p:cSld>
@@ -14400,7 +14460,7 @@
             <a:fld id="{46F4E5E0-CC8A-4447-8D98-8F21A5814697}" type="datetimeFigureOut">
               <a:rPr lang="en-US" smtClean="0"/>
               <a:pPr/>
-              <a:t>12/17/2012</a:t>
+              <a:t>12/18/2012</a:t>
             </a:fld>
             <a:endParaRPr lang="en-US"/>
           </a:p>
@@ -14424,7 +14484,7 @@
             <a:fld id="{DCCC8732-F178-4423-B0C1-D52A699E8877}" type="slidenum">
               <a:rPr lang="en-US" smtClean="0"/>
               <a:pPr/>
-              <a:t>‹Nº›</a:t>
+              <a:t>‹#›</a:t>
             </a:fld>
             <a:endParaRPr lang="en-US"/>
           </a:p>
@@ -14755,7 +14815,7 @@
     </p:spTree>
     <p:extLst>
       <p:ext uri="{BB962C8B-B14F-4D97-AF65-F5344CB8AC3E}">
-        <p14:creationId xmlns:p14="http://schemas.microsoft.com/office/powerpoint/2010/main" xmlns="" val="1507695741"/>
+        <p14:creationId xmlns:p14="http://schemas.microsoft.com/office/powerpoint/2010/main" val="1507695741"/>
       </p:ext>
     </p:extLst>
   </p:cSld>
@@ -17783,7 +17843,7 @@
             <a:fld id="{46F4E5E0-CC8A-4447-8D98-8F21A5814697}" type="datetimeFigureOut">
               <a:rPr lang="en-US" smtClean="0"/>
               <a:pPr/>
-              <a:t>12/17/2012</a:t>
+              <a:t>12/18/2012</a:t>
             </a:fld>
             <a:endParaRPr lang="en-US"/>
           </a:p>
@@ -17837,7 +17897,7 @@
             <a:fld id="{DCCC8732-F178-4423-B0C1-D52A699E8877}" type="slidenum">
               <a:rPr lang="en-US" smtClean="0"/>
               <a:pPr/>
-              <a:t>‹Nº›</a:t>
+              <a:t>‹#›</a:t>
             </a:fld>
             <a:endParaRPr lang="en-US"/>
           </a:p>
@@ -17846,7 +17906,7 @@
     </p:spTree>
     <p:extLst>
       <p:ext uri="{BB962C8B-B14F-4D97-AF65-F5344CB8AC3E}">
-        <p14:creationId xmlns:p14="http://schemas.microsoft.com/office/powerpoint/2010/main" xmlns="" val="2962261683"/>
+        <p14:creationId xmlns:p14="http://schemas.microsoft.com/office/powerpoint/2010/main" val="2962261683"/>
       </p:ext>
     </p:extLst>
   </p:cSld>
@@ -20764,7 +20824,7 @@
             <a:fld id="{46F4E5E0-CC8A-4447-8D98-8F21A5814697}" type="datetimeFigureOut">
               <a:rPr lang="en-US" smtClean="0"/>
               <a:pPr/>
-              <a:t>12/17/2012</a:t>
+              <a:t>12/18/2012</a:t>
             </a:fld>
             <a:endParaRPr lang="en-US"/>
           </a:p>
@@ -20843,7 +20903,7 @@
             <a:fld id="{DCCC8732-F178-4423-B0C1-D52A699E8877}" type="slidenum">
               <a:rPr lang="en-US" smtClean="0"/>
               <a:pPr/>
-              <a:t>‹Nº›</a:t>
+              <a:t>‹#›</a:t>
             </a:fld>
             <a:endParaRPr lang="en-US"/>
           </a:p>
@@ -20852,7 +20912,7 @@
     </p:spTree>
     <p:extLst>
       <p:ext uri="{BB962C8B-B14F-4D97-AF65-F5344CB8AC3E}">
-        <p14:creationId xmlns:p14="http://schemas.microsoft.com/office/powerpoint/2010/main" xmlns="" val="1509962220"/>
+        <p14:creationId xmlns:p14="http://schemas.microsoft.com/office/powerpoint/2010/main" val="1509962220"/>
       </p:ext>
     </p:extLst>
   </p:cSld>
@@ -21422,7 +21482,7 @@
           <a:noFill/>
           <a:extLst>
             <a:ext uri="{909E8E84-426E-40DD-AFC4-6F175D3DCCD1}">
-              <a14:hiddenFill xmlns:a14="http://schemas.microsoft.com/office/drawing/2010/main" xmlns="">
+              <a14:hiddenFill xmlns:a14="http://schemas.microsoft.com/office/drawing/2010/main">
                 <a:solidFill>
                   <a:srgbClr val="FFFFFF"/>
                 </a:solidFill>
@@ -21458,7 +21518,7 @@
           <a:blip r:embed="rId3" cstate="print">
             <a:extLst>
               <a:ext uri="{28A0092B-C50C-407E-A947-70E740481C1C}">
-                <a14:useLocalDpi xmlns:a14="http://schemas.microsoft.com/office/drawing/2010/main" xmlns="" val="0"/>
+                <a14:useLocalDpi xmlns:a14="http://schemas.microsoft.com/office/drawing/2010/main" val="0"/>
               </a:ext>
             </a:extLst>
           </a:blip>
@@ -21478,7 +21538,7 @@
           <a:noFill/>
           <a:extLst>
             <a:ext uri="{909E8E84-426E-40DD-AFC4-6F175D3DCCD1}">
-              <a14:hiddenFill xmlns:a14="http://schemas.microsoft.com/office/drawing/2010/main" xmlns="">
+              <a14:hiddenFill xmlns:a14="http://schemas.microsoft.com/office/drawing/2010/main">
                 <a:solidFill>
                   <a:srgbClr val="FFFFFF"/>
                 </a:solidFill>
@@ -21499,7 +21559,7 @@
           <a:blip r:embed="rId4" cstate="print">
             <a:extLst>
               <a:ext uri="{28A0092B-C50C-407E-A947-70E740481C1C}">
-                <a14:useLocalDpi xmlns:a14="http://schemas.microsoft.com/office/drawing/2010/main" xmlns="" val="0"/>
+                <a14:useLocalDpi xmlns:a14="http://schemas.microsoft.com/office/drawing/2010/main" val="0"/>
               </a:ext>
             </a:extLst>
           </a:blip>
@@ -21519,7 +21579,7 @@
           <a:noFill/>
           <a:extLst>
             <a:ext uri="{909E8E84-426E-40DD-AFC4-6F175D3DCCD1}">
-              <a14:hiddenFill xmlns:a14="http://schemas.microsoft.com/office/drawing/2010/main" xmlns="">
+              <a14:hiddenFill xmlns:a14="http://schemas.microsoft.com/office/drawing/2010/main">
                 <a:solidFill>
                   <a:srgbClr val="FFFFFF"/>
                 </a:solidFill>
@@ -21531,7 +21591,7 @@
     </p:spTree>
     <p:extLst>
       <p:ext uri="{BB962C8B-B14F-4D97-AF65-F5344CB8AC3E}">
-        <p14:creationId xmlns:p14="http://schemas.microsoft.com/office/powerpoint/2010/main" xmlns="" val="1948239631"/>
+        <p14:creationId xmlns:p14="http://schemas.microsoft.com/office/powerpoint/2010/main" val="1948239631"/>
       </p:ext>
     </p:extLst>
   </p:cSld>
@@ -21858,6 +21918,30 @@
               <a:rPr lang="es-AR" b="1" dirty="0" smtClean="0"/>
               <a:t> </a:t>
             </a:r>
+            <a:endParaRPr lang="es-AR" b="1" dirty="0" smtClean="0"/>
+          </a:p>
+          <a:p>
+            <a:pPr lvl="1">
+              <a:spcAft>
+                <a:spcPts val="1200"/>
+              </a:spcAft>
+            </a:pPr>
+            <a:endParaRPr lang="es-ES" b="1" dirty="0"/>
+          </a:p>
+          <a:p>
+            <a:pPr lvl="1">
+              <a:spcAft>
+                <a:spcPts val="1200"/>
+              </a:spcAft>
+            </a:pPr>
+            <a:r>
+              <a:rPr lang="es-ES" dirty="0" smtClean="0"/>
+              <a:t>La implementación debe ser open </a:t>
+            </a:r>
+            <a:r>
+              <a:rPr lang="es-ES" dirty="0" err="1" smtClean="0"/>
+              <a:t>source</a:t>
+            </a:r>
             <a:endParaRPr lang="es-ES" dirty="0" smtClean="0"/>
           </a:p>
         </p:txBody>
@@ -21874,7 +21958,7 @@
           <a:blip r:embed="rId3" cstate="print">
             <a:extLst>
               <a:ext uri="{28A0092B-C50C-407E-A947-70E740481C1C}">
-                <a14:useLocalDpi xmlns:a14="http://schemas.microsoft.com/office/drawing/2010/main" xmlns="" val="0"/>
+                <a14:useLocalDpi xmlns:a14="http://schemas.microsoft.com/office/drawing/2010/main" val="0"/>
               </a:ext>
             </a:extLst>
           </a:blip>
@@ -21894,7 +21978,7 @@
           <a:noFill/>
           <a:extLst>
             <a:ext uri="{909E8E84-426E-40DD-AFC4-6F175D3DCCD1}">
-              <a14:hiddenFill xmlns:a14="http://schemas.microsoft.com/office/drawing/2010/main" xmlns="">
+              <a14:hiddenFill xmlns:a14="http://schemas.microsoft.com/office/drawing/2010/main">
                 <a:solidFill>
                   <a:srgbClr val="FFFFFF"/>
                 </a:solidFill>
@@ -21915,7 +21999,7 @@
           <a:blip r:embed="rId4" cstate="print">
             <a:extLst>
               <a:ext uri="{28A0092B-C50C-407E-A947-70E740481C1C}">
-                <a14:useLocalDpi xmlns:a14="http://schemas.microsoft.com/office/drawing/2010/main" xmlns="" val="0"/>
+                <a14:useLocalDpi xmlns:a14="http://schemas.microsoft.com/office/drawing/2010/main" val="0"/>
               </a:ext>
             </a:extLst>
           </a:blip>
@@ -21935,7 +22019,7 @@
           <a:noFill/>
           <a:extLst>
             <a:ext uri="{909E8E84-426E-40DD-AFC4-6F175D3DCCD1}">
-              <a14:hiddenFill xmlns:a14="http://schemas.microsoft.com/office/drawing/2010/main" xmlns="">
+              <a14:hiddenFill xmlns:a14="http://schemas.microsoft.com/office/drawing/2010/main">
                 <a:solidFill>
                   <a:srgbClr val="FFFFFF"/>
                 </a:solidFill>
@@ -21947,7 +22031,7 @@
     </p:spTree>
     <p:extLst>
       <p:ext uri="{BB962C8B-B14F-4D97-AF65-F5344CB8AC3E}">
-        <p14:creationId xmlns:p14="http://schemas.microsoft.com/office/powerpoint/2010/main" xmlns="" val="3730440862"/>
+        <p14:creationId xmlns:p14="http://schemas.microsoft.com/office/powerpoint/2010/main" val="3730440862"/>
       </p:ext>
     </p:extLst>
   </p:cSld>
@@ -22025,7 +22109,7 @@
           <a:blip r:embed="rId3" cstate="print">
             <a:extLst>
               <a:ext uri="{28A0092B-C50C-407E-A947-70E740481C1C}">
-                <a14:useLocalDpi xmlns:a14="http://schemas.microsoft.com/office/drawing/2010/main" xmlns="" val="0"/>
+                <a14:useLocalDpi xmlns:a14="http://schemas.microsoft.com/office/drawing/2010/main" val="0"/>
               </a:ext>
             </a:extLst>
           </a:blip>
@@ -22045,7 +22129,7 @@
           <a:noFill/>
           <a:extLst>
             <a:ext uri="{909E8E84-426E-40DD-AFC4-6F175D3DCCD1}">
-              <a14:hiddenFill xmlns:a14="http://schemas.microsoft.com/office/drawing/2010/main" xmlns="">
+              <a14:hiddenFill xmlns:a14="http://schemas.microsoft.com/office/drawing/2010/main">
                 <a:solidFill>
                   <a:srgbClr val="FFFFFF"/>
                 </a:solidFill>
@@ -22066,7 +22150,7 @@
           <a:blip r:embed="rId4" cstate="print">
             <a:extLst>
               <a:ext uri="{28A0092B-C50C-407E-A947-70E740481C1C}">
-                <a14:useLocalDpi xmlns:a14="http://schemas.microsoft.com/office/drawing/2010/main" xmlns="" val="0"/>
+                <a14:useLocalDpi xmlns:a14="http://schemas.microsoft.com/office/drawing/2010/main" val="0"/>
               </a:ext>
             </a:extLst>
           </a:blip>
@@ -22086,7 +22170,7 @@
           <a:noFill/>
           <a:extLst>
             <a:ext uri="{909E8E84-426E-40DD-AFC4-6F175D3DCCD1}">
-              <a14:hiddenFill xmlns:a14="http://schemas.microsoft.com/office/drawing/2010/main" xmlns="">
+              <a14:hiddenFill xmlns:a14="http://schemas.microsoft.com/office/drawing/2010/main">
                 <a:solidFill>
                   <a:srgbClr val="FFFFFF"/>
                 </a:solidFill>
@@ -22533,7 +22617,7 @@
           <a:blip r:embed="rId5" cstate="print">
             <a:extLst>
               <a:ext uri="{28A0092B-C50C-407E-A947-70E740481C1C}">
-                <a14:useLocalDpi xmlns:a14="http://schemas.microsoft.com/office/drawing/2010/main" xmlns="" val="0"/>
+                <a14:useLocalDpi xmlns:a14="http://schemas.microsoft.com/office/drawing/2010/main" val="0"/>
               </a:ext>
             </a:extLst>
           </a:blip>
@@ -22592,7 +22676,7 @@
     </p:spTree>
     <p:extLst>
       <p:ext uri="{BB962C8B-B14F-4D97-AF65-F5344CB8AC3E}">
-        <p14:creationId xmlns:p14="http://schemas.microsoft.com/office/powerpoint/2010/main" xmlns="" val="371114157"/>
+        <p14:creationId xmlns:p14="http://schemas.microsoft.com/office/powerpoint/2010/main" val="371114157"/>
       </p:ext>
     </p:extLst>
   </p:cSld>
@@ -22670,7 +22754,7 @@
           <a:blip r:embed="rId3" cstate="print">
             <a:extLst>
               <a:ext uri="{28A0092B-C50C-407E-A947-70E740481C1C}">
-                <a14:useLocalDpi xmlns:a14="http://schemas.microsoft.com/office/drawing/2010/main" xmlns="" val="0"/>
+                <a14:useLocalDpi xmlns:a14="http://schemas.microsoft.com/office/drawing/2010/main" val="0"/>
               </a:ext>
             </a:extLst>
           </a:blip>
@@ -22690,7 +22774,7 @@
           <a:noFill/>
           <a:extLst>
             <a:ext uri="{909E8E84-426E-40DD-AFC4-6F175D3DCCD1}">
-              <a14:hiddenFill xmlns:a14="http://schemas.microsoft.com/office/drawing/2010/main" xmlns="">
+              <a14:hiddenFill xmlns:a14="http://schemas.microsoft.com/office/drawing/2010/main">
                 <a:solidFill>
                   <a:srgbClr val="FFFFFF"/>
                 </a:solidFill>
@@ -22711,7 +22795,7 @@
           <a:blip r:embed="rId4" cstate="print">
             <a:extLst>
               <a:ext uri="{28A0092B-C50C-407E-A947-70E740481C1C}">
-                <a14:useLocalDpi xmlns:a14="http://schemas.microsoft.com/office/drawing/2010/main" xmlns="" val="0"/>
+                <a14:useLocalDpi xmlns:a14="http://schemas.microsoft.com/office/drawing/2010/main" val="0"/>
               </a:ext>
             </a:extLst>
           </a:blip>
@@ -22731,7 +22815,7 @@
           <a:noFill/>
           <a:extLst>
             <a:ext uri="{909E8E84-426E-40DD-AFC4-6F175D3DCCD1}">
-              <a14:hiddenFill xmlns:a14="http://schemas.microsoft.com/office/drawing/2010/main" xmlns="">
+              <a14:hiddenFill xmlns:a14="http://schemas.microsoft.com/office/drawing/2010/main">
                 <a:solidFill>
                   <a:srgbClr val="FFFFFF"/>
                 </a:solidFill>
@@ -23200,7 +23284,7 @@
     </p:spTree>
     <p:extLst>
       <p:ext uri="{BB962C8B-B14F-4D97-AF65-F5344CB8AC3E}">
-        <p14:creationId xmlns:p14="http://schemas.microsoft.com/office/powerpoint/2010/main" xmlns="" val="2451265666"/>
+        <p14:creationId xmlns:p14="http://schemas.microsoft.com/office/powerpoint/2010/main" val="2451265666"/>
       </p:ext>
     </p:extLst>
   </p:cSld>
@@ -23278,7 +23362,7 @@
           <a:blip r:embed="rId3" cstate="print">
             <a:extLst>
               <a:ext uri="{28A0092B-C50C-407E-A947-70E740481C1C}">
-                <a14:useLocalDpi xmlns:a14="http://schemas.microsoft.com/office/drawing/2010/main" xmlns="" val="0"/>
+                <a14:useLocalDpi xmlns:a14="http://schemas.microsoft.com/office/drawing/2010/main" val="0"/>
               </a:ext>
             </a:extLst>
           </a:blip>
@@ -23298,7 +23382,7 @@
           <a:noFill/>
           <a:extLst>
             <a:ext uri="{909E8E84-426E-40DD-AFC4-6F175D3DCCD1}">
-              <a14:hiddenFill xmlns:a14="http://schemas.microsoft.com/office/drawing/2010/main" xmlns="">
+              <a14:hiddenFill xmlns:a14="http://schemas.microsoft.com/office/drawing/2010/main">
                 <a:solidFill>
                   <a:srgbClr val="FFFFFF"/>
                 </a:solidFill>
@@ -23319,7 +23403,7 @@
           <a:blip r:embed="rId4" cstate="print">
             <a:extLst>
               <a:ext uri="{28A0092B-C50C-407E-A947-70E740481C1C}">
-                <a14:useLocalDpi xmlns:a14="http://schemas.microsoft.com/office/drawing/2010/main" xmlns="" val="0"/>
+                <a14:useLocalDpi xmlns:a14="http://schemas.microsoft.com/office/drawing/2010/main" val="0"/>
               </a:ext>
             </a:extLst>
           </a:blip>
@@ -23339,7 +23423,7 @@
           <a:noFill/>
           <a:extLst>
             <a:ext uri="{909E8E84-426E-40DD-AFC4-6F175D3DCCD1}">
-              <a14:hiddenFill xmlns:a14="http://schemas.microsoft.com/office/drawing/2010/main" xmlns="">
+              <a14:hiddenFill xmlns:a14="http://schemas.microsoft.com/office/drawing/2010/main">
                 <a:solidFill>
                   <a:srgbClr val="FFFFFF"/>
                 </a:solidFill>
@@ -23633,7 +23717,7 @@
     </p:spTree>
     <p:extLst>
       <p:ext uri="{BB962C8B-B14F-4D97-AF65-F5344CB8AC3E}">
-        <p14:creationId xmlns:p14="http://schemas.microsoft.com/office/powerpoint/2010/main" xmlns="" val="2270680916"/>
+        <p14:creationId xmlns:p14="http://schemas.microsoft.com/office/powerpoint/2010/main" val="2270680916"/>
       </p:ext>
     </p:extLst>
   </p:cSld>
@@ -23711,7 +23795,7 @@
           <a:blip r:embed="rId3" cstate="print">
             <a:extLst>
               <a:ext uri="{28A0092B-C50C-407E-A947-70E740481C1C}">
-                <a14:useLocalDpi xmlns:a14="http://schemas.microsoft.com/office/drawing/2010/main" xmlns="" val="0"/>
+                <a14:useLocalDpi xmlns:a14="http://schemas.microsoft.com/office/drawing/2010/main" val="0"/>
               </a:ext>
             </a:extLst>
           </a:blip>
@@ -23731,7 +23815,7 @@
           <a:noFill/>
           <a:extLst>
             <a:ext uri="{909E8E84-426E-40DD-AFC4-6F175D3DCCD1}">
-              <a14:hiddenFill xmlns:a14="http://schemas.microsoft.com/office/drawing/2010/main" xmlns="">
+              <a14:hiddenFill xmlns:a14="http://schemas.microsoft.com/office/drawing/2010/main">
                 <a:solidFill>
                   <a:srgbClr val="FFFFFF"/>
                 </a:solidFill>
@@ -23752,7 +23836,7 @@
           <a:blip r:embed="rId4" cstate="print">
             <a:extLst>
               <a:ext uri="{28A0092B-C50C-407E-A947-70E740481C1C}">
-                <a14:useLocalDpi xmlns:a14="http://schemas.microsoft.com/office/drawing/2010/main" xmlns="" val="0"/>
+                <a14:useLocalDpi xmlns:a14="http://schemas.microsoft.com/office/drawing/2010/main" val="0"/>
               </a:ext>
             </a:extLst>
           </a:blip>
@@ -23772,7 +23856,7 @@
           <a:noFill/>
           <a:extLst>
             <a:ext uri="{909E8E84-426E-40DD-AFC4-6F175D3DCCD1}">
-              <a14:hiddenFill xmlns:a14="http://schemas.microsoft.com/office/drawing/2010/main" xmlns="">
+              <a14:hiddenFill xmlns:a14="http://schemas.microsoft.com/office/drawing/2010/main">
                 <a:solidFill>
                   <a:srgbClr val="FFFFFF"/>
                 </a:solidFill>
@@ -24291,7 +24375,7 @@
     </p:spTree>
     <p:extLst>
       <p:ext uri="{BB962C8B-B14F-4D97-AF65-F5344CB8AC3E}">
-        <p14:creationId xmlns:p14="http://schemas.microsoft.com/office/powerpoint/2010/main" xmlns="" val="1231639983"/>
+        <p14:creationId xmlns:p14="http://schemas.microsoft.com/office/powerpoint/2010/main" val="1231639983"/>
       </p:ext>
     </p:extLst>
   </p:cSld>
@@ -24369,7 +24453,7 @@
           <a:blip r:embed="rId3" cstate="print">
             <a:extLst>
               <a:ext uri="{28A0092B-C50C-407E-A947-70E740481C1C}">
-                <a14:useLocalDpi xmlns:a14="http://schemas.microsoft.com/office/drawing/2010/main" xmlns="" val="0"/>
+                <a14:useLocalDpi xmlns:a14="http://schemas.microsoft.com/office/drawing/2010/main" val="0"/>
               </a:ext>
             </a:extLst>
           </a:blip>
@@ -24389,7 +24473,7 @@
           <a:noFill/>
           <a:extLst>
             <a:ext uri="{909E8E84-426E-40DD-AFC4-6F175D3DCCD1}">
-              <a14:hiddenFill xmlns:a14="http://schemas.microsoft.com/office/drawing/2010/main" xmlns="">
+              <a14:hiddenFill xmlns:a14="http://schemas.microsoft.com/office/drawing/2010/main">
                 <a:solidFill>
                   <a:srgbClr val="FFFFFF"/>
                 </a:solidFill>
@@ -24410,7 +24494,7 @@
           <a:blip r:embed="rId4" cstate="print">
             <a:extLst>
               <a:ext uri="{28A0092B-C50C-407E-A947-70E740481C1C}">
-                <a14:useLocalDpi xmlns:a14="http://schemas.microsoft.com/office/drawing/2010/main" xmlns="" val="0"/>
+                <a14:useLocalDpi xmlns:a14="http://schemas.microsoft.com/office/drawing/2010/main" val="0"/>
               </a:ext>
             </a:extLst>
           </a:blip>
@@ -24430,7 +24514,7 @@
           <a:noFill/>
           <a:extLst>
             <a:ext uri="{909E8E84-426E-40DD-AFC4-6F175D3DCCD1}">
-              <a14:hiddenFill xmlns:a14="http://schemas.microsoft.com/office/drawing/2010/main" xmlns="">
+              <a14:hiddenFill xmlns:a14="http://schemas.microsoft.com/office/drawing/2010/main">
                 <a:solidFill>
                   <a:srgbClr val="FFFFFF"/>
                 </a:solidFill>
@@ -24719,7 +24803,7 @@
           <a:blip r:embed="rId5" cstate="print">
             <a:extLst>
               <a:ext uri="{28A0092B-C50C-407E-A947-70E740481C1C}">
-                <a14:useLocalDpi xmlns:a14="http://schemas.microsoft.com/office/drawing/2010/main" xmlns="" val="0"/>
+                <a14:useLocalDpi xmlns:a14="http://schemas.microsoft.com/office/drawing/2010/main" val="0"/>
               </a:ext>
             </a:extLst>
           </a:blip>
@@ -24740,7 +24824,7 @@
     </p:spTree>
     <p:extLst>
       <p:ext uri="{BB962C8B-B14F-4D97-AF65-F5344CB8AC3E}">
-        <p14:creationId xmlns:p14="http://schemas.microsoft.com/office/powerpoint/2010/main" xmlns="" val="2631451680"/>
+        <p14:creationId xmlns:p14="http://schemas.microsoft.com/office/powerpoint/2010/main" val="2631451680"/>
       </p:ext>
     </p:extLst>
   </p:cSld>
@@ -24818,7 +24902,7 @@
           <a:blip r:embed="rId3" cstate="print">
             <a:extLst>
               <a:ext uri="{28A0092B-C50C-407E-A947-70E740481C1C}">
-                <a14:useLocalDpi xmlns:a14="http://schemas.microsoft.com/office/drawing/2010/main" xmlns="" val="0"/>
+                <a14:useLocalDpi xmlns:a14="http://schemas.microsoft.com/office/drawing/2010/main" val="0"/>
               </a:ext>
             </a:extLst>
           </a:blip>
@@ -24838,7 +24922,7 @@
           <a:noFill/>
           <a:extLst>
             <a:ext uri="{909E8E84-426E-40DD-AFC4-6F175D3DCCD1}">
-              <a14:hiddenFill xmlns:a14="http://schemas.microsoft.com/office/drawing/2010/main" xmlns="">
+              <a14:hiddenFill xmlns:a14="http://schemas.microsoft.com/office/drawing/2010/main">
                 <a:solidFill>
                   <a:srgbClr val="FFFFFF"/>
                 </a:solidFill>
@@ -24859,7 +24943,7 @@
           <a:blip r:embed="rId4" cstate="print">
             <a:extLst>
               <a:ext uri="{28A0092B-C50C-407E-A947-70E740481C1C}">
-                <a14:useLocalDpi xmlns:a14="http://schemas.microsoft.com/office/drawing/2010/main" xmlns="" val="0"/>
+                <a14:useLocalDpi xmlns:a14="http://schemas.microsoft.com/office/drawing/2010/main" val="0"/>
               </a:ext>
             </a:extLst>
           </a:blip>
@@ -24879,7 +24963,7 @@
           <a:noFill/>
           <a:extLst>
             <a:ext uri="{909E8E84-426E-40DD-AFC4-6F175D3DCCD1}">
-              <a14:hiddenFill xmlns:a14="http://schemas.microsoft.com/office/drawing/2010/main" xmlns="">
+              <a14:hiddenFill xmlns:a14="http://schemas.microsoft.com/office/drawing/2010/main">
                 <a:solidFill>
                   <a:srgbClr val="FFFFFF"/>
                 </a:solidFill>
@@ -25400,7 +25484,7 @@
     </p:spTree>
     <p:extLst>
       <p:ext uri="{BB962C8B-B14F-4D97-AF65-F5344CB8AC3E}">
-        <p14:creationId xmlns:p14="http://schemas.microsoft.com/office/powerpoint/2010/main" xmlns="" val="3569134236"/>
+        <p14:creationId xmlns:p14="http://schemas.microsoft.com/office/powerpoint/2010/main" val="3569134236"/>
       </p:ext>
     </p:extLst>
   </p:cSld>
@@ -25478,7 +25562,7 @@
           <a:blip r:embed="rId3" cstate="print">
             <a:extLst>
               <a:ext uri="{28A0092B-C50C-407E-A947-70E740481C1C}">
-                <a14:useLocalDpi xmlns:a14="http://schemas.microsoft.com/office/drawing/2010/main" xmlns="" val="0"/>
+                <a14:useLocalDpi xmlns:a14="http://schemas.microsoft.com/office/drawing/2010/main" val="0"/>
               </a:ext>
             </a:extLst>
           </a:blip>
@@ -25498,7 +25582,7 @@
           <a:noFill/>
           <a:extLst>
             <a:ext uri="{909E8E84-426E-40DD-AFC4-6F175D3DCCD1}">
-              <a14:hiddenFill xmlns:a14="http://schemas.microsoft.com/office/drawing/2010/main" xmlns="">
+              <a14:hiddenFill xmlns:a14="http://schemas.microsoft.com/office/drawing/2010/main">
                 <a:solidFill>
                   <a:srgbClr val="FFFFFF"/>
                 </a:solidFill>
@@ -25519,7 +25603,7 @@
           <a:blip r:embed="rId4" cstate="print">
             <a:extLst>
               <a:ext uri="{28A0092B-C50C-407E-A947-70E740481C1C}">
-                <a14:useLocalDpi xmlns:a14="http://schemas.microsoft.com/office/drawing/2010/main" xmlns="" val="0"/>
+                <a14:useLocalDpi xmlns:a14="http://schemas.microsoft.com/office/drawing/2010/main" val="0"/>
               </a:ext>
             </a:extLst>
           </a:blip>
@@ -25539,7 +25623,7 @@
           <a:noFill/>
           <a:extLst>
             <a:ext uri="{909E8E84-426E-40DD-AFC4-6F175D3DCCD1}">
-              <a14:hiddenFill xmlns:a14="http://schemas.microsoft.com/office/drawing/2010/main" xmlns="">
+              <a14:hiddenFill xmlns:a14="http://schemas.microsoft.com/office/drawing/2010/main">
                 <a:solidFill>
                   <a:srgbClr val="FFFFFF"/>
                 </a:solidFill>
@@ -26072,7 +26156,7 @@
     </p:spTree>
     <p:extLst>
       <p:ext uri="{BB962C8B-B14F-4D97-AF65-F5344CB8AC3E}">
-        <p14:creationId xmlns:p14="http://schemas.microsoft.com/office/powerpoint/2010/main" xmlns="" val="3452687192"/>
+        <p14:creationId xmlns:p14="http://schemas.microsoft.com/office/powerpoint/2010/main" val="3452687192"/>
       </p:ext>
     </p:extLst>
   </p:cSld>
@@ -26150,7 +26234,7 @@
           <a:blip r:embed="rId3" cstate="print">
             <a:extLst>
               <a:ext uri="{28A0092B-C50C-407E-A947-70E740481C1C}">
-                <a14:useLocalDpi xmlns:a14="http://schemas.microsoft.com/office/drawing/2010/main" xmlns="" val="0"/>
+                <a14:useLocalDpi xmlns:a14="http://schemas.microsoft.com/office/drawing/2010/main" val="0"/>
               </a:ext>
             </a:extLst>
           </a:blip>
@@ -26170,7 +26254,7 @@
           <a:noFill/>
           <a:extLst>
             <a:ext uri="{909E8E84-426E-40DD-AFC4-6F175D3DCCD1}">
-              <a14:hiddenFill xmlns:a14="http://schemas.microsoft.com/office/drawing/2010/main" xmlns="">
+              <a14:hiddenFill xmlns:a14="http://schemas.microsoft.com/office/drawing/2010/main">
                 <a:solidFill>
                   <a:srgbClr val="FFFFFF"/>
                 </a:solidFill>
@@ -26191,7 +26275,7 @@
           <a:blip r:embed="rId4" cstate="print">
             <a:extLst>
               <a:ext uri="{28A0092B-C50C-407E-A947-70E740481C1C}">
-                <a14:useLocalDpi xmlns:a14="http://schemas.microsoft.com/office/drawing/2010/main" xmlns="" val="0"/>
+                <a14:useLocalDpi xmlns:a14="http://schemas.microsoft.com/office/drawing/2010/main" val="0"/>
               </a:ext>
             </a:extLst>
           </a:blip>
@@ -26211,7 +26295,7 @@
           <a:noFill/>
           <a:extLst>
             <a:ext uri="{909E8E84-426E-40DD-AFC4-6F175D3DCCD1}">
-              <a14:hiddenFill xmlns:a14="http://schemas.microsoft.com/office/drawing/2010/main" xmlns="">
+              <a14:hiddenFill xmlns:a14="http://schemas.microsoft.com/office/drawing/2010/main">
                 <a:solidFill>
                   <a:srgbClr val="FFFFFF"/>
                 </a:solidFill>
@@ -26705,7 +26789,7 @@
           <a:blip r:embed="rId5" cstate="print">
             <a:extLst>
               <a:ext uri="{28A0092B-C50C-407E-A947-70E740481C1C}">
-                <a14:useLocalDpi xmlns:a14="http://schemas.microsoft.com/office/drawing/2010/main" xmlns="" val="0"/>
+                <a14:useLocalDpi xmlns:a14="http://schemas.microsoft.com/office/drawing/2010/main" val="0"/>
               </a:ext>
             </a:extLst>
           </a:blip>
@@ -26726,7 +26810,7 @@
     </p:spTree>
     <p:extLst>
       <p:ext uri="{BB962C8B-B14F-4D97-AF65-F5344CB8AC3E}">
-        <p14:creationId xmlns:p14="http://schemas.microsoft.com/office/powerpoint/2010/main" xmlns="" val="1895813771"/>
+        <p14:creationId xmlns:p14="http://schemas.microsoft.com/office/powerpoint/2010/main" val="1895813771"/>
       </p:ext>
     </p:extLst>
   </p:cSld>
@@ -26804,7 +26888,7 @@
           <a:blip r:embed="rId3" cstate="print">
             <a:extLst>
               <a:ext uri="{28A0092B-C50C-407E-A947-70E740481C1C}">
-                <a14:useLocalDpi xmlns:a14="http://schemas.microsoft.com/office/drawing/2010/main" xmlns="" val="0"/>
+                <a14:useLocalDpi xmlns:a14="http://schemas.microsoft.com/office/drawing/2010/main" val="0"/>
               </a:ext>
             </a:extLst>
           </a:blip>
@@ -26824,7 +26908,7 @@
           <a:noFill/>
           <a:extLst>
             <a:ext uri="{909E8E84-426E-40DD-AFC4-6F175D3DCCD1}">
-              <a14:hiddenFill xmlns:a14="http://schemas.microsoft.com/office/drawing/2010/main" xmlns="">
+              <a14:hiddenFill xmlns:a14="http://schemas.microsoft.com/office/drawing/2010/main">
                 <a:solidFill>
                   <a:srgbClr val="FFFFFF"/>
                 </a:solidFill>
@@ -26845,7 +26929,7 @@
           <a:blip r:embed="rId4" cstate="print">
             <a:extLst>
               <a:ext uri="{28A0092B-C50C-407E-A947-70E740481C1C}">
-                <a14:useLocalDpi xmlns:a14="http://schemas.microsoft.com/office/drawing/2010/main" xmlns="" val="0"/>
+                <a14:useLocalDpi xmlns:a14="http://schemas.microsoft.com/office/drawing/2010/main" val="0"/>
               </a:ext>
             </a:extLst>
           </a:blip>
@@ -26865,7 +26949,7 @@
           <a:noFill/>
           <a:extLst>
             <a:ext uri="{909E8E84-426E-40DD-AFC4-6F175D3DCCD1}">
-              <a14:hiddenFill xmlns:a14="http://schemas.microsoft.com/office/drawing/2010/main" xmlns="">
+              <a14:hiddenFill xmlns:a14="http://schemas.microsoft.com/office/drawing/2010/main">
                 <a:solidFill>
                   <a:srgbClr val="FFFFFF"/>
                 </a:solidFill>
@@ -27359,7 +27443,7 @@
           <a:blip r:embed="rId5" cstate="print">
             <a:extLst>
               <a:ext uri="{28A0092B-C50C-407E-A947-70E740481C1C}">
-                <a14:useLocalDpi xmlns:a14="http://schemas.microsoft.com/office/drawing/2010/main" xmlns="" val="0"/>
+                <a14:useLocalDpi xmlns:a14="http://schemas.microsoft.com/office/drawing/2010/main" val="0"/>
               </a:ext>
             </a:extLst>
           </a:blip>
@@ -27380,7 +27464,7 @@
     </p:spTree>
     <p:extLst>
       <p:ext uri="{BB962C8B-B14F-4D97-AF65-F5344CB8AC3E}">
-        <p14:creationId xmlns:p14="http://schemas.microsoft.com/office/powerpoint/2010/main" xmlns="" val="1731941927"/>
+        <p14:creationId xmlns:p14="http://schemas.microsoft.com/office/powerpoint/2010/main" val="1731941927"/>
       </p:ext>
     </p:extLst>
   </p:cSld>
@@ -27835,7 +27919,7 @@
           <a:blip r:embed="rId3" cstate="print">
             <a:extLst>
               <a:ext uri="{28A0092B-C50C-407E-A947-70E740481C1C}">
-                <a14:useLocalDpi xmlns:a14="http://schemas.microsoft.com/office/drawing/2010/main" xmlns="" val="0"/>
+                <a14:useLocalDpi xmlns:a14="http://schemas.microsoft.com/office/drawing/2010/main" val="0"/>
               </a:ext>
             </a:extLst>
           </a:blip>
@@ -27855,7 +27939,7 @@
           <a:noFill/>
           <a:extLst>
             <a:ext uri="{909E8E84-426E-40DD-AFC4-6F175D3DCCD1}">
-              <a14:hiddenFill xmlns:a14="http://schemas.microsoft.com/office/drawing/2010/main" xmlns="">
+              <a14:hiddenFill xmlns:a14="http://schemas.microsoft.com/office/drawing/2010/main">
                 <a:solidFill>
                   <a:srgbClr val="FFFFFF"/>
                 </a:solidFill>
@@ -27876,7 +27960,7 @@
           <a:blip r:embed="rId4" cstate="print">
             <a:extLst>
               <a:ext uri="{28A0092B-C50C-407E-A947-70E740481C1C}">
-                <a14:useLocalDpi xmlns:a14="http://schemas.microsoft.com/office/drawing/2010/main" xmlns="" val="0"/>
+                <a14:useLocalDpi xmlns:a14="http://schemas.microsoft.com/office/drawing/2010/main" val="0"/>
               </a:ext>
             </a:extLst>
           </a:blip>
@@ -27896,7 +27980,7 @@
           <a:noFill/>
           <a:extLst>
             <a:ext uri="{909E8E84-426E-40DD-AFC4-6F175D3DCCD1}">
-              <a14:hiddenFill xmlns:a14="http://schemas.microsoft.com/office/drawing/2010/main" xmlns="">
+              <a14:hiddenFill xmlns:a14="http://schemas.microsoft.com/office/drawing/2010/main">
                 <a:solidFill>
                   <a:srgbClr val="FFFFFF"/>
                 </a:solidFill>
@@ -27908,7 +27992,7 @@
     </p:spTree>
     <p:extLst>
       <p:ext uri="{BB962C8B-B14F-4D97-AF65-F5344CB8AC3E}">
-        <p14:creationId xmlns:p14="http://schemas.microsoft.com/office/powerpoint/2010/main" xmlns="" val="326677412"/>
+        <p14:creationId xmlns:p14="http://schemas.microsoft.com/office/powerpoint/2010/main" val="326677412"/>
       </p:ext>
     </p:extLst>
   </p:cSld>
@@ -27986,7 +28070,7 @@
           <a:blip r:embed="rId3" cstate="print">
             <a:extLst>
               <a:ext uri="{28A0092B-C50C-407E-A947-70E740481C1C}">
-                <a14:useLocalDpi xmlns:a14="http://schemas.microsoft.com/office/drawing/2010/main" xmlns="" val="0"/>
+                <a14:useLocalDpi xmlns:a14="http://schemas.microsoft.com/office/drawing/2010/main" val="0"/>
               </a:ext>
             </a:extLst>
           </a:blip>
@@ -28006,7 +28090,7 @@
           <a:noFill/>
           <a:extLst>
             <a:ext uri="{909E8E84-426E-40DD-AFC4-6F175D3DCCD1}">
-              <a14:hiddenFill xmlns:a14="http://schemas.microsoft.com/office/drawing/2010/main" xmlns="">
+              <a14:hiddenFill xmlns:a14="http://schemas.microsoft.com/office/drawing/2010/main">
                 <a:solidFill>
                   <a:srgbClr val="FFFFFF"/>
                 </a:solidFill>
@@ -28027,7 +28111,7 @@
           <a:blip r:embed="rId4" cstate="print">
             <a:extLst>
               <a:ext uri="{28A0092B-C50C-407E-A947-70E740481C1C}">
-                <a14:useLocalDpi xmlns:a14="http://schemas.microsoft.com/office/drawing/2010/main" xmlns="" val="0"/>
+                <a14:useLocalDpi xmlns:a14="http://schemas.microsoft.com/office/drawing/2010/main" val="0"/>
               </a:ext>
             </a:extLst>
           </a:blip>
@@ -28047,7 +28131,7 @@
           <a:noFill/>
           <a:extLst>
             <a:ext uri="{909E8E84-426E-40DD-AFC4-6F175D3DCCD1}">
-              <a14:hiddenFill xmlns:a14="http://schemas.microsoft.com/office/drawing/2010/main" xmlns="">
+              <a14:hiddenFill xmlns:a14="http://schemas.microsoft.com/office/drawing/2010/main">
                 <a:solidFill>
                   <a:srgbClr val="FFFFFF"/>
                 </a:solidFill>
@@ -28597,7 +28681,7 @@
     </p:spTree>
     <p:extLst>
       <p:ext uri="{BB962C8B-B14F-4D97-AF65-F5344CB8AC3E}">
-        <p14:creationId xmlns:p14="http://schemas.microsoft.com/office/powerpoint/2010/main" xmlns="" val="2144027803"/>
+        <p14:creationId xmlns:p14="http://schemas.microsoft.com/office/powerpoint/2010/main" val="2144027803"/>
       </p:ext>
     </p:extLst>
   </p:cSld>
@@ -28675,7 +28759,7 @@
           <a:blip r:embed="rId3" cstate="print">
             <a:extLst>
               <a:ext uri="{28A0092B-C50C-407E-A947-70E740481C1C}">
-                <a14:useLocalDpi xmlns:a14="http://schemas.microsoft.com/office/drawing/2010/main" xmlns="" val="0"/>
+                <a14:useLocalDpi xmlns:a14="http://schemas.microsoft.com/office/drawing/2010/main" val="0"/>
               </a:ext>
             </a:extLst>
           </a:blip>
@@ -28695,7 +28779,7 @@
           <a:noFill/>
           <a:extLst>
             <a:ext uri="{909E8E84-426E-40DD-AFC4-6F175D3DCCD1}">
-              <a14:hiddenFill xmlns:a14="http://schemas.microsoft.com/office/drawing/2010/main" xmlns="">
+              <a14:hiddenFill xmlns:a14="http://schemas.microsoft.com/office/drawing/2010/main">
                 <a:solidFill>
                   <a:srgbClr val="FFFFFF"/>
                 </a:solidFill>
@@ -28716,7 +28800,7 @@
           <a:blip r:embed="rId4" cstate="print">
             <a:extLst>
               <a:ext uri="{28A0092B-C50C-407E-A947-70E740481C1C}">
-                <a14:useLocalDpi xmlns:a14="http://schemas.microsoft.com/office/drawing/2010/main" xmlns="" val="0"/>
+                <a14:useLocalDpi xmlns:a14="http://schemas.microsoft.com/office/drawing/2010/main" val="0"/>
               </a:ext>
             </a:extLst>
           </a:blip>
@@ -28736,7 +28820,7 @@
           <a:noFill/>
           <a:extLst>
             <a:ext uri="{909E8E84-426E-40DD-AFC4-6F175D3DCCD1}">
-              <a14:hiddenFill xmlns:a14="http://schemas.microsoft.com/office/drawing/2010/main" xmlns="">
+              <a14:hiddenFill xmlns:a14="http://schemas.microsoft.com/office/drawing/2010/main">
                 <a:solidFill>
                   <a:srgbClr val="FFFFFF"/>
                 </a:solidFill>
@@ -29277,7 +29361,7 @@
     </p:spTree>
     <p:extLst>
       <p:ext uri="{BB962C8B-B14F-4D97-AF65-F5344CB8AC3E}">
-        <p14:creationId xmlns:p14="http://schemas.microsoft.com/office/powerpoint/2010/main" xmlns="" val="3033221212"/>
+        <p14:creationId xmlns:p14="http://schemas.microsoft.com/office/powerpoint/2010/main" val="3033221212"/>
       </p:ext>
     </p:extLst>
   </p:cSld>
@@ -29355,7 +29439,7 @@
           <a:blip r:embed="rId3" cstate="print">
             <a:extLst>
               <a:ext uri="{28A0092B-C50C-407E-A947-70E740481C1C}">
-                <a14:useLocalDpi xmlns:a14="http://schemas.microsoft.com/office/drawing/2010/main" xmlns="" val="0"/>
+                <a14:useLocalDpi xmlns:a14="http://schemas.microsoft.com/office/drawing/2010/main" val="0"/>
               </a:ext>
             </a:extLst>
           </a:blip>
@@ -29375,7 +29459,7 @@
           <a:noFill/>
           <a:extLst>
             <a:ext uri="{909E8E84-426E-40DD-AFC4-6F175D3DCCD1}">
-              <a14:hiddenFill xmlns:a14="http://schemas.microsoft.com/office/drawing/2010/main" xmlns="">
+              <a14:hiddenFill xmlns:a14="http://schemas.microsoft.com/office/drawing/2010/main">
                 <a:solidFill>
                   <a:srgbClr val="FFFFFF"/>
                 </a:solidFill>
@@ -29396,7 +29480,7 @@
           <a:blip r:embed="rId4" cstate="print">
             <a:extLst>
               <a:ext uri="{28A0092B-C50C-407E-A947-70E740481C1C}">
-                <a14:useLocalDpi xmlns:a14="http://schemas.microsoft.com/office/drawing/2010/main" xmlns="" val="0"/>
+                <a14:useLocalDpi xmlns:a14="http://schemas.microsoft.com/office/drawing/2010/main" val="0"/>
               </a:ext>
             </a:extLst>
           </a:blip>
@@ -29416,7 +29500,7 @@
           <a:noFill/>
           <a:extLst>
             <a:ext uri="{909E8E84-426E-40DD-AFC4-6F175D3DCCD1}">
-              <a14:hiddenFill xmlns:a14="http://schemas.microsoft.com/office/drawing/2010/main" xmlns="">
+              <a14:hiddenFill xmlns:a14="http://schemas.microsoft.com/office/drawing/2010/main">
                 <a:solidFill>
                   <a:srgbClr val="FFFFFF"/>
                 </a:solidFill>
@@ -29436,7 +29520,7 @@
         <p:spPr>
           <a:xfrm>
             <a:off x="500034" y="1714488"/>
-            <a:ext cx="8143932" cy="2857520"/>
+            <a:ext cx="8143932" cy="4594832"/>
           </a:xfrm>
           <a:prstGeom prst="rect">
             <a:avLst/>
@@ -29626,7 +29710,7 @@
               </a:spcAft>
             </a:pPr>
             <a:r>
-              <a:rPr lang="en-US" b="1" dirty="0" err="1" smtClean="0"/>
+              <a:rPr lang="en-US" sz="2800" b="1" dirty="0" err="1" smtClean="0"/>
               <a:t>Herramientas</a:t>
             </a:r>
             <a:r>
@@ -29635,59 +29719,86 @@
             </a:r>
           </a:p>
           <a:p>
-            <a:pPr lvl="1">
+            <a:pPr>
+              <a:spcAft>
+                <a:spcPts val="1200"/>
+              </a:spcAft>
+            </a:pPr>
+            <a:endParaRPr lang="en-US" b="1" dirty="0" smtClean="0"/>
+          </a:p>
+          <a:p>
+            <a:pPr lvl="3">
               <a:spcAft>
                 <a:spcPts val="1200"/>
               </a:spcAft>
             </a:pPr>
             <a:r>
-              <a:rPr lang="es-ES" dirty="0" smtClean="0"/>
+              <a:rPr lang="es-ES" sz="2400" dirty="0" smtClean="0"/>
               <a:t>Google </a:t>
             </a:r>
             <a:r>
-              <a:rPr lang="es-ES" dirty="0" err="1" smtClean="0"/>
+              <a:rPr lang="es-ES" sz="2400" dirty="0" err="1" smtClean="0"/>
               <a:t>Code</a:t>
             </a:r>
             <a:r>
-              <a:rPr lang="es-ES" dirty="0" smtClean="0"/>
+              <a:rPr lang="es-ES" sz="2400" dirty="0" smtClean="0"/>
               <a:t> con SVN </a:t>
             </a:r>
             <a:r>
-              <a:rPr lang="es-ES" dirty="0" err="1" smtClean="0"/>
+              <a:rPr lang="es-ES" sz="2400" dirty="0" err="1" smtClean="0"/>
               <a:t>Tortoise</a:t>
             </a:r>
             <a:r>
-              <a:rPr lang="es-ES" dirty="0" smtClean="0"/>
+              <a:rPr lang="es-ES" sz="2400" dirty="0" smtClean="0"/>
               <a:t>.</a:t>
             </a:r>
-            <a:endParaRPr lang="es-ES" b="1" dirty="0" smtClean="0"/>
-          </a:p>
-          <a:p>
-            <a:pPr lvl="1">
+          </a:p>
+          <a:p>
+            <a:pPr lvl="2">
+              <a:spcAft>
+                <a:spcPts val="1200"/>
+              </a:spcAft>
+            </a:pPr>
+            <a:endParaRPr lang="es-ES" sz="2400" b="1" dirty="0" smtClean="0"/>
+          </a:p>
+          <a:p>
+            <a:pPr lvl="3">
               <a:spcAft>
                 <a:spcPts val="1200"/>
               </a:spcAft>
             </a:pPr>
             <a:r>
-              <a:rPr lang="es-ES" dirty="0" smtClean="0"/>
-              <a:t>Suite Microsoft Office.</a:t>
+              <a:rPr lang="es-ES" sz="2400" dirty="0" smtClean="0"/>
+              <a:t>Suite Microsoft Office</a:t>
             </a:r>
-          </a:p>
-          <a:p>
-            <a:pPr lvl="1">
+            <a:r>
+              <a:rPr lang="es-ES" sz="2400" dirty="0" smtClean="0"/>
+              <a:t>.</a:t>
+            </a:r>
+          </a:p>
+          <a:p>
+            <a:pPr lvl="2">
+              <a:spcAft>
+                <a:spcPts val="1200"/>
+              </a:spcAft>
+            </a:pPr>
+            <a:endParaRPr lang="es-ES" sz="2400" dirty="0" smtClean="0"/>
+          </a:p>
+          <a:p>
+            <a:pPr lvl="3">
               <a:spcAft>
                 <a:spcPts val="1200"/>
               </a:spcAft>
             </a:pPr>
             <a:r>
-              <a:rPr lang="es-ES" dirty="0" err="1" smtClean="0"/>
+              <a:rPr lang="es-ES" sz="2400" dirty="0" err="1" smtClean="0"/>
               <a:t>StarUML</a:t>
             </a:r>
             <a:r>
-              <a:rPr lang="es-ES" dirty="0" smtClean="0"/>
+              <a:rPr lang="es-ES" sz="2400" dirty="0" smtClean="0"/>
               <a:t>.</a:t>
             </a:r>
-            <a:endParaRPr lang="en-US" dirty="0" smtClean="0"/>
+            <a:endParaRPr lang="en-US" sz="2400" dirty="0" smtClean="0"/>
           </a:p>
           <a:p>
             <a:pPr>
@@ -29702,7 +29813,7 @@
     </p:spTree>
     <p:extLst>
       <p:ext uri="{BB962C8B-B14F-4D97-AF65-F5344CB8AC3E}">
-        <p14:creationId xmlns:p14="http://schemas.microsoft.com/office/powerpoint/2010/main" xmlns="" val="2045473191"/>
+        <p14:creationId xmlns:p14="http://schemas.microsoft.com/office/powerpoint/2010/main" val="2045473191"/>
       </p:ext>
     </p:extLst>
   </p:cSld>
@@ -29780,7 +29891,7 @@
           <a:blip r:embed="rId3" cstate="print">
             <a:extLst>
               <a:ext uri="{28A0092B-C50C-407E-A947-70E740481C1C}">
-                <a14:useLocalDpi xmlns:a14="http://schemas.microsoft.com/office/drawing/2010/main" xmlns="" val="0"/>
+                <a14:useLocalDpi xmlns:a14="http://schemas.microsoft.com/office/drawing/2010/main" val="0"/>
               </a:ext>
             </a:extLst>
           </a:blip>
@@ -29800,7 +29911,7 @@
           <a:noFill/>
           <a:extLst>
             <a:ext uri="{909E8E84-426E-40DD-AFC4-6F175D3DCCD1}">
-              <a14:hiddenFill xmlns:a14="http://schemas.microsoft.com/office/drawing/2010/main" xmlns="">
+              <a14:hiddenFill xmlns:a14="http://schemas.microsoft.com/office/drawing/2010/main">
                 <a:solidFill>
                   <a:srgbClr val="FFFFFF"/>
                 </a:solidFill>
@@ -29821,7 +29932,7 @@
           <a:blip r:embed="rId4" cstate="print">
             <a:extLst>
               <a:ext uri="{28A0092B-C50C-407E-A947-70E740481C1C}">
-                <a14:useLocalDpi xmlns:a14="http://schemas.microsoft.com/office/drawing/2010/main" xmlns="" val="0"/>
+                <a14:useLocalDpi xmlns:a14="http://schemas.microsoft.com/office/drawing/2010/main" val="0"/>
               </a:ext>
             </a:extLst>
           </a:blip>
@@ -29841,7 +29952,7 @@
           <a:noFill/>
           <a:extLst>
             <a:ext uri="{909E8E84-426E-40DD-AFC4-6F175D3DCCD1}">
-              <a14:hiddenFill xmlns:a14="http://schemas.microsoft.com/office/drawing/2010/main" xmlns="">
+              <a14:hiddenFill xmlns:a14="http://schemas.microsoft.com/office/drawing/2010/main">
                 <a:solidFill>
                   <a:srgbClr val="FFFFFF"/>
                 </a:solidFill>
@@ -30364,7 +30475,7 @@
     </p:spTree>
     <p:extLst>
       <p:ext uri="{BB962C8B-B14F-4D97-AF65-F5344CB8AC3E}">
-        <p14:creationId xmlns:p14="http://schemas.microsoft.com/office/powerpoint/2010/main" xmlns="" val="3791234836"/>
+        <p14:creationId xmlns:p14="http://schemas.microsoft.com/office/powerpoint/2010/main" val="3791234836"/>
       </p:ext>
     </p:extLst>
   </p:cSld>
@@ -30589,7 +30700,7 @@
           <a:noFill/>
           <a:extLst>
             <a:ext uri="{909E8E84-426E-40DD-AFC4-6F175D3DCCD1}">
-              <a14:hiddenFill xmlns:a14="http://schemas.microsoft.com/office/drawing/2010/main" xmlns="">
+              <a14:hiddenFill xmlns:a14="http://schemas.microsoft.com/office/drawing/2010/main">
                 <a:solidFill>
                   <a:srgbClr val="FFFFFF"/>
                 </a:solidFill>
@@ -30625,7 +30736,7 @@
           <a:blip r:embed="rId3" cstate="print">
             <a:extLst>
               <a:ext uri="{28A0092B-C50C-407E-A947-70E740481C1C}">
-                <a14:useLocalDpi xmlns:a14="http://schemas.microsoft.com/office/drawing/2010/main" xmlns="" val="0"/>
+                <a14:useLocalDpi xmlns:a14="http://schemas.microsoft.com/office/drawing/2010/main" val="0"/>
               </a:ext>
             </a:extLst>
           </a:blip>
@@ -30645,7 +30756,7 @@
           <a:noFill/>
           <a:extLst>
             <a:ext uri="{909E8E84-426E-40DD-AFC4-6F175D3DCCD1}">
-              <a14:hiddenFill xmlns:a14="http://schemas.microsoft.com/office/drawing/2010/main" xmlns="">
+              <a14:hiddenFill xmlns:a14="http://schemas.microsoft.com/office/drawing/2010/main">
                 <a:solidFill>
                   <a:srgbClr val="FFFFFF"/>
                 </a:solidFill>
@@ -30666,7 +30777,7 @@
           <a:blip r:embed="rId4" cstate="print">
             <a:extLst>
               <a:ext uri="{28A0092B-C50C-407E-A947-70E740481C1C}">
-                <a14:useLocalDpi xmlns:a14="http://schemas.microsoft.com/office/drawing/2010/main" xmlns="" val="0"/>
+                <a14:useLocalDpi xmlns:a14="http://schemas.microsoft.com/office/drawing/2010/main" val="0"/>
               </a:ext>
             </a:extLst>
           </a:blip>
@@ -30686,7 +30797,7 @@
           <a:noFill/>
           <a:extLst>
             <a:ext uri="{909E8E84-426E-40DD-AFC4-6F175D3DCCD1}">
-              <a14:hiddenFill xmlns:a14="http://schemas.microsoft.com/office/drawing/2010/main" xmlns="">
+              <a14:hiddenFill xmlns:a14="http://schemas.microsoft.com/office/drawing/2010/main">
                 <a:solidFill>
                   <a:srgbClr val="FFFFFF"/>
                 </a:solidFill>
@@ -30698,7 +30809,7 @@
     </p:spTree>
     <p:extLst>
       <p:ext uri="{BB962C8B-B14F-4D97-AF65-F5344CB8AC3E}">
-        <p14:creationId xmlns:p14="http://schemas.microsoft.com/office/powerpoint/2010/main" xmlns="" val="1948239631"/>
+        <p14:creationId xmlns:p14="http://schemas.microsoft.com/office/powerpoint/2010/main" val="1948239631"/>
       </p:ext>
     </p:extLst>
   </p:cSld>
@@ -30780,7 +30891,7 @@
         </p:spPr>
         <p:txBody>
           <a:bodyPr>
-            <a:normAutofit fontScale="70000" lnSpcReduction="20000"/>
+            <a:normAutofit fontScale="85000" lnSpcReduction="20000"/>
           </a:bodyPr>
           <a:lstStyle/>
           <a:p>
@@ -30802,13 +30913,8 @@
             <a:pPr marL="114300" indent="0"/>
             <a:r>
               <a:rPr lang="es-AR" dirty="0" smtClean="0"/>
-              <a:t>Paquetes </a:t>
+              <a:t>Paquetes Implementados</a:t>
             </a:r>
-            <a:r>
-              <a:rPr lang="es-AR" dirty="0" smtClean="0"/>
-              <a:t>Implementados</a:t>
-            </a:r>
-            <a:endParaRPr lang="es-AR" dirty="0" smtClean="0"/>
           </a:p>
           <a:p>
             <a:pPr marL="114300" indent="0"/>
@@ -30851,20 +30957,7 @@
             <a:pPr marL="114300" indent="0"/>
             <a:r>
               <a:rPr lang="es-ES" dirty="0" smtClean="0"/>
-              <a:t>Requerimientos de Software </a:t>
-            </a:r>
-          </a:p>
-          <a:p>
-            <a:pPr marL="114300" indent="0">
-              <a:buNone/>
-            </a:pPr>
-            <a:endParaRPr lang="es-ES" dirty="0" smtClean="0"/>
-          </a:p>
-          <a:p>
-            <a:pPr marL="114300" indent="0"/>
-            <a:r>
-              <a:rPr lang="es-ES" dirty="0" smtClean="0"/>
-              <a:t>Requerimientos de Hardware</a:t>
+              <a:t>Requerimientos</a:t>
             </a:r>
           </a:p>
           <a:p>
@@ -30916,7 +31009,7 @@
           <a:blip r:embed="rId3" cstate="print">
             <a:extLst>
               <a:ext uri="{28A0092B-C50C-407E-A947-70E740481C1C}">
-                <a14:useLocalDpi xmlns:a14="http://schemas.microsoft.com/office/drawing/2010/main" xmlns="" val="0"/>
+                <a14:useLocalDpi xmlns:a14="http://schemas.microsoft.com/office/drawing/2010/main" val="0"/>
               </a:ext>
             </a:extLst>
           </a:blip>
@@ -30936,7 +31029,7 @@
           <a:noFill/>
           <a:extLst>
             <a:ext uri="{909E8E84-426E-40DD-AFC4-6F175D3DCCD1}">
-              <a14:hiddenFill xmlns:a14="http://schemas.microsoft.com/office/drawing/2010/main" xmlns="">
+              <a14:hiddenFill xmlns:a14="http://schemas.microsoft.com/office/drawing/2010/main">
                 <a:solidFill>
                   <a:srgbClr val="FFFFFF"/>
                 </a:solidFill>
@@ -30957,7 +31050,7 @@
           <a:blip r:embed="rId4" cstate="print">
             <a:extLst>
               <a:ext uri="{28A0092B-C50C-407E-A947-70E740481C1C}">
-                <a14:useLocalDpi xmlns:a14="http://schemas.microsoft.com/office/drawing/2010/main" xmlns="" val="0"/>
+                <a14:useLocalDpi xmlns:a14="http://schemas.microsoft.com/office/drawing/2010/main" val="0"/>
               </a:ext>
             </a:extLst>
           </a:blip>
@@ -30977,7 +31070,7 @@
           <a:noFill/>
           <a:extLst>
             <a:ext uri="{909E8E84-426E-40DD-AFC4-6F175D3DCCD1}">
-              <a14:hiddenFill xmlns:a14="http://schemas.microsoft.com/office/drawing/2010/main" xmlns="">
+              <a14:hiddenFill xmlns:a14="http://schemas.microsoft.com/office/drawing/2010/main">
                 <a:solidFill>
                   <a:srgbClr val="FFFFFF"/>
                 </a:solidFill>
@@ -30989,7 +31082,7 @@
     </p:spTree>
     <p:extLst>
       <p:ext uri="{BB962C8B-B14F-4D97-AF65-F5344CB8AC3E}">
-        <p14:creationId xmlns:p14="http://schemas.microsoft.com/office/powerpoint/2010/main" xmlns="" val="1648912756"/>
+        <p14:creationId xmlns:p14="http://schemas.microsoft.com/office/powerpoint/2010/main" val="1648912756"/>
       </p:ext>
     </p:extLst>
   </p:cSld>
@@ -31042,7 +31135,7 @@
         </p:spPr>
         <p:txBody>
           <a:bodyPr>
-            <a:normAutofit/>
+            <a:normAutofit lnSpcReduction="10000"/>
           </a:bodyPr>
           <a:lstStyle/>
           <a:p>
@@ -31058,8 +31151,17 @@
             <a:pPr lvl="2"/>
             <a:r>
               <a:rPr lang="es-AR" dirty="0" smtClean="0"/>
-              <a:t>Conocer el funcionamiento principal del sistema</a:t>
+              <a:t>Dar a conocer </a:t>
             </a:r>
+            <a:r>
+              <a:rPr lang="es-AR" dirty="0" smtClean="0"/>
+              <a:t>el funcionamiento principal del </a:t>
+            </a:r>
+            <a:r>
+              <a:rPr lang="es-AR" dirty="0" smtClean="0"/>
+              <a:t>sistema a través de un ciclo simplificado de negocio.</a:t>
+            </a:r>
+            <a:endParaRPr lang="es-AR" dirty="0" smtClean="0"/>
           </a:p>
           <a:p>
             <a:endParaRPr lang="es-AR" b="1" dirty="0" smtClean="0"/>
@@ -31135,7 +31237,7 @@
           <a:blip r:embed="rId3" cstate="print">
             <a:extLst>
               <a:ext uri="{28A0092B-C50C-407E-A947-70E740481C1C}">
-                <a14:useLocalDpi xmlns:a14="http://schemas.microsoft.com/office/drawing/2010/main" xmlns="" val="0"/>
+                <a14:useLocalDpi xmlns:a14="http://schemas.microsoft.com/office/drawing/2010/main" val="0"/>
               </a:ext>
             </a:extLst>
           </a:blip>
@@ -31155,7 +31257,7 @@
           <a:noFill/>
           <a:extLst>
             <a:ext uri="{909E8E84-426E-40DD-AFC4-6F175D3DCCD1}">
-              <a14:hiddenFill xmlns:a14="http://schemas.microsoft.com/office/drawing/2010/main" xmlns="">
+              <a14:hiddenFill xmlns:a14="http://schemas.microsoft.com/office/drawing/2010/main">
                 <a:solidFill>
                   <a:srgbClr val="FFFFFF"/>
                 </a:solidFill>
@@ -31176,7 +31278,7 @@
           <a:blip r:embed="rId4" cstate="print">
             <a:extLst>
               <a:ext uri="{28A0092B-C50C-407E-A947-70E740481C1C}">
-                <a14:useLocalDpi xmlns:a14="http://schemas.microsoft.com/office/drawing/2010/main" xmlns="" val="0"/>
+                <a14:useLocalDpi xmlns:a14="http://schemas.microsoft.com/office/drawing/2010/main" val="0"/>
               </a:ext>
             </a:extLst>
           </a:blip>
@@ -31196,7 +31298,7 @@
           <a:noFill/>
           <a:extLst>
             <a:ext uri="{909E8E84-426E-40DD-AFC4-6F175D3DCCD1}">
-              <a14:hiddenFill xmlns:a14="http://schemas.microsoft.com/office/drawing/2010/main" xmlns="">
+              <a14:hiddenFill xmlns:a14="http://schemas.microsoft.com/office/drawing/2010/main">
                 <a:solidFill>
                   <a:srgbClr val="FFFFFF"/>
                 </a:solidFill>
@@ -31311,7 +31413,7 @@
     </p:spTree>
     <p:extLst>
       <p:ext uri="{BB962C8B-B14F-4D97-AF65-F5344CB8AC3E}">
-        <p14:creationId xmlns:p14="http://schemas.microsoft.com/office/powerpoint/2010/main" xmlns="" val="565033084"/>
+        <p14:creationId xmlns:p14="http://schemas.microsoft.com/office/powerpoint/2010/main" val="565033084"/>
       </p:ext>
     </p:extLst>
   </p:cSld>
@@ -31370,11 +31472,7 @@
           <a:p>
             <a:r>
               <a:rPr lang="es-AR" dirty="0" smtClean="0"/>
-              <a:t>Paquetes </a:t>
-            </a:r>
-            <a:r>
-              <a:rPr lang="es-AR" dirty="0" smtClean="0"/>
-              <a:t>Implementados</a:t>
+              <a:t>Paquetes Implementados</a:t>
             </a:r>
             <a:endParaRPr lang="es-AR" dirty="0"/>
           </a:p>
@@ -31392,7 +31490,7 @@
           <a:blip r:embed="rId3" cstate="print">
             <a:extLst>
               <a:ext uri="{28A0092B-C50C-407E-A947-70E740481C1C}">
-                <a14:useLocalDpi xmlns:a14="http://schemas.microsoft.com/office/drawing/2010/main" xmlns="" val="0"/>
+                <a14:useLocalDpi xmlns:a14="http://schemas.microsoft.com/office/drawing/2010/main" val="0"/>
               </a:ext>
             </a:extLst>
           </a:blip>
@@ -31412,7 +31510,7 @@
           <a:noFill/>
           <a:extLst>
             <a:ext uri="{909E8E84-426E-40DD-AFC4-6F175D3DCCD1}">
-              <a14:hiddenFill xmlns:a14="http://schemas.microsoft.com/office/drawing/2010/main" xmlns="">
+              <a14:hiddenFill xmlns:a14="http://schemas.microsoft.com/office/drawing/2010/main">
                 <a:solidFill>
                   <a:srgbClr val="FFFFFF"/>
                 </a:solidFill>
@@ -31433,7 +31531,7 @@
           <a:blip r:embed="rId4" cstate="print">
             <a:extLst>
               <a:ext uri="{28A0092B-C50C-407E-A947-70E740481C1C}">
-                <a14:useLocalDpi xmlns:a14="http://schemas.microsoft.com/office/drawing/2010/main" xmlns="" val="0"/>
+                <a14:useLocalDpi xmlns:a14="http://schemas.microsoft.com/office/drawing/2010/main" val="0"/>
               </a:ext>
             </a:extLst>
           </a:blip>
@@ -31453,7 +31551,7 @@
           <a:noFill/>
           <a:extLst>
             <a:ext uri="{909E8E84-426E-40DD-AFC4-6F175D3DCCD1}">
-              <a14:hiddenFill xmlns:a14="http://schemas.microsoft.com/office/drawing/2010/main" xmlns="">
+              <a14:hiddenFill xmlns:a14="http://schemas.microsoft.com/office/drawing/2010/main">
                 <a:solidFill>
                   <a:srgbClr val="FFFFFF"/>
                 </a:solidFill>
@@ -31517,7 +31615,7 @@
     </p:spTree>
     <p:extLst>
       <p:ext uri="{BB962C8B-B14F-4D97-AF65-F5344CB8AC3E}">
-        <p14:creationId xmlns:p14="http://schemas.microsoft.com/office/powerpoint/2010/main" xmlns="" val="3710940657"/>
+        <p14:creationId xmlns:p14="http://schemas.microsoft.com/office/powerpoint/2010/main" val="3710940657"/>
       </p:ext>
     </p:extLst>
   </p:cSld>
@@ -31595,7 +31693,7 @@
           <a:blip r:embed="rId3" cstate="print">
             <a:extLst>
               <a:ext uri="{28A0092B-C50C-407E-A947-70E740481C1C}">
-                <a14:useLocalDpi xmlns:a14="http://schemas.microsoft.com/office/drawing/2010/main" xmlns="" val="0"/>
+                <a14:useLocalDpi xmlns:a14="http://schemas.microsoft.com/office/drawing/2010/main" val="0"/>
               </a:ext>
             </a:extLst>
           </a:blip>
@@ -31615,7 +31713,7 @@
           <a:noFill/>
           <a:extLst>
             <a:ext uri="{909E8E84-426E-40DD-AFC4-6F175D3DCCD1}">
-              <a14:hiddenFill xmlns:a14="http://schemas.microsoft.com/office/drawing/2010/main" xmlns="">
+              <a14:hiddenFill xmlns:a14="http://schemas.microsoft.com/office/drawing/2010/main">
                 <a:solidFill>
                   <a:srgbClr val="FFFFFF"/>
                 </a:solidFill>
@@ -31636,7 +31734,7 @@
           <a:blip r:embed="rId4" cstate="print">
             <a:extLst>
               <a:ext uri="{28A0092B-C50C-407E-A947-70E740481C1C}">
-                <a14:useLocalDpi xmlns:a14="http://schemas.microsoft.com/office/drawing/2010/main" xmlns="" val="0"/>
+                <a14:useLocalDpi xmlns:a14="http://schemas.microsoft.com/office/drawing/2010/main" val="0"/>
               </a:ext>
             </a:extLst>
           </a:blip>
@@ -31656,7 +31754,7 @@
           <a:noFill/>
           <a:extLst>
             <a:ext uri="{909E8E84-426E-40DD-AFC4-6F175D3DCCD1}">
-              <a14:hiddenFill xmlns:a14="http://schemas.microsoft.com/office/drawing/2010/main" xmlns="">
+              <a14:hiddenFill xmlns:a14="http://schemas.microsoft.com/office/drawing/2010/main">
                 <a:solidFill>
                   <a:srgbClr val="FFFFFF"/>
                 </a:solidFill>
@@ -32095,7 +32193,7 @@
     </p:spTree>
     <p:extLst>
       <p:ext uri="{BB962C8B-B14F-4D97-AF65-F5344CB8AC3E}">
-        <p14:creationId xmlns:p14="http://schemas.microsoft.com/office/powerpoint/2010/main" xmlns="" val="2045473191"/>
+        <p14:creationId xmlns:p14="http://schemas.microsoft.com/office/powerpoint/2010/main" val="2045473191"/>
       </p:ext>
     </p:extLst>
   </p:cSld>
@@ -32178,111 +32276,14 @@
         </p:spPr>
         <p:txBody>
           <a:bodyPr>
-            <a:normAutofit fontScale="85000" lnSpcReduction="20000"/>
+            <a:normAutofit/>
           </a:bodyPr>
           <a:lstStyle/>
           <a:p>
             <a:r>
-              <a:rPr lang="es-AR" dirty="0" smtClean="0"/>
-              <a:t>Roles del Usuario</a:t>
+              <a:rPr lang="es-ES" dirty="0" smtClean="0"/>
+              <a:t>Inicio Demo del Sistema</a:t>
             </a:r>
-          </a:p>
-          <a:p>
-            <a:r>
-              <a:rPr lang="es-AR" dirty="0" smtClean="0"/>
-              <a:t>Menú principal que contiene</a:t>
-            </a:r>
-          </a:p>
-          <a:p>
-            <a:r>
-              <a:rPr lang="es-AR" dirty="0" smtClean="0"/>
-              <a:t>Creación de Proyecto y asignación</a:t>
-            </a:r>
-          </a:p>
-          <a:p>
-            <a:r>
-              <a:rPr lang="es-AR" dirty="0" smtClean="0"/>
-              <a:t>Creación de Solicitud de Tarea y Tareas asociadas</a:t>
-            </a:r>
-          </a:p>
-          <a:p>
-            <a:r>
-              <a:rPr lang="es-AR" dirty="0" smtClean="0"/>
-              <a:t>Adjuntar Documentos a la Solicitud de Tarea</a:t>
-            </a:r>
-          </a:p>
-          <a:p>
-            <a:r>
-              <a:rPr lang="es-AR" dirty="0" smtClean="0"/>
-              <a:t>Crear permisos de acceso y adjuntar documentos.</a:t>
-            </a:r>
-          </a:p>
-          <a:p>
-            <a:r>
-              <a:rPr lang="es-AR" dirty="0" smtClean="0"/>
-              <a:t>Poner en ejecución y solicitar viáticos.</a:t>
-            </a:r>
-          </a:p>
-          <a:p>
-            <a:r>
-              <a:rPr lang="es-AR" dirty="0" smtClean="0"/>
-              <a:t>Actualizar tarea desde </a:t>
-            </a:r>
-            <a:r>
-              <a:rPr lang="es-AR" dirty="0" err="1" smtClean="0"/>
-              <a:t>Android</a:t>
-            </a:r>
-            <a:r>
-              <a:rPr lang="es-AR" dirty="0" smtClean="0"/>
-              <a:t> y crear acontecimientos.</a:t>
-            </a:r>
-          </a:p>
-          <a:p>
-            <a:r>
-              <a:rPr lang="es-AR" dirty="0" smtClean="0"/>
-              <a:t>Resolver tareas </a:t>
-            </a:r>
-            <a:r>
-              <a:rPr lang="es-AR" dirty="0" smtClean="0">
-                <a:sym typeface="Wingdings" pitchFamily="2" charset="2"/>
-              </a:rPr>
-              <a:t> Pendiente de Conformidad.</a:t>
-            </a:r>
-          </a:p>
-          <a:p>
-            <a:r>
-              <a:rPr lang="es-AR" dirty="0" smtClean="0">
-                <a:sym typeface="Wingdings" pitchFamily="2" charset="2"/>
-              </a:rPr>
-              <a:t>Enviar documentación a Cliente. Aprobar Documentación  Pendiente de Cobro.</a:t>
-            </a:r>
-          </a:p>
-          <a:p>
-            <a:r>
-              <a:rPr lang="es-AR" dirty="0" smtClean="0">
-                <a:sym typeface="Wingdings" pitchFamily="2" charset="2"/>
-              </a:rPr>
-              <a:t>Realizar cobro de Solicitud de Tarea</a:t>
-            </a:r>
-          </a:p>
-          <a:p>
-            <a:r>
-              <a:rPr lang="es-AR" dirty="0" smtClean="0">
-                <a:sym typeface="Wingdings" pitchFamily="2" charset="2"/>
-              </a:rPr>
-              <a:t>Notificaciones</a:t>
-            </a:r>
-          </a:p>
-          <a:p>
-            <a:r>
-              <a:rPr lang="es-AR" dirty="0" smtClean="0">
-                <a:sym typeface="Wingdings" pitchFamily="2" charset="2"/>
-              </a:rPr>
-              <a:t>Informes</a:t>
-            </a:r>
-            <a:endParaRPr lang="es-AR" dirty="0" smtClean="0"/>
-          </a:p>
-          <a:p>
             <a:endParaRPr lang="es-AR" dirty="0"/>
           </a:p>
         </p:txBody>
@@ -32299,7 +32300,7 @@
           <a:blip r:embed="rId3" cstate="print">
             <a:extLst>
               <a:ext uri="{28A0092B-C50C-407E-A947-70E740481C1C}">
-                <a14:useLocalDpi xmlns:a14="http://schemas.microsoft.com/office/drawing/2010/main" xmlns="" val="0"/>
+                <a14:useLocalDpi xmlns:a14="http://schemas.microsoft.com/office/drawing/2010/main" val="0"/>
               </a:ext>
             </a:extLst>
           </a:blip>
@@ -32319,7 +32320,7 @@
           <a:noFill/>
           <a:extLst>
             <a:ext uri="{909E8E84-426E-40DD-AFC4-6F175D3DCCD1}">
-              <a14:hiddenFill xmlns:a14="http://schemas.microsoft.com/office/drawing/2010/main" xmlns="">
+              <a14:hiddenFill xmlns:a14="http://schemas.microsoft.com/office/drawing/2010/main">
                 <a:solidFill>
                   <a:srgbClr val="FFFFFF"/>
                 </a:solidFill>
@@ -32340,7 +32341,7 @@
           <a:blip r:embed="rId4" cstate="print">
             <a:extLst>
               <a:ext uri="{28A0092B-C50C-407E-A947-70E740481C1C}">
-                <a14:useLocalDpi xmlns:a14="http://schemas.microsoft.com/office/drawing/2010/main" xmlns="" val="0"/>
+                <a14:useLocalDpi xmlns:a14="http://schemas.microsoft.com/office/drawing/2010/main" val="0"/>
               </a:ext>
             </a:extLst>
           </a:blip>
@@ -32360,7 +32361,7 @@
           <a:noFill/>
           <a:extLst>
             <a:ext uri="{909E8E84-426E-40DD-AFC4-6F175D3DCCD1}">
-              <a14:hiddenFill xmlns:a14="http://schemas.microsoft.com/office/drawing/2010/main" xmlns="">
+              <a14:hiddenFill xmlns:a14="http://schemas.microsoft.com/office/drawing/2010/main">
                 <a:solidFill>
                   <a:srgbClr val="FFFFFF"/>
                 </a:solidFill>
@@ -32372,7 +32373,7 @@
     </p:spTree>
     <p:extLst>
       <p:ext uri="{BB962C8B-B14F-4D97-AF65-F5344CB8AC3E}">
-        <p14:creationId xmlns:p14="http://schemas.microsoft.com/office/powerpoint/2010/main" xmlns="" val="4139888175"/>
+        <p14:creationId xmlns:p14="http://schemas.microsoft.com/office/powerpoint/2010/main" val="4139888175"/>
       </p:ext>
     </p:extLst>
   </p:cSld>
@@ -32562,7 +32563,7 @@
           <a:blip r:embed="rId3" cstate="print">
             <a:extLst>
               <a:ext uri="{28A0092B-C50C-407E-A947-70E740481C1C}">
-                <a14:useLocalDpi xmlns:a14="http://schemas.microsoft.com/office/drawing/2010/main" xmlns="" val="0"/>
+                <a14:useLocalDpi xmlns:a14="http://schemas.microsoft.com/office/drawing/2010/main" val="0"/>
               </a:ext>
             </a:extLst>
           </a:blip>
@@ -32582,7 +32583,7 @@
           <a:noFill/>
           <a:extLst>
             <a:ext uri="{909E8E84-426E-40DD-AFC4-6F175D3DCCD1}">
-              <a14:hiddenFill xmlns:a14="http://schemas.microsoft.com/office/drawing/2010/main" xmlns="">
+              <a14:hiddenFill xmlns:a14="http://schemas.microsoft.com/office/drawing/2010/main">
                 <a:solidFill>
                   <a:srgbClr val="FFFFFF"/>
                 </a:solidFill>
@@ -32603,7 +32604,7 @@
           <a:blip r:embed="rId4" cstate="print">
             <a:extLst>
               <a:ext uri="{28A0092B-C50C-407E-A947-70E740481C1C}">
-                <a14:useLocalDpi xmlns:a14="http://schemas.microsoft.com/office/drawing/2010/main" xmlns="" val="0"/>
+                <a14:useLocalDpi xmlns:a14="http://schemas.microsoft.com/office/drawing/2010/main" val="0"/>
               </a:ext>
             </a:extLst>
           </a:blip>
@@ -32623,7 +32624,7 @@
           <a:noFill/>
           <a:extLst>
             <a:ext uri="{909E8E84-426E-40DD-AFC4-6F175D3DCCD1}">
-              <a14:hiddenFill xmlns:a14="http://schemas.microsoft.com/office/drawing/2010/main" xmlns="">
+              <a14:hiddenFill xmlns:a14="http://schemas.microsoft.com/office/drawing/2010/main">
                 <a:solidFill>
                   <a:srgbClr val="FFFFFF"/>
                 </a:solidFill>
@@ -32635,7 +32636,7 @@
     </p:spTree>
     <p:extLst>
       <p:ext uri="{BB962C8B-B14F-4D97-AF65-F5344CB8AC3E}">
-        <p14:creationId xmlns:p14="http://schemas.microsoft.com/office/powerpoint/2010/main" xmlns="" val="1263464234"/>
+        <p14:creationId xmlns:p14="http://schemas.microsoft.com/office/powerpoint/2010/main" val="1263464234"/>
       </p:ext>
     </p:extLst>
   </p:cSld>
@@ -32805,7 +32806,7 @@
           <a:blip r:embed="rId3" cstate="print">
             <a:extLst>
               <a:ext uri="{28A0092B-C50C-407E-A947-70E740481C1C}">
-                <a14:useLocalDpi xmlns:a14="http://schemas.microsoft.com/office/drawing/2010/main" xmlns="" val="0"/>
+                <a14:useLocalDpi xmlns:a14="http://schemas.microsoft.com/office/drawing/2010/main" val="0"/>
               </a:ext>
             </a:extLst>
           </a:blip>
@@ -32825,7 +32826,7 @@
           <a:noFill/>
           <a:extLst>
             <a:ext uri="{909E8E84-426E-40DD-AFC4-6F175D3DCCD1}">
-              <a14:hiddenFill xmlns:a14="http://schemas.microsoft.com/office/drawing/2010/main" xmlns="">
+              <a14:hiddenFill xmlns:a14="http://schemas.microsoft.com/office/drawing/2010/main">
                 <a:solidFill>
                   <a:srgbClr val="FFFFFF"/>
                 </a:solidFill>
@@ -32846,7 +32847,7 @@
           <a:blip r:embed="rId4" cstate="print">
             <a:extLst>
               <a:ext uri="{28A0092B-C50C-407E-A947-70E740481C1C}">
-                <a14:useLocalDpi xmlns:a14="http://schemas.microsoft.com/office/drawing/2010/main" xmlns="" val="0"/>
+                <a14:useLocalDpi xmlns:a14="http://schemas.microsoft.com/office/drawing/2010/main" val="0"/>
               </a:ext>
             </a:extLst>
           </a:blip>
@@ -32866,7 +32867,7 @@
           <a:noFill/>
           <a:extLst>
             <a:ext uri="{909E8E84-426E-40DD-AFC4-6F175D3DCCD1}">
-              <a14:hiddenFill xmlns:a14="http://schemas.microsoft.com/office/drawing/2010/main" xmlns="">
+              <a14:hiddenFill xmlns:a14="http://schemas.microsoft.com/office/drawing/2010/main">
                 <a:solidFill>
                   <a:srgbClr val="FFFFFF"/>
                 </a:solidFill>
@@ -32878,7 +32879,7 @@
     </p:spTree>
     <p:extLst>
       <p:ext uri="{BB962C8B-B14F-4D97-AF65-F5344CB8AC3E}">
-        <p14:creationId xmlns:p14="http://schemas.microsoft.com/office/powerpoint/2010/main" xmlns="" val="3706723102"/>
+        <p14:creationId xmlns:p14="http://schemas.microsoft.com/office/powerpoint/2010/main" val="3706723102"/>
       </p:ext>
     </p:extLst>
   </p:cSld>
@@ -33094,7 +33095,7 @@
           <a:blip r:embed="rId3" cstate="print">
             <a:extLst>
               <a:ext uri="{28A0092B-C50C-407E-A947-70E740481C1C}">
-                <a14:useLocalDpi xmlns:a14="http://schemas.microsoft.com/office/drawing/2010/main" xmlns="" val="0"/>
+                <a14:useLocalDpi xmlns:a14="http://schemas.microsoft.com/office/drawing/2010/main" val="0"/>
               </a:ext>
             </a:extLst>
           </a:blip>
@@ -33114,7 +33115,7 @@
           <a:noFill/>
           <a:extLst>
             <a:ext uri="{909E8E84-426E-40DD-AFC4-6F175D3DCCD1}">
-              <a14:hiddenFill xmlns:a14="http://schemas.microsoft.com/office/drawing/2010/main" xmlns="">
+              <a14:hiddenFill xmlns:a14="http://schemas.microsoft.com/office/drawing/2010/main">
                 <a:solidFill>
                   <a:srgbClr val="FFFFFF"/>
                 </a:solidFill>
@@ -33135,7 +33136,7 @@
           <a:blip r:embed="rId4" cstate="print">
             <a:extLst>
               <a:ext uri="{28A0092B-C50C-407E-A947-70E740481C1C}">
-                <a14:useLocalDpi xmlns:a14="http://schemas.microsoft.com/office/drawing/2010/main" xmlns="" val="0"/>
+                <a14:useLocalDpi xmlns:a14="http://schemas.microsoft.com/office/drawing/2010/main" val="0"/>
               </a:ext>
             </a:extLst>
           </a:blip>
@@ -33155,7 +33156,7 @@
           <a:noFill/>
           <a:extLst>
             <a:ext uri="{909E8E84-426E-40DD-AFC4-6F175D3DCCD1}">
-              <a14:hiddenFill xmlns:a14="http://schemas.microsoft.com/office/drawing/2010/main" xmlns="">
+              <a14:hiddenFill xmlns:a14="http://schemas.microsoft.com/office/drawing/2010/main">
                 <a:solidFill>
                   <a:srgbClr val="FFFFFF"/>
                 </a:solidFill>
@@ -33167,7 +33168,7 @@
     </p:spTree>
     <p:extLst>
       <p:ext uri="{BB962C8B-B14F-4D97-AF65-F5344CB8AC3E}">
-        <p14:creationId xmlns:p14="http://schemas.microsoft.com/office/powerpoint/2010/main" xmlns="" val="3706723102"/>
+        <p14:creationId xmlns:p14="http://schemas.microsoft.com/office/powerpoint/2010/main" val="3706723102"/>
       </p:ext>
     </p:extLst>
   </p:cSld>
@@ -33250,7 +33251,7 @@
         </p:spPr>
         <p:txBody>
           <a:bodyPr>
-            <a:normAutofit fontScale="92500" lnSpcReduction="20000"/>
+            <a:normAutofit fontScale="85000" lnSpcReduction="10000"/>
           </a:bodyPr>
           <a:lstStyle/>
           <a:p>
@@ -33336,8 +33337,23 @@
               <a:t>10 (diez) PCs, 6 (seis) son de Escritorio y 4(cuatro) </a:t>
             </a:r>
             <a:r>
-              <a:rPr lang="es-AR" dirty="0" err="1" smtClean="0"/>
+              <a:rPr lang="es-AR" dirty="0" smtClean="0"/>
               <a:t>notebooks</a:t>
+            </a:r>
+          </a:p>
+          <a:p>
+            <a:pPr lvl="1">
+              <a:lnSpc>
+                <a:spcPct val="150000"/>
+              </a:lnSpc>
+            </a:pPr>
+            <a:r>
+              <a:rPr lang="es-ES" dirty="0" err="1" smtClean="0"/>
+              <a:t>Router</a:t>
+            </a:r>
+            <a:r>
+              <a:rPr lang="es-ES" dirty="0" smtClean="0"/>
+              <a:t> D-Link DIR-600</a:t>
             </a:r>
             <a:endParaRPr lang="es-AR" dirty="0" smtClean="0"/>
           </a:p>
@@ -33380,7 +33396,7 @@
           <a:blip r:embed="rId3" cstate="print">
             <a:extLst>
               <a:ext uri="{28A0092B-C50C-407E-A947-70E740481C1C}">
-                <a14:useLocalDpi xmlns:a14="http://schemas.microsoft.com/office/drawing/2010/main" xmlns="" val="0"/>
+                <a14:useLocalDpi xmlns:a14="http://schemas.microsoft.com/office/drawing/2010/main" val="0"/>
               </a:ext>
             </a:extLst>
           </a:blip>
@@ -33400,7 +33416,7 @@
           <a:noFill/>
           <a:extLst>
             <a:ext uri="{909E8E84-426E-40DD-AFC4-6F175D3DCCD1}">
-              <a14:hiddenFill xmlns:a14="http://schemas.microsoft.com/office/drawing/2010/main" xmlns="">
+              <a14:hiddenFill xmlns:a14="http://schemas.microsoft.com/office/drawing/2010/main">
                 <a:solidFill>
                   <a:srgbClr val="FFFFFF"/>
                 </a:solidFill>
@@ -33421,7 +33437,7 @@
           <a:blip r:embed="rId4" cstate="print">
             <a:extLst>
               <a:ext uri="{28A0092B-C50C-407E-A947-70E740481C1C}">
-                <a14:useLocalDpi xmlns:a14="http://schemas.microsoft.com/office/drawing/2010/main" xmlns="" val="0"/>
+                <a14:useLocalDpi xmlns:a14="http://schemas.microsoft.com/office/drawing/2010/main" val="0"/>
               </a:ext>
             </a:extLst>
           </a:blip>
@@ -33441,7 +33457,7 @@
           <a:noFill/>
           <a:extLst>
             <a:ext uri="{909E8E84-426E-40DD-AFC4-6F175D3DCCD1}">
-              <a14:hiddenFill xmlns:a14="http://schemas.microsoft.com/office/drawing/2010/main" xmlns="">
+              <a14:hiddenFill xmlns:a14="http://schemas.microsoft.com/office/drawing/2010/main">
                 <a:solidFill>
                   <a:srgbClr val="FFFFFF"/>
                 </a:solidFill>
@@ -33453,7 +33469,7 @@
     </p:spTree>
     <p:extLst>
       <p:ext uri="{BB962C8B-B14F-4D97-AF65-F5344CB8AC3E}">
-        <p14:creationId xmlns:p14="http://schemas.microsoft.com/office/powerpoint/2010/main" xmlns="" val="3706723102"/>
+        <p14:creationId xmlns:p14="http://schemas.microsoft.com/office/powerpoint/2010/main" val="3706723102"/>
       </p:ext>
     </p:extLst>
   </p:cSld>
@@ -33553,8 +33569,13 @@
             </a:r>
             <a:r>
               <a:rPr lang="es-AR" dirty="0" smtClean="0"/>
-              <a:t>: U$S 110</a:t>
+              <a:t>: U$S </a:t>
             </a:r>
+            <a:r>
+              <a:rPr lang="es-AR" dirty="0" smtClean="0"/>
+              <a:t>102</a:t>
+            </a:r>
+            <a:endParaRPr lang="es-AR" dirty="0" smtClean="0"/>
           </a:p>
           <a:p>
             <a:pPr lvl="1"/>
@@ -33579,7 +33600,15 @@
             <a:pPr lvl="1"/>
             <a:r>
               <a:rPr lang="es-AR" dirty="0" smtClean="0"/>
-              <a:t>IP Fija: $69 mensuales</a:t>
+              <a:t>IP Fija: </a:t>
+            </a:r>
+            <a:r>
+              <a:rPr lang="es-AR" dirty="0" smtClean="0"/>
+              <a:t>$89 </a:t>
+            </a:r>
+            <a:r>
+              <a:rPr lang="es-AR" dirty="0" smtClean="0"/>
+              <a:t>mensuales</a:t>
             </a:r>
           </a:p>
           <a:p>
@@ -33632,7 +33661,7 @@
           <a:blip r:embed="rId3" cstate="print">
             <a:extLst>
               <a:ext uri="{28A0092B-C50C-407E-A947-70E740481C1C}">
-                <a14:useLocalDpi xmlns:a14="http://schemas.microsoft.com/office/drawing/2010/main" xmlns="" val="0"/>
+                <a14:useLocalDpi xmlns:a14="http://schemas.microsoft.com/office/drawing/2010/main" val="0"/>
               </a:ext>
             </a:extLst>
           </a:blip>
@@ -33652,7 +33681,7 @@
           <a:noFill/>
           <a:extLst>
             <a:ext uri="{909E8E84-426E-40DD-AFC4-6F175D3DCCD1}">
-              <a14:hiddenFill xmlns:a14="http://schemas.microsoft.com/office/drawing/2010/main" xmlns="">
+              <a14:hiddenFill xmlns:a14="http://schemas.microsoft.com/office/drawing/2010/main">
                 <a:solidFill>
                   <a:srgbClr val="FFFFFF"/>
                 </a:solidFill>
@@ -33673,7 +33702,7 @@
           <a:blip r:embed="rId4" cstate="print">
             <a:extLst>
               <a:ext uri="{28A0092B-C50C-407E-A947-70E740481C1C}">
-                <a14:useLocalDpi xmlns:a14="http://schemas.microsoft.com/office/drawing/2010/main" xmlns="" val="0"/>
+                <a14:useLocalDpi xmlns:a14="http://schemas.microsoft.com/office/drawing/2010/main" val="0"/>
               </a:ext>
             </a:extLst>
           </a:blip>
@@ -33693,7 +33722,7 @@
           <a:noFill/>
           <a:extLst>
             <a:ext uri="{909E8E84-426E-40DD-AFC4-6F175D3DCCD1}">
-              <a14:hiddenFill xmlns:a14="http://schemas.microsoft.com/office/drawing/2010/main" xmlns="">
+              <a14:hiddenFill xmlns:a14="http://schemas.microsoft.com/office/drawing/2010/main">
                 <a:solidFill>
                   <a:srgbClr val="FFFFFF"/>
                 </a:solidFill>
@@ -33705,7 +33734,7 @@
     </p:spTree>
     <p:extLst>
       <p:ext uri="{BB962C8B-B14F-4D97-AF65-F5344CB8AC3E}">
-        <p14:creationId xmlns:p14="http://schemas.microsoft.com/office/powerpoint/2010/main" xmlns="" val="3706723102"/>
+        <p14:creationId xmlns:p14="http://schemas.microsoft.com/office/powerpoint/2010/main" val="3706723102"/>
       </p:ext>
     </p:extLst>
   </p:cSld>
@@ -33830,7 +33859,7 @@
           <a:blip r:embed="rId3" cstate="print">
             <a:extLst>
               <a:ext uri="{28A0092B-C50C-407E-A947-70E740481C1C}">
-                <a14:useLocalDpi xmlns:a14="http://schemas.microsoft.com/office/drawing/2010/main" xmlns="" val="0"/>
+                <a14:useLocalDpi xmlns:a14="http://schemas.microsoft.com/office/drawing/2010/main" val="0"/>
               </a:ext>
             </a:extLst>
           </a:blip>
@@ -33850,7 +33879,7 @@
           <a:noFill/>
           <a:extLst>
             <a:ext uri="{909E8E84-426E-40DD-AFC4-6F175D3DCCD1}">
-              <a14:hiddenFill xmlns:a14="http://schemas.microsoft.com/office/drawing/2010/main" xmlns="">
+              <a14:hiddenFill xmlns:a14="http://schemas.microsoft.com/office/drawing/2010/main">
                 <a:solidFill>
                   <a:srgbClr val="FFFFFF"/>
                 </a:solidFill>
@@ -33871,7 +33900,7 @@
           <a:blip r:embed="rId4" cstate="print">
             <a:extLst>
               <a:ext uri="{28A0092B-C50C-407E-A947-70E740481C1C}">
-                <a14:useLocalDpi xmlns:a14="http://schemas.microsoft.com/office/drawing/2010/main" xmlns="" val="0"/>
+                <a14:useLocalDpi xmlns:a14="http://schemas.microsoft.com/office/drawing/2010/main" val="0"/>
               </a:ext>
             </a:extLst>
           </a:blip>
@@ -33891,7 +33920,7 @@
           <a:noFill/>
           <a:extLst>
             <a:ext uri="{909E8E84-426E-40DD-AFC4-6F175D3DCCD1}">
-              <a14:hiddenFill xmlns:a14="http://schemas.microsoft.com/office/drawing/2010/main" xmlns="">
+              <a14:hiddenFill xmlns:a14="http://schemas.microsoft.com/office/drawing/2010/main">
                 <a:solidFill>
                   <a:srgbClr val="FFFFFF"/>
                 </a:solidFill>
@@ -33903,7 +33932,7 @@
     </p:spTree>
     <p:extLst>
       <p:ext uri="{BB962C8B-B14F-4D97-AF65-F5344CB8AC3E}">
-        <p14:creationId xmlns:p14="http://schemas.microsoft.com/office/powerpoint/2010/main" xmlns="" val="3706723102"/>
+        <p14:creationId xmlns:p14="http://schemas.microsoft.com/office/powerpoint/2010/main" val="3706723102"/>
       </p:ext>
     </p:extLst>
   </p:cSld>
@@ -33974,7 +34003,7 @@
           <a:blip r:embed="rId3" cstate="print">
             <a:extLst>
               <a:ext uri="{28A0092B-C50C-407E-A947-70E740481C1C}">
-                <a14:useLocalDpi xmlns:a14="http://schemas.microsoft.com/office/drawing/2010/main" xmlns="" val="0"/>
+                <a14:useLocalDpi xmlns:a14="http://schemas.microsoft.com/office/drawing/2010/main" val="0"/>
               </a:ext>
             </a:extLst>
           </a:blip>
@@ -33998,14 +34027,14 @@
           <a:effectLst/>
           <a:extLst>
             <a:ext uri="{909E8E84-426E-40DD-AFC4-6F175D3DCCD1}">
-              <a14:hiddenFill xmlns:a14="http://schemas.microsoft.com/office/drawing/2010/main" xmlns="">
+              <a14:hiddenFill xmlns:a14="http://schemas.microsoft.com/office/drawing/2010/main">
                 <a:solidFill>
                   <a:schemeClr val="accent1"/>
                 </a:solidFill>
               </a14:hiddenFill>
             </a:ext>
             <a:ext uri="{91240B29-F687-4F45-9708-019B960494DF}">
-              <a14:hiddenLine xmlns:a14="http://schemas.microsoft.com/office/drawing/2010/main" xmlns="" w="9525">
+              <a14:hiddenLine xmlns:a14="http://schemas.microsoft.com/office/drawing/2010/main" w="9525">
                 <a:solidFill>
                   <a:schemeClr val="tx1"/>
                 </a:solidFill>
@@ -34015,7 +34044,7 @@
               </a14:hiddenLine>
             </a:ext>
             <a:ext uri="{AF507438-7753-43E0-B8FC-AC1667EBCBE1}">
-              <a14:hiddenEffects xmlns:a14="http://schemas.microsoft.com/office/drawing/2010/main" xmlns="">
+              <a14:hiddenEffects xmlns:a14="http://schemas.microsoft.com/office/drawing/2010/main">
                 <a:effectLst>
                   <a:outerShdw dist="35921" dir="2700000" algn="ctr" rotWithShape="0">
                     <a:schemeClr val="bg2"/>
@@ -34038,7 +34067,7 @@
           <a:blip r:embed="rId4" cstate="print">
             <a:extLst>
               <a:ext uri="{28A0092B-C50C-407E-A947-70E740481C1C}">
-                <a14:useLocalDpi xmlns:a14="http://schemas.microsoft.com/office/drawing/2010/main" xmlns="" val="0"/>
+                <a14:useLocalDpi xmlns:a14="http://schemas.microsoft.com/office/drawing/2010/main" val="0"/>
               </a:ext>
             </a:extLst>
           </a:blip>
@@ -34058,7 +34087,7 @@
           <a:noFill/>
           <a:extLst>
             <a:ext uri="{909E8E84-426E-40DD-AFC4-6F175D3DCCD1}">
-              <a14:hiddenFill xmlns:a14="http://schemas.microsoft.com/office/drawing/2010/main" xmlns="">
+              <a14:hiddenFill xmlns:a14="http://schemas.microsoft.com/office/drawing/2010/main">
                 <a:solidFill>
                   <a:srgbClr val="FFFFFF"/>
                 </a:solidFill>
@@ -34079,7 +34108,7 @@
           <a:blip r:embed="rId5" cstate="print">
             <a:extLst>
               <a:ext uri="{28A0092B-C50C-407E-A947-70E740481C1C}">
-                <a14:useLocalDpi xmlns:a14="http://schemas.microsoft.com/office/drawing/2010/main" xmlns="" val="0"/>
+                <a14:useLocalDpi xmlns:a14="http://schemas.microsoft.com/office/drawing/2010/main" val="0"/>
               </a:ext>
             </a:extLst>
           </a:blip>
@@ -34099,7 +34128,7 @@
           <a:noFill/>
           <a:extLst>
             <a:ext uri="{909E8E84-426E-40DD-AFC4-6F175D3DCCD1}">
-              <a14:hiddenFill xmlns:a14="http://schemas.microsoft.com/office/drawing/2010/main" xmlns="">
+              <a14:hiddenFill xmlns:a14="http://schemas.microsoft.com/office/drawing/2010/main">
                 <a:solidFill>
                   <a:srgbClr val="FFFFFF"/>
                 </a:solidFill>
@@ -34111,7 +34140,7 @@
     </p:spTree>
     <p:extLst>
       <p:ext uri="{BB962C8B-B14F-4D97-AF65-F5344CB8AC3E}">
-        <p14:creationId xmlns:p14="http://schemas.microsoft.com/office/powerpoint/2010/main" xmlns="" val="1450032067"/>
+        <p14:creationId xmlns:p14="http://schemas.microsoft.com/office/powerpoint/2010/main" val="1450032067"/>
       </p:ext>
     </p:extLst>
   </p:cSld>
@@ -34182,7 +34211,7 @@
           <a:blip r:embed="rId3" cstate="print">
             <a:extLst>
               <a:ext uri="{28A0092B-C50C-407E-A947-70E740481C1C}">
-                <a14:useLocalDpi xmlns:a14="http://schemas.microsoft.com/office/drawing/2010/main" xmlns="" val="0"/>
+                <a14:useLocalDpi xmlns:a14="http://schemas.microsoft.com/office/drawing/2010/main" val="0"/>
               </a:ext>
             </a:extLst>
           </a:blip>
@@ -34202,7 +34231,7 @@
           <a:noFill/>
           <a:extLst>
             <a:ext uri="{909E8E84-426E-40DD-AFC4-6F175D3DCCD1}">
-              <a14:hiddenFill xmlns:a14="http://schemas.microsoft.com/office/drawing/2010/main" xmlns="">
+              <a14:hiddenFill xmlns:a14="http://schemas.microsoft.com/office/drawing/2010/main">
                 <a:solidFill>
                   <a:srgbClr val="FFFFFF"/>
                 </a:solidFill>
@@ -34223,7 +34252,7 @@
           <a:blip r:embed="rId4" cstate="print">
             <a:extLst>
               <a:ext uri="{28A0092B-C50C-407E-A947-70E740481C1C}">
-                <a14:useLocalDpi xmlns:a14="http://schemas.microsoft.com/office/drawing/2010/main" xmlns="" val="0"/>
+                <a14:useLocalDpi xmlns:a14="http://schemas.microsoft.com/office/drawing/2010/main" val="0"/>
               </a:ext>
             </a:extLst>
           </a:blip>
@@ -34243,7 +34272,7 @@
           <a:noFill/>
           <a:extLst>
             <a:ext uri="{909E8E84-426E-40DD-AFC4-6F175D3DCCD1}">
-              <a14:hiddenFill xmlns:a14="http://schemas.microsoft.com/office/drawing/2010/main" xmlns="">
+              <a14:hiddenFill xmlns:a14="http://schemas.microsoft.com/office/drawing/2010/main">
                 <a:solidFill>
                   <a:srgbClr val="FFFFFF"/>
                 </a:solidFill>
@@ -34264,7 +34293,7 @@
           <a:blip r:embed="rId5" cstate="print">
             <a:extLst>
               <a:ext uri="{28A0092B-C50C-407E-A947-70E740481C1C}">
-                <a14:useLocalDpi xmlns:a14="http://schemas.microsoft.com/office/drawing/2010/main" xmlns="" val="0"/>
+                <a14:useLocalDpi xmlns:a14="http://schemas.microsoft.com/office/drawing/2010/main" val="0"/>
               </a:ext>
             </a:extLst>
           </a:blip>
@@ -34284,7 +34313,7 @@
           <a:noFill/>
           <a:extLst>
             <a:ext uri="{909E8E84-426E-40DD-AFC4-6F175D3DCCD1}">
-              <a14:hiddenFill xmlns:a14="http://schemas.microsoft.com/office/drawing/2010/main" xmlns="">
+              <a14:hiddenFill xmlns:a14="http://schemas.microsoft.com/office/drawing/2010/main">
                 <a:solidFill>
                   <a:srgbClr val="FFFFFF"/>
                 </a:solidFill>
@@ -34296,7 +34325,7 @@
     </p:spTree>
     <p:extLst>
       <p:ext uri="{BB962C8B-B14F-4D97-AF65-F5344CB8AC3E}">
-        <p14:creationId xmlns:p14="http://schemas.microsoft.com/office/powerpoint/2010/main" xmlns="" val="1688055498"/>
+        <p14:creationId xmlns:p14="http://schemas.microsoft.com/office/powerpoint/2010/main" val="1688055498"/>
       </p:ext>
     </p:extLst>
   </p:cSld>
@@ -34343,7 +34372,7 @@
           <a:blip r:embed="rId3" cstate="print">
             <a:extLst>
               <a:ext uri="{28A0092B-C50C-407E-A947-70E740481C1C}">
-                <a14:useLocalDpi xmlns:a14="http://schemas.microsoft.com/office/drawing/2010/main" xmlns="" val="0"/>
+                <a14:useLocalDpi xmlns:a14="http://schemas.microsoft.com/office/drawing/2010/main" val="0"/>
               </a:ext>
             </a:extLst>
           </a:blip>
@@ -34363,7 +34392,7 @@
           <a:noFill/>
           <a:extLst>
             <a:ext uri="{909E8E84-426E-40DD-AFC4-6F175D3DCCD1}">
-              <a14:hiddenFill xmlns:a14="http://schemas.microsoft.com/office/drawing/2010/main" xmlns="">
+              <a14:hiddenFill xmlns:a14="http://schemas.microsoft.com/office/drawing/2010/main">
                 <a:solidFill>
                   <a:srgbClr val="FFFFFF"/>
                 </a:solidFill>
@@ -34635,7 +34664,7 @@
           <a:blip r:embed="rId4" cstate="print">
             <a:extLst>
               <a:ext uri="{28A0092B-C50C-407E-A947-70E740481C1C}">
-                <a14:useLocalDpi xmlns:a14="http://schemas.microsoft.com/office/drawing/2010/main" xmlns="" val="0"/>
+                <a14:useLocalDpi xmlns:a14="http://schemas.microsoft.com/office/drawing/2010/main" val="0"/>
               </a:ext>
             </a:extLst>
           </a:blip>
@@ -34655,7 +34684,7 @@
           <a:noFill/>
           <a:extLst>
             <a:ext uri="{909E8E84-426E-40DD-AFC4-6F175D3DCCD1}">
-              <a14:hiddenFill xmlns:a14="http://schemas.microsoft.com/office/drawing/2010/main" xmlns="">
+              <a14:hiddenFill xmlns:a14="http://schemas.microsoft.com/office/drawing/2010/main">
                 <a:solidFill>
                   <a:srgbClr val="FFFFFF"/>
                 </a:solidFill>
@@ -35177,7 +35206,7 @@
     </p:spTree>
     <p:extLst>
       <p:ext uri="{BB962C8B-B14F-4D97-AF65-F5344CB8AC3E}">
-        <p14:creationId xmlns:p14="http://schemas.microsoft.com/office/powerpoint/2010/main" xmlns="" val="4128302494"/>
+        <p14:creationId xmlns:p14="http://schemas.microsoft.com/office/powerpoint/2010/main" val="4128302494"/>
       </p:ext>
     </p:extLst>
   </p:cSld>
@@ -35253,7 +35282,7 @@
           <a:blip r:embed="rId3" cstate="print">
             <a:extLst>
               <a:ext uri="{28A0092B-C50C-407E-A947-70E740481C1C}">
-                <a14:useLocalDpi xmlns:a14="http://schemas.microsoft.com/office/drawing/2010/main" xmlns="" val="0"/>
+                <a14:useLocalDpi xmlns:a14="http://schemas.microsoft.com/office/drawing/2010/main" val="0"/>
               </a:ext>
             </a:extLst>
           </a:blip>
@@ -35273,7 +35302,7 @@
           <a:noFill/>
           <a:extLst>
             <a:ext uri="{909E8E84-426E-40DD-AFC4-6F175D3DCCD1}">
-              <a14:hiddenFill xmlns:a14="http://schemas.microsoft.com/office/drawing/2010/main" xmlns="">
+              <a14:hiddenFill xmlns:a14="http://schemas.microsoft.com/office/drawing/2010/main">
                 <a:solidFill>
                   <a:srgbClr val="FFFFFF"/>
                 </a:solidFill>
@@ -35294,7 +35323,7 @@
           <a:blip r:embed="rId4" cstate="print">
             <a:extLst>
               <a:ext uri="{28A0092B-C50C-407E-A947-70E740481C1C}">
-                <a14:useLocalDpi xmlns:a14="http://schemas.microsoft.com/office/drawing/2010/main" xmlns="" val="0"/>
+                <a14:useLocalDpi xmlns:a14="http://schemas.microsoft.com/office/drawing/2010/main" val="0"/>
               </a:ext>
             </a:extLst>
           </a:blip>
@@ -35314,7 +35343,7 @@
           <a:noFill/>
           <a:extLst>
             <a:ext uri="{909E8E84-426E-40DD-AFC4-6F175D3DCCD1}">
-              <a14:hiddenFill xmlns:a14="http://schemas.microsoft.com/office/drawing/2010/main" xmlns="">
+              <a14:hiddenFill xmlns:a14="http://schemas.microsoft.com/office/drawing/2010/main">
                 <a:solidFill>
                   <a:srgbClr val="FFFFFF"/>
                 </a:solidFill>
@@ -35655,7 +35684,7 @@
     </p:spTree>
     <p:extLst>
       <p:ext uri="{BB962C8B-B14F-4D97-AF65-F5344CB8AC3E}">
-        <p14:creationId xmlns:p14="http://schemas.microsoft.com/office/powerpoint/2010/main" xmlns="" val="1435359822"/>
+        <p14:creationId xmlns:p14="http://schemas.microsoft.com/office/powerpoint/2010/main" val="1435359822"/>
       </p:ext>
     </p:extLst>
   </p:cSld>
@@ -35770,8 +35799,13 @@
           <a:p>
             <a:r>
               <a:rPr lang="es-AR" dirty="0" smtClean="0"/>
-              <a:t>Actualización de status de tareas desde Smartphone</a:t>
+              <a:t>Actualización de status de tareas desde </a:t>
             </a:r>
+            <a:r>
+              <a:rPr lang="es-AR" dirty="0" err="1" smtClean="0"/>
+              <a:t>Smartphones</a:t>
+            </a:r>
+            <a:endParaRPr lang="es-AR" dirty="0" smtClean="0"/>
           </a:p>
           <a:p>
             <a:pPr marL="68580" indent="0">
@@ -35809,7 +35843,7 @@
           <a:blip r:embed="rId3" cstate="print">
             <a:extLst>
               <a:ext uri="{28A0092B-C50C-407E-A947-70E740481C1C}">
-                <a14:useLocalDpi xmlns:a14="http://schemas.microsoft.com/office/drawing/2010/main" xmlns="" val="0"/>
+                <a14:useLocalDpi xmlns:a14="http://schemas.microsoft.com/office/drawing/2010/main" val="0"/>
               </a:ext>
             </a:extLst>
           </a:blip>
@@ -35829,7 +35863,7 @@
           <a:noFill/>
           <a:extLst>
             <a:ext uri="{909E8E84-426E-40DD-AFC4-6F175D3DCCD1}">
-              <a14:hiddenFill xmlns:a14="http://schemas.microsoft.com/office/drawing/2010/main" xmlns="">
+              <a14:hiddenFill xmlns:a14="http://schemas.microsoft.com/office/drawing/2010/main">
                 <a:solidFill>
                   <a:srgbClr val="FFFFFF"/>
                 </a:solidFill>
@@ -35850,7 +35884,7 @@
           <a:blip r:embed="rId4" cstate="print">
             <a:extLst>
               <a:ext uri="{28A0092B-C50C-407E-A947-70E740481C1C}">
-                <a14:useLocalDpi xmlns:a14="http://schemas.microsoft.com/office/drawing/2010/main" xmlns="" val="0"/>
+                <a14:useLocalDpi xmlns:a14="http://schemas.microsoft.com/office/drawing/2010/main" val="0"/>
               </a:ext>
             </a:extLst>
           </a:blip>
@@ -35870,7 +35904,7 @@
           <a:noFill/>
           <a:extLst>
             <a:ext uri="{909E8E84-426E-40DD-AFC4-6F175D3DCCD1}">
-              <a14:hiddenFill xmlns:a14="http://schemas.microsoft.com/office/drawing/2010/main" xmlns="">
+              <a14:hiddenFill xmlns:a14="http://schemas.microsoft.com/office/drawing/2010/main">
                 <a:solidFill>
                   <a:srgbClr val="FFFFFF"/>
                 </a:solidFill>
@@ -35882,7 +35916,7 @@
     </p:spTree>
     <p:extLst>
       <p:ext uri="{BB962C8B-B14F-4D97-AF65-F5344CB8AC3E}">
-        <p14:creationId xmlns:p14="http://schemas.microsoft.com/office/powerpoint/2010/main" xmlns="" val="3185166434"/>
+        <p14:creationId xmlns:p14="http://schemas.microsoft.com/office/powerpoint/2010/main" val="3185166434"/>
       </p:ext>
     </p:extLst>
   </p:cSld>
@@ -35958,7 +35992,7 @@
           <a:blip r:embed="rId3" cstate="print">
             <a:extLst>
               <a:ext uri="{28A0092B-C50C-407E-A947-70E740481C1C}">
-                <a14:useLocalDpi xmlns:a14="http://schemas.microsoft.com/office/drawing/2010/main" xmlns="" val="0"/>
+                <a14:useLocalDpi xmlns:a14="http://schemas.microsoft.com/office/drawing/2010/main" val="0"/>
               </a:ext>
             </a:extLst>
           </a:blip>
@@ -35978,7 +36012,7 @@
           <a:noFill/>
           <a:extLst>
             <a:ext uri="{909E8E84-426E-40DD-AFC4-6F175D3DCCD1}">
-              <a14:hiddenFill xmlns:a14="http://schemas.microsoft.com/office/drawing/2010/main" xmlns="">
+              <a14:hiddenFill xmlns:a14="http://schemas.microsoft.com/office/drawing/2010/main">
                 <a:solidFill>
                   <a:srgbClr val="FFFFFF"/>
                 </a:solidFill>
@@ -35999,7 +36033,7 @@
           <a:blip r:embed="rId4" cstate="print">
             <a:extLst>
               <a:ext uri="{28A0092B-C50C-407E-A947-70E740481C1C}">
-                <a14:useLocalDpi xmlns:a14="http://schemas.microsoft.com/office/drawing/2010/main" xmlns="" val="0"/>
+                <a14:useLocalDpi xmlns:a14="http://schemas.microsoft.com/office/drawing/2010/main" val="0"/>
               </a:ext>
             </a:extLst>
           </a:blip>
@@ -36019,7 +36053,7 @@
           <a:noFill/>
           <a:extLst>
             <a:ext uri="{909E8E84-426E-40DD-AFC4-6F175D3DCCD1}">
-              <a14:hiddenFill xmlns:a14="http://schemas.microsoft.com/office/drawing/2010/main" xmlns="">
+              <a14:hiddenFill xmlns:a14="http://schemas.microsoft.com/office/drawing/2010/main">
                 <a:solidFill>
                   <a:srgbClr val="FFFFFF"/>
                 </a:solidFill>
@@ -36275,7 +36309,7 @@
     </p:spTree>
     <p:extLst>
       <p:ext uri="{BB962C8B-B14F-4D97-AF65-F5344CB8AC3E}">
-        <p14:creationId xmlns:p14="http://schemas.microsoft.com/office/powerpoint/2010/main" xmlns="" val="4010760893"/>
+        <p14:creationId xmlns:p14="http://schemas.microsoft.com/office/powerpoint/2010/main" val="4010760893"/>
       </p:ext>
     </p:extLst>
   </p:cSld>
@@ -36322,7 +36356,7 @@
           <a:blip r:embed="rId3" cstate="print">
             <a:extLst>
               <a:ext uri="{28A0092B-C50C-407E-A947-70E740481C1C}">
-                <a14:useLocalDpi xmlns:a14="http://schemas.microsoft.com/office/drawing/2010/main" xmlns="" val="0"/>
+                <a14:useLocalDpi xmlns:a14="http://schemas.microsoft.com/office/drawing/2010/main" val="0"/>
               </a:ext>
             </a:extLst>
           </a:blip>
@@ -36342,7 +36376,7 @@
           <a:noFill/>
           <a:extLst>
             <a:ext uri="{909E8E84-426E-40DD-AFC4-6F175D3DCCD1}">
-              <a14:hiddenFill xmlns:a14="http://schemas.microsoft.com/office/drawing/2010/main" xmlns="">
+              <a14:hiddenFill xmlns:a14="http://schemas.microsoft.com/office/drawing/2010/main">
                 <a:solidFill>
                   <a:srgbClr val="FFFFFF"/>
                 </a:solidFill>
@@ -36363,7 +36397,7 @@
           <a:blip r:embed="rId4" cstate="print">
             <a:extLst>
               <a:ext uri="{28A0092B-C50C-407E-A947-70E740481C1C}">
-                <a14:useLocalDpi xmlns:a14="http://schemas.microsoft.com/office/drawing/2010/main" xmlns="" val="0"/>
+                <a14:useLocalDpi xmlns:a14="http://schemas.microsoft.com/office/drawing/2010/main" val="0"/>
               </a:ext>
             </a:extLst>
           </a:blip>
@@ -36383,7 +36417,7 @@
           <a:noFill/>
           <a:extLst>
             <a:ext uri="{909E8E84-426E-40DD-AFC4-6F175D3DCCD1}">
-              <a14:hiddenFill xmlns:a14="http://schemas.microsoft.com/office/drawing/2010/main" xmlns="">
+              <a14:hiddenFill xmlns:a14="http://schemas.microsoft.com/office/drawing/2010/main">
                 <a:solidFill>
                   <a:srgbClr val="FFFFFF"/>
                 </a:solidFill>
@@ -36428,7 +36462,7 @@
           <p:nvPr>
             <p:extLst>
               <p:ext uri="{D42A27DB-BD31-4B8C-83A1-F6EECF244321}">
-                <p14:modId xmlns:p14="http://schemas.microsoft.com/office/powerpoint/2010/main" xmlns="" val="621550113"/>
+                <p14:modId xmlns:p14="http://schemas.microsoft.com/office/powerpoint/2010/main" val="2455211"/>
               </p:ext>
             </p:extLst>
           </p:nvPr>
@@ -36446,7 +36480,7 @@
     </p:spTree>
     <p:extLst>
       <p:ext uri="{BB962C8B-B14F-4D97-AF65-F5344CB8AC3E}">
-        <p14:creationId xmlns:p14="http://schemas.microsoft.com/office/powerpoint/2010/main" xmlns="" val="1850118340"/>
+        <p14:creationId xmlns:p14="http://schemas.microsoft.com/office/powerpoint/2010/main" val="1850118340"/>
       </p:ext>
     </p:extLst>
   </p:cSld>
@@ -36806,7 +36840,7 @@
           <a:blip r:embed="rId3" cstate="print">
             <a:extLst>
               <a:ext uri="{28A0092B-C50C-407E-A947-70E740481C1C}">
-                <a14:useLocalDpi xmlns:a14="http://schemas.microsoft.com/office/drawing/2010/main" xmlns="" val="0"/>
+                <a14:useLocalDpi xmlns:a14="http://schemas.microsoft.com/office/drawing/2010/main" val="0"/>
               </a:ext>
             </a:extLst>
           </a:blip>
@@ -36826,7 +36860,7 @@
           <a:noFill/>
           <a:extLst>
             <a:ext uri="{909E8E84-426E-40DD-AFC4-6F175D3DCCD1}">
-              <a14:hiddenFill xmlns:a14="http://schemas.microsoft.com/office/drawing/2010/main" xmlns="">
+              <a14:hiddenFill xmlns:a14="http://schemas.microsoft.com/office/drawing/2010/main">
                 <a:solidFill>
                   <a:srgbClr val="FFFFFF"/>
                 </a:solidFill>
@@ -36847,7 +36881,7 @@
           <a:blip r:embed="rId4" cstate="print">
             <a:extLst>
               <a:ext uri="{28A0092B-C50C-407E-A947-70E740481C1C}">
-                <a14:useLocalDpi xmlns:a14="http://schemas.microsoft.com/office/drawing/2010/main" xmlns="" val="0"/>
+                <a14:useLocalDpi xmlns:a14="http://schemas.microsoft.com/office/drawing/2010/main" val="0"/>
               </a:ext>
             </a:extLst>
           </a:blip>
@@ -36867,7 +36901,7 @@
           <a:noFill/>
           <a:extLst>
             <a:ext uri="{909E8E84-426E-40DD-AFC4-6F175D3DCCD1}">
-              <a14:hiddenFill xmlns:a14="http://schemas.microsoft.com/office/drawing/2010/main" xmlns="">
+              <a14:hiddenFill xmlns:a14="http://schemas.microsoft.com/office/drawing/2010/main">
                 <a:solidFill>
                   <a:srgbClr val="FFFFFF"/>
                 </a:solidFill>
@@ -36879,7 +36913,7 @@
     </p:spTree>
     <p:extLst>
       <p:ext uri="{BB962C8B-B14F-4D97-AF65-F5344CB8AC3E}">
-        <p14:creationId xmlns:p14="http://schemas.microsoft.com/office/powerpoint/2010/main" xmlns="" val="3730440862"/>
+        <p14:creationId xmlns:p14="http://schemas.microsoft.com/office/powerpoint/2010/main" val="3730440862"/>
       </p:ext>
     </p:extLst>
   </p:cSld>

--- a/Documentacion/Proyecto/Presentacion Final/Exposicion Final.pptx
+++ b/Documentacion/Proyecto/Presentacion Final/Exposicion Final.pptx
@@ -958,11 +958,7 @@
         <a:p>
           <a:r>
             <a:rPr lang="es-ES" dirty="0" smtClean="0"/>
-            <a:t>Informe </a:t>
-          </a:r>
-          <a:r>
-            <a:rPr lang="es-ES" dirty="0" smtClean="0"/>
-            <a:t>preliminar</a:t>
+            <a:t>Informe preliminar</a:t>
           </a:r>
           <a:endParaRPr lang="en-US" dirty="0"/>
         </a:p>
@@ -1329,11 +1325,7 @@
         <a:p>
           <a:r>
             <a:rPr lang="es-ES" dirty="0" smtClean="0"/>
-            <a:t>Lista </a:t>
-          </a:r>
-          <a:r>
-            <a:rPr lang="es-ES" dirty="0" smtClean="0"/>
-            <a:t>de requerimientos</a:t>
+            <a:t>Lista de requerimientos</a:t>
           </a:r>
           <a:endParaRPr lang="en-US" dirty="0"/>
         </a:p>
@@ -1518,29 +1510,29 @@
     </dgm:pt>
   </dgm:ptLst>
   <dgm:cxnLst>
+    <dgm:cxn modelId="{71B934D1-A1BE-4D03-83AF-914726330904}" srcId="{08E1CF32-7D7D-4CF2-BAA9-C037C0EC0945}" destId="{2760651A-C8D9-4824-8874-1737C10BF8BC}" srcOrd="0" destOrd="0" parTransId="{76463492-48F4-4890-A095-1D24A7F0F984}" sibTransId="{FFEB90C6-A7C7-4B0A-89F2-919DD9364739}"/>
+    <dgm:cxn modelId="{3C69F642-B970-4116-8188-D040E030F41C}" srcId="{0069092C-E876-4322-B292-7F8C73C3584F}" destId="{813616D9-BE8E-4A10-BF86-762692BB6A0F}" srcOrd="3" destOrd="0" parTransId="{D5B80464-B801-4E50-B9EE-A4120F3DB6BA}" sibTransId="{EB607165-0503-4330-BE7C-FB630D47E442}"/>
+    <dgm:cxn modelId="{A0E40EFF-1B01-4164-A7AC-C78B3A933590}" type="presOf" srcId="{9D53F5CF-E73A-49B8-82D5-67B6E1B4D3B0}" destId="{22944780-7EA4-41AB-96B8-5A60D8CD2618}" srcOrd="0" destOrd="0" presId="urn:microsoft.com/office/officeart/2005/8/layout/vList5"/>
+    <dgm:cxn modelId="{F72D7F2D-5129-42E2-9017-708D8A91409B}" type="presOf" srcId="{0069092C-E876-4322-B292-7F8C73C3584F}" destId="{A269C954-6C69-4EFD-BC78-8B18276D4525}" srcOrd="0" destOrd="0" presId="urn:microsoft.com/office/officeart/2005/8/layout/vList5"/>
+    <dgm:cxn modelId="{FAA15890-4F2A-44A5-B421-87163F49C83F}" srcId="{0069092C-E876-4322-B292-7F8C73C3584F}" destId="{9D53F5CF-E73A-49B8-82D5-67B6E1B4D3B0}" srcOrd="1" destOrd="0" parTransId="{EFD8FFF1-CB0D-440F-8A6B-873EF7FB1F08}" sibTransId="{6E01CB81-79F9-4927-A467-F09033DCA897}"/>
+    <dgm:cxn modelId="{FE595EAB-F590-4967-B72D-32D5D3697D74}" type="presOf" srcId="{813616D9-BE8E-4A10-BF86-762692BB6A0F}" destId="{BBB6B52B-E046-4419-AB1D-58DD3C86F0D8}" srcOrd="0" destOrd="0" presId="urn:microsoft.com/office/officeart/2005/8/layout/vList5"/>
+    <dgm:cxn modelId="{FE78F3AE-2FA6-42E9-B720-08B83FEB33CD}" srcId="{813616D9-BE8E-4A10-BF86-762692BB6A0F}" destId="{82EDBB78-BDE0-49D3-BA2A-620A1AA99448}" srcOrd="1" destOrd="0" parTransId="{D7E6FD12-68CA-46EE-A997-236107332458}" sibTransId="{A43D6ED7-12FD-41CF-A98E-BB344017184C}"/>
+    <dgm:cxn modelId="{68C641F5-2370-4126-97C2-5EB7C51E9922}" type="presOf" srcId="{82EDBB78-BDE0-49D3-BA2A-620A1AA99448}" destId="{1DF7ADA8-0EAC-48DE-AFD6-FDBB67CD9962}" srcOrd="0" destOrd="1" presId="urn:microsoft.com/office/officeart/2005/8/layout/vList5"/>
+    <dgm:cxn modelId="{7B254469-F4F5-4AEB-A0B0-CC2BF361E6C3}" type="presOf" srcId="{5913FBD2-A8EA-4DD9-B679-25A7E714503E}" destId="{08E185FC-CEAB-4B95-8C69-65CB50B7EE28}" srcOrd="0" destOrd="2" presId="urn:microsoft.com/office/officeart/2005/8/layout/vList5"/>
+    <dgm:cxn modelId="{096016B3-FF8A-411D-9BBE-8C4B36316E7B}" srcId="{08E1CF32-7D7D-4CF2-BAA9-C037C0EC0945}" destId="{31F45068-6429-4DB1-859C-A42325B05AFA}" srcOrd="1" destOrd="0" parTransId="{5C30A858-4117-4B40-90A2-9E61D6C7CA4D}" sibTransId="{34B41A6C-6244-4C21-8F57-7CE1FE8CDA7C}"/>
+    <dgm:cxn modelId="{93790AE3-421D-4F5F-AC55-46FF2C557FAC}" type="presOf" srcId="{34496EE1-B95B-44E8-BB0A-0CAC482AB970}" destId="{5BA1A675-5232-4C7A-A9C3-FFF93194D31F}" srcOrd="0" destOrd="0" presId="urn:microsoft.com/office/officeart/2005/8/layout/vList5"/>
+    <dgm:cxn modelId="{5B3D558D-03CB-410E-BC29-DCE746D8222F}" type="presOf" srcId="{454E7899-FD60-471D-A87C-7F22BA1EC279}" destId="{B7CE4811-3286-4DF5-8DD8-3FB6DEAC28E9}" srcOrd="0" destOrd="0" presId="urn:microsoft.com/office/officeart/2005/8/layout/vList5"/>
+    <dgm:cxn modelId="{69A0E095-17E7-42E7-94DF-6521557440D8}" srcId="{08E1CF32-7D7D-4CF2-BAA9-C037C0EC0945}" destId="{5913FBD2-A8EA-4DD9-B679-25A7E714503E}" srcOrd="2" destOrd="0" parTransId="{50B59DB0-D698-4E18-9C75-DED440676B7C}" sibTransId="{C845D9E3-1694-466B-A08B-2FF052C9DA60}"/>
+    <dgm:cxn modelId="{B3A6CE16-803A-489F-AD0E-2100646AF1AE}" srcId="{454E7899-FD60-471D-A87C-7F22BA1EC279}" destId="{34496EE1-B95B-44E8-BB0A-0CAC482AB970}" srcOrd="0" destOrd="0" parTransId="{D29517DA-32A9-439E-B16D-511E21F194AD}" sibTransId="{C038C20B-2977-4BC8-BE69-AB6BD2E32905}"/>
+    <dgm:cxn modelId="{209AFB32-84E2-41E5-A2D0-AC0687D3F341}" srcId="{813616D9-BE8E-4A10-BF86-762692BB6A0F}" destId="{E9E98E57-AA12-4079-AB9F-42765B204AFD}" srcOrd="0" destOrd="0" parTransId="{C4577ADC-16D1-4D49-8707-154E0725CC4F}" sibTransId="{22148C02-D536-448C-A88E-FA359F360214}"/>
+    <dgm:cxn modelId="{BA4EB1E3-BF27-43E0-9B6B-011D52333FF5}" srcId="{0069092C-E876-4322-B292-7F8C73C3584F}" destId="{454E7899-FD60-471D-A87C-7F22BA1EC279}" srcOrd="2" destOrd="0" parTransId="{450023FD-E05D-46DD-97F6-01EC1F446AF8}" sibTransId="{CAAB7403-FC4F-4CE9-B67F-90C081C8A81C}"/>
+    <dgm:cxn modelId="{170C5141-9DC3-4B96-8F2D-45A3D336F9B2}" type="presOf" srcId="{E9E98E57-AA12-4079-AB9F-42765B204AFD}" destId="{1DF7ADA8-0EAC-48DE-AFD6-FDBB67CD9962}" srcOrd="0" destOrd="0" presId="urn:microsoft.com/office/officeart/2005/8/layout/vList5"/>
+    <dgm:cxn modelId="{9FB5EF73-95C6-4EB7-B5E2-4E0873914F7C}" type="presOf" srcId="{2760651A-C8D9-4824-8874-1737C10BF8BC}" destId="{08E185FC-CEAB-4B95-8C69-65CB50B7EE28}" srcOrd="0" destOrd="0" presId="urn:microsoft.com/office/officeart/2005/8/layout/vList5"/>
+    <dgm:cxn modelId="{13260AA9-F28E-461D-96E4-8FE2C3D698EC}" type="presOf" srcId="{08E1CF32-7D7D-4CF2-BAA9-C037C0EC0945}" destId="{D34768DB-64FD-4294-BFEE-0BC3987FFB41}" srcOrd="0" destOrd="0" presId="urn:microsoft.com/office/officeart/2005/8/layout/vList5"/>
     <dgm:cxn modelId="{03A36938-19A8-410D-88E7-EE099D03C49C}" type="presOf" srcId="{852AA831-7837-42DD-942D-617B2AD798FD}" destId="{F32870B6-D861-425B-A22A-69583A7DE8E8}" srcOrd="0" destOrd="0" presId="urn:microsoft.com/office/officeart/2005/8/layout/vList5"/>
     <dgm:cxn modelId="{17A4585D-7AE7-4DF7-BD4F-28F26443DC4A}" srcId="{9D53F5CF-E73A-49B8-82D5-67B6E1B4D3B0}" destId="{852AA831-7837-42DD-942D-617B2AD798FD}" srcOrd="0" destOrd="0" parTransId="{8CBF793F-D39E-496A-A905-BCC78B32A0A3}" sibTransId="{F2E800E2-1A52-4F90-9030-3DD289CD9ED0}"/>
-    <dgm:cxn modelId="{5B3D558D-03CB-410E-BC29-DCE746D8222F}" type="presOf" srcId="{454E7899-FD60-471D-A87C-7F22BA1EC279}" destId="{B7CE4811-3286-4DF5-8DD8-3FB6DEAC28E9}" srcOrd="0" destOrd="0" presId="urn:microsoft.com/office/officeart/2005/8/layout/vList5"/>
-    <dgm:cxn modelId="{B3A6CE16-803A-489F-AD0E-2100646AF1AE}" srcId="{454E7899-FD60-471D-A87C-7F22BA1EC279}" destId="{34496EE1-B95B-44E8-BB0A-0CAC482AB970}" srcOrd="0" destOrd="0" parTransId="{D29517DA-32A9-439E-B16D-511E21F194AD}" sibTransId="{C038C20B-2977-4BC8-BE69-AB6BD2E32905}"/>
-    <dgm:cxn modelId="{F72D7F2D-5129-42E2-9017-708D8A91409B}" type="presOf" srcId="{0069092C-E876-4322-B292-7F8C73C3584F}" destId="{A269C954-6C69-4EFD-BC78-8B18276D4525}" srcOrd="0" destOrd="0" presId="urn:microsoft.com/office/officeart/2005/8/layout/vList5"/>
-    <dgm:cxn modelId="{69A0E095-17E7-42E7-94DF-6521557440D8}" srcId="{08E1CF32-7D7D-4CF2-BAA9-C037C0EC0945}" destId="{5913FBD2-A8EA-4DD9-B679-25A7E714503E}" srcOrd="2" destOrd="0" parTransId="{50B59DB0-D698-4E18-9C75-DED440676B7C}" sibTransId="{C845D9E3-1694-466B-A08B-2FF052C9DA60}"/>
-    <dgm:cxn modelId="{096016B3-FF8A-411D-9BBE-8C4B36316E7B}" srcId="{08E1CF32-7D7D-4CF2-BAA9-C037C0EC0945}" destId="{31F45068-6429-4DB1-859C-A42325B05AFA}" srcOrd="1" destOrd="0" parTransId="{5C30A858-4117-4B40-90A2-9E61D6C7CA4D}" sibTransId="{34B41A6C-6244-4C21-8F57-7CE1FE8CDA7C}"/>
-    <dgm:cxn modelId="{13260AA9-F28E-461D-96E4-8FE2C3D698EC}" type="presOf" srcId="{08E1CF32-7D7D-4CF2-BAA9-C037C0EC0945}" destId="{D34768DB-64FD-4294-BFEE-0BC3987FFB41}" srcOrd="0" destOrd="0" presId="urn:microsoft.com/office/officeart/2005/8/layout/vList5"/>
+    <dgm:cxn modelId="{A4EAC2C3-F1A4-4BF1-8896-60753FCF56C9}" type="presOf" srcId="{31F45068-6429-4DB1-859C-A42325B05AFA}" destId="{08E185FC-CEAB-4B95-8C69-65CB50B7EE28}" srcOrd="0" destOrd="1" presId="urn:microsoft.com/office/officeart/2005/8/layout/vList5"/>
     <dgm:cxn modelId="{AB09CD83-31B4-4E29-BE3B-CE8AC19DE7C6}" srcId="{0069092C-E876-4322-B292-7F8C73C3584F}" destId="{08E1CF32-7D7D-4CF2-BAA9-C037C0EC0945}" srcOrd="0" destOrd="0" parTransId="{B6516F18-BDC8-4A97-9C5C-6CEE01C69A90}" sibTransId="{C9217CDE-DFED-466C-80F2-DAA6B5AA755A}"/>
-    <dgm:cxn modelId="{170C5141-9DC3-4B96-8F2D-45A3D336F9B2}" type="presOf" srcId="{E9E98E57-AA12-4079-AB9F-42765B204AFD}" destId="{1DF7ADA8-0EAC-48DE-AFD6-FDBB67CD9962}" srcOrd="0" destOrd="0" presId="urn:microsoft.com/office/officeart/2005/8/layout/vList5"/>
-    <dgm:cxn modelId="{FE595EAB-F590-4967-B72D-32D5D3697D74}" type="presOf" srcId="{813616D9-BE8E-4A10-BF86-762692BB6A0F}" destId="{BBB6B52B-E046-4419-AB1D-58DD3C86F0D8}" srcOrd="0" destOrd="0" presId="urn:microsoft.com/office/officeart/2005/8/layout/vList5"/>
-    <dgm:cxn modelId="{71B934D1-A1BE-4D03-83AF-914726330904}" srcId="{08E1CF32-7D7D-4CF2-BAA9-C037C0EC0945}" destId="{2760651A-C8D9-4824-8874-1737C10BF8BC}" srcOrd="0" destOrd="0" parTransId="{76463492-48F4-4890-A095-1D24A7F0F984}" sibTransId="{FFEB90C6-A7C7-4B0A-89F2-919DD9364739}"/>
-    <dgm:cxn modelId="{FE78F3AE-2FA6-42E9-B720-08B83FEB33CD}" srcId="{813616D9-BE8E-4A10-BF86-762692BB6A0F}" destId="{82EDBB78-BDE0-49D3-BA2A-620A1AA99448}" srcOrd="1" destOrd="0" parTransId="{D7E6FD12-68CA-46EE-A997-236107332458}" sibTransId="{A43D6ED7-12FD-41CF-A98E-BB344017184C}"/>
-    <dgm:cxn modelId="{3C69F642-B970-4116-8188-D040E030F41C}" srcId="{0069092C-E876-4322-B292-7F8C73C3584F}" destId="{813616D9-BE8E-4A10-BF86-762692BB6A0F}" srcOrd="3" destOrd="0" parTransId="{D5B80464-B801-4E50-B9EE-A4120F3DB6BA}" sibTransId="{EB607165-0503-4330-BE7C-FB630D47E442}"/>
-    <dgm:cxn modelId="{BA4EB1E3-BF27-43E0-9B6B-011D52333FF5}" srcId="{0069092C-E876-4322-B292-7F8C73C3584F}" destId="{454E7899-FD60-471D-A87C-7F22BA1EC279}" srcOrd="2" destOrd="0" parTransId="{450023FD-E05D-46DD-97F6-01EC1F446AF8}" sibTransId="{CAAB7403-FC4F-4CE9-B67F-90C081C8A81C}"/>
-    <dgm:cxn modelId="{FAA15890-4F2A-44A5-B421-87163F49C83F}" srcId="{0069092C-E876-4322-B292-7F8C73C3584F}" destId="{9D53F5CF-E73A-49B8-82D5-67B6E1B4D3B0}" srcOrd="1" destOrd="0" parTransId="{EFD8FFF1-CB0D-440F-8A6B-873EF7FB1F08}" sibTransId="{6E01CB81-79F9-4927-A467-F09033DCA897}"/>
-    <dgm:cxn modelId="{93790AE3-421D-4F5F-AC55-46FF2C557FAC}" type="presOf" srcId="{34496EE1-B95B-44E8-BB0A-0CAC482AB970}" destId="{5BA1A675-5232-4C7A-A9C3-FFF93194D31F}" srcOrd="0" destOrd="0" presId="urn:microsoft.com/office/officeart/2005/8/layout/vList5"/>
-    <dgm:cxn modelId="{A0E40EFF-1B01-4164-A7AC-C78B3A933590}" type="presOf" srcId="{9D53F5CF-E73A-49B8-82D5-67B6E1B4D3B0}" destId="{22944780-7EA4-41AB-96B8-5A60D8CD2618}" srcOrd="0" destOrd="0" presId="urn:microsoft.com/office/officeart/2005/8/layout/vList5"/>
-    <dgm:cxn modelId="{68C641F5-2370-4126-97C2-5EB7C51E9922}" type="presOf" srcId="{82EDBB78-BDE0-49D3-BA2A-620A1AA99448}" destId="{1DF7ADA8-0EAC-48DE-AFD6-FDBB67CD9962}" srcOrd="0" destOrd="1" presId="urn:microsoft.com/office/officeart/2005/8/layout/vList5"/>
-    <dgm:cxn modelId="{A4EAC2C3-F1A4-4BF1-8896-60753FCF56C9}" type="presOf" srcId="{31F45068-6429-4DB1-859C-A42325B05AFA}" destId="{08E185FC-CEAB-4B95-8C69-65CB50B7EE28}" srcOrd="0" destOrd="1" presId="urn:microsoft.com/office/officeart/2005/8/layout/vList5"/>
-    <dgm:cxn modelId="{9FB5EF73-95C6-4EB7-B5E2-4E0873914F7C}" type="presOf" srcId="{2760651A-C8D9-4824-8874-1737C10BF8BC}" destId="{08E185FC-CEAB-4B95-8C69-65CB50B7EE28}" srcOrd="0" destOrd="0" presId="urn:microsoft.com/office/officeart/2005/8/layout/vList5"/>
-    <dgm:cxn modelId="{7B254469-F4F5-4AEB-A0B0-CC2BF361E6C3}" type="presOf" srcId="{5913FBD2-A8EA-4DD9-B679-25A7E714503E}" destId="{08E185FC-CEAB-4B95-8C69-65CB50B7EE28}" srcOrd="0" destOrd="2" presId="urn:microsoft.com/office/officeart/2005/8/layout/vList5"/>
-    <dgm:cxn modelId="{209AFB32-84E2-41E5-A2D0-AC0687D3F341}" srcId="{813616D9-BE8E-4A10-BF86-762692BB6A0F}" destId="{E9E98E57-AA12-4079-AB9F-42765B204AFD}" srcOrd="0" destOrd="0" parTransId="{C4577ADC-16D1-4D49-8707-154E0725CC4F}" sibTransId="{22148C02-D536-448C-A88E-FA359F360214}"/>
     <dgm:cxn modelId="{78DB57C4-A05D-4EC5-B1EB-C6B1B6E2A797}" type="presParOf" srcId="{A269C954-6C69-4EFD-BC78-8B18276D4525}" destId="{3EECDA9C-80A6-4FD0-93CD-CC698886C13F}" srcOrd="0" destOrd="0" presId="urn:microsoft.com/office/officeart/2005/8/layout/vList5"/>
     <dgm:cxn modelId="{DF6297AF-4709-4524-A47B-29ED51B533C2}" type="presParOf" srcId="{3EECDA9C-80A6-4FD0-93CD-CC698886C13F}" destId="{D34768DB-64FD-4294-BFEE-0BC3987FFB41}" srcOrd="0" destOrd="0" presId="urn:microsoft.com/office/officeart/2005/8/layout/vList5"/>
     <dgm:cxn modelId="{4E7E7847-F1C4-44A9-A44F-79C7E634DAA9}" type="presParOf" srcId="{3EECDA9C-80A6-4FD0-93CD-CC698886C13F}" destId="{08E185FC-CEAB-4B95-8C69-65CB50B7EE28}" srcOrd="1" destOrd="0" presId="urn:microsoft.com/office/officeart/2005/8/layout/vList5"/>
@@ -1561,7 +1553,7 @@
   <dgm:whole/>
   <dgm:extLst>
     <a:ext uri="http://schemas.microsoft.com/office/drawing/2008/diagram">
-      <dsp:dataModelExt xmlns:dsp="http://schemas.microsoft.com/office/drawing/2008/diagram" relId="rId9" minVer="http://schemas.openxmlformats.org/drawingml/2006/diagram"/>
+      <dsp:dataModelExt xmlns:dsp="http://schemas.microsoft.com/office/drawing/2008/diagram" xmlns="" relId="rId9" minVer="http://schemas.openxmlformats.org/drawingml/2006/diagram"/>
     </a:ext>
   </dgm:extLst>
 </dgm:dataModel>
@@ -3866,7 +3858,7 @@
             <a:fld id="{A7B64929-4861-4CD2-8535-8985BEACB04E}" type="slidenum">
               <a:rPr lang="es-AR" smtClean="0"/>
               <a:pPr/>
-              <a:t>‹#›</a:t>
+              <a:t>‹Nº›</a:t>
             </a:fld>
             <a:endParaRPr lang="es-AR"/>
           </a:p>
@@ -3875,7 +3867,7 @@
     </p:spTree>
     <p:extLst>
       <p:ext uri="{BB962C8B-B14F-4D97-AF65-F5344CB8AC3E}">
-        <p14:creationId xmlns:p14="http://schemas.microsoft.com/office/powerpoint/2010/main" val="2850839577"/>
+        <p14:creationId xmlns:p14="http://schemas.microsoft.com/office/powerpoint/2010/main" xmlns="" val="2850839577"/>
       </p:ext>
     </p:extLst>
   </p:cSld>
@@ -9958,7 +9950,7 @@
                 </a:solidFill>
               </a:rPr>
               <a:pPr/>
-              <a:t>‹#›</a:t>
+              <a:t>‹Nº›</a:t>
             </a:fld>
             <a:endParaRPr lang="en-US">
               <a:solidFill>
@@ -10021,7 +10013,7 @@
     </p:spTree>
     <p:extLst>
       <p:ext uri="{BB962C8B-B14F-4D97-AF65-F5344CB8AC3E}">
-        <p14:creationId xmlns:p14="http://schemas.microsoft.com/office/powerpoint/2010/main" val="1330727078"/>
+        <p14:creationId xmlns:p14="http://schemas.microsoft.com/office/powerpoint/2010/main" xmlns="" val="1330727078"/>
       </p:ext>
     </p:extLst>
   </p:cSld>
@@ -10188,7 +10180,7 @@
             <a:fld id="{DCCC8732-F178-4423-B0C1-D52A699E8877}" type="slidenum">
               <a:rPr lang="en-US" smtClean="0"/>
               <a:pPr/>
-              <a:t>‹#›</a:t>
+              <a:t>‹Nº›</a:t>
             </a:fld>
             <a:endParaRPr lang="en-US"/>
           </a:p>
@@ -10197,7 +10189,7 @@
     </p:spTree>
     <p:extLst>
       <p:ext uri="{BB962C8B-B14F-4D97-AF65-F5344CB8AC3E}">
-        <p14:creationId xmlns:p14="http://schemas.microsoft.com/office/powerpoint/2010/main" val="72257086"/>
+        <p14:creationId xmlns:p14="http://schemas.microsoft.com/office/powerpoint/2010/main" xmlns="" val="72257086"/>
       </p:ext>
     </p:extLst>
   </p:cSld>
@@ -10374,7 +10366,7 @@
             <a:fld id="{DCCC8732-F178-4423-B0C1-D52A699E8877}" type="slidenum">
               <a:rPr lang="en-US" smtClean="0"/>
               <a:pPr/>
-              <a:t>‹#›</a:t>
+              <a:t>‹Nº›</a:t>
             </a:fld>
             <a:endParaRPr lang="en-US"/>
           </a:p>
@@ -10383,7 +10375,7 @@
     </p:spTree>
     <p:extLst>
       <p:ext uri="{BB962C8B-B14F-4D97-AF65-F5344CB8AC3E}">
-        <p14:creationId xmlns:p14="http://schemas.microsoft.com/office/powerpoint/2010/main" val="3996790497"/>
+        <p14:creationId xmlns:p14="http://schemas.microsoft.com/office/powerpoint/2010/main" xmlns="" val="3996790497"/>
       </p:ext>
     </p:extLst>
   </p:cSld>
@@ -10550,7 +10542,7 @@
             <a:fld id="{DCCC8732-F178-4423-B0C1-D52A699E8877}" type="slidenum">
               <a:rPr lang="en-US" smtClean="0"/>
               <a:pPr/>
-              <a:t>‹#›</a:t>
+              <a:t>‹Nº›</a:t>
             </a:fld>
             <a:endParaRPr lang="en-US"/>
           </a:p>
@@ -10559,7 +10551,7 @@
     </p:spTree>
     <p:extLst>
       <p:ext uri="{BB962C8B-B14F-4D97-AF65-F5344CB8AC3E}">
-        <p14:creationId xmlns:p14="http://schemas.microsoft.com/office/powerpoint/2010/main" val="3822553965"/>
+        <p14:creationId xmlns:p14="http://schemas.microsoft.com/office/powerpoint/2010/main" xmlns="" val="3822553965"/>
       </p:ext>
     </p:extLst>
   </p:cSld>
@@ -10802,7 +10794,7 @@
             <a:fld id="{DCCC8732-F178-4423-B0C1-D52A699E8877}" type="slidenum">
               <a:rPr lang="en-US" smtClean="0"/>
               <a:pPr/>
-              <a:t>‹#›</a:t>
+              <a:t>‹Nº›</a:t>
             </a:fld>
             <a:endParaRPr lang="en-US"/>
           </a:p>
@@ -10811,7 +10803,7 @@
     </p:spTree>
     <p:extLst>
       <p:ext uri="{BB962C8B-B14F-4D97-AF65-F5344CB8AC3E}">
-        <p14:creationId xmlns:p14="http://schemas.microsoft.com/office/powerpoint/2010/main" val="352929955"/>
+        <p14:creationId xmlns:p14="http://schemas.microsoft.com/office/powerpoint/2010/main" xmlns="" val="352929955"/>
       </p:ext>
     </p:extLst>
   </p:cSld>
@@ -10926,7 +10918,7 @@
             <a:fld id="{DCCC8732-F178-4423-B0C1-D52A699E8877}" type="slidenum">
               <a:rPr lang="en-US" smtClean="0"/>
               <a:pPr/>
-              <a:t>‹#›</a:t>
+              <a:t>‹Nº›</a:t>
             </a:fld>
             <a:endParaRPr lang="en-US"/>
           </a:p>
@@ -11049,7 +11041,7 @@
     </p:spTree>
     <p:extLst>
       <p:ext uri="{BB962C8B-B14F-4D97-AF65-F5344CB8AC3E}">
-        <p14:creationId xmlns:p14="http://schemas.microsoft.com/office/powerpoint/2010/main" val="1863607196"/>
+        <p14:creationId xmlns:p14="http://schemas.microsoft.com/office/powerpoint/2010/main" xmlns="" val="1863607196"/>
       </p:ext>
     </p:extLst>
   </p:cSld>
@@ -11476,7 +11468,7 @@
             <a:fld id="{DCCC8732-F178-4423-B0C1-D52A699E8877}" type="slidenum">
               <a:rPr lang="en-US" smtClean="0"/>
               <a:pPr/>
-              <a:t>‹#›</a:t>
+              <a:t>‹Nº›</a:t>
             </a:fld>
             <a:endParaRPr lang="en-US"/>
           </a:p>
@@ -11485,7 +11477,7 @@
     </p:spTree>
     <p:extLst>
       <p:ext uri="{BB962C8B-B14F-4D97-AF65-F5344CB8AC3E}">
-        <p14:creationId xmlns:p14="http://schemas.microsoft.com/office/powerpoint/2010/main" val="2276288299"/>
+        <p14:creationId xmlns:p14="http://schemas.microsoft.com/office/powerpoint/2010/main" xmlns="" val="2276288299"/>
       </p:ext>
     </p:extLst>
   </p:cSld>
@@ -11600,7 +11592,7 @@
             <a:fld id="{DCCC8732-F178-4423-B0C1-D52A699E8877}" type="slidenum">
               <a:rPr lang="en-US" smtClean="0"/>
               <a:pPr/>
-              <a:t>‹#›</a:t>
+              <a:t>‹Nº›</a:t>
             </a:fld>
             <a:endParaRPr lang="en-US"/>
           </a:p>
@@ -11609,7 +11601,7 @@
     </p:spTree>
     <p:extLst>
       <p:ext uri="{BB962C8B-B14F-4D97-AF65-F5344CB8AC3E}">
-        <p14:creationId xmlns:p14="http://schemas.microsoft.com/office/powerpoint/2010/main" val="3533055302"/>
+        <p14:creationId xmlns:p14="http://schemas.microsoft.com/office/powerpoint/2010/main" xmlns="" val="3533055302"/>
       </p:ext>
     </p:extLst>
   </p:cSld>
@@ -11701,7 +11693,7 @@
             <a:fld id="{DCCC8732-F178-4423-B0C1-D52A699E8877}" type="slidenum">
               <a:rPr lang="en-US" smtClean="0"/>
               <a:pPr/>
-              <a:t>‹#›</a:t>
+              <a:t>‹Nº›</a:t>
             </a:fld>
             <a:endParaRPr lang="en-US"/>
           </a:p>
@@ -11710,7 +11702,7 @@
     </p:spTree>
     <p:extLst>
       <p:ext uri="{BB962C8B-B14F-4D97-AF65-F5344CB8AC3E}">
-        <p14:creationId xmlns:p14="http://schemas.microsoft.com/office/powerpoint/2010/main" val="512267318"/>
+        <p14:creationId xmlns:p14="http://schemas.microsoft.com/office/powerpoint/2010/main" xmlns="" val="512267318"/>
       </p:ext>
     </p:extLst>
   </p:cSld>
@@ -14484,7 +14476,7 @@
             <a:fld id="{DCCC8732-F178-4423-B0C1-D52A699E8877}" type="slidenum">
               <a:rPr lang="en-US" smtClean="0"/>
               <a:pPr/>
-              <a:t>‹#›</a:t>
+              <a:t>‹Nº›</a:t>
             </a:fld>
             <a:endParaRPr lang="en-US"/>
           </a:p>
@@ -14815,7 +14807,7 @@
     </p:spTree>
     <p:extLst>
       <p:ext uri="{BB962C8B-B14F-4D97-AF65-F5344CB8AC3E}">
-        <p14:creationId xmlns:p14="http://schemas.microsoft.com/office/powerpoint/2010/main" val="1507695741"/>
+        <p14:creationId xmlns:p14="http://schemas.microsoft.com/office/powerpoint/2010/main" xmlns="" val="1507695741"/>
       </p:ext>
     </p:extLst>
   </p:cSld>
@@ -17897,7 +17889,7 @@
             <a:fld id="{DCCC8732-F178-4423-B0C1-D52A699E8877}" type="slidenum">
               <a:rPr lang="en-US" smtClean="0"/>
               <a:pPr/>
-              <a:t>‹#›</a:t>
+              <a:t>‹Nº›</a:t>
             </a:fld>
             <a:endParaRPr lang="en-US"/>
           </a:p>
@@ -17906,7 +17898,7 @@
     </p:spTree>
     <p:extLst>
       <p:ext uri="{BB962C8B-B14F-4D97-AF65-F5344CB8AC3E}">
-        <p14:creationId xmlns:p14="http://schemas.microsoft.com/office/powerpoint/2010/main" val="2962261683"/>
+        <p14:creationId xmlns:p14="http://schemas.microsoft.com/office/powerpoint/2010/main" xmlns="" val="2962261683"/>
       </p:ext>
     </p:extLst>
   </p:cSld>
@@ -20903,7 +20895,7 @@
             <a:fld id="{DCCC8732-F178-4423-B0C1-D52A699E8877}" type="slidenum">
               <a:rPr lang="en-US" smtClean="0"/>
               <a:pPr/>
-              <a:t>‹#›</a:t>
+              <a:t>‹Nº›</a:t>
             </a:fld>
             <a:endParaRPr lang="en-US"/>
           </a:p>
@@ -20912,7 +20904,7 @@
     </p:spTree>
     <p:extLst>
       <p:ext uri="{BB962C8B-B14F-4D97-AF65-F5344CB8AC3E}">
-        <p14:creationId xmlns:p14="http://schemas.microsoft.com/office/powerpoint/2010/main" val="1509962220"/>
+        <p14:creationId xmlns:p14="http://schemas.microsoft.com/office/powerpoint/2010/main" xmlns="" val="1509962220"/>
       </p:ext>
     </p:extLst>
   </p:cSld>
@@ -21482,7 +21474,7 @@
           <a:noFill/>
           <a:extLst>
             <a:ext uri="{909E8E84-426E-40DD-AFC4-6F175D3DCCD1}">
-              <a14:hiddenFill xmlns:a14="http://schemas.microsoft.com/office/drawing/2010/main">
+              <a14:hiddenFill xmlns:a14="http://schemas.microsoft.com/office/drawing/2010/main" xmlns="">
                 <a:solidFill>
                   <a:srgbClr val="FFFFFF"/>
                 </a:solidFill>
@@ -21518,7 +21510,7 @@
           <a:blip r:embed="rId3" cstate="print">
             <a:extLst>
               <a:ext uri="{28A0092B-C50C-407E-A947-70E740481C1C}">
-                <a14:useLocalDpi xmlns:a14="http://schemas.microsoft.com/office/drawing/2010/main" val="0"/>
+                <a14:useLocalDpi xmlns:a14="http://schemas.microsoft.com/office/drawing/2010/main" xmlns="" val="0"/>
               </a:ext>
             </a:extLst>
           </a:blip>
@@ -21538,7 +21530,7 @@
           <a:noFill/>
           <a:extLst>
             <a:ext uri="{909E8E84-426E-40DD-AFC4-6F175D3DCCD1}">
-              <a14:hiddenFill xmlns:a14="http://schemas.microsoft.com/office/drawing/2010/main">
+              <a14:hiddenFill xmlns:a14="http://schemas.microsoft.com/office/drawing/2010/main" xmlns="">
                 <a:solidFill>
                   <a:srgbClr val="FFFFFF"/>
                 </a:solidFill>
@@ -21559,7 +21551,7 @@
           <a:blip r:embed="rId4" cstate="print">
             <a:extLst>
               <a:ext uri="{28A0092B-C50C-407E-A947-70E740481C1C}">
-                <a14:useLocalDpi xmlns:a14="http://schemas.microsoft.com/office/drawing/2010/main" val="0"/>
+                <a14:useLocalDpi xmlns:a14="http://schemas.microsoft.com/office/drawing/2010/main" xmlns="" val="0"/>
               </a:ext>
             </a:extLst>
           </a:blip>
@@ -21579,7 +21571,7 @@
           <a:noFill/>
           <a:extLst>
             <a:ext uri="{909E8E84-426E-40DD-AFC4-6F175D3DCCD1}">
-              <a14:hiddenFill xmlns:a14="http://schemas.microsoft.com/office/drawing/2010/main">
+              <a14:hiddenFill xmlns:a14="http://schemas.microsoft.com/office/drawing/2010/main" xmlns="">
                 <a:solidFill>
                   <a:srgbClr val="FFFFFF"/>
                 </a:solidFill>
@@ -21591,7 +21583,7 @@
     </p:spTree>
     <p:extLst>
       <p:ext uri="{BB962C8B-B14F-4D97-AF65-F5344CB8AC3E}">
-        <p14:creationId xmlns:p14="http://schemas.microsoft.com/office/powerpoint/2010/main" val="1948239631"/>
+        <p14:creationId xmlns:p14="http://schemas.microsoft.com/office/powerpoint/2010/main" xmlns="" val="1948239631"/>
       </p:ext>
     </p:extLst>
   </p:cSld>
@@ -21667,7 +21659,7 @@
         <p:spPr>
           <a:xfrm>
             <a:off x="428596" y="1428736"/>
-            <a:ext cx="8143932" cy="5286412"/>
+            <a:ext cx="8286808" cy="5072098"/>
           </a:xfrm>
           <a:prstGeom prst="rect">
             <a:avLst/>
@@ -21851,41 +21843,51 @@
             </a:lvl9pPr>
           </a:lstStyle>
           <a:p>
+            <a:pPr>
+              <a:lnSpc>
+                <a:spcPct val="150000"/>
+              </a:lnSpc>
+            </a:pPr>
             <a:r>
               <a:rPr lang="es-AR" b="1" dirty="0" smtClean="0"/>
               <a:t>Requerimientos no Funcionales:</a:t>
             </a:r>
           </a:p>
           <a:p>
-            <a:pPr>
-              <a:buNone/>
+            <a:pPr lvl="1">
+              <a:lnSpc>
+                <a:spcPct val="150000"/>
+              </a:lnSpc>
             </a:pPr>
-            <a:endParaRPr lang="es-ES" b="1" dirty="0" smtClean="0"/>
-          </a:p>
-          <a:p>
-            <a:pPr lvl="1"/>
             <a:r>
               <a:rPr lang="es-AR" dirty="0" smtClean="0"/>
-              <a:t>El sistema deberá contar con un tratamiento de usuarios con contraseña para mayor seguridad del sistema</a:t>
+              <a:t>Tratamiento </a:t>
             </a:r>
-          </a:p>
-          <a:p>
-            <a:pPr lvl="1"/>
-            <a:endParaRPr lang="es-ES" dirty="0" smtClean="0"/>
-          </a:p>
-          <a:p>
-            <a:pPr lvl="1"/>
             <a:r>
               <a:rPr lang="es-AR" dirty="0" smtClean="0"/>
-              <a:t>Sistema en plataforma Web</a:t>
+              <a:t>de usuarios con contraseña para mayor seguridad del sistema</a:t>
             </a:r>
           </a:p>
           <a:p>
-            <a:pPr lvl="1"/>
-            <a:endParaRPr lang="es-ES" dirty="0" smtClean="0"/>
-          </a:p>
-          <a:p>
             <a:pPr lvl="1">
+              <a:lnSpc>
+                <a:spcPct val="150000"/>
+              </a:lnSpc>
+            </a:pPr>
+            <a:r>
+              <a:rPr lang="es-AR" dirty="0" smtClean="0"/>
+              <a:t>Sistema </a:t>
+            </a:r>
+            <a:r>
+              <a:rPr lang="es-AR" dirty="0" smtClean="0"/>
+              <a:t>en plataforma Web</a:t>
+            </a:r>
+          </a:p>
+          <a:p>
+            <a:pPr lvl="1">
+              <a:lnSpc>
+                <a:spcPct val="150000"/>
+              </a:lnSpc>
               <a:spcAft>
                 <a:spcPts val="1200"/>
               </a:spcAft>
@@ -21896,7 +21898,11 @@
             </a:r>
             <a:r>
               <a:rPr lang="en-US" dirty="0" smtClean="0"/>
-              <a:t> de status de </a:t>
+              <a:t> </a:t>
+            </a:r>
+            <a:r>
+              <a:rPr lang="en-US" dirty="0" smtClean="0"/>
+              <a:t>de status de </a:t>
             </a:r>
             <a:r>
               <a:rPr lang="en-US" dirty="0" err="1" smtClean="0"/>
@@ -21912,35 +21918,26 @@
             </a:r>
             <a:r>
               <a:rPr lang="en-US" dirty="0" smtClean="0"/>
-              <a:t> Smartphones con Android OS.</a:t>
+              <a:t> Smartphones con Android </a:t>
             </a:r>
             <a:r>
-              <a:rPr lang="es-AR" b="1" dirty="0" smtClean="0"/>
-              <a:t> </a:t>
+              <a:rPr lang="en-US" dirty="0" smtClean="0"/>
+              <a:t>OS</a:t>
             </a:r>
             <a:endParaRPr lang="es-AR" b="1" dirty="0" smtClean="0"/>
           </a:p>
           <a:p>
             <a:pPr lvl="1">
-              <a:spcAft>
-                <a:spcPts val="1200"/>
-              </a:spcAft>
-            </a:pPr>
-            <a:endParaRPr lang="es-ES" b="1" dirty="0"/>
-          </a:p>
-          <a:p>
-            <a:pPr lvl="1">
+              <a:lnSpc>
+                <a:spcPct val="150000"/>
+              </a:lnSpc>
               <a:spcAft>
                 <a:spcPts val="1200"/>
               </a:spcAft>
             </a:pPr>
             <a:r>
               <a:rPr lang="es-ES" dirty="0" smtClean="0"/>
-              <a:t>La implementación debe ser open </a:t>
-            </a:r>
-            <a:r>
-              <a:rPr lang="es-ES" dirty="0" err="1" smtClean="0"/>
-              <a:t>source</a:t>
+              <a:t>Minimización de costo de licencias de desarrollo de software</a:t>
             </a:r>
             <a:endParaRPr lang="es-ES" dirty="0" smtClean="0"/>
           </a:p>
@@ -21958,7 +21955,7 @@
           <a:blip r:embed="rId3" cstate="print">
             <a:extLst>
               <a:ext uri="{28A0092B-C50C-407E-A947-70E740481C1C}">
-                <a14:useLocalDpi xmlns:a14="http://schemas.microsoft.com/office/drawing/2010/main" val="0"/>
+                <a14:useLocalDpi xmlns:a14="http://schemas.microsoft.com/office/drawing/2010/main" xmlns="" val="0"/>
               </a:ext>
             </a:extLst>
           </a:blip>
@@ -21978,7 +21975,7 @@
           <a:noFill/>
           <a:extLst>
             <a:ext uri="{909E8E84-426E-40DD-AFC4-6F175D3DCCD1}">
-              <a14:hiddenFill xmlns:a14="http://schemas.microsoft.com/office/drawing/2010/main">
+              <a14:hiddenFill xmlns:a14="http://schemas.microsoft.com/office/drawing/2010/main" xmlns="">
                 <a:solidFill>
                   <a:srgbClr val="FFFFFF"/>
                 </a:solidFill>
@@ -21999,7 +21996,7 @@
           <a:blip r:embed="rId4" cstate="print">
             <a:extLst>
               <a:ext uri="{28A0092B-C50C-407E-A947-70E740481C1C}">
-                <a14:useLocalDpi xmlns:a14="http://schemas.microsoft.com/office/drawing/2010/main" val="0"/>
+                <a14:useLocalDpi xmlns:a14="http://schemas.microsoft.com/office/drawing/2010/main" xmlns="" val="0"/>
               </a:ext>
             </a:extLst>
           </a:blip>
@@ -22019,7 +22016,7 @@
           <a:noFill/>
           <a:extLst>
             <a:ext uri="{909E8E84-426E-40DD-AFC4-6F175D3DCCD1}">
-              <a14:hiddenFill xmlns:a14="http://schemas.microsoft.com/office/drawing/2010/main">
+              <a14:hiddenFill xmlns:a14="http://schemas.microsoft.com/office/drawing/2010/main" xmlns="">
                 <a:solidFill>
                   <a:srgbClr val="FFFFFF"/>
                 </a:solidFill>
@@ -22031,7 +22028,7 @@
     </p:spTree>
     <p:extLst>
       <p:ext uri="{BB962C8B-B14F-4D97-AF65-F5344CB8AC3E}">
-        <p14:creationId xmlns:p14="http://schemas.microsoft.com/office/powerpoint/2010/main" val="3730440862"/>
+        <p14:creationId xmlns:p14="http://schemas.microsoft.com/office/powerpoint/2010/main" xmlns="" val="3730440862"/>
       </p:ext>
     </p:extLst>
   </p:cSld>
@@ -22109,7 +22106,7 @@
           <a:blip r:embed="rId3" cstate="print">
             <a:extLst>
               <a:ext uri="{28A0092B-C50C-407E-A947-70E740481C1C}">
-                <a14:useLocalDpi xmlns:a14="http://schemas.microsoft.com/office/drawing/2010/main" val="0"/>
+                <a14:useLocalDpi xmlns:a14="http://schemas.microsoft.com/office/drawing/2010/main" xmlns="" val="0"/>
               </a:ext>
             </a:extLst>
           </a:blip>
@@ -22129,7 +22126,7 @@
           <a:noFill/>
           <a:extLst>
             <a:ext uri="{909E8E84-426E-40DD-AFC4-6F175D3DCCD1}">
-              <a14:hiddenFill xmlns:a14="http://schemas.microsoft.com/office/drawing/2010/main">
+              <a14:hiddenFill xmlns:a14="http://schemas.microsoft.com/office/drawing/2010/main" xmlns="">
                 <a:solidFill>
                   <a:srgbClr val="FFFFFF"/>
                 </a:solidFill>
@@ -22150,7 +22147,7 @@
           <a:blip r:embed="rId4" cstate="print">
             <a:extLst>
               <a:ext uri="{28A0092B-C50C-407E-A947-70E740481C1C}">
-                <a14:useLocalDpi xmlns:a14="http://schemas.microsoft.com/office/drawing/2010/main" val="0"/>
+                <a14:useLocalDpi xmlns:a14="http://schemas.microsoft.com/office/drawing/2010/main" xmlns="" val="0"/>
               </a:ext>
             </a:extLst>
           </a:blip>
@@ -22170,7 +22167,7 @@
           <a:noFill/>
           <a:extLst>
             <a:ext uri="{909E8E84-426E-40DD-AFC4-6F175D3DCCD1}">
-              <a14:hiddenFill xmlns:a14="http://schemas.microsoft.com/office/drawing/2010/main">
+              <a14:hiddenFill xmlns:a14="http://schemas.microsoft.com/office/drawing/2010/main" xmlns="">
                 <a:solidFill>
                   <a:srgbClr val="FFFFFF"/>
                 </a:solidFill>
@@ -22617,7 +22614,7 @@
           <a:blip r:embed="rId5" cstate="print">
             <a:extLst>
               <a:ext uri="{28A0092B-C50C-407E-A947-70E740481C1C}">
-                <a14:useLocalDpi xmlns:a14="http://schemas.microsoft.com/office/drawing/2010/main" val="0"/>
+                <a14:useLocalDpi xmlns:a14="http://schemas.microsoft.com/office/drawing/2010/main" xmlns="" val="0"/>
               </a:ext>
             </a:extLst>
           </a:blip>
@@ -22676,7 +22673,7 @@
     </p:spTree>
     <p:extLst>
       <p:ext uri="{BB962C8B-B14F-4D97-AF65-F5344CB8AC3E}">
-        <p14:creationId xmlns:p14="http://schemas.microsoft.com/office/powerpoint/2010/main" val="371114157"/>
+        <p14:creationId xmlns:p14="http://schemas.microsoft.com/office/powerpoint/2010/main" xmlns="" val="371114157"/>
       </p:ext>
     </p:extLst>
   </p:cSld>
@@ -22754,7 +22751,7 @@
           <a:blip r:embed="rId3" cstate="print">
             <a:extLst>
               <a:ext uri="{28A0092B-C50C-407E-A947-70E740481C1C}">
-                <a14:useLocalDpi xmlns:a14="http://schemas.microsoft.com/office/drawing/2010/main" val="0"/>
+                <a14:useLocalDpi xmlns:a14="http://schemas.microsoft.com/office/drawing/2010/main" xmlns="" val="0"/>
               </a:ext>
             </a:extLst>
           </a:blip>
@@ -22774,7 +22771,7 @@
           <a:noFill/>
           <a:extLst>
             <a:ext uri="{909E8E84-426E-40DD-AFC4-6F175D3DCCD1}">
-              <a14:hiddenFill xmlns:a14="http://schemas.microsoft.com/office/drawing/2010/main">
+              <a14:hiddenFill xmlns:a14="http://schemas.microsoft.com/office/drawing/2010/main" xmlns="">
                 <a:solidFill>
                   <a:srgbClr val="FFFFFF"/>
                 </a:solidFill>
@@ -22795,7 +22792,7 @@
           <a:blip r:embed="rId4" cstate="print">
             <a:extLst>
               <a:ext uri="{28A0092B-C50C-407E-A947-70E740481C1C}">
-                <a14:useLocalDpi xmlns:a14="http://schemas.microsoft.com/office/drawing/2010/main" val="0"/>
+                <a14:useLocalDpi xmlns:a14="http://schemas.microsoft.com/office/drawing/2010/main" xmlns="" val="0"/>
               </a:ext>
             </a:extLst>
           </a:blip>
@@ -22815,7 +22812,7 @@
           <a:noFill/>
           <a:extLst>
             <a:ext uri="{909E8E84-426E-40DD-AFC4-6F175D3DCCD1}">
-              <a14:hiddenFill xmlns:a14="http://schemas.microsoft.com/office/drawing/2010/main">
+              <a14:hiddenFill xmlns:a14="http://schemas.microsoft.com/office/drawing/2010/main" xmlns="">
                 <a:solidFill>
                   <a:srgbClr val="FFFFFF"/>
                 </a:solidFill>
@@ -23284,7 +23281,7 @@
     </p:spTree>
     <p:extLst>
       <p:ext uri="{BB962C8B-B14F-4D97-AF65-F5344CB8AC3E}">
-        <p14:creationId xmlns:p14="http://schemas.microsoft.com/office/powerpoint/2010/main" val="2451265666"/>
+        <p14:creationId xmlns:p14="http://schemas.microsoft.com/office/powerpoint/2010/main" xmlns="" val="2451265666"/>
       </p:ext>
     </p:extLst>
   </p:cSld>
@@ -23362,7 +23359,7 @@
           <a:blip r:embed="rId3" cstate="print">
             <a:extLst>
               <a:ext uri="{28A0092B-C50C-407E-A947-70E740481C1C}">
-                <a14:useLocalDpi xmlns:a14="http://schemas.microsoft.com/office/drawing/2010/main" val="0"/>
+                <a14:useLocalDpi xmlns:a14="http://schemas.microsoft.com/office/drawing/2010/main" xmlns="" val="0"/>
               </a:ext>
             </a:extLst>
           </a:blip>
@@ -23382,7 +23379,7 @@
           <a:noFill/>
           <a:extLst>
             <a:ext uri="{909E8E84-426E-40DD-AFC4-6F175D3DCCD1}">
-              <a14:hiddenFill xmlns:a14="http://schemas.microsoft.com/office/drawing/2010/main">
+              <a14:hiddenFill xmlns:a14="http://schemas.microsoft.com/office/drawing/2010/main" xmlns="">
                 <a:solidFill>
                   <a:srgbClr val="FFFFFF"/>
                 </a:solidFill>
@@ -23403,7 +23400,7 @@
           <a:blip r:embed="rId4" cstate="print">
             <a:extLst>
               <a:ext uri="{28A0092B-C50C-407E-A947-70E740481C1C}">
-                <a14:useLocalDpi xmlns:a14="http://schemas.microsoft.com/office/drawing/2010/main" val="0"/>
+                <a14:useLocalDpi xmlns:a14="http://schemas.microsoft.com/office/drawing/2010/main" xmlns="" val="0"/>
               </a:ext>
             </a:extLst>
           </a:blip>
@@ -23423,7 +23420,7 @@
           <a:noFill/>
           <a:extLst>
             <a:ext uri="{909E8E84-426E-40DD-AFC4-6F175D3DCCD1}">
-              <a14:hiddenFill xmlns:a14="http://schemas.microsoft.com/office/drawing/2010/main">
+              <a14:hiddenFill xmlns:a14="http://schemas.microsoft.com/office/drawing/2010/main" xmlns="">
                 <a:solidFill>
                   <a:srgbClr val="FFFFFF"/>
                 </a:solidFill>
@@ -23717,7 +23714,7 @@
     </p:spTree>
     <p:extLst>
       <p:ext uri="{BB962C8B-B14F-4D97-AF65-F5344CB8AC3E}">
-        <p14:creationId xmlns:p14="http://schemas.microsoft.com/office/powerpoint/2010/main" val="2270680916"/>
+        <p14:creationId xmlns:p14="http://schemas.microsoft.com/office/powerpoint/2010/main" xmlns="" val="2270680916"/>
       </p:ext>
     </p:extLst>
   </p:cSld>
@@ -23795,7 +23792,7 @@
           <a:blip r:embed="rId3" cstate="print">
             <a:extLst>
               <a:ext uri="{28A0092B-C50C-407E-A947-70E740481C1C}">
-                <a14:useLocalDpi xmlns:a14="http://schemas.microsoft.com/office/drawing/2010/main" val="0"/>
+                <a14:useLocalDpi xmlns:a14="http://schemas.microsoft.com/office/drawing/2010/main" xmlns="" val="0"/>
               </a:ext>
             </a:extLst>
           </a:blip>
@@ -23815,7 +23812,7 @@
           <a:noFill/>
           <a:extLst>
             <a:ext uri="{909E8E84-426E-40DD-AFC4-6F175D3DCCD1}">
-              <a14:hiddenFill xmlns:a14="http://schemas.microsoft.com/office/drawing/2010/main">
+              <a14:hiddenFill xmlns:a14="http://schemas.microsoft.com/office/drawing/2010/main" xmlns="">
                 <a:solidFill>
                   <a:srgbClr val="FFFFFF"/>
                 </a:solidFill>
@@ -23836,7 +23833,7 @@
           <a:blip r:embed="rId4" cstate="print">
             <a:extLst>
               <a:ext uri="{28A0092B-C50C-407E-A947-70E740481C1C}">
-                <a14:useLocalDpi xmlns:a14="http://schemas.microsoft.com/office/drawing/2010/main" val="0"/>
+                <a14:useLocalDpi xmlns:a14="http://schemas.microsoft.com/office/drawing/2010/main" xmlns="" val="0"/>
               </a:ext>
             </a:extLst>
           </a:blip>
@@ -23856,7 +23853,7 @@
           <a:noFill/>
           <a:extLst>
             <a:ext uri="{909E8E84-426E-40DD-AFC4-6F175D3DCCD1}">
-              <a14:hiddenFill xmlns:a14="http://schemas.microsoft.com/office/drawing/2010/main">
+              <a14:hiddenFill xmlns:a14="http://schemas.microsoft.com/office/drawing/2010/main" xmlns="">
                 <a:solidFill>
                   <a:srgbClr val="FFFFFF"/>
                 </a:solidFill>
@@ -24375,7 +24372,7 @@
     </p:spTree>
     <p:extLst>
       <p:ext uri="{BB962C8B-B14F-4D97-AF65-F5344CB8AC3E}">
-        <p14:creationId xmlns:p14="http://schemas.microsoft.com/office/powerpoint/2010/main" val="1231639983"/>
+        <p14:creationId xmlns:p14="http://schemas.microsoft.com/office/powerpoint/2010/main" xmlns="" val="1231639983"/>
       </p:ext>
     </p:extLst>
   </p:cSld>
@@ -24453,7 +24450,7 @@
           <a:blip r:embed="rId3" cstate="print">
             <a:extLst>
               <a:ext uri="{28A0092B-C50C-407E-A947-70E740481C1C}">
-                <a14:useLocalDpi xmlns:a14="http://schemas.microsoft.com/office/drawing/2010/main" val="0"/>
+                <a14:useLocalDpi xmlns:a14="http://schemas.microsoft.com/office/drawing/2010/main" xmlns="" val="0"/>
               </a:ext>
             </a:extLst>
           </a:blip>
@@ -24473,7 +24470,7 @@
           <a:noFill/>
           <a:extLst>
             <a:ext uri="{909E8E84-426E-40DD-AFC4-6F175D3DCCD1}">
-              <a14:hiddenFill xmlns:a14="http://schemas.microsoft.com/office/drawing/2010/main">
+              <a14:hiddenFill xmlns:a14="http://schemas.microsoft.com/office/drawing/2010/main" xmlns="">
                 <a:solidFill>
                   <a:srgbClr val="FFFFFF"/>
                 </a:solidFill>
@@ -24494,7 +24491,7 @@
           <a:blip r:embed="rId4" cstate="print">
             <a:extLst>
               <a:ext uri="{28A0092B-C50C-407E-A947-70E740481C1C}">
-                <a14:useLocalDpi xmlns:a14="http://schemas.microsoft.com/office/drawing/2010/main" val="0"/>
+                <a14:useLocalDpi xmlns:a14="http://schemas.microsoft.com/office/drawing/2010/main" xmlns="" val="0"/>
               </a:ext>
             </a:extLst>
           </a:blip>
@@ -24514,7 +24511,7 @@
           <a:noFill/>
           <a:extLst>
             <a:ext uri="{909E8E84-426E-40DD-AFC4-6F175D3DCCD1}">
-              <a14:hiddenFill xmlns:a14="http://schemas.microsoft.com/office/drawing/2010/main">
+              <a14:hiddenFill xmlns:a14="http://schemas.microsoft.com/office/drawing/2010/main" xmlns="">
                 <a:solidFill>
                   <a:srgbClr val="FFFFFF"/>
                 </a:solidFill>
@@ -24803,7 +24800,7 @@
           <a:blip r:embed="rId5" cstate="print">
             <a:extLst>
               <a:ext uri="{28A0092B-C50C-407E-A947-70E740481C1C}">
-                <a14:useLocalDpi xmlns:a14="http://schemas.microsoft.com/office/drawing/2010/main" val="0"/>
+                <a14:useLocalDpi xmlns:a14="http://schemas.microsoft.com/office/drawing/2010/main" xmlns="" val="0"/>
               </a:ext>
             </a:extLst>
           </a:blip>
@@ -24824,7 +24821,7 @@
     </p:spTree>
     <p:extLst>
       <p:ext uri="{BB962C8B-B14F-4D97-AF65-F5344CB8AC3E}">
-        <p14:creationId xmlns:p14="http://schemas.microsoft.com/office/powerpoint/2010/main" val="2631451680"/>
+        <p14:creationId xmlns:p14="http://schemas.microsoft.com/office/powerpoint/2010/main" xmlns="" val="2631451680"/>
       </p:ext>
     </p:extLst>
   </p:cSld>
@@ -24902,7 +24899,7 @@
           <a:blip r:embed="rId3" cstate="print">
             <a:extLst>
               <a:ext uri="{28A0092B-C50C-407E-A947-70E740481C1C}">
-                <a14:useLocalDpi xmlns:a14="http://schemas.microsoft.com/office/drawing/2010/main" val="0"/>
+                <a14:useLocalDpi xmlns:a14="http://schemas.microsoft.com/office/drawing/2010/main" xmlns="" val="0"/>
               </a:ext>
             </a:extLst>
           </a:blip>
@@ -24922,7 +24919,7 @@
           <a:noFill/>
           <a:extLst>
             <a:ext uri="{909E8E84-426E-40DD-AFC4-6F175D3DCCD1}">
-              <a14:hiddenFill xmlns:a14="http://schemas.microsoft.com/office/drawing/2010/main">
+              <a14:hiddenFill xmlns:a14="http://schemas.microsoft.com/office/drawing/2010/main" xmlns="">
                 <a:solidFill>
                   <a:srgbClr val="FFFFFF"/>
                 </a:solidFill>
@@ -24943,7 +24940,7 @@
           <a:blip r:embed="rId4" cstate="print">
             <a:extLst>
               <a:ext uri="{28A0092B-C50C-407E-A947-70E740481C1C}">
-                <a14:useLocalDpi xmlns:a14="http://schemas.microsoft.com/office/drawing/2010/main" val="0"/>
+                <a14:useLocalDpi xmlns:a14="http://schemas.microsoft.com/office/drawing/2010/main" xmlns="" val="0"/>
               </a:ext>
             </a:extLst>
           </a:blip>
@@ -24963,7 +24960,7 @@
           <a:noFill/>
           <a:extLst>
             <a:ext uri="{909E8E84-426E-40DD-AFC4-6F175D3DCCD1}">
-              <a14:hiddenFill xmlns:a14="http://schemas.microsoft.com/office/drawing/2010/main">
+              <a14:hiddenFill xmlns:a14="http://schemas.microsoft.com/office/drawing/2010/main" xmlns="">
                 <a:solidFill>
                   <a:srgbClr val="FFFFFF"/>
                 </a:solidFill>
@@ -25484,7 +25481,7 @@
     </p:spTree>
     <p:extLst>
       <p:ext uri="{BB962C8B-B14F-4D97-AF65-F5344CB8AC3E}">
-        <p14:creationId xmlns:p14="http://schemas.microsoft.com/office/powerpoint/2010/main" val="3569134236"/>
+        <p14:creationId xmlns:p14="http://schemas.microsoft.com/office/powerpoint/2010/main" xmlns="" val="3569134236"/>
       </p:ext>
     </p:extLst>
   </p:cSld>
@@ -25562,7 +25559,7 @@
           <a:blip r:embed="rId3" cstate="print">
             <a:extLst>
               <a:ext uri="{28A0092B-C50C-407E-A947-70E740481C1C}">
-                <a14:useLocalDpi xmlns:a14="http://schemas.microsoft.com/office/drawing/2010/main" val="0"/>
+                <a14:useLocalDpi xmlns:a14="http://schemas.microsoft.com/office/drawing/2010/main" xmlns="" val="0"/>
               </a:ext>
             </a:extLst>
           </a:blip>
@@ -25582,7 +25579,7 @@
           <a:noFill/>
           <a:extLst>
             <a:ext uri="{909E8E84-426E-40DD-AFC4-6F175D3DCCD1}">
-              <a14:hiddenFill xmlns:a14="http://schemas.microsoft.com/office/drawing/2010/main">
+              <a14:hiddenFill xmlns:a14="http://schemas.microsoft.com/office/drawing/2010/main" xmlns="">
                 <a:solidFill>
                   <a:srgbClr val="FFFFFF"/>
                 </a:solidFill>
@@ -25603,7 +25600,7 @@
           <a:blip r:embed="rId4" cstate="print">
             <a:extLst>
               <a:ext uri="{28A0092B-C50C-407E-A947-70E740481C1C}">
-                <a14:useLocalDpi xmlns:a14="http://schemas.microsoft.com/office/drawing/2010/main" val="0"/>
+                <a14:useLocalDpi xmlns:a14="http://schemas.microsoft.com/office/drawing/2010/main" xmlns="" val="0"/>
               </a:ext>
             </a:extLst>
           </a:blip>
@@ -25623,7 +25620,7 @@
           <a:noFill/>
           <a:extLst>
             <a:ext uri="{909E8E84-426E-40DD-AFC4-6F175D3DCCD1}">
-              <a14:hiddenFill xmlns:a14="http://schemas.microsoft.com/office/drawing/2010/main">
+              <a14:hiddenFill xmlns:a14="http://schemas.microsoft.com/office/drawing/2010/main" xmlns="">
                 <a:solidFill>
                   <a:srgbClr val="FFFFFF"/>
                 </a:solidFill>
@@ -26156,7 +26153,7 @@
     </p:spTree>
     <p:extLst>
       <p:ext uri="{BB962C8B-B14F-4D97-AF65-F5344CB8AC3E}">
-        <p14:creationId xmlns:p14="http://schemas.microsoft.com/office/powerpoint/2010/main" val="3452687192"/>
+        <p14:creationId xmlns:p14="http://schemas.microsoft.com/office/powerpoint/2010/main" xmlns="" val="3452687192"/>
       </p:ext>
     </p:extLst>
   </p:cSld>
@@ -26234,7 +26231,7 @@
           <a:blip r:embed="rId3" cstate="print">
             <a:extLst>
               <a:ext uri="{28A0092B-C50C-407E-A947-70E740481C1C}">
-                <a14:useLocalDpi xmlns:a14="http://schemas.microsoft.com/office/drawing/2010/main" val="0"/>
+                <a14:useLocalDpi xmlns:a14="http://schemas.microsoft.com/office/drawing/2010/main" xmlns="" val="0"/>
               </a:ext>
             </a:extLst>
           </a:blip>
@@ -26254,7 +26251,7 @@
           <a:noFill/>
           <a:extLst>
             <a:ext uri="{909E8E84-426E-40DD-AFC4-6F175D3DCCD1}">
-              <a14:hiddenFill xmlns:a14="http://schemas.microsoft.com/office/drawing/2010/main">
+              <a14:hiddenFill xmlns:a14="http://schemas.microsoft.com/office/drawing/2010/main" xmlns="">
                 <a:solidFill>
                   <a:srgbClr val="FFFFFF"/>
                 </a:solidFill>
@@ -26275,7 +26272,7 @@
           <a:blip r:embed="rId4" cstate="print">
             <a:extLst>
               <a:ext uri="{28A0092B-C50C-407E-A947-70E740481C1C}">
-                <a14:useLocalDpi xmlns:a14="http://schemas.microsoft.com/office/drawing/2010/main" val="0"/>
+                <a14:useLocalDpi xmlns:a14="http://schemas.microsoft.com/office/drawing/2010/main" xmlns="" val="0"/>
               </a:ext>
             </a:extLst>
           </a:blip>
@@ -26295,7 +26292,7 @@
           <a:noFill/>
           <a:extLst>
             <a:ext uri="{909E8E84-426E-40DD-AFC4-6F175D3DCCD1}">
-              <a14:hiddenFill xmlns:a14="http://schemas.microsoft.com/office/drawing/2010/main">
+              <a14:hiddenFill xmlns:a14="http://schemas.microsoft.com/office/drawing/2010/main" xmlns="">
                 <a:solidFill>
                   <a:srgbClr val="FFFFFF"/>
                 </a:solidFill>
@@ -26789,7 +26786,7 @@
           <a:blip r:embed="rId5" cstate="print">
             <a:extLst>
               <a:ext uri="{28A0092B-C50C-407E-A947-70E740481C1C}">
-                <a14:useLocalDpi xmlns:a14="http://schemas.microsoft.com/office/drawing/2010/main" val="0"/>
+                <a14:useLocalDpi xmlns:a14="http://schemas.microsoft.com/office/drawing/2010/main" xmlns="" val="0"/>
               </a:ext>
             </a:extLst>
           </a:blip>
@@ -26810,7 +26807,7 @@
     </p:spTree>
     <p:extLst>
       <p:ext uri="{BB962C8B-B14F-4D97-AF65-F5344CB8AC3E}">
-        <p14:creationId xmlns:p14="http://schemas.microsoft.com/office/powerpoint/2010/main" val="1895813771"/>
+        <p14:creationId xmlns:p14="http://schemas.microsoft.com/office/powerpoint/2010/main" xmlns="" val="1895813771"/>
       </p:ext>
     </p:extLst>
   </p:cSld>
@@ -26888,7 +26885,7 @@
           <a:blip r:embed="rId3" cstate="print">
             <a:extLst>
               <a:ext uri="{28A0092B-C50C-407E-A947-70E740481C1C}">
-                <a14:useLocalDpi xmlns:a14="http://schemas.microsoft.com/office/drawing/2010/main" val="0"/>
+                <a14:useLocalDpi xmlns:a14="http://schemas.microsoft.com/office/drawing/2010/main" xmlns="" val="0"/>
               </a:ext>
             </a:extLst>
           </a:blip>
@@ -26908,7 +26905,7 @@
           <a:noFill/>
           <a:extLst>
             <a:ext uri="{909E8E84-426E-40DD-AFC4-6F175D3DCCD1}">
-              <a14:hiddenFill xmlns:a14="http://schemas.microsoft.com/office/drawing/2010/main">
+              <a14:hiddenFill xmlns:a14="http://schemas.microsoft.com/office/drawing/2010/main" xmlns="">
                 <a:solidFill>
                   <a:srgbClr val="FFFFFF"/>
                 </a:solidFill>
@@ -26929,7 +26926,7 @@
           <a:blip r:embed="rId4" cstate="print">
             <a:extLst>
               <a:ext uri="{28A0092B-C50C-407E-A947-70E740481C1C}">
-                <a14:useLocalDpi xmlns:a14="http://schemas.microsoft.com/office/drawing/2010/main" val="0"/>
+                <a14:useLocalDpi xmlns:a14="http://schemas.microsoft.com/office/drawing/2010/main" xmlns="" val="0"/>
               </a:ext>
             </a:extLst>
           </a:blip>
@@ -26949,7 +26946,7 @@
           <a:noFill/>
           <a:extLst>
             <a:ext uri="{909E8E84-426E-40DD-AFC4-6F175D3DCCD1}">
-              <a14:hiddenFill xmlns:a14="http://schemas.microsoft.com/office/drawing/2010/main">
+              <a14:hiddenFill xmlns:a14="http://schemas.microsoft.com/office/drawing/2010/main" xmlns="">
                 <a:solidFill>
                   <a:srgbClr val="FFFFFF"/>
                 </a:solidFill>
@@ -27443,7 +27440,7 @@
           <a:blip r:embed="rId5" cstate="print">
             <a:extLst>
               <a:ext uri="{28A0092B-C50C-407E-A947-70E740481C1C}">
-                <a14:useLocalDpi xmlns:a14="http://schemas.microsoft.com/office/drawing/2010/main" val="0"/>
+                <a14:useLocalDpi xmlns:a14="http://schemas.microsoft.com/office/drawing/2010/main" xmlns="" val="0"/>
               </a:ext>
             </a:extLst>
           </a:blip>
@@ -27464,7 +27461,7 @@
     </p:spTree>
     <p:extLst>
       <p:ext uri="{BB962C8B-B14F-4D97-AF65-F5344CB8AC3E}">
-        <p14:creationId xmlns:p14="http://schemas.microsoft.com/office/powerpoint/2010/main" val="1731941927"/>
+        <p14:creationId xmlns:p14="http://schemas.microsoft.com/office/powerpoint/2010/main" xmlns="" val="1731941927"/>
       </p:ext>
     </p:extLst>
   </p:cSld>
@@ -27542,13 +27539,13 @@
         </p:nvSpPr>
         <p:spPr>
           <a:xfrm>
-            <a:off x="1071538" y="1857364"/>
-            <a:ext cx="6777317" cy="4000528"/>
+            <a:off x="714348" y="1571612"/>
+            <a:ext cx="7715304" cy="4786346"/>
           </a:xfrm>
         </p:spPr>
         <p:txBody>
           <a:bodyPr>
-            <a:normAutofit fontScale="70000" lnSpcReduction="20000"/>
+            <a:normAutofit fontScale="92500" lnSpcReduction="20000"/>
           </a:bodyPr>
           <a:lstStyle/>
           <a:p>
@@ -27746,7 +27743,15 @@
                   <a:schemeClr val="tx1"/>
                 </a:solidFill>
               </a:rPr>
-              <a:t>Mariano Guillén: </a:t>
+              <a:t>Mariano </a:t>
+            </a:r>
+            <a:r>
+              <a:rPr lang="es-AR" b="1" dirty="0" err="1" smtClean="0">
+                <a:solidFill>
+                  <a:schemeClr val="tx1"/>
+                </a:solidFill>
+              </a:rPr>
+              <a:t>Gava</a:t>
             </a:r>
             <a:r>
               <a:rPr lang="es-AR" dirty="0" smtClean="0">
@@ -27754,7 +27759,15 @@
                   <a:schemeClr val="tx1"/>
                 </a:solidFill>
               </a:rPr>
-              <a:t>Analista Funcional en Tarjeta Naranja.</a:t>
+              <a:t>: </a:t>
+            </a:r>
+            <a:r>
+              <a:rPr lang="es-AR" dirty="0" smtClean="0">
+                <a:solidFill>
+                  <a:schemeClr val="tx1"/>
+                </a:solidFill>
+              </a:rPr>
+              <a:t>Agente de asistencia técnica para Pymes en Jazztel.</a:t>
             </a:r>
             <a:endParaRPr lang="es-AR" b="1" dirty="0" smtClean="0">
               <a:solidFill>
@@ -27763,7 +27776,7 @@
             </a:endParaRPr>
           </a:p>
           <a:p>
-            <a:endParaRPr lang="es-AR" dirty="0" smtClean="0">
+            <a:endParaRPr lang="es-AR" b="1" dirty="0" smtClean="0">
               <a:solidFill>
                 <a:schemeClr val="tx1"/>
               </a:solidFill>
@@ -27779,12 +27792,12 @@
               <a:t>Mariano </a:t>
             </a:r>
             <a:r>
-              <a:rPr lang="es-AR" b="1" dirty="0" err="1" smtClean="0">
+              <a:rPr lang="es-AR" b="1" dirty="0" smtClean="0">
                 <a:solidFill>
                   <a:schemeClr val="tx1"/>
                 </a:solidFill>
               </a:rPr>
-              <a:t>Gava</a:t>
+              <a:t>Guillén: </a:t>
             </a:r>
             <a:r>
               <a:rPr lang="es-AR" dirty="0" smtClean="0">
@@ -27792,7 +27805,7 @@
                   <a:schemeClr val="tx1"/>
                 </a:solidFill>
               </a:rPr>
-              <a:t>: : Agente de asistencia técnica para Pymes en Jazztel.</a:t>
+              <a:t>Analista Funcional en Tarjeta Naranja.</a:t>
             </a:r>
             <a:endParaRPr lang="es-AR" b="1" dirty="0" smtClean="0">
               <a:solidFill>
@@ -27919,7 +27932,7 @@
           <a:blip r:embed="rId3" cstate="print">
             <a:extLst>
               <a:ext uri="{28A0092B-C50C-407E-A947-70E740481C1C}">
-                <a14:useLocalDpi xmlns:a14="http://schemas.microsoft.com/office/drawing/2010/main" val="0"/>
+                <a14:useLocalDpi xmlns:a14="http://schemas.microsoft.com/office/drawing/2010/main" xmlns="" val="0"/>
               </a:ext>
             </a:extLst>
           </a:blip>
@@ -27939,7 +27952,7 @@
           <a:noFill/>
           <a:extLst>
             <a:ext uri="{909E8E84-426E-40DD-AFC4-6F175D3DCCD1}">
-              <a14:hiddenFill xmlns:a14="http://schemas.microsoft.com/office/drawing/2010/main">
+              <a14:hiddenFill xmlns:a14="http://schemas.microsoft.com/office/drawing/2010/main" xmlns="">
                 <a:solidFill>
                   <a:srgbClr val="FFFFFF"/>
                 </a:solidFill>
@@ -27960,7 +27973,7 @@
           <a:blip r:embed="rId4" cstate="print">
             <a:extLst>
               <a:ext uri="{28A0092B-C50C-407E-A947-70E740481C1C}">
-                <a14:useLocalDpi xmlns:a14="http://schemas.microsoft.com/office/drawing/2010/main" val="0"/>
+                <a14:useLocalDpi xmlns:a14="http://schemas.microsoft.com/office/drawing/2010/main" xmlns="" val="0"/>
               </a:ext>
             </a:extLst>
           </a:blip>
@@ -27980,7 +27993,7 @@
           <a:noFill/>
           <a:extLst>
             <a:ext uri="{909E8E84-426E-40DD-AFC4-6F175D3DCCD1}">
-              <a14:hiddenFill xmlns:a14="http://schemas.microsoft.com/office/drawing/2010/main">
+              <a14:hiddenFill xmlns:a14="http://schemas.microsoft.com/office/drawing/2010/main" xmlns="">
                 <a:solidFill>
                   <a:srgbClr val="FFFFFF"/>
                 </a:solidFill>
@@ -27992,7 +28005,7 @@
     </p:spTree>
     <p:extLst>
       <p:ext uri="{BB962C8B-B14F-4D97-AF65-F5344CB8AC3E}">
-        <p14:creationId xmlns:p14="http://schemas.microsoft.com/office/powerpoint/2010/main" val="326677412"/>
+        <p14:creationId xmlns:p14="http://schemas.microsoft.com/office/powerpoint/2010/main" xmlns="" val="326677412"/>
       </p:ext>
     </p:extLst>
   </p:cSld>
@@ -28070,7 +28083,7 @@
           <a:blip r:embed="rId3" cstate="print">
             <a:extLst>
               <a:ext uri="{28A0092B-C50C-407E-A947-70E740481C1C}">
-                <a14:useLocalDpi xmlns:a14="http://schemas.microsoft.com/office/drawing/2010/main" val="0"/>
+                <a14:useLocalDpi xmlns:a14="http://schemas.microsoft.com/office/drawing/2010/main" xmlns="" val="0"/>
               </a:ext>
             </a:extLst>
           </a:blip>
@@ -28090,7 +28103,7 @@
           <a:noFill/>
           <a:extLst>
             <a:ext uri="{909E8E84-426E-40DD-AFC4-6F175D3DCCD1}">
-              <a14:hiddenFill xmlns:a14="http://schemas.microsoft.com/office/drawing/2010/main">
+              <a14:hiddenFill xmlns:a14="http://schemas.microsoft.com/office/drawing/2010/main" xmlns="">
                 <a:solidFill>
                   <a:srgbClr val="FFFFFF"/>
                 </a:solidFill>
@@ -28111,7 +28124,7 @@
           <a:blip r:embed="rId4" cstate="print">
             <a:extLst>
               <a:ext uri="{28A0092B-C50C-407E-A947-70E740481C1C}">
-                <a14:useLocalDpi xmlns:a14="http://schemas.microsoft.com/office/drawing/2010/main" val="0"/>
+                <a14:useLocalDpi xmlns:a14="http://schemas.microsoft.com/office/drawing/2010/main" xmlns="" val="0"/>
               </a:ext>
             </a:extLst>
           </a:blip>
@@ -28131,7 +28144,7 @@
           <a:noFill/>
           <a:extLst>
             <a:ext uri="{909E8E84-426E-40DD-AFC4-6F175D3DCCD1}">
-              <a14:hiddenFill xmlns:a14="http://schemas.microsoft.com/office/drawing/2010/main">
+              <a14:hiddenFill xmlns:a14="http://schemas.microsoft.com/office/drawing/2010/main" xmlns="">
                 <a:solidFill>
                   <a:srgbClr val="FFFFFF"/>
                 </a:solidFill>
@@ -28681,7 +28694,7 @@
     </p:spTree>
     <p:extLst>
       <p:ext uri="{BB962C8B-B14F-4D97-AF65-F5344CB8AC3E}">
-        <p14:creationId xmlns:p14="http://schemas.microsoft.com/office/powerpoint/2010/main" val="2144027803"/>
+        <p14:creationId xmlns:p14="http://schemas.microsoft.com/office/powerpoint/2010/main" xmlns="" val="2144027803"/>
       </p:ext>
     </p:extLst>
   </p:cSld>
@@ -28759,7 +28772,7 @@
           <a:blip r:embed="rId3" cstate="print">
             <a:extLst>
               <a:ext uri="{28A0092B-C50C-407E-A947-70E740481C1C}">
-                <a14:useLocalDpi xmlns:a14="http://schemas.microsoft.com/office/drawing/2010/main" val="0"/>
+                <a14:useLocalDpi xmlns:a14="http://schemas.microsoft.com/office/drawing/2010/main" xmlns="" val="0"/>
               </a:ext>
             </a:extLst>
           </a:blip>
@@ -28779,7 +28792,7 @@
           <a:noFill/>
           <a:extLst>
             <a:ext uri="{909E8E84-426E-40DD-AFC4-6F175D3DCCD1}">
-              <a14:hiddenFill xmlns:a14="http://schemas.microsoft.com/office/drawing/2010/main">
+              <a14:hiddenFill xmlns:a14="http://schemas.microsoft.com/office/drawing/2010/main" xmlns="">
                 <a:solidFill>
                   <a:srgbClr val="FFFFFF"/>
                 </a:solidFill>
@@ -28800,7 +28813,7 @@
           <a:blip r:embed="rId4" cstate="print">
             <a:extLst>
               <a:ext uri="{28A0092B-C50C-407E-A947-70E740481C1C}">
-                <a14:useLocalDpi xmlns:a14="http://schemas.microsoft.com/office/drawing/2010/main" val="0"/>
+                <a14:useLocalDpi xmlns:a14="http://schemas.microsoft.com/office/drawing/2010/main" xmlns="" val="0"/>
               </a:ext>
             </a:extLst>
           </a:blip>
@@ -28820,7 +28833,7 @@
           <a:noFill/>
           <a:extLst>
             <a:ext uri="{909E8E84-426E-40DD-AFC4-6F175D3DCCD1}">
-              <a14:hiddenFill xmlns:a14="http://schemas.microsoft.com/office/drawing/2010/main">
+              <a14:hiddenFill xmlns:a14="http://schemas.microsoft.com/office/drawing/2010/main" xmlns="">
                 <a:solidFill>
                   <a:srgbClr val="FFFFFF"/>
                 </a:solidFill>
@@ -29361,7 +29374,7 @@
     </p:spTree>
     <p:extLst>
       <p:ext uri="{BB962C8B-B14F-4D97-AF65-F5344CB8AC3E}">
-        <p14:creationId xmlns:p14="http://schemas.microsoft.com/office/powerpoint/2010/main" val="3033221212"/>
+        <p14:creationId xmlns:p14="http://schemas.microsoft.com/office/powerpoint/2010/main" xmlns="" val="3033221212"/>
       </p:ext>
     </p:extLst>
   </p:cSld>
@@ -29439,7 +29452,7 @@
           <a:blip r:embed="rId3" cstate="print">
             <a:extLst>
               <a:ext uri="{28A0092B-C50C-407E-A947-70E740481C1C}">
-                <a14:useLocalDpi xmlns:a14="http://schemas.microsoft.com/office/drawing/2010/main" val="0"/>
+                <a14:useLocalDpi xmlns:a14="http://schemas.microsoft.com/office/drawing/2010/main" xmlns="" val="0"/>
               </a:ext>
             </a:extLst>
           </a:blip>
@@ -29459,7 +29472,7 @@
           <a:noFill/>
           <a:extLst>
             <a:ext uri="{909E8E84-426E-40DD-AFC4-6F175D3DCCD1}">
-              <a14:hiddenFill xmlns:a14="http://schemas.microsoft.com/office/drawing/2010/main">
+              <a14:hiddenFill xmlns:a14="http://schemas.microsoft.com/office/drawing/2010/main" xmlns="">
                 <a:solidFill>
                   <a:srgbClr val="FFFFFF"/>
                 </a:solidFill>
@@ -29480,7 +29493,7 @@
           <a:blip r:embed="rId4" cstate="print">
             <a:extLst>
               <a:ext uri="{28A0092B-C50C-407E-A947-70E740481C1C}">
-                <a14:useLocalDpi xmlns:a14="http://schemas.microsoft.com/office/drawing/2010/main" val="0"/>
+                <a14:useLocalDpi xmlns:a14="http://schemas.microsoft.com/office/drawing/2010/main" xmlns="" val="0"/>
               </a:ext>
             </a:extLst>
           </a:blip>
@@ -29500,7 +29513,7 @@
           <a:noFill/>
           <a:extLst>
             <a:ext uri="{909E8E84-426E-40DD-AFC4-6F175D3DCCD1}">
-              <a14:hiddenFill xmlns:a14="http://schemas.microsoft.com/office/drawing/2010/main">
+              <a14:hiddenFill xmlns:a14="http://schemas.microsoft.com/office/drawing/2010/main" xmlns="">
                 <a:solidFill>
                   <a:srgbClr val="FFFFFF"/>
                 </a:solidFill>
@@ -29748,10 +29761,7 @@
               <a:rPr lang="es-ES" sz="2400" dirty="0" err="1" smtClean="0"/>
               <a:t>Tortoise</a:t>
             </a:r>
-            <a:r>
-              <a:rPr lang="es-ES" sz="2400" dirty="0" smtClean="0"/>
-              <a:t>.</a:t>
-            </a:r>
+            <a:endParaRPr lang="es-ES" sz="2400" dirty="0" smtClean="0"/>
           </a:p>
           <a:p>
             <a:pPr lvl="2">
@@ -29769,12 +29779,13 @@
             </a:pPr>
             <a:r>
               <a:rPr lang="es-ES" sz="2400" dirty="0" smtClean="0"/>
-              <a:t>Suite Microsoft Office</a:t>
+              <a:t>Suite Microsoft </a:t>
             </a:r>
             <a:r>
               <a:rPr lang="es-ES" sz="2400" dirty="0" smtClean="0"/>
-              <a:t>.</a:t>
+              <a:t>Office</a:t>
             </a:r>
+            <a:endParaRPr lang="es-ES" sz="2400" dirty="0" smtClean="0"/>
           </a:p>
           <a:p>
             <a:pPr lvl="2">
@@ -29794,10 +29805,6 @@
               <a:rPr lang="es-ES" sz="2400" dirty="0" err="1" smtClean="0"/>
               <a:t>StarUML</a:t>
             </a:r>
-            <a:r>
-              <a:rPr lang="es-ES" sz="2400" dirty="0" smtClean="0"/>
-              <a:t>.</a:t>
-            </a:r>
             <a:endParaRPr lang="en-US" sz="2400" dirty="0" smtClean="0"/>
           </a:p>
           <a:p>
@@ -29813,7 +29820,7 @@
     </p:spTree>
     <p:extLst>
       <p:ext uri="{BB962C8B-B14F-4D97-AF65-F5344CB8AC3E}">
-        <p14:creationId xmlns:p14="http://schemas.microsoft.com/office/powerpoint/2010/main" val="2045473191"/>
+        <p14:creationId xmlns:p14="http://schemas.microsoft.com/office/powerpoint/2010/main" xmlns="" val="2045473191"/>
       </p:ext>
     </p:extLst>
   </p:cSld>
@@ -29891,7 +29898,7 @@
           <a:blip r:embed="rId3" cstate="print">
             <a:extLst>
               <a:ext uri="{28A0092B-C50C-407E-A947-70E740481C1C}">
-                <a14:useLocalDpi xmlns:a14="http://schemas.microsoft.com/office/drawing/2010/main" val="0"/>
+                <a14:useLocalDpi xmlns:a14="http://schemas.microsoft.com/office/drawing/2010/main" xmlns="" val="0"/>
               </a:ext>
             </a:extLst>
           </a:blip>
@@ -29911,7 +29918,7 @@
           <a:noFill/>
           <a:extLst>
             <a:ext uri="{909E8E84-426E-40DD-AFC4-6F175D3DCCD1}">
-              <a14:hiddenFill xmlns:a14="http://schemas.microsoft.com/office/drawing/2010/main">
+              <a14:hiddenFill xmlns:a14="http://schemas.microsoft.com/office/drawing/2010/main" xmlns="">
                 <a:solidFill>
                   <a:srgbClr val="FFFFFF"/>
                 </a:solidFill>
@@ -29932,7 +29939,7 @@
           <a:blip r:embed="rId4" cstate="print">
             <a:extLst>
               <a:ext uri="{28A0092B-C50C-407E-A947-70E740481C1C}">
-                <a14:useLocalDpi xmlns:a14="http://schemas.microsoft.com/office/drawing/2010/main" val="0"/>
+                <a14:useLocalDpi xmlns:a14="http://schemas.microsoft.com/office/drawing/2010/main" xmlns="" val="0"/>
               </a:ext>
             </a:extLst>
           </a:blip>
@@ -29952,7 +29959,7 @@
           <a:noFill/>
           <a:extLst>
             <a:ext uri="{909E8E84-426E-40DD-AFC4-6F175D3DCCD1}">
-              <a14:hiddenFill xmlns:a14="http://schemas.microsoft.com/office/drawing/2010/main">
+              <a14:hiddenFill xmlns:a14="http://schemas.microsoft.com/office/drawing/2010/main" xmlns="">
                 <a:solidFill>
                   <a:srgbClr val="FFFFFF"/>
                 </a:solidFill>
@@ -30376,10 +30383,7 @@
               <a:rPr lang="es-AR" dirty="0" err="1" smtClean="0"/>
               <a:t>StarUML</a:t>
             </a:r>
-            <a:r>
-              <a:rPr lang="es-AR" dirty="0" smtClean="0"/>
-              <a:t>.</a:t>
-            </a:r>
+            <a:endParaRPr lang="es-AR" dirty="0" smtClean="0"/>
           </a:p>
           <a:p>
             <a:pPr marL="411480" lvl="1" indent="0"/>
@@ -30391,10 +30395,7 @@
               <a:rPr lang="es-AR" dirty="0" err="1" smtClean="0"/>
               <a:t>Source-Code</a:t>
             </a:r>
-            <a:r>
-              <a:rPr lang="es-AR" dirty="0" smtClean="0"/>
-              <a:t>.</a:t>
-            </a:r>
+            <a:endParaRPr lang="es-AR" dirty="0" smtClean="0"/>
           </a:p>
           <a:p>
             <a:pPr marL="411480" lvl="1" indent="0"/>
@@ -30475,7 +30476,7 @@
     </p:spTree>
     <p:extLst>
       <p:ext uri="{BB962C8B-B14F-4D97-AF65-F5344CB8AC3E}">
-        <p14:creationId xmlns:p14="http://schemas.microsoft.com/office/powerpoint/2010/main" val="3791234836"/>
+        <p14:creationId xmlns:p14="http://schemas.microsoft.com/office/powerpoint/2010/main" xmlns="" val="3791234836"/>
       </p:ext>
     </p:extLst>
   </p:cSld>
@@ -30700,7 +30701,7 @@
           <a:noFill/>
           <a:extLst>
             <a:ext uri="{909E8E84-426E-40DD-AFC4-6F175D3DCCD1}">
-              <a14:hiddenFill xmlns:a14="http://schemas.microsoft.com/office/drawing/2010/main">
+              <a14:hiddenFill xmlns:a14="http://schemas.microsoft.com/office/drawing/2010/main" xmlns="">
                 <a:solidFill>
                   <a:srgbClr val="FFFFFF"/>
                 </a:solidFill>
@@ -30736,7 +30737,7 @@
           <a:blip r:embed="rId3" cstate="print">
             <a:extLst>
               <a:ext uri="{28A0092B-C50C-407E-A947-70E740481C1C}">
-                <a14:useLocalDpi xmlns:a14="http://schemas.microsoft.com/office/drawing/2010/main" val="0"/>
+                <a14:useLocalDpi xmlns:a14="http://schemas.microsoft.com/office/drawing/2010/main" xmlns="" val="0"/>
               </a:ext>
             </a:extLst>
           </a:blip>
@@ -30756,7 +30757,7 @@
           <a:noFill/>
           <a:extLst>
             <a:ext uri="{909E8E84-426E-40DD-AFC4-6F175D3DCCD1}">
-              <a14:hiddenFill xmlns:a14="http://schemas.microsoft.com/office/drawing/2010/main">
+              <a14:hiddenFill xmlns:a14="http://schemas.microsoft.com/office/drawing/2010/main" xmlns="">
                 <a:solidFill>
                   <a:srgbClr val="FFFFFF"/>
                 </a:solidFill>
@@ -30777,7 +30778,7 @@
           <a:blip r:embed="rId4" cstate="print">
             <a:extLst>
               <a:ext uri="{28A0092B-C50C-407E-A947-70E740481C1C}">
-                <a14:useLocalDpi xmlns:a14="http://schemas.microsoft.com/office/drawing/2010/main" val="0"/>
+                <a14:useLocalDpi xmlns:a14="http://schemas.microsoft.com/office/drawing/2010/main" xmlns="" val="0"/>
               </a:ext>
             </a:extLst>
           </a:blip>
@@ -30797,7 +30798,7 @@
           <a:noFill/>
           <a:extLst>
             <a:ext uri="{909E8E84-426E-40DD-AFC4-6F175D3DCCD1}">
-              <a14:hiddenFill xmlns:a14="http://schemas.microsoft.com/office/drawing/2010/main">
+              <a14:hiddenFill xmlns:a14="http://schemas.microsoft.com/office/drawing/2010/main" xmlns="">
                 <a:solidFill>
                   <a:srgbClr val="FFFFFF"/>
                 </a:solidFill>
@@ -30809,7 +30810,7 @@
     </p:spTree>
     <p:extLst>
       <p:ext uri="{BB962C8B-B14F-4D97-AF65-F5344CB8AC3E}">
-        <p14:creationId xmlns:p14="http://schemas.microsoft.com/office/powerpoint/2010/main" val="1948239631"/>
+        <p14:creationId xmlns:p14="http://schemas.microsoft.com/office/powerpoint/2010/main" xmlns="" val="1948239631"/>
       </p:ext>
     </p:extLst>
   </p:cSld>
@@ -31009,7 +31010,7 @@
           <a:blip r:embed="rId3" cstate="print">
             <a:extLst>
               <a:ext uri="{28A0092B-C50C-407E-A947-70E740481C1C}">
-                <a14:useLocalDpi xmlns:a14="http://schemas.microsoft.com/office/drawing/2010/main" val="0"/>
+                <a14:useLocalDpi xmlns:a14="http://schemas.microsoft.com/office/drawing/2010/main" xmlns="" val="0"/>
               </a:ext>
             </a:extLst>
           </a:blip>
@@ -31029,7 +31030,7 @@
           <a:noFill/>
           <a:extLst>
             <a:ext uri="{909E8E84-426E-40DD-AFC4-6F175D3DCCD1}">
-              <a14:hiddenFill xmlns:a14="http://schemas.microsoft.com/office/drawing/2010/main">
+              <a14:hiddenFill xmlns:a14="http://schemas.microsoft.com/office/drawing/2010/main" xmlns="">
                 <a:solidFill>
                   <a:srgbClr val="FFFFFF"/>
                 </a:solidFill>
@@ -31050,7 +31051,7 @@
           <a:blip r:embed="rId4" cstate="print">
             <a:extLst>
               <a:ext uri="{28A0092B-C50C-407E-A947-70E740481C1C}">
-                <a14:useLocalDpi xmlns:a14="http://schemas.microsoft.com/office/drawing/2010/main" val="0"/>
+                <a14:useLocalDpi xmlns:a14="http://schemas.microsoft.com/office/drawing/2010/main" xmlns="" val="0"/>
               </a:ext>
             </a:extLst>
           </a:blip>
@@ -31070,7 +31071,7 @@
           <a:noFill/>
           <a:extLst>
             <a:ext uri="{909E8E84-426E-40DD-AFC4-6F175D3DCCD1}">
-              <a14:hiddenFill xmlns:a14="http://schemas.microsoft.com/office/drawing/2010/main">
+              <a14:hiddenFill xmlns:a14="http://schemas.microsoft.com/office/drawing/2010/main" xmlns="">
                 <a:solidFill>
                   <a:srgbClr val="FFFFFF"/>
                 </a:solidFill>
@@ -31082,7 +31083,7 @@
     </p:spTree>
     <p:extLst>
       <p:ext uri="{BB962C8B-B14F-4D97-AF65-F5344CB8AC3E}">
-        <p14:creationId xmlns:p14="http://schemas.microsoft.com/office/powerpoint/2010/main" val="1648912756"/>
+        <p14:creationId xmlns:p14="http://schemas.microsoft.com/office/powerpoint/2010/main" xmlns="" val="1648912756"/>
       </p:ext>
     </p:extLst>
   </p:cSld>
@@ -31151,15 +31152,11 @@
             <a:pPr lvl="2"/>
             <a:r>
               <a:rPr lang="es-AR" dirty="0" smtClean="0"/>
-              <a:t>Dar a conocer </a:t>
+              <a:t>Dar a conocer el funcionamiento principal del sistema a través de un ciclo simplificado de </a:t>
             </a:r>
             <a:r>
               <a:rPr lang="es-AR" dirty="0" smtClean="0"/>
-              <a:t>el funcionamiento principal del </a:t>
-            </a:r>
-            <a:r>
-              <a:rPr lang="es-AR" dirty="0" smtClean="0"/>
-              <a:t>sistema a través de un ciclo simplificado de negocio.</a:t>
+              <a:t>negocio</a:t>
             </a:r>
             <a:endParaRPr lang="es-AR" dirty="0" smtClean="0"/>
           </a:p>
@@ -31237,7 +31234,7 @@
           <a:blip r:embed="rId3" cstate="print">
             <a:extLst>
               <a:ext uri="{28A0092B-C50C-407E-A947-70E740481C1C}">
-                <a14:useLocalDpi xmlns:a14="http://schemas.microsoft.com/office/drawing/2010/main" val="0"/>
+                <a14:useLocalDpi xmlns:a14="http://schemas.microsoft.com/office/drawing/2010/main" xmlns="" val="0"/>
               </a:ext>
             </a:extLst>
           </a:blip>
@@ -31257,7 +31254,7 @@
           <a:noFill/>
           <a:extLst>
             <a:ext uri="{909E8E84-426E-40DD-AFC4-6F175D3DCCD1}">
-              <a14:hiddenFill xmlns:a14="http://schemas.microsoft.com/office/drawing/2010/main">
+              <a14:hiddenFill xmlns:a14="http://schemas.microsoft.com/office/drawing/2010/main" xmlns="">
                 <a:solidFill>
                   <a:srgbClr val="FFFFFF"/>
                 </a:solidFill>
@@ -31278,7 +31275,7 @@
           <a:blip r:embed="rId4" cstate="print">
             <a:extLst>
               <a:ext uri="{28A0092B-C50C-407E-A947-70E740481C1C}">
-                <a14:useLocalDpi xmlns:a14="http://schemas.microsoft.com/office/drawing/2010/main" val="0"/>
+                <a14:useLocalDpi xmlns:a14="http://schemas.microsoft.com/office/drawing/2010/main" xmlns="" val="0"/>
               </a:ext>
             </a:extLst>
           </a:blip>
@@ -31298,7 +31295,7 @@
           <a:noFill/>
           <a:extLst>
             <a:ext uri="{909E8E84-426E-40DD-AFC4-6F175D3DCCD1}">
-              <a14:hiddenFill xmlns:a14="http://schemas.microsoft.com/office/drawing/2010/main">
+              <a14:hiddenFill xmlns:a14="http://schemas.microsoft.com/office/drawing/2010/main" xmlns="">
                 <a:solidFill>
                   <a:srgbClr val="FFFFFF"/>
                 </a:solidFill>
@@ -31413,7 +31410,7 @@
     </p:spTree>
     <p:extLst>
       <p:ext uri="{BB962C8B-B14F-4D97-AF65-F5344CB8AC3E}">
-        <p14:creationId xmlns:p14="http://schemas.microsoft.com/office/powerpoint/2010/main" val="565033084"/>
+        <p14:creationId xmlns:p14="http://schemas.microsoft.com/office/powerpoint/2010/main" xmlns="" val="565033084"/>
       </p:ext>
     </p:extLst>
   </p:cSld>
@@ -31490,7 +31487,7 @@
           <a:blip r:embed="rId3" cstate="print">
             <a:extLst>
               <a:ext uri="{28A0092B-C50C-407E-A947-70E740481C1C}">
-                <a14:useLocalDpi xmlns:a14="http://schemas.microsoft.com/office/drawing/2010/main" val="0"/>
+                <a14:useLocalDpi xmlns:a14="http://schemas.microsoft.com/office/drawing/2010/main" xmlns="" val="0"/>
               </a:ext>
             </a:extLst>
           </a:blip>
@@ -31510,7 +31507,7 @@
           <a:noFill/>
           <a:extLst>
             <a:ext uri="{909E8E84-426E-40DD-AFC4-6F175D3DCCD1}">
-              <a14:hiddenFill xmlns:a14="http://schemas.microsoft.com/office/drawing/2010/main">
+              <a14:hiddenFill xmlns:a14="http://schemas.microsoft.com/office/drawing/2010/main" xmlns="">
                 <a:solidFill>
                   <a:srgbClr val="FFFFFF"/>
                 </a:solidFill>
@@ -31531,7 +31528,7 @@
           <a:blip r:embed="rId4" cstate="print">
             <a:extLst>
               <a:ext uri="{28A0092B-C50C-407E-A947-70E740481C1C}">
-                <a14:useLocalDpi xmlns:a14="http://schemas.microsoft.com/office/drawing/2010/main" val="0"/>
+                <a14:useLocalDpi xmlns:a14="http://schemas.microsoft.com/office/drawing/2010/main" xmlns="" val="0"/>
               </a:ext>
             </a:extLst>
           </a:blip>
@@ -31551,7 +31548,7 @@
           <a:noFill/>
           <a:extLst>
             <a:ext uri="{909E8E84-426E-40DD-AFC4-6F175D3DCCD1}">
-              <a14:hiddenFill xmlns:a14="http://schemas.microsoft.com/office/drawing/2010/main">
+              <a14:hiddenFill xmlns:a14="http://schemas.microsoft.com/office/drawing/2010/main" xmlns="">
                 <a:solidFill>
                   <a:srgbClr val="FFFFFF"/>
                 </a:solidFill>
@@ -31615,7 +31612,7 @@
     </p:spTree>
     <p:extLst>
       <p:ext uri="{BB962C8B-B14F-4D97-AF65-F5344CB8AC3E}">
-        <p14:creationId xmlns:p14="http://schemas.microsoft.com/office/powerpoint/2010/main" val="3710940657"/>
+        <p14:creationId xmlns:p14="http://schemas.microsoft.com/office/powerpoint/2010/main" xmlns="" val="3710940657"/>
       </p:ext>
     </p:extLst>
   </p:cSld>
@@ -31693,7 +31690,7 @@
           <a:blip r:embed="rId3" cstate="print">
             <a:extLst>
               <a:ext uri="{28A0092B-C50C-407E-A947-70E740481C1C}">
-                <a14:useLocalDpi xmlns:a14="http://schemas.microsoft.com/office/drawing/2010/main" val="0"/>
+                <a14:useLocalDpi xmlns:a14="http://schemas.microsoft.com/office/drawing/2010/main" xmlns="" val="0"/>
               </a:ext>
             </a:extLst>
           </a:blip>
@@ -31713,7 +31710,7 @@
           <a:noFill/>
           <a:extLst>
             <a:ext uri="{909E8E84-426E-40DD-AFC4-6F175D3DCCD1}">
-              <a14:hiddenFill xmlns:a14="http://schemas.microsoft.com/office/drawing/2010/main">
+              <a14:hiddenFill xmlns:a14="http://schemas.microsoft.com/office/drawing/2010/main" xmlns="">
                 <a:solidFill>
                   <a:srgbClr val="FFFFFF"/>
                 </a:solidFill>
@@ -31734,7 +31731,7 @@
           <a:blip r:embed="rId4" cstate="print">
             <a:extLst>
               <a:ext uri="{28A0092B-C50C-407E-A947-70E740481C1C}">
-                <a14:useLocalDpi xmlns:a14="http://schemas.microsoft.com/office/drawing/2010/main" val="0"/>
+                <a14:useLocalDpi xmlns:a14="http://schemas.microsoft.com/office/drawing/2010/main" xmlns="" val="0"/>
               </a:ext>
             </a:extLst>
           </a:blip>
@@ -31754,7 +31751,7 @@
           <a:noFill/>
           <a:extLst>
             <a:ext uri="{909E8E84-426E-40DD-AFC4-6F175D3DCCD1}">
-              <a14:hiddenFill xmlns:a14="http://schemas.microsoft.com/office/drawing/2010/main">
+              <a14:hiddenFill xmlns:a14="http://schemas.microsoft.com/office/drawing/2010/main" xmlns="">
                 <a:solidFill>
                   <a:srgbClr val="FFFFFF"/>
                 </a:solidFill>
@@ -32193,7 +32190,7 @@
     </p:spTree>
     <p:extLst>
       <p:ext uri="{BB962C8B-B14F-4D97-AF65-F5344CB8AC3E}">
-        <p14:creationId xmlns:p14="http://schemas.microsoft.com/office/powerpoint/2010/main" val="2045473191"/>
+        <p14:creationId xmlns:p14="http://schemas.microsoft.com/office/powerpoint/2010/main" xmlns="" val="2045473191"/>
       </p:ext>
     </p:extLst>
   </p:cSld>
@@ -32300,7 +32297,7 @@
           <a:blip r:embed="rId3" cstate="print">
             <a:extLst>
               <a:ext uri="{28A0092B-C50C-407E-A947-70E740481C1C}">
-                <a14:useLocalDpi xmlns:a14="http://schemas.microsoft.com/office/drawing/2010/main" val="0"/>
+                <a14:useLocalDpi xmlns:a14="http://schemas.microsoft.com/office/drawing/2010/main" xmlns="" val="0"/>
               </a:ext>
             </a:extLst>
           </a:blip>
@@ -32320,7 +32317,7 @@
           <a:noFill/>
           <a:extLst>
             <a:ext uri="{909E8E84-426E-40DD-AFC4-6F175D3DCCD1}">
-              <a14:hiddenFill xmlns:a14="http://schemas.microsoft.com/office/drawing/2010/main">
+              <a14:hiddenFill xmlns:a14="http://schemas.microsoft.com/office/drawing/2010/main" xmlns="">
                 <a:solidFill>
                   <a:srgbClr val="FFFFFF"/>
                 </a:solidFill>
@@ -32341,7 +32338,7 @@
           <a:blip r:embed="rId4" cstate="print">
             <a:extLst>
               <a:ext uri="{28A0092B-C50C-407E-A947-70E740481C1C}">
-                <a14:useLocalDpi xmlns:a14="http://schemas.microsoft.com/office/drawing/2010/main" val="0"/>
+                <a14:useLocalDpi xmlns:a14="http://schemas.microsoft.com/office/drawing/2010/main" xmlns="" val="0"/>
               </a:ext>
             </a:extLst>
           </a:blip>
@@ -32361,7 +32358,7 @@
           <a:noFill/>
           <a:extLst>
             <a:ext uri="{909E8E84-426E-40DD-AFC4-6F175D3DCCD1}">
-              <a14:hiddenFill xmlns:a14="http://schemas.microsoft.com/office/drawing/2010/main">
+              <a14:hiddenFill xmlns:a14="http://schemas.microsoft.com/office/drawing/2010/main" xmlns="">
                 <a:solidFill>
                   <a:srgbClr val="FFFFFF"/>
                 </a:solidFill>
@@ -32373,7 +32370,7 @@
     </p:spTree>
     <p:extLst>
       <p:ext uri="{BB962C8B-B14F-4D97-AF65-F5344CB8AC3E}">
-        <p14:creationId xmlns:p14="http://schemas.microsoft.com/office/powerpoint/2010/main" val="4139888175"/>
+        <p14:creationId xmlns:p14="http://schemas.microsoft.com/office/powerpoint/2010/main" xmlns="" val="4139888175"/>
       </p:ext>
     </p:extLst>
   </p:cSld>
@@ -32563,7 +32560,7 @@
           <a:blip r:embed="rId3" cstate="print">
             <a:extLst>
               <a:ext uri="{28A0092B-C50C-407E-A947-70E740481C1C}">
-                <a14:useLocalDpi xmlns:a14="http://schemas.microsoft.com/office/drawing/2010/main" val="0"/>
+                <a14:useLocalDpi xmlns:a14="http://schemas.microsoft.com/office/drawing/2010/main" xmlns="" val="0"/>
               </a:ext>
             </a:extLst>
           </a:blip>
@@ -32583,7 +32580,7 @@
           <a:noFill/>
           <a:extLst>
             <a:ext uri="{909E8E84-426E-40DD-AFC4-6F175D3DCCD1}">
-              <a14:hiddenFill xmlns:a14="http://schemas.microsoft.com/office/drawing/2010/main">
+              <a14:hiddenFill xmlns:a14="http://schemas.microsoft.com/office/drawing/2010/main" xmlns="">
                 <a:solidFill>
                   <a:srgbClr val="FFFFFF"/>
                 </a:solidFill>
@@ -32604,7 +32601,7 @@
           <a:blip r:embed="rId4" cstate="print">
             <a:extLst>
               <a:ext uri="{28A0092B-C50C-407E-A947-70E740481C1C}">
-                <a14:useLocalDpi xmlns:a14="http://schemas.microsoft.com/office/drawing/2010/main" val="0"/>
+                <a14:useLocalDpi xmlns:a14="http://schemas.microsoft.com/office/drawing/2010/main" xmlns="" val="0"/>
               </a:ext>
             </a:extLst>
           </a:blip>
@@ -32624,7 +32621,7 @@
           <a:noFill/>
           <a:extLst>
             <a:ext uri="{909E8E84-426E-40DD-AFC4-6F175D3DCCD1}">
-              <a14:hiddenFill xmlns:a14="http://schemas.microsoft.com/office/drawing/2010/main">
+              <a14:hiddenFill xmlns:a14="http://schemas.microsoft.com/office/drawing/2010/main" xmlns="">
                 <a:solidFill>
                   <a:srgbClr val="FFFFFF"/>
                 </a:solidFill>
@@ -32636,7 +32633,7 @@
     </p:spTree>
     <p:extLst>
       <p:ext uri="{BB962C8B-B14F-4D97-AF65-F5344CB8AC3E}">
-        <p14:creationId xmlns:p14="http://schemas.microsoft.com/office/powerpoint/2010/main" val="1263464234"/>
+        <p14:creationId xmlns:p14="http://schemas.microsoft.com/office/powerpoint/2010/main" xmlns="" val="1263464234"/>
       </p:ext>
     </p:extLst>
   </p:cSld>
@@ -32806,7 +32803,7 @@
           <a:blip r:embed="rId3" cstate="print">
             <a:extLst>
               <a:ext uri="{28A0092B-C50C-407E-A947-70E740481C1C}">
-                <a14:useLocalDpi xmlns:a14="http://schemas.microsoft.com/office/drawing/2010/main" val="0"/>
+                <a14:useLocalDpi xmlns:a14="http://schemas.microsoft.com/office/drawing/2010/main" xmlns="" val="0"/>
               </a:ext>
             </a:extLst>
           </a:blip>
@@ -32826,7 +32823,7 @@
           <a:noFill/>
           <a:extLst>
             <a:ext uri="{909E8E84-426E-40DD-AFC4-6F175D3DCCD1}">
-              <a14:hiddenFill xmlns:a14="http://schemas.microsoft.com/office/drawing/2010/main">
+              <a14:hiddenFill xmlns:a14="http://schemas.microsoft.com/office/drawing/2010/main" xmlns="">
                 <a:solidFill>
                   <a:srgbClr val="FFFFFF"/>
                 </a:solidFill>
@@ -32847,7 +32844,7 @@
           <a:blip r:embed="rId4" cstate="print">
             <a:extLst>
               <a:ext uri="{28A0092B-C50C-407E-A947-70E740481C1C}">
-                <a14:useLocalDpi xmlns:a14="http://schemas.microsoft.com/office/drawing/2010/main" val="0"/>
+                <a14:useLocalDpi xmlns:a14="http://schemas.microsoft.com/office/drawing/2010/main" xmlns="" val="0"/>
               </a:ext>
             </a:extLst>
           </a:blip>
@@ -32867,7 +32864,7 @@
           <a:noFill/>
           <a:extLst>
             <a:ext uri="{909E8E84-426E-40DD-AFC4-6F175D3DCCD1}">
-              <a14:hiddenFill xmlns:a14="http://schemas.microsoft.com/office/drawing/2010/main">
+              <a14:hiddenFill xmlns:a14="http://schemas.microsoft.com/office/drawing/2010/main" xmlns="">
                 <a:solidFill>
                   <a:srgbClr val="FFFFFF"/>
                 </a:solidFill>
@@ -32879,7 +32876,7 @@
     </p:spTree>
     <p:extLst>
       <p:ext uri="{BB962C8B-B14F-4D97-AF65-F5344CB8AC3E}">
-        <p14:creationId xmlns:p14="http://schemas.microsoft.com/office/powerpoint/2010/main" val="3706723102"/>
+        <p14:creationId xmlns:p14="http://schemas.microsoft.com/office/powerpoint/2010/main" xmlns="" val="3706723102"/>
       </p:ext>
     </p:extLst>
   </p:cSld>
@@ -33095,7 +33092,7 @@
           <a:blip r:embed="rId3" cstate="print">
             <a:extLst>
               <a:ext uri="{28A0092B-C50C-407E-A947-70E740481C1C}">
-                <a14:useLocalDpi xmlns:a14="http://schemas.microsoft.com/office/drawing/2010/main" val="0"/>
+                <a14:useLocalDpi xmlns:a14="http://schemas.microsoft.com/office/drawing/2010/main" xmlns="" val="0"/>
               </a:ext>
             </a:extLst>
           </a:blip>
@@ -33115,7 +33112,7 @@
           <a:noFill/>
           <a:extLst>
             <a:ext uri="{909E8E84-426E-40DD-AFC4-6F175D3DCCD1}">
-              <a14:hiddenFill xmlns:a14="http://schemas.microsoft.com/office/drawing/2010/main">
+              <a14:hiddenFill xmlns:a14="http://schemas.microsoft.com/office/drawing/2010/main" xmlns="">
                 <a:solidFill>
                   <a:srgbClr val="FFFFFF"/>
                 </a:solidFill>
@@ -33136,7 +33133,7 @@
           <a:blip r:embed="rId4" cstate="print">
             <a:extLst>
               <a:ext uri="{28A0092B-C50C-407E-A947-70E740481C1C}">
-                <a14:useLocalDpi xmlns:a14="http://schemas.microsoft.com/office/drawing/2010/main" val="0"/>
+                <a14:useLocalDpi xmlns:a14="http://schemas.microsoft.com/office/drawing/2010/main" xmlns="" val="0"/>
               </a:ext>
             </a:extLst>
           </a:blip>
@@ -33156,7 +33153,7 @@
           <a:noFill/>
           <a:extLst>
             <a:ext uri="{909E8E84-426E-40DD-AFC4-6F175D3DCCD1}">
-              <a14:hiddenFill xmlns:a14="http://schemas.microsoft.com/office/drawing/2010/main">
+              <a14:hiddenFill xmlns:a14="http://schemas.microsoft.com/office/drawing/2010/main" xmlns="">
                 <a:solidFill>
                   <a:srgbClr val="FFFFFF"/>
                 </a:solidFill>
@@ -33168,7 +33165,7 @@
     </p:spTree>
     <p:extLst>
       <p:ext uri="{BB962C8B-B14F-4D97-AF65-F5344CB8AC3E}">
-        <p14:creationId xmlns:p14="http://schemas.microsoft.com/office/powerpoint/2010/main" val="3706723102"/>
+        <p14:creationId xmlns:p14="http://schemas.microsoft.com/office/powerpoint/2010/main" xmlns="" val="3706723102"/>
       </p:ext>
     </p:extLst>
   </p:cSld>
@@ -33334,11 +33331,7 @@
             </a:pPr>
             <a:r>
               <a:rPr lang="es-AR" dirty="0" smtClean="0"/>
-              <a:t>10 (diez) PCs, 6 (seis) son de Escritorio y 4(cuatro) </a:t>
-            </a:r>
-            <a:r>
-              <a:rPr lang="es-AR" dirty="0" smtClean="0"/>
-              <a:t>notebooks</a:t>
+              <a:t>10 (diez) PCs, 6 (seis) son de Escritorio y 4(cuatro) notebooks</a:t>
             </a:r>
           </a:p>
           <a:p>
@@ -33349,11 +33342,19 @@
             </a:pPr>
             <a:r>
               <a:rPr lang="es-ES" dirty="0" err="1" smtClean="0"/>
-              <a:t>Router</a:t>
+              <a:t>Switch</a:t>
             </a:r>
             <a:r>
               <a:rPr lang="es-ES" dirty="0" smtClean="0"/>
-              <a:t> D-Link DIR-600</a:t>
+              <a:t> </a:t>
+            </a:r>
+            <a:r>
+              <a:rPr lang="es-ES" dirty="0" smtClean="0"/>
+              <a:t>D-Link </a:t>
+            </a:r>
+            <a:r>
+              <a:rPr lang="es-ES" dirty="0" smtClean="0"/>
+              <a:t>DIR-600</a:t>
             </a:r>
             <a:endParaRPr lang="es-AR" dirty="0" smtClean="0"/>
           </a:p>
@@ -33396,7 +33397,7 @@
           <a:blip r:embed="rId3" cstate="print">
             <a:extLst>
               <a:ext uri="{28A0092B-C50C-407E-A947-70E740481C1C}">
-                <a14:useLocalDpi xmlns:a14="http://schemas.microsoft.com/office/drawing/2010/main" val="0"/>
+                <a14:useLocalDpi xmlns:a14="http://schemas.microsoft.com/office/drawing/2010/main" xmlns="" val="0"/>
               </a:ext>
             </a:extLst>
           </a:blip>
@@ -33416,7 +33417,7 @@
           <a:noFill/>
           <a:extLst>
             <a:ext uri="{909E8E84-426E-40DD-AFC4-6F175D3DCCD1}">
-              <a14:hiddenFill xmlns:a14="http://schemas.microsoft.com/office/drawing/2010/main">
+              <a14:hiddenFill xmlns:a14="http://schemas.microsoft.com/office/drawing/2010/main" xmlns="">
                 <a:solidFill>
                   <a:srgbClr val="FFFFFF"/>
                 </a:solidFill>
@@ -33437,7 +33438,7 @@
           <a:blip r:embed="rId4" cstate="print">
             <a:extLst>
               <a:ext uri="{28A0092B-C50C-407E-A947-70E740481C1C}">
-                <a14:useLocalDpi xmlns:a14="http://schemas.microsoft.com/office/drawing/2010/main" val="0"/>
+                <a14:useLocalDpi xmlns:a14="http://schemas.microsoft.com/office/drawing/2010/main" xmlns="" val="0"/>
               </a:ext>
             </a:extLst>
           </a:blip>
@@ -33457,7 +33458,7 @@
           <a:noFill/>
           <a:extLst>
             <a:ext uri="{909E8E84-426E-40DD-AFC4-6F175D3DCCD1}">
-              <a14:hiddenFill xmlns:a14="http://schemas.microsoft.com/office/drawing/2010/main">
+              <a14:hiddenFill xmlns:a14="http://schemas.microsoft.com/office/drawing/2010/main" xmlns="">
                 <a:solidFill>
                   <a:srgbClr val="FFFFFF"/>
                 </a:solidFill>
@@ -33469,7 +33470,7 @@
     </p:spTree>
     <p:extLst>
       <p:ext uri="{BB962C8B-B14F-4D97-AF65-F5344CB8AC3E}">
-        <p14:creationId xmlns:p14="http://schemas.microsoft.com/office/powerpoint/2010/main" val="3706723102"/>
+        <p14:creationId xmlns:p14="http://schemas.microsoft.com/office/powerpoint/2010/main" xmlns="" val="3706723102"/>
       </p:ext>
     </p:extLst>
   </p:cSld>
@@ -33569,13 +33570,8 @@
             </a:r>
             <a:r>
               <a:rPr lang="es-AR" dirty="0" smtClean="0"/>
-              <a:t>: U$S </a:t>
+              <a:t>: U$S 102</a:t>
             </a:r>
-            <a:r>
-              <a:rPr lang="es-AR" dirty="0" smtClean="0"/>
-              <a:t>102</a:t>
-            </a:r>
-            <a:endParaRPr lang="es-AR" dirty="0" smtClean="0"/>
           </a:p>
           <a:p>
             <a:pPr lvl="1"/>
@@ -33600,25 +33596,25 @@
             <a:pPr lvl="1"/>
             <a:r>
               <a:rPr lang="es-AR" dirty="0" smtClean="0"/>
-              <a:t>IP Fija: </a:t>
+              <a:t>IP </a:t>
             </a:r>
             <a:r>
               <a:rPr lang="es-AR" dirty="0" smtClean="0"/>
-              <a:t>$89 </a:t>
+              <a:t>Fija: $110 mensuales </a:t>
+            </a:r>
+          </a:p>
+          <a:p>
+            <a:pPr lvl="1"/>
+            <a:endParaRPr lang="es-AR" dirty="0" smtClean="0"/>
+          </a:p>
+          <a:p>
+            <a:r>
+              <a:rPr lang="es-AR" dirty="0" smtClean="0"/>
+              <a:t>Duración </a:t>
             </a:r>
             <a:r>
               <a:rPr lang="es-AR" dirty="0" smtClean="0"/>
-              <a:t>mensuales</a:t>
-            </a:r>
-          </a:p>
-          <a:p>
-            <a:pPr lvl="1"/>
-            <a:endParaRPr lang="es-AR" dirty="0" smtClean="0"/>
-          </a:p>
-          <a:p>
-            <a:r>
-              <a:rPr lang="es-AR" dirty="0" smtClean="0"/>
-              <a:t>Duración del plan de Implementación: 30 días</a:t>
+              <a:t>del plan de Implementación: 30 días</a:t>
             </a:r>
           </a:p>
           <a:p>
@@ -33661,7 +33657,7 @@
           <a:blip r:embed="rId3" cstate="print">
             <a:extLst>
               <a:ext uri="{28A0092B-C50C-407E-A947-70E740481C1C}">
-                <a14:useLocalDpi xmlns:a14="http://schemas.microsoft.com/office/drawing/2010/main" val="0"/>
+                <a14:useLocalDpi xmlns:a14="http://schemas.microsoft.com/office/drawing/2010/main" xmlns="" val="0"/>
               </a:ext>
             </a:extLst>
           </a:blip>
@@ -33681,7 +33677,7 @@
           <a:noFill/>
           <a:extLst>
             <a:ext uri="{909E8E84-426E-40DD-AFC4-6F175D3DCCD1}">
-              <a14:hiddenFill xmlns:a14="http://schemas.microsoft.com/office/drawing/2010/main">
+              <a14:hiddenFill xmlns:a14="http://schemas.microsoft.com/office/drawing/2010/main" xmlns="">
                 <a:solidFill>
                   <a:srgbClr val="FFFFFF"/>
                 </a:solidFill>
@@ -33702,7 +33698,7 @@
           <a:blip r:embed="rId4" cstate="print">
             <a:extLst>
               <a:ext uri="{28A0092B-C50C-407E-A947-70E740481C1C}">
-                <a14:useLocalDpi xmlns:a14="http://schemas.microsoft.com/office/drawing/2010/main" val="0"/>
+                <a14:useLocalDpi xmlns:a14="http://schemas.microsoft.com/office/drawing/2010/main" xmlns="" val="0"/>
               </a:ext>
             </a:extLst>
           </a:blip>
@@ -33722,7 +33718,7 @@
           <a:noFill/>
           <a:extLst>
             <a:ext uri="{909E8E84-426E-40DD-AFC4-6F175D3DCCD1}">
-              <a14:hiddenFill xmlns:a14="http://schemas.microsoft.com/office/drawing/2010/main">
+              <a14:hiddenFill xmlns:a14="http://schemas.microsoft.com/office/drawing/2010/main" xmlns="">
                 <a:solidFill>
                   <a:srgbClr val="FFFFFF"/>
                 </a:solidFill>
@@ -33734,7 +33730,7 @@
     </p:spTree>
     <p:extLst>
       <p:ext uri="{BB962C8B-B14F-4D97-AF65-F5344CB8AC3E}">
-        <p14:creationId xmlns:p14="http://schemas.microsoft.com/office/powerpoint/2010/main" val="3706723102"/>
+        <p14:creationId xmlns:p14="http://schemas.microsoft.com/office/powerpoint/2010/main" xmlns="" val="3706723102"/>
       </p:ext>
     </p:extLst>
   </p:cSld>
@@ -33859,7 +33855,7 @@
           <a:blip r:embed="rId3" cstate="print">
             <a:extLst>
               <a:ext uri="{28A0092B-C50C-407E-A947-70E740481C1C}">
-                <a14:useLocalDpi xmlns:a14="http://schemas.microsoft.com/office/drawing/2010/main" val="0"/>
+                <a14:useLocalDpi xmlns:a14="http://schemas.microsoft.com/office/drawing/2010/main" xmlns="" val="0"/>
               </a:ext>
             </a:extLst>
           </a:blip>
@@ -33879,7 +33875,7 @@
           <a:noFill/>
           <a:extLst>
             <a:ext uri="{909E8E84-426E-40DD-AFC4-6F175D3DCCD1}">
-              <a14:hiddenFill xmlns:a14="http://schemas.microsoft.com/office/drawing/2010/main">
+              <a14:hiddenFill xmlns:a14="http://schemas.microsoft.com/office/drawing/2010/main" xmlns="">
                 <a:solidFill>
                   <a:srgbClr val="FFFFFF"/>
                 </a:solidFill>
@@ -33900,7 +33896,7 @@
           <a:blip r:embed="rId4" cstate="print">
             <a:extLst>
               <a:ext uri="{28A0092B-C50C-407E-A947-70E740481C1C}">
-                <a14:useLocalDpi xmlns:a14="http://schemas.microsoft.com/office/drawing/2010/main" val="0"/>
+                <a14:useLocalDpi xmlns:a14="http://schemas.microsoft.com/office/drawing/2010/main" xmlns="" val="0"/>
               </a:ext>
             </a:extLst>
           </a:blip>
@@ -33920,7 +33916,7 @@
           <a:noFill/>
           <a:extLst>
             <a:ext uri="{909E8E84-426E-40DD-AFC4-6F175D3DCCD1}">
-              <a14:hiddenFill xmlns:a14="http://schemas.microsoft.com/office/drawing/2010/main">
+              <a14:hiddenFill xmlns:a14="http://schemas.microsoft.com/office/drawing/2010/main" xmlns="">
                 <a:solidFill>
                   <a:srgbClr val="FFFFFF"/>
                 </a:solidFill>
@@ -33932,7 +33928,7 @@
     </p:spTree>
     <p:extLst>
       <p:ext uri="{BB962C8B-B14F-4D97-AF65-F5344CB8AC3E}">
-        <p14:creationId xmlns:p14="http://schemas.microsoft.com/office/powerpoint/2010/main" val="3706723102"/>
+        <p14:creationId xmlns:p14="http://schemas.microsoft.com/office/powerpoint/2010/main" xmlns="" val="3706723102"/>
       </p:ext>
     </p:extLst>
   </p:cSld>
@@ -34003,7 +33999,7 @@
           <a:blip r:embed="rId3" cstate="print">
             <a:extLst>
               <a:ext uri="{28A0092B-C50C-407E-A947-70E740481C1C}">
-                <a14:useLocalDpi xmlns:a14="http://schemas.microsoft.com/office/drawing/2010/main" val="0"/>
+                <a14:useLocalDpi xmlns:a14="http://schemas.microsoft.com/office/drawing/2010/main" xmlns="" val="0"/>
               </a:ext>
             </a:extLst>
           </a:blip>
@@ -34027,14 +34023,14 @@
           <a:effectLst/>
           <a:extLst>
             <a:ext uri="{909E8E84-426E-40DD-AFC4-6F175D3DCCD1}">
-              <a14:hiddenFill xmlns:a14="http://schemas.microsoft.com/office/drawing/2010/main">
+              <a14:hiddenFill xmlns:a14="http://schemas.microsoft.com/office/drawing/2010/main" xmlns="">
                 <a:solidFill>
                   <a:schemeClr val="accent1"/>
                 </a:solidFill>
               </a14:hiddenFill>
             </a:ext>
             <a:ext uri="{91240B29-F687-4F45-9708-019B960494DF}">
-              <a14:hiddenLine xmlns:a14="http://schemas.microsoft.com/office/drawing/2010/main" w="9525">
+              <a14:hiddenLine xmlns:a14="http://schemas.microsoft.com/office/drawing/2010/main" xmlns="" w="9525">
                 <a:solidFill>
                   <a:schemeClr val="tx1"/>
                 </a:solidFill>
@@ -34044,7 +34040,7 @@
               </a14:hiddenLine>
             </a:ext>
             <a:ext uri="{AF507438-7753-43E0-B8FC-AC1667EBCBE1}">
-              <a14:hiddenEffects xmlns:a14="http://schemas.microsoft.com/office/drawing/2010/main">
+              <a14:hiddenEffects xmlns:a14="http://schemas.microsoft.com/office/drawing/2010/main" xmlns="">
                 <a:effectLst>
                   <a:outerShdw dist="35921" dir="2700000" algn="ctr" rotWithShape="0">
                     <a:schemeClr val="bg2"/>
@@ -34067,7 +34063,7 @@
           <a:blip r:embed="rId4" cstate="print">
             <a:extLst>
               <a:ext uri="{28A0092B-C50C-407E-A947-70E740481C1C}">
-                <a14:useLocalDpi xmlns:a14="http://schemas.microsoft.com/office/drawing/2010/main" val="0"/>
+                <a14:useLocalDpi xmlns:a14="http://schemas.microsoft.com/office/drawing/2010/main" xmlns="" val="0"/>
               </a:ext>
             </a:extLst>
           </a:blip>
@@ -34087,7 +34083,7 @@
           <a:noFill/>
           <a:extLst>
             <a:ext uri="{909E8E84-426E-40DD-AFC4-6F175D3DCCD1}">
-              <a14:hiddenFill xmlns:a14="http://schemas.microsoft.com/office/drawing/2010/main">
+              <a14:hiddenFill xmlns:a14="http://schemas.microsoft.com/office/drawing/2010/main" xmlns="">
                 <a:solidFill>
                   <a:srgbClr val="FFFFFF"/>
                 </a:solidFill>
@@ -34108,7 +34104,7 @@
           <a:blip r:embed="rId5" cstate="print">
             <a:extLst>
               <a:ext uri="{28A0092B-C50C-407E-A947-70E740481C1C}">
-                <a14:useLocalDpi xmlns:a14="http://schemas.microsoft.com/office/drawing/2010/main" val="0"/>
+                <a14:useLocalDpi xmlns:a14="http://schemas.microsoft.com/office/drawing/2010/main" xmlns="" val="0"/>
               </a:ext>
             </a:extLst>
           </a:blip>
@@ -34128,7 +34124,7 @@
           <a:noFill/>
           <a:extLst>
             <a:ext uri="{909E8E84-426E-40DD-AFC4-6F175D3DCCD1}">
-              <a14:hiddenFill xmlns:a14="http://schemas.microsoft.com/office/drawing/2010/main">
+              <a14:hiddenFill xmlns:a14="http://schemas.microsoft.com/office/drawing/2010/main" xmlns="">
                 <a:solidFill>
                   <a:srgbClr val="FFFFFF"/>
                 </a:solidFill>
@@ -34140,7 +34136,7 @@
     </p:spTree>
     <p:extLst>
       <p:ext uri="{BB962C8B-B14F-4D97-AF65-F5344CB8AC3E}">
-        <p14:creationId xmlns:p14="http://schemas.microsoft.com/office/powerpoint/2010/main" val="1450032067"/>
+        <p14:creationId xmlns:p14="http://schemas.microsoft.com/office/powerpoint/2010/main" xmlns="" val="1450032067"/>
       </p:ext>
     </p:extLst>
   </p:cSld>
@@ -34211,7 +34207,7 @@
           <a:blip r:embed="rId3" cstate="print">
             <a:extLst>
               <a:ext uri="{28A0092B-C50C-407E-A947-70E740481C1C}">
-                <a14:useLocalDpi xmlns:a14="http://schemas.microsoft.com/office/drawing/2010/main" val="0"/>
+                <a14:useLocalDpi xmlns:a14="http://schemas.microsoft.com/office/drawing/2010/main" xmlns="" val="0"/>
               </a:ext>
             </a:extLst>
           </a:blip>
@@ -34231,7 +34227,7 @@
           <a:noFill/>
           <a:extLst>
             <a:ext uri="{909E8E84-426E-40DD-AFC4-6F175D3DCCD1}">
-              <a14:hiddenFill xmlns:a14="http://schemas.microsoft.com/office/drawing/2010/main">
+              <a14:hiddenFill xmlns:a14="http://schemas.microsoft.com/office/drawing/2010/main" xmlns="">
                 <a:solidFill>
                   <a:srgbClr val="FFFFFF"/>
                 </a:solidFill>
@@ -34252,7 +34248,7 @@
           <a:blip r:embed="rId4" cstate="print">
             <a:extLst>
               <a:ext uri="{28A0092B-C50C-407E-A947-70E740481C1C}">
-                <a14:useLocalDpi xmlns:a14="http://schemas.microsoft.com/office/drawing/2010/main" val="0"/>
+                <a14:useLocalDpi xmlns:a14="http://schemas.microsoft.com/office/drawing/2010/main" xmlns="" val="0"/>
               </a:ext>
             </a:extLst>
           </a:blip>
@@ -34272,7 +34268,7 @@
           <a:noFill/>
           <a:extLst>
             <a:ext uri="{909E8E84-426E-40DD-AFC4-6F175D3DCCD1}">
-              <a14:hiddenFill xmlns:a14="http://schemas.microsoft.com/office/drawing/2010/main">
+              <a14:hiddenFill xmlns:a14="http://schemas.microsoft.com/office/drawing/2010/main" xmlns="">
                 <a:solidFill>
                   <a:srgbClr val="FFFFFF"/>
                 </a:solidFill>
@@ -34293,7 +34289,7 @@
           <a:blip r:embed="rId5" cstate="print">
             <a:extLst>
               <a:ext uri="{28A0092B-C50C-407E-A947-70E740481C1C}">
-                <a14:useLocalDpi xmlns:a14="http://schemas.microsoft.com/office/drawing/2010/main" val="0"/>
+                <a14:useLocalDpi xmlns:a14="http://schemas.microsoft.com/office/drawing/2010/main" xmlns="" val="0"/>
               </a:ext>
             </a:extLst>
           </a:blip>
@@ -34313,7 +34309,7 @@
           <a:noFill/>
           <a:extLst>
             <a:ext uri="{909E8E84-426E-40DD-AFC4-6F175D3DCCD1}">
-              <a14:hiddenFill xmlns:a14="http://schemas.microsoft.com/office/drawing/2010/main">
+              <a14:hiddenFill xmlns:a14="http://schemas.microsoft.com/office/drawing/2010/main" xmlns="">
                 <a:solidFill>
                   <a:srgbClr val="FFFFFF"/>
                 </a:solidFill>
@@ -34325,7 +34321,7 @@
     </p:spTree>
     <p:extLst>
       <p:ext uri="{BB962C8B-B14F-4D97-AF65-F5344CB8AC3E}">
-        <p14:creationId xmlns:p14="http://schemas.microsoft.com/office/powerpoint/2010/main" val="1688055498"/>
+        <p14:creationId xmlns:p14="http://schemas.microsoft.com/office/powerpoint/2010/main" xmlns="" val="1688055498"/>
       </p:ext>
     </p:extLst>
   </p:cSld>
@@ -34372,7 +34368,7 @@
           <a:blip r:embed="rId3" cstate="print">
             <a:extLst>
               <a:ext uri="{28A0092B-C50C-407E-A947-70E740481C1C}">
-                <a14:useLocalDpi xmlns:a14="http://schemas.microsoft.com/office/drawing/2010/main" val="0"/>
+                <a14:useLocalDpi xmlns:a14="http://schemas.microsoft.com/office/drawing/2010/main" xmlns="" val="0"/>
               </a:ext>
             </a:extLst>
           </a:blip>
@@ -34392,7 +34388,7 @@
           <a:noFill/>
           <a:extLst>
             <a:ext uri="{909E8E84-426E-40DD-AFC4-6F175D3DCCD1}">
-              <a14:hiddenFill xmlns:a14="http://schemas.microsoft.com/office/drawing/2010/main">
+              <a14:hiddenFill xmlns:a14="http://schemas.microsoft.com/office/drawing/2010/main" xmlns="">
                 <a:solidFill>
                   <a:srgbClr val="FFFFFF"/>
                 </a:solidFill>
@@ -34664,7 +34660,7 @@
           <a:blip r:embed="rId4" cstate="print">
             <a:extLst>
               <a:ext uri="{28A0092B-C50C-407E-A947-70E740481C1C}">
-                <a14:useLocalDpi xmlns:a14="http://schemas.microsoft.com/office/drawing/2010/main" val="0"/>
+                <a14:useLocalDpi xmlns:a14="http://schemas.microsoft.com/office/drawing/2010/main" xmlns="" val="0"/>
               </a:ext>
             </a:extLst>
           </a:blip>
@@ -34684,7 +34680,7 @@
           <a:noFill/>
           <a:extLst>
             <a:ext uri="{909E8E84-426E-40DD-AFC4-6F175D3DCCD1}">
-              <a14:hiddenFill xmlns:a14="http://schemas.microsoft.com/office/drawing/2010/main">
+              <a14:hiddenFill xmlns:a14="http://schemas.microsoft.com/office/drawing/2010/main" xmlns="">
                 <a:solidFill>
                   <a:srgbClr val="FFFFFF"/>
                 </a:solidFill>
@@ -35206,7 +35202,7 @@
     </p:spTree>
     <p:extLst>
       <p:ext uri="{BB962C8B-B14F-4D97-AF65-F5344CB8AC3E}">
-        <p14:creationId xmlns:p14="http://schemas.microsoft.com/office/powerpoint/2010/main" val="4128302494"/>
+        <p14:creationId xmlns:p14="http://schemas.microsoft.com/office/powerpoint/2010/main" xmlns="" val="4128302494"/>
       </p:ext>
     </p:extLst>
   </p:cSld>
@@ -35282,7 +35278,7 @@
           <a:blip r:embed="rId3" cstate="print">
             <a:extLst>
               <a:ext uri="{28A0092B-C50C-407E-A947-70E740481C1C}">
-                <a14:useLocalDpi xmlns:a14="http://schemas.microsoft.com/office/drawing/2010/main" val="0"/>
+                <a14:useLocalDpi xmlns:a14="http://schemas.microsoft.com/office/drawing/2010/main" xmlns="" val="0"/>
               </a:ext>
             </a:extLst>
           </a:blip>
@@ -35302,7 +35298,7 @@
           <a:noFill/>
           <a:extLst>
             <a:ext uri="{909E8E84-426E-40DD-AFC4-6F175D3DCCD1}">
-              <a14:hiddenFill xmlns:a14="http://schemas.microsoft.com/office/drawing/2010/main">
+              <a14:hiddenFill xmlns:a14="http://schemas.microsoft.com/office/drawing/2010/main" xmlns="">
                 <a:solidFill>
                   <a:srgbClr val="FFFFFF"/>
                 </a:solidFill>
@@ -35323,7 +35319,7 @@
           <a:blip r:embed="rId4" cstate="print">
             <a:extLst>
               <a:ext uri="{28A0092B-C50C-407E-A947-70E740481C1C}">
-                <a14:useLocalDpi xmlns:a14="http://schemas.microsoft.com/office/drawing/2010/main" val="0"/>
+                <a14:useLocalDpi xmlns:a14="http://schemas.microsoft.com/office/drawing/2010/main" xmlns="" val="0"/>
               </a:ext>
             </a:extLst>
           </a:blip>
@@ -35343,7 +35339,7 @@
           <a:noFill/>
           <a:extLst>
             <a:ext uri="{909E8E84-426E-40DD-AFC4-6F175D3DCCD1}">
-              <a14:hiddenFill xmlns:a14="http://schemas.microsoft.com/office/drawing/2010/main">
+              <a14:hiddenFill xmlns:a14="http://schemas.microsoft.com/office/drawing/2010/main" xmlns="">
                 <a:solidFill>
                   <a:srgbClr val="FFFFFF"/>
                 </a:solidFill>
@@ -35684,7 +35680,7 @@
     </p:spTree>
     <p:extLst>
       <p:ext uri="{BB962C8B-B14F-4D97-AF65-F5344CB8AC3E}">
-        <p14:creationId xmlns:p14="http://schemas.microsoft.com/office/powerpoint/2010/main" val="1435359822"/>
+        <p14:creationId xmlns:p14="http://schemas.microsoft.com/office/powerpoint/2010/main" xmlns="" val="1435359822"/>
       </p:ext>
     </p:extLst>
   </p:cSld>
@@ -35843,7 +35839,7 @@
           <a:blip r:embed="rId3" cstate="print">
             <a:extLst>
               <a:ext uri="{28A0092B-C50C-407E-A947-70E740481C1C}">
-                <a14:useLocalDpi xmlns:a14="http://schemas.microsoft.com/office/drawing/2010/main" val="0"/>
+                <a14:useLocalDpi xmlns:a14="http://schemas.microsoft.com/office/drawing/2010/main" xmlns="" val="0"/>
               </a:ext>
             </a:extLst>
           </a:blip>
@@ -35863,7 +35859,7 @@
           <a:noFill/>
           <a:extLst>
             <a:ext uri="{909E8E84-426E-40DD-AFC4-6F175D3DCCD1}">
-              <a14:hiddenFill xmlns:a14="http://schemas.microsoft.com/office/drawing/2010/main">
+              <a14:hiddenFill xmlns:a14="http://schemas.microsoft.com/office/drawing/2010/main" xmlns="">
                 <a:solidFill>
                   <a:srgbClr val="FFFFFF"/>
                 </a:solidFill>
@@ -35884,7 +35880,7 @@
           <a:blip r:embed="rId4" cstate="print">
             <a:extLst>
               <a:ext uri="{28A0092B-C50C-407E-A947-70E740481C1C}">
-                <a14:useLocalDpi xmlns:a14="http://schemas.microsoft.com/office/drawing/2010/main" val="0"/>
+                <a14:useLocalDpi xmlns:a14="http://schemas.microsoft.com/office/drawing/2010/main" xmlns="" val="0"/>
               </a:ext>
             </a:extLst>
           </a:blip>
@@ -35904,7 +35900,7 @@
           <a:noFill/>
           <a:extLst>
             <a:ext uri="{909E8E84-426E-40DD-AFC4-6F175D3DCCD1}">
-              <a14:hiddenFill xmlns:a14="http://schemas.microsoft.com/office/drawing/2010/main">
+              <a14:hiddenFill xmlns:a14="http://schemas.microsoft.com/office/drawing/2010/main" xmlns="">
                 <a:solidFill>
                   <a:srgbClr val="FFFFFF"/>
                 </a:solidFill>
@@ -35916,7 +35912,7 @@
     </p:spTree>
     <p:extLst>
       <p:ext uri="{BB962C8B-B14F-4D97-AF65-F5344CB8AC3E}">
-        <p14:creationId xmlns:p14="http://schemas.microsoft.com/office/powerpoint/2010/main" val="3185166434"/>
+        <p14:creationId xmlns:p14="http://schemas.microsoft.com/office/powerpoint/2010/main" xmlns="" val="3185166434"/>
       </p:ext>
     </p:extLst>
   </p:cSld>
@@ -35992,7 +35988,7 @@
           <a:blip r:embed="rId3" cstate="print">
             <a:extLst>
               <a:ext uri="{28A0092B-C50C-407E-A947-70E740481C1C}">
-                <a14:useLocalDpi xmlns:a14="http://schemas.microsoft.com/office/drawing/2010/main" val="0"/>
+                <a14:useLocalDpi xmlns:a14="http://schemas.microsoft.com/office/drawing/2010/main" xmlns="" val="0"/>
               </a:ext>
             </a:extLst>
           </a:blip>
@@ -36012,7 +36008,7 @@
           <a:noFill/>
           <a:extLst>
             <a:ext uri="{909E8E84-426E-40DD-AFC4-6F175D3DCCD1}">
-              <a14:hiddenFill xmlns:a14="http://schemas.microsoft.com/office/drawing/2010/main">
+              <a14:hiddenFill xmlns:a14="http://schemas.microsoft.com/office/drawing/2010/main" xmlns="">
                 <a:solidFill>
                   <a:srgbClr val="FFFFFF"/>
                 </a:solidFill>
@@ -36033,7 +36029,7 @@
           <a:blip r:embed="rId4" cstate="print">
             <a:extLst>
               <a:ext uri="{28A0092B-C50C-407E-A947-70E740481C1C}">
-                <a14:useLocalDpi xmlns:a14="http://schemas.microsoft.com/office/drawing/2010/main" val="0"/>
+                <a14:useLocalDpi xmlns:a14="http://schemas.microsoft.com/office/drawing/2010/main" xmlns="" val="0"/>
               </a:ext>
             </a:extLst>
           </a:blip>
@@ -36053,7 +36049,7 @@
           <a:noFill/>
           <a:extLst>
             <a:ext uri="{909E8E84-426E-40DD-AFC4-6F175D3DCCD1}">
-              <a14:hiddenFill xmlns:a14="http://schemas.microsoft.com/office/drawing/2010/main">
+              <a14:hiddenFill xmlns:a14="http://schemas.microsoft.com/office/drawing/2010/main" xmlns="">
                 <a:solidFill>
                   <a:srgbClr val="FFFFFF"/>
                 </a:solidFill>
@@ -36309,7 +36305,7 @@
     </p:spTree>
     <p:extLst>
       <p:ext uri="{BB962C8B-B14F-4D97-AF65-F5344CB8AC3E}">
-        <p14:creationId xmlns:p14="http://schemas.microsoft.com/office/powerpoint/2010/main" val="4010760893"/>
+        <p14:creationId xmlns:p14="http://schemas.microsoft.com/office/powerpoint/2010/main" xmlns="" val="4010760893"/>
       </p:ext>
     </p:extLst>
   </p:cSld>
@@ -36356,7 +36352,7 @@
           <a:blip r:embed="rId3" cstate="print">
             <a:extLst>
               <a:ext uri="{28A0092B-C50C-407E-A947-70E740481C1C}">
-                <a14:useLocalDpi xmlns:a14="http://schemas.microsoft.com/office/drawing/2010/main" val="0"/>
+                <a14:useLocalDpi xmlns:a14="http://schemas.microsoft.com/office/drawing/2010/main" xmlns="" val="0"/>
               </a:ext>
             </a:extLst>
           </a:blip>
@@ -36376,7 +36372,7 @@
           <a:noFill/>
           <a:extLst>
             <a:ext uri="{909E8E84-426E-40DD-AFC4-6F175D3DCCD1}">
-              <a14:hiddenFill xmlns:a14="http://schemas.microsoft.com/office/drawing/2010/main">
+              <a14:hiddenFill xmlns:a14="http://schemas.microsoft.com/office/drawing/2010/main" xmlns="">
                 <a:solidFill>
                   <a:srgbClr val="FFFFFF"/>
                 </a:solidFill>
@@ -36397,7 +36393,7 @@
           <a:blip r:embed="rId4" cstate="print">
             <a:extLst>
               <a:ext uri="{28A0092B-C50C-407E-A947-70E740481C1C}">
-                <a14:useLocalDpi xmlns:a14="http://schemas.microsoft.com/office/drawing/2010/main" val="0"/>
+                <a14:useLocalDpi xmlns:a14="http://schemas.microsoft.com/office/drawing/2010/main" xmlns="" val="0"/>
               </a:ext>
             </a:extLst>
           </a:blip>
@@ -36417,7 +36413,7 @@
           <a:noFill/>
           <a:extLst>
             <a:ext uri="{909E8E84-426E-40DD-AFC4-6F175D3DCCD1}">
-              <a14:hiddenFill xmlns:a14="http://schemas.microsoft.com/office/drawing/2010/main">
+              <a14:hiddenFill xmlns:a14="http://schemas.microsoft.com/office/drawing/2010/main" xmlns="">
                 <a:solidFill>
                   <a:srgbClr val="FFFFFF"/>
                 </a:solidFill>
@@ -36462,7 +36458,7 @@
           <p:nvPr>
             <p:extLst>
               <p:ext uri="{D42A27DB-BD31-4B8C-83A1-F6EECF244321}">
-                <p14:modId xmlns:p14="http://schemas.microsoft.com/office/powerpoint/2010/main" val="2455211"/>
+                <p14:modId xmlns:p14="http://schemas.microsoft.com/office/powerpoint/2010/main" xmlns="" val="2455211"/>
               </p:ext>
             </p:extLst>
           </p:nvPr>
@@ -36480,7 +36476,7 @@
     </p:spTree>
     <p:extLst>
       <p:ext uri="{BB962C8B-B14F-4D97-AF65-F5344CB8AC3E}">
-        <p14:creationId xmlns:p14="http://schemas.microsoft.com/office/powerpoint/2010/main" val="1850118340"/>
+        <p14:creationId xmlns:p14="http://schemas.microsoft.com/office/powerpoint/2010/main" xmlns="" val="1850118340"/>
       </p:ext>
     </p:extLst>
   </p:cSld>
@@ -36840,7 +36836,7 @@
           <a:blip r:embed="rId3" cstate="print">
             <a:extLst>
               <a:ext uri="{28A0092B-C50C-407E-A947-70E740481C1C}">
-                <a14:useLocalDpi xmlns:a14="http://schemas.microsoft.com/office/drawing/2010/main" val="0"/>
+                <a14:useLocalDpi xmlns:a14="http://schemas.microsoft.com/office/drawing/2010/main" xmlns="" val="0"/>
               </a:ext>
             </a:extLst>
           </a:blip>
@@ -36860,7 +36856,7 @@
           <a:noFill/>
           <a:extLst>
             <a:ext uri="{909E8E84-426E-40DD-AFC4-6F175D3DCCD1}">
-              <a14:hiddenFill xmlns:a14="http://schemas.microsoft.com/office/drawing/2010/main">
+              <a14:hiddenFill xmlns:a14="http://schemas.microsoft.com/office/drawing/2010/main" xmlns="">
                 <a:solidFill>
                   <a:srgbClr val="FFFFFF"/>
                 </a:solidFill>
@@ -36881,7 +36877,7 @@
           <a:blip r:embed="rId4" cstate="print">
             <a:extLst>
               <a:ext uri="{28A0092B-C50C-407E-A947-70E740481C1C}">
-                <a14:useLocalDpi xmlns:a14="http://schemas.microsoft.com/office/drawing/2010/main" val="0"/>
+                <a14:useLocalDpi xmlns:a14="http://schemas.microsoft.com/office/drawing/2010/main" xmlns="" val="0"/>
               </a:ext>
             </a:extLst>
           </a:blip>
@@ -36901,7 +36897,7 @@
           <a:noFill/>
           <a:extLst>
             <a:ext uri="{909E8E84-426E-40DD-AFC4-6F175D3DCCD1}">
-              <a14:hiddenFill xmlns:a14="http://schemas.microsoft.com/office/drawing/2010/main">
+              <a14:hiddenFill xmlns:a14="http://schemas.microsoft.com/office/drawing/2010/main" xmlns="">
                 <a:solidFill>
                   <a:srgbClr val="FFFFFF"/>
                 </a:solidFill>
@@ -36913,7 +36909,7 @@
     </p:spTree>
     <p:extLst>
       <p:ext uri="{BB962C8B-B14F-4D97-AF65-F5344CB8AC3E}">
-        <p14:creationId xmlns:p14="http://schemas.microsoft.com/office/powerpoint/2010/main" val="3730440862"/>
+        <p14:creationId xmlns:p14="http://schemas.microsoft.com/office/powerpoint/2010/main" xmlns="" val="3730440862"/>
       </p:ext>
     </p:extLst>
   </p:cSld>

--- a/Documentacion/Proyecto/Presentacion Final/Exposicion Final.pptx
+++ b/Documentacion/Proyecto/Presentacion Final/Exposicion Final.pptx
@@ -1553,7 +1553,7 @@
   <dgm:whole/>
   <dgm:extLst>
     <a:ext uri="http://schemas.microsoft.com/office/drawing/2008/diagram">
-      <dsp:dataModelExt xmlns:dsp="http://schemas.microsoft.com/office/drawing/2008/diagram" xmlns="" relId="rId9" minVer="http://schemas.openxmlformats.org/drawingml/2006/diagram"/>
+      <dsp:dataModelExt xmlns="" xmlns:dsp="http://schemas.microsoft.com/office/drawing/2008/diagram" relId="rId9" minVer="http://schemas.openxmlformats.org/drawingml/2006/diagram"/>
     </a:ext>
   </dgm:extLst>
 </dgm:dataModel>
@@ -3867,7 +3867,7 @@
     </p:spTree>
     <p:extLst>
       <p:ext uri="{BB962C8B-B14F-4D97-AF65-F5344CB8AC3E}">
-        <p14:creationId xmlns:p14="http://schemas.microsoft.com/office/powerpoint/2010/main" xmlns="" val="2850839577"/>
+        <p14:creationId xmlns="" xmlns:p14="http://schemas.microsoft.com/office/powerpoint/2010/main" val="2850839577"/>
       </p:ext>
     </p:extLst>
   </p:cSld>
@@ -10013,7 +10013,7 @@
     </p:spTree>
     <p:extLst>
       <p:ext uri="{BB962C8B-B14F-4D97-AF65-F5344CB8AC3E}">
-        <p14:creationId xmlns:p14="http://schemas.microsoft.com/office/powerpoint/2010/main" xmlns="" val="1330727078"/>
+        <p14:creationId xmlns="" xmlns:p14="http://schemas.microsoft.com/office/powerpoint/2010/main" val="1330727078"/>
       </p:ext>
     </p:extLst>
   </p:cSld>
@@ -10189,7 +10189,7 @@
     </p:spTree>
     <p:extLst>
       <p:ext uri="{BB962C8B-B14F-4D97-AF65-F5344CB8AC3E}">
-        <p14:creationId xmlns:p14="http://schemas.microsoft.com/office/powerpoint/2010/main" xmlns="" val="72257086"/>
+        <p14:creationId xmlns="" xmlns:p14="http://schemas.microsoft.com/office/powerpoint/2010/main" val="72257086"/>
       </p:ext>
     </p:extLst>
   </p:cSld>
@@ -10375,7 +10375,7 @@
     </p:spTree>
     <p:extLst>
       <p:ext uri="{BB962C8B-B14F-4D97-AF65-F5344CB8AC3E}">
-        <p14:creationId xmlns:p14="http://schemas.microsoft.com/office/powerpoint/2010/main" xmlns="" val="3996790497"/>
+        <p14:creationId xmlns="" xmlns:p14="http://schemas.microsoft.com/office/powerpoint/2010/main" val="3996790497"/>
       </p:ext>
     </p:extLst>
   </p:cSld>
@@ -10551,7 +10551,7 @@
     </p:spTree>
     <p:extLst>
       <p:ext uri="{BB962C8B-B14F-4D97-AF65-F5344CB8AC3E}">
-        <p14:creationId xmlns:p14="http://schemas.microsoft.com/office/powerpoint/2010/main" xmlns="" val="3822553965"/>
+        <p14:creationId xmlns="" xmlns:p14="http://schemas.microsoft.com/office/powerpoint/2010/main" val="3822553965"/>
       </p:ext>
     </p:extLst>
   </p:cSld>
@@ -10803,7 +10803,7 @@
     </p:spTree>
     <p:extLst>
       <p:ext uri="{BB962C8B-B14F-4D97-AF65-F5344CB8AC3E}">
-        <p14:creationId xmlns:p14="http://schemas.microsoft.com/office/powerpoint/2010/main" xmlns="" val="352929955"/>
+        <p14:creationId xmlns="" xmlns:p14="http://schemas.microsoft.com/office/powerpoint/2010/main" val="352929955"/>
       </p:ext>
     </p:extLst>
   </p:cSld>
@@ -11041,7 +11041,7 @@
     </p:spTree>
     <p:extLst>
       <p:ext uri="{BB962C8B-B14F-4D97-AF65-F5344CB8AC3E}">
-        <p14:creationId xmlns:p14="http://schemas.microsoft.com/office/powerpoint/2010/main" xmlns="" val="1863607196"/>
+        <p14:creationId xmlns="" xmlns:p14="http://schemas.microsoft.com/office/powerpoint/2010/main" val="1863607196"/>
       </p:ext>
     </p:extLst>
   </p:cSld>
@@ -11477,7 +11477,7 @@
     </p:spTree>
     <p:extLst>
       <p:ext uri="{BB962C8B-B14F-4D97-AF65-F5344CB8AC3E}">
-        <p14:creationId xmlns:p14="http://schemas.microsoft.com/office/powerpoint/2010/main" xmlns="" val="2276288299"/>
+        <p14:creationId xmlns="" xmlns:p14="http://schemas.microsoft.com/office/powerpoint/2010/main" val="2276288299"/>
       </p:ext>
     </p:extLst>
   </p:cSld>
@@ -11601,7 +11601,7 @@
     </p:spTree>
     <p:extLst>
       <p:ext uri="{BB962C8B-B14F-4D97-AF65-F5344CB8AC3E}">
-        <p14:creationId xmlns:p14="http://schemas.microsoft.com/office/powerpoint/2010/main" xmlns="" val="3533055302"/>
+        <p14:creationId xmlns="" xmlns:p14="http://schemas.microsoft.com/office/powerpoint/2010/main" val="3533055302"/>
       </p:ext>
     </p:extLst>
   </p:cSld>
@@ -11702,7 +11702,7 @@
     </p:spTree>
     <p:extLst>
       <p:ext uri="{BB962C8B-B14F-4D97-AF65-F5344CB8AC3E}">
-        <p14:creationId xmlns:p14="http://schemas.microsoft.com/office/powerpoint/2010/main" xmlns="" val="512267318"/>
+        <p14:creationId xmlns="" xmlns:p14="http://schemas.microsoft.com/office/powerpoint/2010/main" val="512267318"/>
       </p:ext>
     </p:extLst>
   </p:cSld>
@@ -14807,7 +14807,7 @@
     </p:spTree>
     <p:extLst>
       <p:ext uri="{BB962C8B-B14F-4D97-AF65-F5344CB8AC3E}">
-        <p14:creationId xmlns:p14="http://schemas.microsoft.com/office/powerpoint/2010/main" xmlns="" val="1507695741"/>
+        <p14:creationId xmlns="" xmlns:p14="http://schemas.microsoft.com/office/powerpoint/2010/main" val="1507695741"/>
       </p:ext>
     </p:extLst>
   </p:cSld>
@@ -17898,7 +17898,7 @@
     </p:spTree>
     <p:extLst>
       <p:ext uri="{BB962C8B-B14F-4D97-AF65-F5344CB8AC3E}">
-        <p14:creationId xmlns:p14="http://schemas.microsoft.com/office/powerpoint/2010/main" xmlns="" val="2962261683"/>
+        <p14:creationId xmlns="" xmlns:p14="http://schemas.microsoft.com/office/powerpoint/2010/main" val="2962261683"/>
       </p:ext>
     </p:extLst>
   </p:cSld>
@@ -20904,7 +20904,7 @@
     </p:spTree>
     <p:extLst>
       <p:ext uri="{BB962C8B-B14F-4D97-AF65-F5344CB8AC3E}">
-        <p14:creationId xmlns:p14="http://schemas.microsoft.com/office/powerpoint/2010/main" xmlns="" val="1509962220"/>
+        <p14:creationId xmlns="" xmlns:p14="http://schemas.microsoft.com/office/powerpoint/2010/main" val="1509962220"/>
       </p:ext>
     </p:extLst>
   </p:cSld>
@@ -21474,7 +21474,7 @@
           <a:noFill/>
           <a:extLst>
             <a:ext uri="{909E8E84-426E-40DD-AFC4-6F175D3DCCD1}">
-              <a14:hiddenFill xmlns:a14="http://schemas.microsoft.com/office/drawing/2010/main" xmlns="">
+              <a14:hiddenFill xmlns="" xmlns:a14="http://schemas.microsoft.com/office/drawing/2010/main">
                 <a:solidFill>
                   <a:srgbClr val="FFFFFF"/>
                 </a:solidFill>
@@ -21510,7 +21510,7 @@
           <a:blip r:embed="rId3" cstate="print">
             <a:extLst>
               <a:ext uri="{28A0092B-C50C-407E-A947-70E740481C1C}">
-                <a14:useLocalDpi xmlns:a14="http://schemas.microsoft.com/office/drawing/2010/main" xmlns="" val="0"/>
+                <a14:useLocalDpi xmlns="" xmlns:a14="http://schemas.microsoft.com/office/drawing/2010/main" val="0"/>
               </a:ext>
             </a:extLst>
           </a:blip>
@@ -21530,7 +21530,7 @@
           <a:noFill/>
           <a:extLst>
             <a:ext uri="{909E8E84-426E-40DD-AFC4-6F175D3DCCD1}">
-              <a14:hiddenFill xmlns:a14="http://schemas.microsoft.com/office/drawing/2010/main" xmlns="">
+              <a14:hiddenFill xmlns="" xmlns:a14="http://schemas.microsoft.com/office/drawing/2010/main">
                 <a:solidFill>
                   <a:srgbClr val="FFFFFF"/>
                 </a:solidFill>
@@ -21551,7 +21551,7 @@
           <a:blip r:embed="rId4" cstate="print">
             <a:extLst>
               <a:ext uri="{28A0092B-C50C-407E-A947-70E740481C1C}">
-                <a14:useLocalDpi xmlns:a14="http://schemas.microsoft.com/office/drawing/2010/main" xmlns="" val="0"/>
+                <a14:useLocalDpi xmlns="" xmlns:a14="http://schemas.microsoft.com/office/drawing/2010/main" val="0"/>
               </a:ext>
             </a:extLst>
           </a:blip>
@@ -21571,7 +21571,7 @@
           <a:noFill/>
           <a:extLst>
             <a:ext uri="{909E8E84-426E-40DD-AFC4-6F175D3DCCD1}">
-              <a14:hiddenFill xmlns:a14="http://schemas.microsoft.com/office/drawing/2010/main" xmlns="">
+              <a14:hiddenFill xmlns="" xmlns:a14="http://schemas.microsoft.com/office/drawing/2010/main">
                 <a:solidFill>
                   <a:srgbClr val="FFFFFF"/>
                 </a:solidFill>
@@ -21583,7 +21583,7 @@
     </p:spTree>
     <p:extLst>
       <p:ext uri="{BB962C8B-B14F-4D97-AF65-F5344CB8AC3E}">
-        <p14:creationId xmlns:p14="http://schemas.microsoft.com/office/powerpoint/2010/main" xmlns="" val="1948239631"/>
+        <p14:creationId xmlns="" xmlns:p14="http://schemas.microsoft.com/office/powerpoint/2010/main" val="1948239631"/>
       </p:ext>
     </p:extLst>
   </p:cSld>
@@ -21861,11 +21861,7 @@
             </a:pPr>
             <a:r>
               <a:rPr lang="es-AR" dirty="0" smtClean="0"/>
-              <a:t>Tratamiento </a:t>
-            </a:r>
-            <a:r>
-              <a:rPr lang="es-AR" dirty="0" smtClean="0"/>
-              <a:t>de usuarios con contraseña para mayor seguridad del sistema</a:t>
+              <a:t>Tratamiento de usuarios con contraseña para mayor seguridad del sistema</a:t>
             </a:r>
           </a:p>
           <a:p>
@@ -21876,11 +21872,7 @@
             </a:pPr>
             <a:r>
               <a:rPr lang="es-AR" dirty="0" smtClean="0"/>
-              <a:t>Sistema </a:t>
-            </a:r>
-            <a:r>
-              <a:rPr lang="es-AR" dirty="0" smtClean="0"/>
-              <a:t>en plataforma Web</a:t>
+              <a:t>Sistema en plataforma Web</a:t>
             </a:r>
           </a:p>
           <a:p>
@@ -21898,11 +21890,7 @@
             </a:r>
             <a:r>
               <a:rPr lang="en-US" dirty="0" smtClean="0"/>
-              <a:t> </a:t>
-            </a:r>
-            <a:r>
-              <a:rPr lang="en-US" dirty="0" smtClean="0"/>
-              <a:t>de status de </a:t>
+              <a:t> de status de </a:t>
             </a:r>
             <a:r>
               <a:rPr lang="en-US" dirty="0" err="1" smtClean="0"/>
@@ -21918,11 +21906,7 @@
             </a:r>
             <a:r>
               <a:rPr lang="en-US" dirty="0" smtClean="0"/>
-              <a:t> Smartphones con Android </a:t>
-            </a:r>
-            <a:r>
-              <a:rPr lang="en-US" dirty="0" smtClean="0"/>
-              <a:t>OS</a:t>
+              <a:t> Smartphones con Android OS</a:t>
             </a:r>
             <a:endParaRPr lang="es-AR" b="1" dirty="0" smtClean="0"/>
           </a:p>
@@ -21937,7 +21921,7 @@
             </a:pPr>
             <a:r>
               <a:rPr lang="es-ES" dirty="0" smtClean="0"/>
-              <a:t>Minimización de costo de licencias de desarrollo de software</a:t>
+              <a:t>Utilización de licenciamiento gratuito en el desarrollo del software.</a:t>
             </a:r>
             <a:endParaRPr lang="es-ES" dirty="0" smtClean="0"/>
           </a:p>
@@ -21955,7 +21939,7 @@
           <a:blip r:embed="rId3" cstate="print">
             <a:extLst>
               <a:ext uri="{28A0092B-C50C-407E-A947-70E740481C1C}">
-                <a14:useLocalDpi xmlns:a14="http://schemas.microsoft.com/office/drawing/2010/main" xmlns="" val="0"/>
+                <a14:useLocalDpi xmlns="" xmlns:a14="http://schemas.microsoft.com/office/drawing/2010/main" val="0"/>
               </a:ext>
             </a:extLst>
           </a:blip>
@@ -21975,7 +21959,7 @@
           <a:noFill/>
           <a:extLst>
             <a:ext uri="{909E8E84-426E-40DD-AFC4-6F175D3DCCD1}">
-              <a14:hiddenFill xmlns:a14="http://schemas.microsoft.com/office/drawing/2010/main" xmlns="">
+              <a14:hiddenFill xmlns="" xmlns:a14="http://schemas.microsoft.com/office/drawing/2010/main">
                 <a:solidFill>
                   <a:srgbClr val="FFFFFF"/>
                 </a:solidFill>
@@ -21996,7 +21980,7 @@
           <a:blip r:embed="rId4" cstate="print">
             <a:extLst>
               <a:ext uri="{28A0092B-C50C-407E-A947-70E740481C1C}">
-                <a14:useLocalDpi xmlns:a14="http://schemas.microsoft.com/office/drawing/2010/main" xmlns="" val="0"/>
+                <a14:useLocalDpi xmlns="" xmlns:a14="http://schemas.microsoft.com/office/drawing/2010/main" val="0"/>
               </a:ext>
             </a:extLst>
           </a:blip>
@@ -22016,7 +22000,7 @@
           <a:noFill/>
           <a:extLst>
             <a:ext uri="{909E8E84-426E-40DD-AFC4-6F175D3DCCD1}">
-              <a14:hiddenFill xmlns:a14="http://schemas.microsoft.com/office/drawing/2010/main" xmlns="">
+              <a14:hiddenFill xmlns="" xmlns:a14="http://schemas.microsoft.com/office/drawing/2010/main">
                 <a:solidFill>
                   <a:srgbClr val="FFFFFF"/>
                 </a:solidFill>
@@ -22028,7 +22012,7 @@
     </p:spTree>
     <p:extLst>
       <p:ext uri="{BB962C8B-B14F-4D97-AF65-F5344CB8AC3E}">
-        <p14:creationId xmlns:p14="http://schemas.microsoft.com/office/powerpoint/2010/main" xmlns="" val="3730440862"/>
+        <p14:creationId xmlns="" xmlns:p14="http://schemas.microsoft.com/office/powerpoint/2010/main" val="3730440862"/>
       </p:ext>
     </p:extLst>
   </p:cSld>
@@ -22106,7 +22090,7 @@
           <a:blip r:embed="rId3" cstate="print">
             <a:extLst>
               <a:ext uri="{28A0092B-C50C-407E-A947-70E740481C1C}">
-                <a14:useLocalDpi xmlns:a14="http://schemas.microsoft.com/office/drawing/2010/main" xmlns="" val="0"/>
+                <a14:useLocalDpi xmlns="" xmlns:a14="http://schemas.microsoft.com/office/drawing/2010/main" val="0"/>
               </a:ext>
             </a:extLst>
           </a:blip>
@@ -22126,7 +22110,7 @@
           <a:noFill/>
           <a:extLst>
             <a:ext uri="{909E8E84-426E-40DD-AFC4-6F175D3DCCD1}">
-              <a14:hiddenFill xmlns:a14="http://schemas.microsoft.com/office/drawing/2010/main" xmlns="">
+              <a14:hiddenFill xmlns="" xmlns:a14="http://schemas.microsoft.com/office/drawing/2010/main">
                 <a:solidFill>
                   <a:srgbClr val="FFFFFF"/>
                 </a:solidFill>
@@ -22147,7 +22131,7 @@
           <a:blip r:embed="rId4" cstate="print">
             <a:extLst>
               <a:ext uri="{28A0092B-C50C-407E-A947-70E740481C1C}">
-                <a14:useLocalDpi xmlns:a14="http://schemas.microsoft.com/office/drawing/2010/main" xmlns="" val="0"/>
+                <a14:useLocalDpi xmlns="" xmlns:a14="http://schemas.microsoft.com/office/drawing/2010/main" val="0"/>
               </a:ext>
             </a:extLst>
           </a:blip>
@@ -22167,7 +22151,7 @@
           <a:noFill/>
           <a:extLst>
             <a:ext uri="{909E8E84-426E-40DD-AFC4-6F175D3DCCD1}">
-              <a14:hiddenFill xmlns:a14="http://schemas.microsoft.com/office/drawing/2010/main" xmlns="">
+              <a14:hiddenFill xmlns="" xmlns:a14="http://schemas.microsoft.com/office/drawing/2010/main">
                 <a:solidFill>
                   <a:srgbClr val="FFFFFF"/>
                 </a:solidFill>
@@ -22614,7 +22598,7 @@
           <a:blip r:embed="rId5" cstate="print">
             <a:extLst>
               <a:ext uri="{28A0092B-C50C-407E-A947-70E740481C1C}">
-                <a14:useLocalDpi xmlns:a14="http://schemas.microsoft.com/office/drawing/2010/main" xmlns="" val="0"/>
+                <a14:useLocalDpi xmlns="" xmlns:a14="http://schemas.microsoft.com/office/drawing/2010/main" val="0"/>
               </a:ext>
             </a:extLst>
           </a:blip>
@@ -22673,7 +22657,7 @@
     </p:spTree>
     <p:extLst>
       <p:ext uri="{BB962C8B-B14F-4D97-AF65-F5344CB8AC3E}">
-        <p14:creationId xmlns:p14="http://schemas.microsoft.com/office/powerpoint/2010/main" xmlns="" val="371114157"/>
+        <p14:creationId xmlns="" xmlns:p14="http://schemas.microsoft.com/office/powerpoint/2010/main" val="371114157"/>
       </p:ext>
     </p:extLst>
   </p:cSld>
@@ -22751,7 +22735,7 @@
           <a:blip r:embed="rId3" cstate="print">
             <a:extLst>
               <a:ext uri="{28A0092B-C50C-407E-A947-70E740481C1C}">
-                <a14:useLocalDpi xmlns:a14="http://schemas.microsoft.com/office/drawing/2010/main" xmlns="" val="0"/>
+                <a14:useLocalDpi xmlns="" xmlns:a14="http://schemas.microsoft.com/office/drawing/2010/main" val="0"/>
               </a:ext>
             </a:extLst>
           </a:blip>
@@ -22771,7 +22755,7 @@
           <a:noFill/>
           <a:extLst>
             <a:ext uri="{909E8E84-426E-40DD-AFC4-6F175D3DCCD1}">
-              <a14:hiddenFill xmlns:a14="http://schemas.microsoft.com/office/drawing/2010/main" xmlns="">
+              <a14:hiddenFill xmlns="" xmlns:a14="http://schemas.microsoft.com/office/drawing/2010/main">
                 <a:solidFill>
                   <a:srgbClr val="FFFFFF"/>
                 </a:solidFill>
@@ -22792,7 +22776,7 @@
           <a:blip r:embed="rId4" cstate="print">
             <a:extLst>
               <a:ext uri="{28A0092B-C50C-407E-A947-70E740481C1C}">
-                <a14:useLocalDpi xmlns:a14="http://schemas.microsoft.com/office/drawing/2010/main" xmlns="" val="0"/>
+                <a14:useLocalDpi xmlns="" xmlns:a14="http://schemas.microsoft.com/office/drawing/2010/main" val="0"/>
               </a:ext>
             </a:extLst>
           </a:blip>
@@ -22812,7 +22796,7 @@
           <a:noFill/>
           <a:extLst>
             <a:ext uri="{909E8E84-426E-40DD-AFC4-6F175D3DCCD1}">
-              <a14:hiddenFill xmlns:a14="http://schemas.microsoft.com/office/drawing/2010/main" xmlns="">
+              <a14:hiddenFill xmlns="" xmlns:a14="http://schemas.microsoft.com/office/drawing/2010/main">
                 <a:solidFill>
                   <a:srgbClr val="FFFFFF"/>
                 </a:solidFill>
@@ -23281,7 +23265,7 @@
     </p:spTree>
     <p:extLst>
       <p:ext uri="{BB962C8B-B14F-4D97-AF65-F5344CB8AC3E}">
-        <p14:creationId xmlns:p14="http://schemas.microsoft.com/office/powerpoint/2010/main" xmlns="" val="2451265666"/>
+        <p14:creationId xmlns="" xmlns:p14="http://schemas.microsoft.com/office/powerpoint/2010/main" val="2451265666"/>
       </p:ext>
     </p:extLst>
   </p:cSld>
@@ -23359,7 +23343,7 @@
           <a:blip r:embed="rId3" cstate="print">
             <a:extLst>
               <a:ext uri="{28A0092B-C50C-407E-A947-70E740481C1C}">
-                <a14:useLocalDpi xmlns:a14="http://schemas.microsoft.com/office/drawing/2010/main" xmlns="" val="0"/>
+                <a14:useLocalDpi xmlns="" xmlns:a14="http://schemas.microsoft.com/office/drawing/2010/main" val="0"/>
               </a:ext>
             </a:extLst>
           </a:blip>
@@ -23379,7 +23363,7 @@
           <a:noFill/>
           <a:extLst>
             <a:ext uri="{909E8E84-426E-40DD-AFC4-6F175D3DCCD1}">
-              <a14:hiddenFill xmlns:a14="http://schemas.microsoft.com/office/drawing/2010/main" xmlns="">
+              <a14:hiddenFill xmlns="" xmlns:a14="http://schemas.microsoft.com/office/drawing/2010/main">
                 <a:solidFill>
                   <a:srgbClr val="FFFFFF"/>
                 </a:solidFill>
@@ -23400,7 +23384,7 @@
           <a:blip r:embed="rId4" cstate="print">
             <a:extLst>
               <a:ext uri="{28A0092B-C50C-407E-A947-70E740481C1C}">
-                <a14:useLocalDpi xmlns:a14="http://schemas.microsoft.com/office/drawing/2010/main" xmlns="" val="0"/>
+                <a14:useLocalDpi xmlns="" xmlns:a14="http://schemas.microsoft.com/office/drawing/2010/main" val="0"/>
               </a:ext>
             </a:extLst>
           </a:blip>
@@ -23420,7 +23404,7 @@
           <a:noFill/>
           <a:extLst>
             <a:ext uri="{909E8E84-426E-40DD-AFC4-6F175D3DCCD1}">
-              <a14:hiddenFill xmlns:a14="http://schemas.microsoft.com/office/drawing/2010/main" xmlns="">
+              <a14:hiddenFill xmlns="" xmlns:a14="http://schemas.microsoft.com/office/drawing/2010/main">
                 <a:solidFill>
                   <a:srgbClr val="FFFFFF"/>
                 </a:solidFill>
@@ -23680,14 +23664,14 @@
       </p:sp>
       <p:pic>
         <p:nvPicPr>
-          <p:cNvPr id="2052" name="Picture 4"/>
+          <p:cNvPr id="1027" name="Picture 3"/>
           <p:cNvPicPr>
             <a:picLocks noChangeAspect="1" noChangeArrowheads="1"/>
           </p:cNvPicPr>
           <p:nvPr/>
         </p:nvPicPr>
         <p:blipFill>
-          <a:blip r:embed="rId5" cstate="print"/>
+          <a:blip r:embed="rId5"/>
           <a:srcRect/>
           <a:stretch>
             <a:fillRect/>
@@ -23696,7 +23680,7 @@
         <p:spPr bwMode="auto">
           <a:xfrm>
             <a:off x="500034" y="1571612"/>
-            <a:ext cx="8143932" cy="4929222"/>
+            <a:ext cx="8143932" cy="4929221"/>
           </a:xfrm>
           <a:prstGeom prst="rect">
             <a:avLst/>
@@ -23714,7 +23698,7 @@
     </p:spTree>
     <p:extLst>
       <p:ext uri="{BB962C8B-B14F-4D97-AF65-F5344CB8AC3E}">
-        <p14:creationId xmlns:p14="http://schemas.microsoft.com/office/powerpoint/2010/main" xmlns="" val="2270680916"/>
+        <p14:creationId xmlns="" xmlns:p14="http://schemas.microsoft.com/office/powerpoint/2010/main" val="2270680916"/>
       </p:ext>
     </p:extLst>
   </p:cSld>
@@ -23792,7 +23776,7 @@
           <a:blip r:embed="rId3" cstate="print">
             <a:extLst>
               <a:ext uri="{28A0092B-C50C-407E-A947-70E740481C1C}">
-                <a14:useLocalDpi xmlns:a14="http://schemas.microsoft.com/office/drawing/2010/main" xmlns="" val="0"/>
+                <a14:useLocalDpi xmlns="" xmlns:a14="http://schemas.microsoft.com/office/drawing/2010/main" val="0"/>
               </a:ext>
             </a:extLst>
           </a:blip>
@@ -23812,7 +23796,7 @@
           <a:noFill/>
           <a:extLst>
             <a:ext uri="{909E8E84-426E-40DD-AFC4-6F175D3DCCD1}">
-              <a14:hiddenFill xmlns:a14="http://schemas.microsoft.com/office/drawing/2010/main" xmlns="">
+              <a14:hiddenFill xmlns="" xmlns:a14="http://schemas.microsoft.com/office/drawing/2010/main">
                 <a:solidFill>
                   <a:srgbClr val="FFFFFF"/>
                 </a:solidFill>
@@ -23833,7 +23817,7 @@
           <a:blip r:embed="rId4" cstate="print">
             <a:extLst>
               <a:ext uri="{28A0092B-C50C-407E-A947-70E740481C1C}">
-                <a14:useLocalDpi xmlns:a14="http://schemas.microsoft.com/office/drawing/2010/main" xmlns="" val="0"/>
+                <a14:useLocalDpi xmlns="" xmlns:a14="http://schemas.microsoft.com/office/drawing/2010/main" val="0"/>
               </a:ext>
             </a:extLst>
           </a:blip>
@@ -23853,7 +23837,7 @@
           <a:noFill/>
           <a:extLst>
             <a:ext uri="{909E8E84-426E-40DD-AFC4-6F175D3DCCD1}">
-              <a14:hiddenFill xmlns:a14="http://schemas.microsoft.com/office/drawing/2010/main" xmlns="">
+              <a14:hiddenFill xmlns="" xmlns:a14="http://schemas.microsoft.com/office/drawing/2010/main">
                 <a:solidFill>
                   <a:srgbClr val="FFFFFF"/>
                 </a:solidFill>
@@ -24372,7 +24356,7 @@
     </p:spTree>
     <p:extLst>
       <p:ext uri="{BB962C8B-B14F-4D97-AF65-F5344CB8AC3E}">
-        <p14:creationId xmlns:p14="http://schemas.microsoft.com/office/powerpoint/2010/main" xmlns="" val="1231639983"/>
+        <p14:creationId xmlns="" xmlns:p14="http://schemas.microsoft.com/office/powerpoint/2010/main" val="1231639983"/>
       </p:ext>
     </p:extLst>
   </p:cSld>
@@ -24450,7 +24434,7 @@
           <a:blip r:embed="rId3" cstate="print">
             <a:extLst>
               <a:ext uri="{28A0092B-C50C-407E-A947-70E740481C1C}">
-                <a14:useLocalDpi xmlns:a14="http://schemas.microsoft.com/office/drawing/2010/main" xmlns="" val="0"/>
+                <a14:useLocalDpi xmlns="" xmlns:a14="http://schemas.microsoft.com/office/drawing/2010/main" val="0"/>
               </a:ext>
             </a:extLst>
           </a:blip>
@@ -24470,7 +24454,7 @@
           <a:noFill/>
           <a:extLst>
             <a:ext uri="{909E8E84-426E-40DD-AFC4-6F175D3DCCD1}">
-              <a14:hiddenFill xmlns:a14="http://schemas.microsoft.com/office/drawing/2010/main" xmlns="">
+              <a14:hiddenFill xmlns="" xmlns:a14="http://schemas.microsoft.com/office/drawing/2010/main">
                 <a:solidFill>
                   <a:srgbClr val="FFFFFF"/>
                 </a:solidFill>
@@ -24491,7 +24475,7 @@
           <a:blip r:embed="rId4" cstate="print">
             <a:extLst>
               <a:ext uri="{28A0092B-C50C-407E-A947-70E740481C1C}">
-                <a14:useLocalDpi xmlns:a14="http://schemas.microsoft.com/office/drawing/2010/main" xmlns="" val="0"/>
+                <a14:useLocalDpi xmlns="" xmlns:a14="http://schemas.microsoft.com/office/drawing/2010/main" val="0"/>
               </a:ext>
             </a:extLst>
           </a:blip>
@@ -24511,7 +24495,7 @@
           <a:noFill/>
           <a:extLst>
             <a:ext uri="{909E8E84-426E-40DD-AFC4-6F175D3DCCD1}">
-              <a14:hiddenFill xmlns:a14="http://schemas.microsoft.com/office/drawing/2010/main" xmlns="">
+              <a14:hiddenFill xmlns="" xmlns:a14="http://schemas.microsoft.com/office/drawing/2010/main">
                 <a:solidFill>
                   <a:srgbClr val="FFFFFF"/>
                 </a:solidFill>
@@ -24800,7 +24784,7 @@
           <a:blip r:embed="rId5" cstate="print">
             <a:extLst>
               <a:ext uri="{28A0092B-C50C-407E-A947-70E740481C1C}">
-                <a14:useLocalDpi xmlns:a14="http://schemas.microsoft.com/office/drawing/2010/main" xmlns="" val="0"/>
+                <a14:useLocalDpi xmlns="" xmlns:a14="http://schemas.microsoft.com/office/drawing/2010/main" val="0"/>
               </a:ext>
             </a:extLst>
           </a:blip>
@@ -24810,8 +24794,8 @@
         </p:blipFill>
         <p:spPr>
           <a:xfrm>
-            <a:off x="785786" y="1721166"/>
-            <a:ext cx="7098582" cy="4782334"/>
+            <a:off x="571472" y="1721166"/>
+            <a:ext cx="8001056" cy="4782334"/>
           </a:xfrm>
           <a:prstGeom prst="rect">
             <a:avLst/>
@@ -24821,7 +24805,7 @@
     </p:spTree>
     <p:extLst>
       <p:ext uri="{BB962C8B-B14F-4D97-AF65-F5344CB8AC3E}">
-        <p14:creationId xmlns:p14="http://schemas.microsoft.com/office/powerpoint/2010/main" xmlns="" val="2631451680"/>
+        <p14:creationId xmlns="" xmlns:p14="http://schemas.microsoft.com/office/powerpoint/2010/main" val="2631451680"/>
       </p:ext>
     </p:extLst>
   </p:cSld>
@@ -24899,7 +24883,7 @@
           <a:blip r:embed="rId3" cstate="print">
             <a:extLst>
               <a:ext uri="{28A0092B-C50C-407E-A947-70E740481C1C}">
-                <a14:useLocalDpi xmlns:a14="http://schemas.microsoft.com/office/drawing/2010/main" xmlns="" val="0"/>
+                <a14:useLocalDpi xmlns="" xmlns:a14="http://schemas.microsoft.com/office/drawing/2010/main" val="0"/>
               </a:ext>
             </a:extLst>
           </a:blip>
@@ -24919,7 +24903,7 @@
           <a:noFill/>
           <a:extLst>
             <a:ext uri="{909E8E84-426E-40DD-AFC4-6F175D3DCCD1}">
-              <a14:hiddenFill xmlns:a14="http://schemas.microsoft.com/office/drawing/2010/main" xmlns="">
+              <a14:hiddenFill xmlns="" xmlns:a14="http://schemas.microsoft.com/office/drawing/2010/main">
                 <a:solidFill>
                   <a:srgbClr val="FFFFFF"/>
                 </a:solidFill>
@@ -24940,7 +24924,7 @@
           <a:blip r:embed="rId4" cstate="print">
             <a:extLst>
               <a:ext uri="{28A0092B-C50C-407E-A947-70E740481C1C}">
-                <a14:useLocalDpi xmlns:a14="http://schemas.microsoft.com/office/drawing/2010/main" xmlns="" val="0"/>
+                <a14:useLocalDpi xmlns="" xmlns:a14="http://schemas.microsoft.com/office/drawing/2010/main" val="0"/>
               </a:ext>
             </a:extLst>
           </a:blip>
@@ -24960,7 +24944,7 @@
           <a:noFill/>
           <a:extLst>
             <a:ext uri="{909E8E84-426E-40DD-AFC4-6F175D3DCCD1}">
-              <a14:hiddenFill xmlns:a14="http://schemas.microsoft.com/office/drawing/2010/main" xmlns="">
+              <a14:hiddenFill xmlns="" xmlns:a14="http://schemas.microsoft.com/office/drawing/2010/main">
                 <a:solidFill>
                   <a:srgbClr val="FFFFFF"/>
                 </a:solidFill>
@@ -25481,7 +25465,7 @@
     </p:spTree>
     <p:extLst>
       <p:ext uri="{BB962C8B-B14F-4D97-AF65-F5344CB8AC3E}">
-        <p14:creationId xmlns:p14="http://schemas.microsoft.com/office/powerpoint/2010/main" xmlns="" val="3569134236"/>
+        <p14:creationId xmlns="" xmlns:p14="http://schemas.microsoft.com/office/powerpoint/2010/main" val="3569134236"/>
       </p:ext>
     </p:extLst>
   </p:cSld>
@@ -25559,7 +25543,7 @@
           <a:blip r:embed="rId3" cstate="print">
             <a:extLst>
               <a:ext uri="{28A0092B-C50C-407E-A947-70E740481C1C}">
-                <a14:useLocalDpi xmlns:a14="http://schemas.microsoft.com/office/drawing/2010/main" xmlns="" val="0"/>
+                <a14:useLocalDpi xmlns="" xmlns:a14="http://schemas.microsoft.com/office/drawing/2010/main" val="0"/>
               </a:ext>
             </a:extLst>
           </a:blip>
@@ -25579,7 +25563,7 @@
           <a:noFill/>
           <a:extLst>
             <a:ext uri="{909E8E84-426E-40DD-AFC4-6F175D3DCCD1}">
-              <a14:hiddenFill xmlns:a14="http://schemas.microsoft.com/office/drawing/2010/main" xmlns="">
+              <a14:hiddenFill xmlns="" xmlns:a14="http://schemas.microsoft.com/office/drawing/2010/main">
                 <a:solidFill>
                   <a:srgbClr val="FFFFFF"/>
                 </a:solidFill>
@@ -25600,7 +25584,7 @@
           <a:blip r:embed="rId4" cstate="print">
             <a:extLst>
               <a:ext uri="{28A0092B-C50C-407E-A947-70E740481C1C}">
-                <a14:useLocalDpi xmlns:a14="http://schemas.microsoft.com/office/drawing/2010/main" xmlns="" val="0"/>
+                <a14:useLocalDpi xmlns="" xmlns:a14="http://schemas.microsoft.com/office/drawing/2010/main" val="0"/>
               </a:ext>
             </a:extLst>
           </a:blip>
@@ -25620,7 +25604,7 @@
           <a:noFill/>
           <a:extLst>
             <a:ext uri="{909E8E84-426E-40DD-AFC4-6F175D3DCCD1}">
-              <a14:hiddenFill xmlns:a14="http://schemas.microsoft.com/office/drawing/2010/main" xmlns="">
+              <a14:hiddenFill xmlns="" xmlns:a14="http://schemas.microsoft.com/office/drawing/2010/main">
                 <a:solidFill>
                   <a:srgbClr val="FFFFFF"/>
                 </a:solidFill>
@@ -26153,7 +26137,7 @@
     </p:spTree>
     <p:extLst>
       <p:ext uri="{BB962C8B-B14F-4D97-AF65-F5344CB8AC3E}">
-        <p14:creationId xmlns:p14="http://schemas.microsoft.com/office/powerpoint/2010/main" xmlns="" val="3452687192"/>
+        <p14:creationId xmlns="" xmlns:p14="http://schemas.microsoft.com/office/powerpoint/2010/main" val="3452687192"/>
       </p:ext>
     </p:extLst>
   </p:cSld>
@@ -26231,7 +26215,7 @@
           <a:blip r:embed="rId3" cstate="print">
             <a:extLst>
               <a:ext uri="{28A0092B-C50C-407E-A947-70E740481C1C}">
-                <a14:useLocalDpi xmlns:a14="http://schemas.microsoft.com/office/drawing/2010/main" xmlns="" val="0"/>
+                <a14:useLocalDpi xmlns="" xmlns:a14="http://schemas.microsoft.com/office/drawing/2010/main" val="0"/>
               </a:ext>
             </a:extLst>
           </a:blip>
@@ -26251,7 +26235,7 @@
           <a:noFill/>
           <a:extLst>
             <a:ext uri="{909E8E84-426E-40DD-AFC4-6F175D3DCCD1}">
-              <a14:hiddenFill xmlns:a14="http://schemas.microsoft.com/office/drawing/2010/main" xmlns="">
+              <a14:hiddenFill xmlns="" xmlns:a14="http://schemas.microsoft.com/office/drawing/2010/main">
                 <a:solidFill>
                   <a:srgbClr val="FFFFFF"/>
                 </a:solidFill>
@@ -26272,7 +26256,7 @@
           <a:blip r:embed="rId4" cstate="print">
             <a:extLst>
               <a:ext uri="{28A0092B-C50C-407E-A947-70E740481C1C}">
-                <a14:useLocalDpi xmlns:a14="http://schemas.microsoft.com/office/drawing/2010/main" xmlns="" val="0"/>
+                <a14:useLocalDpi xmlns="" xmlns:a14="http://schemas.microsoft.com/office/drawing/2010/main" val="0"/>
               </a:ext>
             </a:extLst>
           </a:blip>
@@ -26292,7 +26276,7 @@
           <a:noFill/>
           <a:extLst>
             <a:ext uri="{909E8E84-426E-40DD-AFC4-6F175D3DCCD1}">
-              <a14:hiddenFill xmlns:a14="http://schemas.microsoft.com/office/drawing/2010/main" xmlns="">
+              <a14:hiddenFill xmlns="" xmlns:a14="http://schemas.microsoft.com/office/drawing/2010/main">
                 <a:solidFill>
                   <a:srgbClr val="FFFFFF"/>
                 </a:solidFill>
@@ -26786,7 +26770,7 @@
           <a:blip r:embed="rId5" cstate="print">
             <a:extLst>
               <a:ext uri="{28A0092B-C50C-407E-A947-70E740481C1C}">
-                <a14:useLocalDpi xmlns:a14="http://schemas.microsoft.com/office/drawing/2010/main" xmlns="" val="0"/>
+                <a14:useLocalDpi xmlns="" xmlns:a14="http://schemas.microsoft.com/office/drawing/2010/main" val="0"/>
               </a:ext>
             </a:extLst>
           </a:blip>
@@ -26807,7 +26791,7 @@
     </p:spTree>
     <p:extLst>
       <p:ext uri="{BB962C8B-B14F-4D97-AF65-F5344CB8AC3E}">
-        <p14:creationId xmlns:p14="http://schemas.microsoft.com/office/powerpoint/2010/main" xmlns="" val="1895813771"/>
+        <p14:creationId xmlns="" xmlns:p14="http://schemas.microsoft.com/office/powerpoint/2010/main" val="1895813771"/>
       </p:ext>
     </p:extLst>
   </p:cSld>
@@ -26885,7 +26869,7 @@
           <a:blip r:embed="rId3" cstate="print">
             <a:extLst>
               <a:ext uri="{28A0092B-C50C-407E-A947-70E740481C1C}">
-                <a14:useLocalDpi xmlns:a14="http://schemas.microsoft.com/office/drawing/2010/main" xmlns="" val="0"/>
+                <a14:useLocalDpi xmlns="" xmlns:a14="http://schemas.microsoft.com/office/drawing/2010/main" val="0"/>
               </a:ext>
             </a:extLst>
           </a:blip>
@@ -26905,7 +26889,7 @@
           <a:noFill/>
           <a:extLst>
             <a:ext uri="{909E8E84-426E-40DD-AFC4-6F175D3DCCD1}">
-              <a14:hiddenFill xmlns:a14="http://schemas.microsoft.com/office/drawing/2010/main" xmlns="">
+              <a14:hiddenFill xmlns="" xmlns:a14="http://schemas.microsoft.com/office/drawing/2010/main">
                 <a:solidFill>
                   <a:srgbClr val="FFFFFF"/>
                 </a:solidFill>
@@ -26926,7 +26910,7 @@
           <a:blip r:embed="rId4" cstate="print">
             <a:extLst>
               <a:ext uri="{28A0092B-C50C-407E-A947-70E740481C1C}">
-                <a14:useLocalDpi xmlns:a14="http://schemas.microsoft.com/office/drawing/2010/main" xmlns="" val="0"/>
+                <a14:useLocalDpi xmlns="" xmlns:a14="http://schemas.microsoft.com/office/drawing/2010/main" val="0"/>
               </a:ext>
             </a:extLst>
           </a:blip>
@@ -26946,7 +26930,7 @@
           <a:noFill/>
           <a:extLst>
             <a:ext uri="{909E8E84-426E-40DD-AFC4-6F175D3DCCD1}">
-              <a14:hiddenFill xmlns:a14="http://schemas.microsoft.com/office/drawing/2010/main" xmlns="">
+              <a14:hiddenFill xmlns="" xmlns:a14="http://schemas.microsoft.com/office/drawing/2010/main">
                 <a:solidFill>
                   <a:srgbClr val="FFFFFF"/>
                 </a:solidFill>
@@ -27440,7 +27424,7 @@
           <a:blip r:embed="rId5" cstate="print">
             <a:extLst>
               <a:ext uri="{28A0092B-C50C-407E-A947-70E740481C1C}">
-                <a14:useLocalDpi xmlns:a14="http://schemas.microsoft.com/office/drawing/2010/main" xmlns="" val="0"/>
+                <a14:useLocalDpi xmlns="" xmlns:a14="http://schemas.microsoft.com/office/drawing/2010/main" val="0"/>
               </a:ext>
             </a:extLst>
           </a:blip>
@@ -27461,7 +27445,7 @@
     </p:spTree>
     <p:extLst>
       <p:ext uri="{BB962C8B-B14F-4D97-AF65-F5344CB8AC3E}">
-        <p14:creationId xmlns:p14="http://schemas.microsoft.com/office/powerpoint/2010/main" xmlns="" val="1731941927"/>
+        <p14:creationId xmlns="" xmlns:p14="http://schemas.microsoft.com/office/powerpoint/2010/main" val="1731941927"/>
       </p:ext>
     </p:extLst>
   </p:cSld>
@@ -27759,15 +27743,7 @@
                   <a:schemeClr val="tx1"/>
                 </a:solidFill>
               </a:rPr>
-              <a:t>: </a:t>
-            </a:r>
-            <a:r>
-              <a:rPr lang="es-AR" dirty="0" smtClean="0">
-                <a:solidFill>
-                  <a:schemeClr val="tx1"/>
-                </a:solidFill>
-              </a:rPr>
-              <a:t>Agente de asistencia técnica para Pymes en Jazztel.</a:t>
+              <a:t>: Agente de asistencia técnica para Pymes en Jazztel.</a:t>
             </a:r>
             <a:endParaRPr lang="es-AR" b="1" dirty="0" smtClean="0">
               <a:solidFill>
@@ -27789,15 +27765,7 @@
                   <a:schemeClr val="tx1"/>
                 </a:solidFill>
               </a:rPr>
-              <a:t>Mariano </a:t>
-            </a:r>
-            <a:r>
-              <a:rPr lang="es-AR" b="1" dirty="0" smtClean="0">
-                <a:solidFill>
-                  <a:schemeClr val="tx1"/>
-                </a:solidFill>
-              </a:rPr>
-              <a:t>Guillén: </a:t>
+              <a:t>Mariano Guillén: </a:t>
             </a:r>
             <a:r>
               <a:rPr lang="es-AR" dirty="0" smtClean="0">
@@ -27932,7 +27900,7 @@
           <a:blip r:embed="rId3" cstate="print">
             <a:extLst>
               <a:ext uri="{28A0092B-C50C-407E-A947-70E740481C1C}">
-                <a14:useLocalDpi xmlns:a14="http://schemas.microsoft.com/office/drawing/2010/main" xmlns="" val="0"/>
+                <a14:useLocalDpi xmlns="" xmlns:a14="http://schemas.microsoft.com/office/drawing/2010/main" val="0"/>
               </a:ext>
             </a:extLst>
           </a:blip>
@@ -27952,7 +27920,7 @@
           <a:noFill/>
           <a:extLst>
             <a:ext uri="{909E8E84-426E-40DD-AFC4-6F175D3DCCD1}">
-              <a14:hiddenFill xmlns:a14="http://schemas.microsoft.com/office/drawing/2010/main" xmlns="">
+              <a14:hiddenFill xmlns="" xmlns:a14="http://schemas.microsoft.com/office/drawing/2010/main">
                 <a:solidFill>
                   <a:srgbClr val="FFFFFF"/>
                 </a:solidFill>
@@ -27973,7 +27941,7 @@
           <a:blip r:embed="rId4" cstate="print">
             <a:extLst>
               <a:ext uri="{28A0092B-C50C-407E-A947-70E740481C1C}">
-                <a14:useLocalDpi xmlns:a14="http://schemas.microsoft.com/office/drawing/2010/main" xmlns="" val="0"/>
+                <a14:useLocalDpi xmlns="" xmlns:a14="http://schemas.microsoft.com/office/drawing/2010/main" val="0"/>
               </a:ext>
             </a:extLst>
           </a:blip>
@@ -27993,7 +27961,7 @@
           <a:noFill/>
           <a:extLst>
             <a:ext uri="{909E8E84-426E-40DD-AFC4-6F175D3DCCD1}">
-              <a14:hiddenFill xmlns:a14="http://schemas.microsoft.com/office/drawing/2010/main" xmlns="">
+              <a14:hiddenFill xmlns="" xmlns:a14="http://schemas.microsoft.com/office/drawing/2010/main">
                 <a:solidFill>
                   <a:srgbClr val="FFFFFF"/>
                 </a:solidFill>
@@ -28005,7 +27973,7 @@
     </p:spTree>
     <p:extLst>
       <p:ext uri="{BB962C8B-B14F-4D97-AF65-F5344CB8AC3E}">
-        <p14:creationId xmlns:p14="http://schemas.microsoft.com/office/powerpoint/2010/main" xmlns="" val="326677412"/>
+        <p14:creationId xmlns="" xmlns:p14="http://schemas.microsoft.com/office/powerpoint/2010/main" val="326677412"/>
       </p:ext>
     </p:extLst>
   </p:cSld>
@@ -28083,7 +28051,7 @@
           <a:blip r:embed="rId3" cstate="print">
             <a:extLst>
               <a:ext uri="{28A0092B-C50C-407E-A947-70E740481C1C}">
-                <a14:useLocalDpi xmlns:a14="http://schemas.microsoft.com/office/drawing/2010/main" xmlns="" val="0"/>
+                <a14:useLocalDpi xmlns="" xmlns:a14="http://schemas.microsoft.com/office/drawing/2010/main" val="0"/>
               </a:ext>
             </a:extLst>
           </a:blip>
@@ -28103,7 +28071,7 @@
           <a:noFill/>
           <a:extLst>
             <a:ext uri="{909E8E84-426E-40DD-AFC4-6F175D3DCCD1}">
-              <a14:hiddenFill xmlns:a14="http://schemas.microsoft.com/office/drawing/2010/main" xmlns="">
+              <a14:hiddenFill xmlns="" xmlns:a14="http://schemas.microsoft.com/office/drawing/2010/main">
                 <a:solidFill>
                   <a:srgbClr val="FFFFFF"/>
                 </a:solidFill>
@@ -28124,7 +28092,7 @@
           <a:blip r:embed="rId4" cstate="print">
             <a:extLst>
               <a:ext uri="{28A0092B-C50C-407E-A947-70E740481C1C}">
-                <a14:useLocalDpi xmlns:a14="http://schemas.microsoft.com/office/drawing/2010/main" xmlns="" val="0"/>
+                <a14:useLocalDpi xmlns="" xmlns:a14="http://schemas.microsoft.com/office/drawing/2010/main" val="0"/>
               </a:ext>
             </a:extLst>
           </a:blip>
@@ -28144,7 +28112,7 @@
           <a:noFill/>
           <a:extLst>
             <a:ext uri="{909E8E84-426E-40DD-AFC4-6F175D3DCCD1}">
-              <a14:hiddenFill xmlns:a14="http://schemas.microsoft.com/office/drawing/2010/main" xmlns="">
+              <a14:hiddenFill xmlns="" xmlns:a14="http://schemas.microsoft.com/office/drawing/2010/main">
                 <a:solidFill>
                   <a:srgbClr val="FFFFFF"/>
                 </a:solidFill>
@@ -28694,7 +28662,7 @@
     </p:spTree>
     <p:extLst>
       <p:ext uri="{BB962C8B-B14F-4D97-AF65-F5344CB8AC3E}">
-        <p14:creationId xmlns:p14="http://schemas.microsoft.com/office/powerpoint/2010/main" xmlns="" val="2144027803"/>
+        <p14:creationId xmlns="" xmlns:p14="http://schemas.microsoft.com/office/powerpoint/2010/main" val="2144027803"/>
       </p:ext>
     </p:extLst>
   </p:cSld>
@@ -28772,7 +28740,7 @@
           <a:blip r:embed="rId3" cstate="print">
             <a:extLst>
               <a:ext uri="{28A0092B-C50C-407E-A947-70E740481C1C}">
-                <a14:useLocalDpi xmlns:a14="http://schemas.microsoft.com/office/drawing/2010/main" xmlns="" val="0"/>
+                <a14:useLocalDpi xmlns="" xmlns:a14="http://schemas.microsoft.com/office/drawing/2010/main" val="0"/>
               </a:ext>
             </a:extLst>
           </a:blip>
@@ -28792,7 +28760,7 @@
           <a:noFill/>
           <a:extLst>
             <a:ext uri="{909E8E84-426E-40DD-AFC4-6F175D3DCCD1}">
-              <a14:hiddenFill xmlns:a14="http://schemas.microsoft.com/office/drawing/2010/main" xmlns="">
+              <a14:hiddenFill xmlns="" xmlns:a14="http://schemas.microsoft.com/office/drawing/2010/main">
                 <a:solidFill>
                   <a:srgbClr val="FFFFFF"/>
                 </a:solidFill>
@@ -28813,7 +28781,7 @@
           <a:blip r:embed="rId4" cstate="print">
             <a:extLst>
               <a:ext uri="{28A0092B-C50C-407E-A947-70E740481C1C}">
-                <a14:useLocalDpi xmlns:a14="http://schemas.microsoft.com/office/drawing/2010/main" xmlns="" val="0"/>
+                <a14:useLocalDpi xmlns="" xmlns:a14="http://schemas.microsoft.com/office/drawing/2010/main" val="0"/>
               </a:ext>
             </a:extLst>
           </a:blip>
@@ -28833,7 +28801,7 @@
           <a:noFill/>
           <a:extLst>
             <a:ext uri="{909E8E84-426E-40DD-AFC4-6F175D3DCCD1}">
-              <a14:hiddenFill xmlns:a14="http://schemas.microsoft.com/office/drawing/2010/main" xmlns="">
+              <a14:hiddenFill xmlns="" xmlns:a14="http://schemas.microsoft.com/office/drawing/2010/main">
                 <a:solidFill>
                   <a:srgbClr val="FFFFFF"/>
                 </a:solidFill>
@@ -29374,7 +29342,7 @@
     </p:spTree>
     <p:extLst>
       <p:ext uri="{BB962C8B-B14F-4D97-AF65-F5344CB8AC3E}">
-        <p14:creationId xmlns:p14="http://schemas.microsoft.com/office/powerpoint/2010/main" xmlns="" val="3033221212"/>
+        <p14:creationId xmlns="" xmlns:p14="http://schemas.microsoft.com/office/powerpoint/2010/main" val="3033221212"/>
       </p:ext>
     </p:extLst>
   </p:cSld>
@@ -29452,7 +29420,7 @@
           <a:blip r:embed="rId3" cstate="print">
             <a:extLst>
               <a:ext uri="{28A0092B-C50C-407E-A947-70E740481C1C}">
-                <a14:useLocalDpi xmlns:a14="http://schemas.microsoft.com/office/drawing/2010/main" xmlns="" val="0"/>
+                <a14:useLocalDpi xmlns="" xmlns:a14="http://schemas.microsoft.com/office/drawing/2010/main" val="0"/>
               </a:ext>
             </a:extLst>
           </a:blip>
@@ -29472,7 +29440,7 @@
           <a:noFill/>
           <a:extLst>
             <a:ext uri="{909E8E84-426E-40DD-AFC4-6F175D3DCCD1}">
-              <a14:hiddenFill xmlns:a14="http://schemas.microsoft.com/office/drawing/2010/main" xmlns="">
+              <a14:hiddenFill xmlns="" xmlns:a14="http://schemas.microsoft.com/office/drawing/2010/main">
                 <a:solidFill>
                   <a:srgbClr val="FFFFFF"/>
                 </a:solidFill>
@@ -29493,7 +29461,7 @@
           <a:blip r:embed="rId4" cstate="print">
             <a:extLst>
               <a:ext uri="{28A0092B-C50C-407E-A947-70E740481C1C}">
-                <a14:useLocalDpi xmlns:a14="http://schemas.microsoft.com/office/drawing/2010/main" xmlns="" val="0"/>
+                <a14:useLocalDpi xmlns="" xmlns:a14="http://schemas.microsoft.com/office/drawing/2010/main" val="0"/>
               </a:ext>
             </a:extLst>
           </a:blip>
@@ -29513,7 +29481,7 @@
           <a:noFill/>
           <a:extLst>
             <a:ext uri="{909E8E84-426E-40DD-AFC4-6F175D3DCCD1}">
-              <a14:hiddenFill xmlns:a14="http://schemas.microsoft.com/office/drawing/2010/main" xmlns="">
+              <a14:hiddenFill xmlns="" xmlns:a14="http://schemas.microsoft.com/office/drawing/2010/main">
                 <a:solidFill>
                   <a:srgbClr val="FFFFFF"/>
                 </a:solidFill>
@@ -29779,13 +29747,8 @@
             </a:pPr>
             <a:r>
               <a:rPr lang="es-ES" sz="2400" dirty="0" smtClean="0"/>
-              <a:t>Suite Microsoft </a:t>
+              <a:t>Suite Microsoft Office</a:t>
             </a:r>
-            <a:r>
-              <a:rPr lang="es-ES" sz="2400" dirty="0" smtClean="0"/>
-              <a:t>Office</a:t>
-            </a:r>
-            <a:endParaRPr lang="es-ES" sz="2400" dirty="0" smtClean="0"/>
           </a:p>
           <a:p>
             <a:pPr lvl="2">
@@ -29820,7 +29783,7 @@
     </p:spTree>
     <p:extLst>
       <p:ext uri="{BB962C8B-B14F-4D97-AF65-F5344CB8AC3E}">
-        <p14:creationId xmlns:p14="http://schemas.microsoft.com/office/powerpoint/2010/main" xmlns="" val="2045473191"/>
+        <p14:creationId xmlns="" xmlns:p14="http://schemas.microsoft.com/office/powerpoint/2010/main" val="2045473191"/>
       </p:ext>
     </p:extLst>
   </p:cSld>
@@ -29898,7 +29861,7 @@
           <a:blip r:embed="rId3" cstate="print">
             <a:extLst>
               <a:ext uri="{28A0092B-C50C-407E-A947-70E740481C1C}">
-                <a14:useLocalDpi xmlns:a14="http://schemas.microsoft.com/office/drawing/2010/main" xmlns="" val="0"/>
+                <a14:useLocalDpi xmlns="" xmlns:a14="http://schemas.microsoft.com/office/drawing/2010/main" val="0"/>
               </a:ext>
             </a:extLst>
           </a:blip>
@@ -29918,7 +29881,7 @@
           <a:noFill/>
           <a:extLst>
             <a:ext uri="{909E8E84-426E-40DD-AFC4-6F175D3DCCD1}">
-              <a14:hiddenFill xmlns:a14="http://schemas.microsoft.com/office/drawing/2010/main" xmlns="">
+              <a14:hiddenFill xmlns="" xmlns:a14="http://schemas.microsoft.com/office/drawing/2010/main">
                 <a:solidFill>
                   <a:srgbClr val="FFFFFF"/>
                 </a:solidFill>
@@ -29939,7 +29902,7 @@
           <a:blip r:embed="rId4" cstate="print">
             <a:extLst>
               <a:ext uri="{28A0092B-C50C-407E-A947-70E740481C1C}">
-                <a14:useLocalDpi xmlns:a14="http://schemas.microsoft.com/office/drawing/2010/main" xmlns="" val="0"/>
+                <a14:useLocalDpi xmlns="" xmlns:a14="http://schemas.microsoft.com/office/drawing/2010/main" val="0"/>
               </a:ext>
             </a:extLst>
           </a:blip>
@@ -29959,7 +29922,7 @@
           <a:noFill/>
           <a:extLst>
             <a:ext uri="{909E8E84-426E-40DD-AFC4-6F175D3DCCD1}">
-              <a14:hiddenFill xmlns:a14="http://schemas.microsoft.com/office/drawing/2010/main" xmlns="">
+              <a14:hiddenFill xmlns="" xmlns:a14="http://schemas.microsoft.com/office/drawing/2010/main">
                 <a:solidFill>
                   <a:srgbClr val="FFFFFF"/>
                 </a:solidFill>
@@ -30476,7 +30439,7 @@
     </p:spTree>
     <p:extLst>
       <p:ext uri="{BB962C8B-B14F-4D97-AF65-F5344CB8AC3E}">
-        <p14:creationId xmlns:p14="http://schemas.microsoft.com/office/powerpoint/2010/main" xmlns="" val="3791234836"/>
+        <p14:creationId xmlns="" xmlns:p14="http://schemas.microsoft.com/office/powerpoint/2010/main" val="3791234836"/>
       </p:ext>
     </p:extLst>
   </p:cSld>
@@ -30701,7 +30664,7 @@
           <a:noFill/>
           <a:extLst>
             <a:ext uri="{909E8E84-426E-40DD-AFC4-6F175D3DCCD1}">
-              <a14:hiddenFill xmlns:a14="http://schemas.microsoft.com/office/drawing/2010/main" xmlns="">
+              <a14:hiddenFill xmlns="" xmlns:a14="http://schemas.microsoft.com/office/drawing/2010/main">
                 <a:solidFill>
                   <a:srgbClr val="FFFFFF"/>
                 </a:solidFill>
@@ -30737,7 +30700,7 @@
           <a:blip r:embed="rId3" cstate="print">
             <a:extLst>
               <a:ext uri="{28A0092B-C50C-407E-A947-70E740481C1C}">
-                <a14:useLocalDpi xmlns:a14="http://schemas.microsoft.com/office/drawing/2010/main" xmlns="" val="0"/>
+                <a14:useLocalDpi xmlns="" xmlns:a14="http://schemas.microsoft.com/office/drawing/2010/main" val="0"/>
               </a:ext>
             </a:extLst>
           </a:blip>
@@ -30757,7 +30720,7 @@
           <a:noFill/>
           <a:extLst>
             <a:ext uri="{909E8E84-426E-40DD-AFC4-6F175D3DCCD1}">
-              <a14:hiddenFill xmlns:a14="http://schemas.microsoft.com/office/drawing/2010/main" xmlns="">
+              <a14:hiddenFill xmlns="" xmlns:a14="http://schemas.microsoft.com/office/drawing/2010/main">
                 <a:solidFill>
                   <a:srgbClr val="FFFFFF"/>
                 </a:solidFill>
@@ -30778,7 +30741,7 @@
           <a:blip r:embed="rId4" cstate="print">
             <a:extLst>
               <a:ext uri="{28A0092B-C50C-407E-A947-70E740481C1C}">
-                <a14:useLocalDpi xmlns:a14="http://schemas.microsoft.com/office/drawing/2010/main" xmlns="" val="0"/>
+                <a14:useLocalDpi xmlns="" xmlns:a14="http://schemas.microsoft.com/office/drawing/2010/main" val="0"/>
               </a:ext>
             </a:extLst>
           </a:blip>
@@ -30798,7 +30761,7 @@
           <a:noFill/>
           <a:extLst>
             <a:ext uri="{909E8E84-426E-40DD-AFC4-6F175D3DCCD1}">
-              <a14:hiddenFill xmlns:a14="http://schemas.microsoft.com/office/drawing/2010/main" xmlns="">
+              <a14:hiddenFill xmlns="" xmlns:a14="http://schemas.microsoft.com/office/drawing/2010/main">
                 <a:solidFill>
                   <a:srgbClr val="FFFFFF"/>
                 </a:solidFill>
@@ -30810,7 +30773,7 @@
     </p:spTree>
     <p:extLst>
       <p:ext uri="{BB962C8B-B14F-4D97-AF65-F5344CB8AC3E}">
-        <p14:creationId xmlns:p14="http://schemas.microsoft.com/office/powerpoint/2010/main" xmlns="" val="1948239631"/>
+        <p14:creationId xmlns="" xmlns:p14="http://schemas.microsoft.com/office/powerpoint/2010/main" val="1948239631"/>
       </p:ext>
     </p:extLst>
   </p:cSld>
@@ -31010,7 +30973,7 @@
           <a:blip r:embed="rId3" cstate="print">
             <a:extLst>
               <a:ext uri="{28A0092B-C50C-407E-A947-70E740481C1C}">
-                <a14:useLocalDpi xmlns:a14="http://schemas.microsoft.com/office/drawing/2010/main" xmlns="" val="0"/>
+                <a14:useLocalDpi xmlns="" xmlns:a14="http://schemas.microsoft.com/office/drawing/2010/main" val="0"/>
               </a:ext>
             </a:extLst>
           </a:blip>
@@ -31030,7 +30993,7 @@
           <a:noFill/>
           <a:extLst>
             <a:ext uri="{909E8E84-426E-40DD-AFC4-6F175D3DCCD1}">
-              <a14:hiddenFill xmlns:a14="http://schemas.microsoft.com/office/drawing/2010/main" xmlns="">
+              <a14:hiddenFill xmlns="" xmlns:a14="http://schemas.microsoft.com/office/drawing/2010/main">
                 <a:solidFill>
                   <a:srgbClr val="FFFFFF"/>
                 </a:solidFill>
@@ -31051,7 +31014,7 @@
           <a:blip r:embed="rId4" cstate="print">
             <a:extLst>
               <a:ext uri="{28A0092B-C50C-407E-A947-70E740481C1C}">
-                <a14:useLocalDpi xmlns:a14="http://schemas.microsoft.com/office/drawing/2010/main" xmlns="" val="0"/>
+                <a14:useLocalDpi xmlns="" xmlns:a14="http://schemas.microsoft.com/office/drawing/2010/main" val="0"/>
               </a:ext>
             </a:extLst>
           </a:blip>
@@ -31071,7 +31034,7 @@
           <a:noFill/>
           <a:extLst>
             <a:ext uri="{909E8E84-426E-40DD-AFC4-6F175D3DCCD1}">
-              <a14:hiddenFill xmlns:a14="http://schemas.microsoft.com/office/drawing/2010/main" xmlns="">
+              <a14:hiddenFill xmlns="" xmlns:a14="http://schemas.microsoft.com/office/drawing/2010/main">
                 <a:solidFill>
                   <a:srgbClr val="FFFFFF"/>
                 </a:solidFill>
@@ -31083,7 +31046,7 @@
     </p:spTree>
     <p:extLst>
       <p:ext uri="{BB962C8B-B14F-4D97-AF65-F5344CB8AC3E}">
-        <p14:creationId xmlns:p14="http://schemas.microsoft.com/office/powerpoint/2010/main" xmlns="" val="1648912756"/>
+        <p14:creationId xmlns="" xmlns:p14="http://schemas.microsoft.com/office/powerpoint/2010/main" val="1648912756"/>
       </p:ext>
     </p:extLst>
   </p:cSld>
@@ -31152,13 +31115,8 @@
             <a:pPr lvl="2"/>
             <a:r>
               <a:rPr lang="es-AR" dirty="0" smtClean="0"/>
-              <a:t>Dar a conocer el funcionamiento principal del sistema a través de un ciclo simplificado de </a:t>
+              <a:t>Dar a conocer el funcionamiento principal del sistema a través de un ciclo simplificado de negocio</a:t>
             </a:r>
-            <a:r>
-              <a:rPr lang="es-AR" dirty="0" smtClean="0"/>
-              <a:t>negocio</a:t>
-            </a:r>
-            <a:endParaRPr lang="es-AR" dirty="0" smtClean="0"/>
           </a:p>
           <a:p>
             <a:endParaRPr lang="es-AR" b="1" dirty="0" smtClean="0"/>
@@ -31234,7 +31192,7 @@
           <a:blip r:embed="rId3" cstate="print">
             <a:extLst>
               <a:ext uri="{28A0092B-C50C-407E-A947-70E740481C1C}">
-                <a14:useLocalDpi xmlns:a14="http://schemas.microsoft.com/office/drawing/2010/main" xmlns="" val="0"/>
+                <a14:useLocalDpi xmlns="" xmlns:a14="http://schemas.microsoft.com/office/drawing/2010/main" val="0"/>
               </a:ext>
             </a:extLst>
           </a:blip>
@@ -31254,7 +31212,7 @@
           <a:noFill/>
           <a:extLst>
             <a:ext uri="{909E8E84-426E-40DD-AFC4-6F175D3DCCD1}">
-              <a14:hiddenFill xmlns:a14="http://schemas.microsoft.com/office/drawing/2010/main" xmlns="">
+              <a14:hiddenFill xmlns="" xmlns:a14="http://schemas.microsoft.com/office/drawing/2010/main">
                 <a:solidFill>
                   <a:srgbClr val="FFFFFF"/>
                 </a:solidFill>
@@ -31275,7 +31233,7 @@
           <a:blip r:embed="rId4" cstate="print">
             <a:extLst>
               <a:ext uri="{28A0092B-C50C-407E-A947-70E740481C1C}">
-                <a14:useLocalDpi xmlns:a14="http://schemas.microsoft.com/office/drawing/2010/main" xmlns="" val="0"/>
+                <a14:useLocalDpi xmlns="" xmlns:a14="http://schemas.microsoft.com/office/drawing/2010/main" val="0"/>
               </a:ext>
             </a:extLst>
           </a:blip>
@@ -31295,7 +31253,7 @@
           <a:noFill/>
           <a:extLst>
             <a:ext uri="{909E8E84-426E-40DD-AFC4-6F175D3DCCD1}">
-              <a14:hiddenFill xmlns:a14="http://schemas.microsoft.com/office/drawing/2010/main" xmlns="">
+              <a14:hiddenFill xmlns="" xmlns:a14="http://schemas.microsoft.com/office/drawing/2010/main">
                 <a:solidFill>
                   <a:srgbClr val="FFFFFF"/>
                 </a:solidFill>
@@ -31410,7 +31368,7 @@
     </p:spTree>
     <p:extLst>
       <p:ext uri="{BB962C8B-B14F-4D97-AF65-F5344CB8AC3E}">
-        <p14:creationId xmlns:p14="http://schemas.microsoft.com/office/powerpoint/2010/main" xmlns="" val="565033084"/>
+        <p14:creationId xmlns="" xmlns:p14="http://schemas.microsoft.com/office/powerpoint/2010/main" val="565033084"/>
       </p:ext>
     </p:extLst>
   </p:cSld>
@@ -31487,7 +31445,7 @@
           <a:blip r:embed="rId3" cstate="print">
             <a:extLst>
               <a:ext uri="{28A0092B-C50C-407E-A947-70E740481C1C}">
-                <a14:useLocalDpi xmlns:a14="http://schemas.microsoft.com/office/drawing/2010/main" xmlns="" val="0"/>
+                <a14:useLocalDpi xmlns="" xmlns:a14="http://schemas.microsoft.com/office/drawing/2010/main" val="0"/>
               </a:ext>
             </a:extLst>
           </a:blip>
@@ -31507,7 +31465,7 @@
           <a:noFill/>
           <a:extLst>
             <a:ext uri="{909E8E84-426E-40DD-AFC4-6F175D3DCCD1}">
-              <a14:hiddenFill xmlns:a14="http://schemas.microsoft.com/office/drawing/2010/main" xmlns="">
+              <a14:hiddenFill xmlns="" xmlns:a14="http://schemas.microsoft.com/office/drawing/2010/main">
                 <a:solidFill>
                   <a:srgbClr val="FFFFFF"/>
                 </a:solidFill>
@@ -31528,7 +31486,7 @@
           <a:blip r:embed="rId4" cstate="print">
             <a:extLst>
               <a:ext uri="{28A0092B-C50C-407E-A947-70E740481C1C}">
-                <a14:useLocalDpi xmlns:a14="http://schemas.microsoft.com/office/drawing/2010/main" xmlns="" val="0"/>
+                <a14:useLocalDpi xmlns="" xmlns:a14="http://schemas.microsoft.com/office/drawing/2010/main" val="0"/>
               </a:ext>
             </a:extLst>
           </a:blip>
@@ -31548,7 +31506,7 @@
           <a:noFill/>
           <a:extLst>
             <a:ext uri="{909E8E84-426E-40DD-AFC4-6F175D3DCCD1}">
-              <a14:hiddenFill xmlns:a14="http://schemas.microsoft.com/office/drawing/2010/main" xmlns="">
+              <a14:hiddenFill xmlns="" xmlns:a14="http://schemas.microsoft.com/office/drawing/2010/main">
                 <a:solidFill>
                   <a:srgbClr val="FFFFFF"/>
                 </a:solidFill>
@@ -31612,7 +31570,7 @@
     </p:spTree>
     <p:extLst>
       <p:ext uri="{BB962C8B-B14F-4D97-AF65-F5344CB8AC3E}">
-        <p14:creationId xmlns:p14="http://schemas.microsoft.com/office/powerpoint/2010/main" xmlns="" val="3710940657"/>
+        <p14:creationId xmlns="" xmlns:p14="http://schemas.microsoft.com/office/powerpoint/2010/main" val="3710940657"/>
       </p:ext>
     </p:extLst>
   </p:cSld>
@@ -31690,7 +31648,7 @@
           <a:blip r:embed="rId3" cstate="print">
             <a:extLst>
               <a:ext uri="{28A0092B-C50C-407E-A947-70E740481C1C}">
-                <a14:useLocalDpi xmlns:a14="http://schemas.microsoft.com/office/drawing/2010/main" xmlns="" val="0"/>
+                <a14:useLocalDpi xmlns="" xmlns:a14="http://schemas.microsoft.com/office/drawing/2010/main" val="0"/>
               </a:ext>
             </a:extLst>
           </a:blip>
@@ -31710,7 +31668,7 @@
           <a:noFill/>
           <a:extLst>
             <a:ext uri="{909E8E84-426E-40DD-AFC4-6F175D3DCCD1}">
-              <a14:hiddenFill xmlns:a14="http://schemas.microsoft.com/office/drawing/2010/main" xmlns="">
+              <a14:hiddenFill xmlns="" xmlns:a14="http://schemas.microsoft.com/office/drawing/2010/main">
                 <a:solidFill>
                   <a:srgbClr val="FFFFFF"/>
                 </a:solidFill>
@@ -31731,7 +31689,7 @@
           <a:blip r:embed="rId4" cstate="print">
             <a:extLst>
               <a:ext uri="{28A0092B-C50C-407E-A947-70E740481C1C}">
-                <a14:useLocalDpi xmlns:a14="http://schemas.microsoft.com/office/drawing/2010/main" xmlns="" val="0"/>
+                <a14:useLocalDpi xmlns="" xmlns:a14="http://schemas.microsoft.com/office/drawing/2010/main" val="0"/>
               </a:ext>
             </a:extLst>
           </a:blip>
@@ -31751,7 +31709,7 @@
           <a:noFill/>
           <a:extLst>
             <a:ext uri="{909E8E84-426E-40DD-AFC4-6F175D3DCCD1}">
-              <a14:hiddenFill xmlns:a14="http://schemas.microsoft.com/office/drawing/2010/main" xmlns="">
+              <a14:hiddenFill xmlns="" xmlns:a14="http://schemas.microsoft.com/office/drawing/2010/main">
                 <a:solidFill>
                   <a:srgbClr val="FFFFFF"/>
                 </a:solidFill>
@@ -32190,7 +32148,7 @@
     </p:spTree>
     <p:extLst>
       <p:ext uri="{BB962C8B-B14F-4D97-AF65-F5344CB8AC3E}">
-        <p14:creationId xmlns:p14="http://schemas.microsoft.com/office/powerpoint/2010/main" xmlns="" val="2045473191"/>
+        <p14:creationId xmlns="" xmlns:p14="http://schemas.microsoft.com/office/powerpoint/2010/main" val="2045473191"/>
       </p:ext>
     </p:extLst>
   </p:cSld>
@@ -32297,7 +32255,7 @@
           <a:blip r:embed="rId3" cstate="print">
             <a:extLst>
               <a:ext uri="{28A0092B-C50C-407E-A947-70E740481C1C}">
-                <a14:useLocalDpi xmlns:a14="http://schemas.microsoft.com/office/drawing/2010/main" xmlns="" val="0"/>
+                <a14:useLocalDpi xmlns="" xmlns:a14="http://schemas.microsoft.com/office/drawing/2010/main" val="0"/>
               </a:ext>
             </a:extLst>
           </a:blip>
@@ -32317,7 +32275,7 @@
           <a:noFill/>
           <a:extLst>
             <a:ext uri="{909E8E84-426E-40DD-AFC4-6F175D3DCCD1}">
-              <a14:hiddenFill xmlns:a14="http://schemas.microsoft.com/office/drawing/2010/main" xmlns="">
+              <a14:hiddenFill xmlns="" xmlns:a14="http://schemas.microsoft.com/office/drawing/2010/main">
                 <a:solidFill>
                   <a:srgbClr val="FFFFFF"/>
                 </a:solidFill>
@@ -32338,7 +32296,7 @@
           <a:blip r:embed="rId4" cstate="print">
             <a:extLst>
               <a:ext uri="{28A0092B-C50C-407E-A947-70E740481C1C}">
-                <a14:useLocalDpi xmlns:a14="http://schemas.microsoft.com/office/drawing/2010/main" xmlns="" val="0"/>
+                <a14:useLocalDpi xmlns="" xmlns:a14="http://schemas.microsoft.com/office/drawing/2010/main" val="0"/>
               </a:ext>
             </a:extLst>
           </a:blip>
@@ -32358,7 +32316,7 @@
           <a:noFill/>
           <a:extLst>
             <a:ext uri="{909E8E84-426E-40DD-AFC4-6F175D3DCCD1}">
-              <a14:hiddenFill xmlns:a14="http://schemas.microsoft.com/office/drawing/2010/main" xmlns="">
+              <a14:hiddenFill xmlns="" xmlns:a14="http://schemas.microsoft.com/office/drawing/2010/main">
                 <a:solidFill>
                   <a:srgbClr val="FFFFFF"/>
                 </a:solidFill>
@@ -32370,7 +32328,7 @@
     </p:spTree>
     <p:extLst>
       <p:ext uri="{BB962C8B-B14F-4D97-AF65-F5344CB8AC3E}">
-        <p14:creationId xmlns:p14="http://schemas.microsoft.com/office/powerpoint/2010/main" xmlns="" val="4139888175"/>
+        <p14:creationId xmlns="" xmlns:p14="http://schemas.microsoft.com/office/powerpoint/2010/main" val="4139888175"/>
       </p:ext>
     </p:extLst>
   </p:cSld>
@@ -32560,7 +32518,7 @@
           <a:blip r:embed="rId3" cstate="print">
             <a:extLst>
               <a:ext uri="{28A0092B-C50C-407E-A947-70E740481C1C}">
-                <a14:useLocalDpi xmlns:a14="http://schemas.microsoft.com/office/drawing/2010/main" xmlns="" val="0"/>
+                <a14:useLocalDpi xmlns="" xmlns:a14="http://schemas.microsoft.com/office/drawing/2010/main" val="0"/>
               </a:ext>
             </a:extLst>
           </a:blip>
@@ -32580,7 +32538,7 @@
           <a:noFill/>
           <a:extLst>
             <a:ext uri="{909E8E84-426E-40DD-AFC4-6F175D3DCCD1}">
-              <a14:hiddenFill xmlns:a14="http://schemas.microsoft.com/office/drawing/2010/main" xmlns="">
+              <a14:hiddenFill xmlns="" xmlns:a14="http://schemas.microsoft.com/office/drawing/2010/main">
                 <a:solidFill>
                   <a:srgbClr val="FFFFFF"/>
                 </a:solidFill>
@@ -32601,7 +32559,7 @@
           <a:blip r:embed="rId4" cstate="print">
             <a:extLst>
               <a:ext uri="{28A0092B-C50C-407E-A947-70E740481C1C}">
-                <a14:useLocalDpi xmlns:a14="http://schemas.microsoft.com/office/drawing/2010/main" xmlns="" val="0"/>
+                <a14:useLocalDpi xmlns="" xmlns:a14="http://schemas.microsoft.com/office/drawing/2010/main" val="0"/>
               </a:ext>
             </a:extLst>
           </a:blip>
@@ -32621,7 +32579,7 @@
           <a:noFill/>
           <a:extLst>
             <a:ext uri="{909E8E84-426E-40DD-AFC4-6F175D3DCCD1}">
-              <a14:hiddenFill xmlns:a14="http://schemas.microsoft.com/office/drawing/2010/main" xmlns="">
+              <a14:hiddenFill xmlns="" xmlns:a14="http://schemas.microsoft.com/office/drawing/2010/main">
                 <a:solidFill>
                   <a:srgbClr val="FFFFFF"/>
                 </a:solidFill>
@@ -32633,7 +32591,7 @@
     </p:spTree>
     <p:extLst>
       <p:ext uri="{BB962C8B-B14F-4D97-AF65-F5344CB8AC3E}">
-        <p14:creationId xmlns:p14="http://schemas.microsoft.com/office/powerpoint/2010/main" xmlns="" val="1263464234"/>
+        <p14:creationId xmlns="" xmlns:p14="http://schemas.microsoft.com/office/powerpoint/2010/main" val="1263464234"/>
       </p:ext>
     </p:extLst>
   </p:cSld>
@@ -32803,7 +32761,7 @@
           <a:blip r:embed="rId3" cstate="print">
             <a:extLst>
               <a:ext uri="{28A0092B-C50C-407E-A947-70E740481C1C}">
-                <a14:useLocalDpi xmlns:a14="http://schemas.microsoft.com/office/drawing/2010/main" xmlns="" val="0"/>
+                <a14:useLocalDpi xmlns="" xmlns:a14="http://schemas.microsoft.com/office/drawing/2010/main" val="0"/>
               </a:ext>
             </a:extLst>
           </a:blip>
@@ -32823,7 +32781,7 @@
           <a:noFill/>
           <a:extLst>
             <a:ext uri="{909E8E84-426E-40DD-AFC4-6F175D3DCCD1}">
-              <a14:hiddenFill xmlns:a14="http://schemas.microsoft.com/office/drawing/2010/main" xmlns="">
+              <a14:hiddenFill xmlns="" xmlns:a14="http://schemas.microsoft.com/office/drawing/2010/main">
                 <a:solidFill>
                   <a:srgbClr val="FFFFFF"/>
                 </a:solidFill>
@@ -32844,7 +32802,7 @@
           <a:blip r:embed="rId4" cstate="print">
             <a:extLst>
               <a:ext uri="{28A0092B-C50C-407E-A947-70E740481C1C}">
-                <a14:useLocalDpi xmlns:a14="http://schemas.microsoft.com/office/drawing/2010/main" xmlns="" val="0"/>
+                <a14:useLocalDpi xmlns="" xmlns:a14="http://schemas.microsoft.com/office/drawing/2010/main" val="0"/>
               </a:ext>
             </a:extLst>
           </a:blip>
@@ -32864,7 +32822,7 @@
           <a:noFill/>
           <a:extLst>
             <a:ext uri="{909E8E84-426E-40DD-AFC4-6F175D3DCCD1}">
-              <a14:hiddenFill xmlns:a14="http://schemas.microsoft.com/office/drawing/2010/main" xmlns="">
+              <a14:hiddenFill xmlns="" xmlns:a14="http://schemas.microsoft.com/office/drawing/2010/main">
                 <a:solidFill>
                   <a:srgbClr val="FFFFFF"/>
                 </a:solidFill>
@@ -32876,7 +32834,7 @@
     </p:spTree>
     <p:extLst>
       <p:ext uri="{BB962C8B-B14F-4D97-AF65-F5344CB8AC3E}">
-        <p14:creationId xmlns:p14="http://schemas.microsoft.com/office/powerpoint/2010/main" xmlns="" val="3706723102"/>
+        <p14:creationId xmlns="" xmlns:p14="http://schemas.microsoft.com/office/powerpoint/2010/main" val="3706723102"/>
       </p:ext>
     </p:extLst>
   </p:cSld>
@@ -33092,7 +33050,7 @@
           <a:blip r:embed="rId3" cstate="print">
             <a:extLst>
               <a:ext uri="{28A0092B-C50C-407E-A947-70E740481C1C}">
-                <a14:useLocalDpi xmlns:a14="http://schemas.microsoft.com/office/drawing/2010/main" xmlns="" val="0"/>
+                <a14:useLocalDpi xmlns="" xmlns:a14="http://schemas.microsoft.com/office/drawing/2010/main" val="0"/>
               </a:ext>
             </a:extLst>
           </a:blip>
@@ -33112,7 +33070,7 @@
           <a:noFill/>
           <a:extLst>
             <a:ext uri="{909E8E84-426E-40DD-AFC4-6F175D3DCCD1}">
-              <a14:hiddenFill xmlns:a14="http://schemas.microsoft.com/office/drawing/2010/main" xmlns="">
+              <a14:hiddenFill xmlns="" xmlns:a14="http://schemas.microsoft.com/office/drawing/2010/main">
                 <a:solidFill>
                   <a:srgbClr val="FFFFFF"/>
                 </a:solidFill>
@@ -33133,7 +33091,7 @@
           <a:blip r:embed="rId4" cstate="print">
             <a:extLst>
               <a:ext uri="{28A0092B-C50C-407E-A947-70E740481C1C}">
-                <a14:useLocalDpi xmlns:a14="http://schemas.microsoft.com/office/drawing/2010/main" xmlns="" val="0"/>
+                <a14:useLocalDpi xmlns="" xmlns:a14="http://schemas.microsoft.com/office/drawing/2010/main" val="0"/>
               </a:ext>
             </a:extLst>
           </a:blip>
@@ -33153,7 +33111,7 @@
           <a:noFill/>
           <a:extLst>
             <a:ext uri="{909E8E84-426E-40DD-AFC4-6F175D3DCCD1}">
-              <a14:hiddenFill xmlns:a14="http://schemas.microsoft.com/office/drawing/2010/main" xmlns="">
+              <a14:hiddenFill xmlns="" xmlns:a14="http://schemas.microsoft.com/office/drawing/2010/main">
                 <a:solidFill>
                   <a:srgbClr val="FFFFFF"/>
                 </a:solidFill>
@@ -33165,7 +33123,7 @@
     </p:spTree>
     <p:extLst>
       <p:ext uri="{BB962C8B-B14F-4D97-AF65-F5344CB8AC3E}">
-        <p14:creationId xmlns:p14="http://schemas.microsoft.com/office/powerpoint/2010/main" xmlns="" val="3706723102"/>
+        <p14:creationId xmlns="" xmlns:p14="http://schemas.microsoft.com/office/powerpoint/2010/main" val="3706723102"/>
       </p:ext>
     </p:extLst>
   </p:cSld>
@@ -33349,12 +33307,16 @@
               <a:t> </a:t>
             </a:r>
             <a:r>
-              <a:rPr lang="es-ES" dirty="0" smtClean="0"/>
-              <a:t>D-Link </a:t>
+              <a:rPr lang="es-ES" dirty="0" err="1" smtClean="0"/>
+              <a:t>Tp</a:t>
             </a:r>
             <a:r>
               <a:rPr lang="es-ES" dirty="0" smtClean="0"/>
-              <a:t>DIR-600</a:t>
+              <a:t> Link Tl-sf1016</a:t>
+            </a:r>
+            <a:r>
+              <a:rPr lang="es-ES" b="1" dirty="0" smtClean="0"/>
+              <a:t> </a:t>
             </a:r>
             <a:endParaRPr lang="es-AR" dirty="0" smtClean="0"/>
           </a:p>
@@ -33397,7 +33359,7 @@
           <a:blip r:embed="rId3" cstate="print">
             <a:extLst>
               <a:ext uri="{28A0092B-C50C-407E-A947-70E740481C1C}">
-                <a14:useLocalDpi xmlns:a14="http://schemas.microsoft.com/office/drawing/2010/main" xmlns="" val="0"/>
+                <a14:useLocalDpi xmlns="" xmlns:a14="http://schemas.microsoft.com/office/drawing/2010/main" val="0"/>
               </a:ext>
             </a:extLst>
           </a:blip>
@@ -33417,7 +33379,7 @@
           <a:noFill/>
           <a:extLst>
             <a:ext uri="{909E8E84-426E-40DD-AFC4-6F175D3DCCD1}">
-              <a14:hiddenFill xmlns:a14="http://schemas.microsoft.com/office/drawing/2010/main" xmlns="">
+              <a14:hiddenFill xmlns="" xmlns:a14="http://schemas.microsoft.com/office/drawing/2010/main">
                 <a:solidFill>
                   <a:srgbClr val="FFFFFF"/>
                 </a:solidFill>
@@ -33438,7 +33400,7 @@
           <a:blip r:embed="rId4" cstate="print">
             <a:extLst>
               <a:ext uri="{28A0092B-C50C-407E-A947-70E740481C1C}">
-                <a14:useLocalDpi xmlns:a14="http://schemas.microsoft.com/office/drawing/2010/main" xmlns="" val="0"/>
+                <a14:useLocalDpi xmlns="" xmlns:a14="http://schemas.microsoft.com/office/drawing/2010/main" val="0"/>
               </a:ext>
             </a:extLst>
           </a:blip>
@@ -33458,7 +33420,7 @@
           <a:noFill/>
           <a:extLst>
             <a:ext uri="{909E8E84-426E-40DD-AFC4-6F175D3DCCD1}">
-              <a14:hiddenFill xmlns:a14="http://schemas.microsoft.com/office/drawing/2010/main" xmlns="">
+              <a14:hiddenFill xmlns="" xmlns:a14="http://schemas.microsoft.com/office/drawing/2010/main">
                 <a:solidFill>
                   <a:srgbClr val="FFFFFF"/>
                 </a:solidFill>
@@ -33470,7 +33432,7 @@
     </p:spTree>
     <p:extLst>
       <p:ext uri="{BB962C8B-B14F-4D97-AF65-F5344CB8AC3E}">
-        <p14:creationId xmlns:p14="http://schemas.microsoft.com/office/powerpoint/2010/main" xmlns="" val="3706723102"/>
+        <p14:creationId xmlns="" xmlns:p14="http://schemas.microsoft.com/office/powerpoint/2010/main" val="3706723102"/>
       </p:ext>
     </p:extLst>
   </p:cSld>
@@ -33596,25 +33558,17 @@
             <a:pPr lvl="1"/>
             <a:r>
               <a:rPr lang="es-AR" dirty="0" smtClean="0"/>
-              <a:t>IP </a:t>
+              <a:t>IP Fija: $110 mensuales </a:t>
             </a:r>
+          </a:p>
+          <a:p>
+            <a:pPr lvl="1"/>
+            <a:endParaRPr lang="es-AR" dirty="0" smtClean="0"/>
+          </a:p>
+          <a:p>
             <a:r>
               <a:rPr lang="es-AR" dirty="0" smtClean="0"/>
-              <a:t>Fija: $110 mensuales </a:t>
-            </a:r>
-          </a:p>
-          <a:p>
-            <a:pPr lvl="1"/>
-            <a:endParaRPr lang="es-AR" dirty="0" smtClean="0"/>
-          </a:p>
-          <a:p>
-            <a:r>
-              <a:rPr lang="es-AR" dirty="0" smtClean="0"/>
-              <a:t>Duración </a:t>
-            </a:r>
-            <a:r>
-              <a:rPr lang="es-AR" dirty="0" smtClean="0"/>
-              <a:t>del plan de Implementación: 30 días</a:t>
+              <a:t>Duración del plan de Implementación: 30 días</a:t>
             </a:r>
           </a:p>
           <a:p>
@@ -33657,7 +33611,7 @@
           <a:blip r:embed="rId3" cstate="print">
             <a:extLst>
               <a:ext uri="{28A0092B-C50C-407E-A947-70E740481C1C}">
-                <a14:useLocalDpi xmlns:a14="http://schemas.microsoft.com/office/drawing/2010/main" xmlns="" val="0"/>
+                <a14:useLocalDpi xmlns="" xmlns:a14="http://schemas.microsoft.com/office/drawing/2010/main" val="0"/>
               </a:ext>
             </a:extLst>
           </a:blip>
@@ -33677,7 +33631,7 @@
           <a:noFill/>
           <a:extLst>
             <a:ext uri="{909E8E84-426E-40DD-AFC4-6F175D3DCCD1}">
-              <a14:hiddenFill xmlns:a14="http://schemas.microsoft.com/office/drawing/2010/main" xmlns="">
+              <a14:hiddenFill xmlns="" xmlns:a14="http://schemas.microsoft.com/office/drawing/2010/main">
                 <a:solidFill>
                   <a:srgbClr val="FFFFFF"/>
                 </a:solidFill>
@@ -33698,7 +33652,7 @@
           <a:blip r:embed="rId4" cstate="print">
             <a:extLst>
               <a:ext uri="{28A0092B-C50C-407E-A947-70E740481C1C}">
-                <a14:useLocalDpi xmlns:a14="http://schemas.microsoft.com/office/drawing/2010/main" xmlns="" val="0"/>
+                <a14:useLocalDpi xmlns="" xmlns:a14="http://schemas.microsoft.com/office/drawing/2010/main" val="0"/>
               </a:ext>
             </a:extLst>
           </a:blip>
@@ -33718,7 +33672,7 @@
           <a:noFill/>
           <a:extLst>
             <a:ext uri="{909E8E84-426E-40DD-AFC4-6F175D3DCCD1}">
-              <a14:hiddenFill xmlns:a14="http://schemas.microsoft.com/office/drawing/2010/main" xmlns="">
+              <a14:hiddenFill xmlns="" xmlns:a14="http://schemas.microsoft.com/office/drawing/2010/main">
                 <a:solidFill>
                   <a:srgbClr val="FFFFFF"/>
                 </a:solidFill>
@@ -33730,7 +33684,7 @@
     </p:spTree>
     <p:extLst>
       <p:ext uri="{BB962C8B-B14F-4D97-AF65-F5344CB8AC3E}">
-        <p14:creationId xmlns:p14="http://schemas.microsoft.com/office/powerpoint/2010/main" xmlns="" val="3706723102"/>
+        <p14:creationId xmlns="" xmlns:p14="http://schemas.microsoft.com/office/powerpoint/2010/main" val="3706723102"/>
       </p:ext>
     </p:extLst>
   </p:cSld>
@@ -33855,7 +33809,7 @@
           <a:blip r:embed="rId3" cstate="print">
             <a:extLst>
               <a:ext uri="{28A0092B-C50C-407E-A947-70E740481C1C}">
-                <a14:useLocalDpi xmlns:a14="http://schemas.microsoft.com/office/drawing/2010/main" xmlns="" val="0"/>
+                <a14:useLocalDpi xmlns="" xmlns:a14="http://schemas.microsoft.com/office/drawing/2010/main" val="0"/>
               </a:ext>
             </a:extLst>
           </a:blip>
@@ -33875,7 +33829,7 @@
           <a:noFill/>
           <a:extLst>
             <a:ext uri="{909E8E84-426E-40DD-AFC4-6F175D3DCCD1}">
-              <a14:hiddenFill xmlns:a14="http://schemas.microsoft.com/office/drawing/2010/main" xmlns="">
+              <a14:hiddenFill xmlns="" xmlns:a14="http://schemas.microsoft.com/office/drawing/2010/main">
                 <a:solidFill>
                   <a:srgbClr val="FFFFFF"/>
                 </a:solidFill>
@@ -33896,7 +33850,7 @@
           <a:blip r:embed="rId4" cstate="print">
             <a:extLst>
               <a:ext uri="{28A0092B-C50C-407E-A947-70E740481C1C}">
-                <a14:useLocalDpi xmlns:a14="http://schemas.microsoft.com/office/drawing/2010/main" xmlns="" val="0"/>
+                <a14:useLocalDpi xmlns="" xmlns:a14="http://schemas.microsoft.com/office/drawing/2010/main" val="0"/>
               </a:ext>
             </a:extLst>
           </a:blip>
@@ -33916,7 +33870,7 @@
           <a:noFill/>
           <a:extLst>
             <a:ext uri="{909E8E84-426E-40DD-AFC4-6F175D3DCCD1}">
-              <a14:hiddenFill xmlns:a14="http://schemas.microsoft.com/office/drawing/2010/main" xmlns="">
+              <a14:hiddenFill xmlns="" xmlns:a14="http://schemas.microsoft.com/office/drawing/2010/main">
                 <a:solidFill>
                   <a:srgbClr val="FFFFFF"/>
                 </a:solidFill>
@@ -33928,7 +33882,7 @@
     </p:spTree>
     <p:extLst>
       <p:ext uri="{BB962C8B-B14F-4D97-AF65-F5344CB8AC3E}">
-        <p14:creationId xmlns:p14="http://schemas.microsoft.com/office/powerpoint/2010/main" xmlns="" val="3706723102"/>
+        <p14:creationId xmlns="" xmlns:p14="http://schemas.microsoft.com/office/powerpoint/2010/main" val="3706723102"/>
       </p:ext>
     </p:extLst>
   </p:cSld>
@@ -33999,7 +33953,7 @@
           <a:blip r:embed="rId3" cstate="print">
             <a:extLst>
               <a:ext uri="{28A0092B-C50C-407E-A947-70E740481C1C}">
-                <a14:useLocalDpi xmlns:a14="http://schemas.microsoft.com/office/drawing/2010/main" xmlns="" val="0"/>
+                <a14:useLocalDpi xmlns="" xmlns:a14="http://schemas.microsoft.com/office/drawing/2010/main" val="0"/>
               </a:ext>
             </a:extLst>
           </a:blip>
@@ -34023,14 +33977,14 @@
           <a:effectLst/>
           <a:extLst>
             <a:ext uri="{909E8E84-426E-40DD-AFC4-6F175D3DCCD1}">
-              <a14:hiddenFill xmlns:a14="http://schemas.microsoft.com/office/drawing/2010/main" xmlns="">
+              <a14:hiddenFill xmlns="" xmlns:a14="http://schemas.microsoft.com/office/drawing/2010/main">
                 <a:solidFill>
                   <a:schemeClr val="accent1"/>
                 </a:solidFill>
               </a14:hiddenFill>
             </a:ext>
             <a:ext uri="{91240B29-F687-4F45-9708-019B960494DF}">
-              <a14:hiddenLine xmlns:a14="http://schemas.microsoft.com/office/drawing/2010/main" xmlns="" w="9525">
+              <a14:hiddenLine xmlns="" xmlns:a14="http://schemas.microsoft.com/office/drawing/2010/main" w="9525">
                 <a:solidFill>
                   <a:schemeClr val="tx1"/>
                 </a:solidFill>
@@ -34040,7 +33994,7 @@
               </a14:hiddenLine>
             </a:ext>
             <a:ext uri="{AF507438-7753-43E0-B8FC-AC1667EBCBE1}">
-              <a14:hiddenEffects xmlns:a14="http://schemas.microsoft.com/office/drawing/2010/main" xmlns="">
+              <a14:hiddenEffects xmlns="" xmlns:a14="http://schemas.microsoft.com/office/drawing/2010/main">
                 <a:effectLst>
                   <a:outerShdw dist="35921" dir="2700000" algn="ctr" rotWithShape="0">
                     <a:schemeClr val="bg2"/>
@@ -34063,7 +34017,7 @@
           <a:blip r:embed="rId4" cstate="print">
             <a:extLst>
               <a:ext uri="{28A0092B-C50C-407E-A947-70E740481C1C}">
-                <a14:useLocalDpi xmlns:a14="http://schemas.microsoft.com/office/drawing/2010/main" xmlns="" val="0"/>
+                <a14:useLocalDpi xmlns="" xmlns:a14="http://schemas.microsoft.com/office/drawing/2010/main" val="0"/>
               </a:ext>
             </a:extLst>
           </a:blip>
@@ -34083,7 +34037,7 @@
           <a:noFill/>
           <a:extLst>
             <a:ext uri="{909E8E84-426E-40DD-AFC4-6F175D3DCCD1}">
-              <a14:hiddenFill xmlns:a14="http://schemas.microsoft.com/office/drawing/2010/main" xmlns="">
+              <a14:hiddenFill xmlns="" xmlns:a14="http://schemas.microsoft.com/office/drawing/2010/main">
                 <a:solidFill>
                   <a:srgbClr val="FFFFFF"/>
                 </a:solidFill>
@@ -34104,7 +34058,7 @@
           <a:blip r:embed="rId5" cstate="print">
             <a:extLst>
               <a:ext uri="{28A0092B-C50C-407E-A947-70E740481C1C}">
-                <a14:useLocalDpi xmlns:a14="http://schemas.microsoft.com/office/drawing/2010/main" xmlns="" val="0"/>
+                <a14:useLocalDpi xmlns="" xmlns:a14="http://schemas.microsoft.com/office/drawing/2010/main" val="0"/>
               </a:ext>
             </a:extLst>
           </a:blip>
@@ -34124,7 +34078,7 @@
           <a:noFill/>
           <a:extLst>
             <a:ext uri="{909E8E84-426E-40DD-AFC4-6F175D3DCCD1}">
-              <a14:hiddenFill xmlns:a14="http://schemas.microsoft.com/office/drawing/2010/main" xmlns="">
+              <a14:hiddenFill xmlns="" xmlns:a14="http://schemas.microsoft.com/office/drawing/2010/main">
                 <a:solidFill>
                   <a:srgbClr val="FFFFFF"/>
                 </a:solidFill>
@@ -34136,7 +34090,7 @@
     </p:spTree>
     <p:extLst>
       <p:ext uri="{BB962C8B-B14F-4D97-AF65-F5344CB8AC3E}">
-        <p14:creationId xmlns:p14="http://schemas.microsoft.com/office/powerpoint/2010/main" xmlns="" val="1450032067"/>
+        <p14:creationId xmlns="" xmlns:p14="http://schemas.microsoft.com/office/powerpoint/2010/main" val="1450032067"/>
       </p:ext>
     </p:extLst>
   </p:cSld>
@@ -34207,7 +34161,7 @@
           <a:blip r:embed="rId3" cstate="print">
             <a:extLst>
               <a:ext uri="{28A0092B-C50C-407E-A947-70E740481C1C}">
-                <a14:useLocalDpi xmlns:a14="http://schemas.microsoft.com/office/drawing/2010/main" xmlns="" val="0"/>
+                <a14:useLocalDpi xmlns="" xmlns:a14="http://schemas.microsoft.com/office/drawing/2010/main" val="0"/>
               </a:ext>
             </a:extLst>
           </a:blip>
@@ -34227,7 +34181,7 @@
           <a:noFill/>
           <a:extLst>
             <a:ext uri="{909E8E84-426E-40DD-AFC4-6F175D3DCCD1}">
-              <a14:hiddenFill xmlns:a14="http://schemas.microsoft.com/office/drawing/2010/main" xmlns="">
+              <a14:hiddenFill xmlns="" xmlns:a14="http://schemas.microsoft.com/office/drawing/2010/main">
                 <a:solidFill>
                   <a:srgbClr val="FFFFFF"/>
                 </a:solidFill>
@@ -34248,7 +34202,7 @@
           <a:blip r:embed="rId4" cstate="print">
             <a:extLst>
               <a:ext uri="{28A0092B-C50C-407E-A947-70E740481C1C}">
-                <a14:useLocalDpi xmlns:a14="http://schemas.microsoft.com/office/drawing/2010/main" xmlns="" val="0"/>
+                <a14:useLocalDpi xmlns="" xmlns:a14="http://schemas.microsoft.com/office/drawing/2010/main" val="0"/>
               </a:ext>
             </a:extLst>
           </a:blip>
@@ -34268,7 +34222,7 @@
           <a:noFill/>
           <a:extLst>
             <a:ext uri="{909E8E84-426E-40DD-AFC4-6F175D3DCCD1}">
-              <a14:hiddenFill xmlns:a14="http://schemas.microsoft.com/office/drawing/2010/main" xmlns="">
+              <a14:hiddenFill xmlns="" xmlns:a14="http://schemas.microsoft.com/office/drawing/2010/main">
                 <a:solidFill>
                   <a:srgbClr val="FFFFFF"/>
                 </a:solidFill>
@@ -34289,7 +34243,7 @@
           <a:blip r:embed="rId5" cstate="print">
             <a:extLst>
               <a:ext uri="{28A0092B-C50C-407E-A947-70E740481C1C}">
-                <a14:useLocalDpi xmlns:a14="http://schemas.microsoft.com/office/drawing/2010/main" xmlns="" val="0"/>
+                <a14:useLocalDpi xmlns="" xmlns:a14="http://schemas.microsoft.com/office/drawing/2010/main" val="0"/>
               </a:ext>
             </a:extLst>
           </a:blip>
@@ -34309,7 +34263,7 @@
           <a:noFill/>
           <a:extLst>
             <a:ext uri="{909E8E84-426E-40DD-AFC4-6F175D3DCCD1}">
-              <a14:hiddenFill xmlns:a14="http://schemas.microsoft.com/office/drawing/2010/main" xmlns="">
+              <a14:hiddenFill xmlns="" xmlns:a14="http://schemas.microsoft.com/office/drawing/2010/main">
                 <a:solidFill>
                   <a:srgbClr val="FFFFFF"/>
                 </a:solidFill>
@@ -34321,7 +34275,7 @@
     </p:spTree>
     <p:extLst>
       <p:ext uri="{BB962C8B-B14F-4D97-AF65-F5344CB8AC3E}">
-        <p14:creationId xmlns:p14="http://schemas.microsoft.com/office/powerpoint/2010/main" xmlns="" val="1688055498"/>
+        <p14:creationId xmlns="" xmlns:p14="http://schemas.microsoft.com/office/powerpoint/2010/main" val="1688055498"/>
       </p:ext>
     </p:extLst>
   </p:cSld>
@@ -34368,7 +34322,7 @@
           <a:blip r:embed="rId3" cstate="print">
             <a:extLst>
               <a:ext uri="{28A0092B-C50C-407E-A947-70E740481C1C}">
-                <a14:useLocalDpi xmlns:a14="http://schemas.microsoft.com/office/drawing/2010/main" xmlns="" val="0"/>
+                <a14:useLocalDpi xmlns="" xmlns:a14="http://schemas.microsoft.com/office/drawing/2010/main" val="0"/>
               </a:ext>
             </a:extLst>
           </a:blip>
@@ -34388,7 +34342,7 @@
           <a:noFill/>
           <a:extLst>
             <a:ext uri="{909E8E84-426E-40DD-AFC4-6F175D3DCCD1}">
-              <a14:hiddenFill xmlns:a14="http://schemas.microsoft.com/office/drawing/2010/main" xmlns="">
+              <a14:hiddenFill xmlns="" xmlns:a14="http://schemas.microsoft.com/office/drawing/2010/main">
                 <a:solidFill>
                   <a:srgbClr val="FFFFFF"/>
                 </a:solidFill>
@@ -34639,8 +34593,12 @@
           </a:p>
           <a:p>
             <a:r>
+              <a:rPr lang="es-AR" sz="1800" dirty="0" smtClean="0"/>
+              <a:t>Actualmente especializado </a:t>
+            </a:r>
+            <a:r>
               <a:rPr lang="es-AR" sz="1800" dirty="0"/>
-              <a:t>Especializado en Infraestructura para celulares.</a:t>
+              <a:t>en Infraestructura para celulares.</a:t>
             </a:r>
           </a:p>
           <a:p>
@@ -34660,7 +34618,7 @@
           <a:blip r:embed="rId4" cstate="print">
             <a:extLst>
               <a:ext uri="{28A0092B-C50C-407E-A947-70E740481C1C}">
-                <a14:useLocalDpi xmlns:a14="http://schemas.microsoft.com/office/drawing/2010/main" xmlns="" val="0"/>
+                <a14:useLocalDpi xmlns="" xmlns:a14="http://schemas.microsoft.com/office/drawing/2010/main" val="0"/>
               </a:ext>
             </a:extLst>
           </a:blip>
@@ -34680,7 +34638,7 @@
           <a:noFill/>
           <a:extLst>
             <a:ext uri="{909E8E84-426E-40DD-AFC4-6F175D3DCCD1}">
-              <a14:hiddenFill xmlns:a14="http://schemas.microsoft.com/office/drawing/2010/main" xmlns="">
+              <a14:hiddenFill xmlns="" xmlns:a14="http://schemas.microsoft.com/office/drawing/2010/main">
                 <a:solidFill>
                   <a:srgbClr val="FFFFFF"/>
                 </a:solidFill>
@@ -35202,7 +35160,7 @@
     </p:spTree>
     <p:extLst>
       <p:ext uri="{BB962C8B-B14F-4D97-AF65-F5344CB8AC3E}">
-        <p14:creationId xmlns:p14="http://schemas.microsoft.com/office/powerpoint/2010/main" xmlns="" val="4128302494"/>
+        <p14:creationId xmlns="" xmlns:p14="http://schemas.microsoft.com/office/powerpoint/2010/main" val="4128302494"/>
       </p:ext>
     </p:extLst>
   </p:cSld>
@@ -35278,7 +35236,7 @@
           <a:blip r:embed="rId3" cstate="print">
             <a:extLst>
               <a:ext uri="{28A0092B-C50C-407E-A947-70E740481C1C}">
-                <a14:useLocalDpi xmlns:a14="http://schemas.microsoft.com/office/drawing/2010/main" xmlns="" val="0"/>
+                <a14:useLocalDpi xmlns="" xmlns:a14="http://schemas.microsoft.com/office/drawing/2010/main" val="0"/>
               </a:ext>
             </a:extLst>
           </a:blip>
@@ -35298,7 +35256,7 @@
           <a:noFill/>
           <a:extLst>
             <a:ext uri="{909E8E84-426E-40DD-AFC4-6F175D3DCCD1}">
-              <a14:hiddenFill xmlns:a14="http://schemas.microsoft.com/office/drawing/2010/main" xmlns="">
+              <a14:hiddenFill xmlns="" xmlns:a14="http://schemas.microsoft.com/office/drawing/2010/main">
                 <a:solidFill>
                   <a:srgbClr val="FFFFFF"/>
                 </a:solidFill>
@@ -35319,7 +35277,7 @@
           <a:blip r:embed="rId4" cstate="print">
             <a:extLst>
               <a:ext uri="{28A0092B-C50C-407E-A947-70E740481C1C}">
-                <a14:useLocalDpi xmlns:a14="http://schemas.microsoft.com/office/drawing/2010/main" xmlns="" val="0"/>
+                <a14:useLocalDpi xmlns="" xmlns:a14="http://schemas.microsoft.com/office/drawing/2010/main" val="0"/>
               </a:ext>
             </a:extLst>
           </a:blip>
@@ -35339,7 +35297,7 @@
           <a:noFill/>
           <a:extLst>
             <a:ext uri="{909E8E84-426E-40DD-AFC4-6F175D3DCCD1}">
-              <a14:hiddenFill xmlns:a14="http://schemas.microsoft.com/office/drawing/2010/main" xmlns="">
+              <a14:hiddenFill xmlns="" xmlns:a14="http://schemas.microsoft.com/office/drawing/2010/main">
                 <a:solidFill>
                   <a:srgbClr val="FFFFFF"/>
                 </a:solidFill>
@@ -35635,7 +35593,23 @@
             <a:pPr marL="342900" lvl="1"/>
             <a:r>
               <a:rPr lang="es-ES" dirty="0"/>
-              <a:t>Excesivo costo de tiempo y esfuerzo para buscar </a:t>
+              <a:t>Excesivo costo </a:t>
+            </a:r>
+            <a:r>
+              <a:rPr lang="es-ES" dirty="0" smtClean="0"/>
+              <a:t>en</a:t>
+            </a:r>
+            <a:r>
+              <a:rPr lang="es-ES" dirty="0" smtClean="0"/>
+              <a:t> </a:t>
+            </a:r>
+            <a:r>
+              <a:rPr lang="es-ES" dirty="0"/>
+              <a:t>tiempo y esfuerzo para </a:t>
+            </a:r>
+            <a:r>
+              <a:rPr lang="es-ES" dirty="0" smtClean="0"/>
+              <a:t>obtener </a:t>
             </a:r>
             <a:r>
               <a:rPr lang="es-ES" dirty="0" smtClean="0"/>
@@ -35680,7 +35654,7 @@
     </p:spTree>
     <p:extLst>
       <p:ext uri="{BB962C8B-B14F-4D97-AF65-F5344CB8AC3E}">
-        <p14:creationId xmlns:p14="http://schemas.microsoft.com/office/powerpoint/2010/main" xmlns="" val="1435359822"/>
+        <p14:creationId xmlns="" xmlns:p14="http://schemas.microsoft.com/office/powerpoint/2010/main" val="1435359822"/>
       </p:ext>
     </p:extLst>
   </p:cSld>
@@ -35839,7 +35813,7 @@
           <a:blip r:embed="rId3" cstate="print">
             <a:extLst>
               <a:ext uri="{28A0092B-C50C-407E-A947-70E740481C1C}">
-                <a14:useLocalDpi xmlns:a14="http://schemas.microsoft.com/office/drawing/2010/main" xmlns="" val="0"/>
+                <a14:useLocalDpi xmlns="" xmlns:a14="http://schemas.microsoft.com/office/drawing/2010/main" val="0"/>
               </a:ext>
             </a:extLst>
           </a:blip>
@@ -35859,7 +35833,7 @@
           <a:noFill/>
           <a:extLst>
             <a:ext uri="{909E8E84-426E-40DD-AFC4-6F175D3DCCD1}">
-              <a14:hiddenFill xmlns:a14="http://schemas.microsoft.com/office/drawing/2010/main" xmlns="">
+              <a14:hiddenFill xmlns="" xmlns:a14="http://schemas.microsoft.com/office/drawing/2010/main">
                 <a:solidFill>
                   <a:srgbClr val="FFFFFF"/>
                 </a:solidFill>
@@ -35880,7 +35854,7 @@
           <a:blip r:embed="rId4" cstate="print">
             <a:extLst>
               <a:ext uri="{28A0092B-C50C-407E-A947-70E740481C1C}">
-                <a14:useLocalDpi xmlns:a14="http://schemas.microsoft.com/office/drawing/2010/main" xmlns="" val="0"/>
+                <a14:useLocalDpi xmlns="" xmlns:a14="http://schemas.microsoft.com/office/drawing/2010/main" val="0"/>
               </a:ext>
             </a:extLst>
           </a:blip>
@@ -35900,7 +35874,7 @@
           <a:noFill/>
           <a:extLst>
             <a:ext uri="{909E8E84-426E-40DD-AFC4-6F175D3DCCD1}">
-              <a14:hiddenFill xmlns:a14="http://schemas.microsoft.com/office/drawing/2010/main" xmlns="">
+              <a14:hiddenFill xmlns="" xmlns:a14="http://schemas.microsoft.com/office/drawing/2010/main">
                 <a:solidFill>
                   <a:srgbClr val="FFFFFF"/>
                 </a:solidFill>
@@ -35912,7 +35886,7 @@
     </p:spTree>
     <p:extLst>
       <p:ext uri="{BB962C8B-B14F-4D97-AF65-F5344CB8AC3E}">
-        <p14:creationId xmlns:p14="http://schemas.microsoft.com/office/powerpoint/2010/main" xmlns="" val="3185166434"/>
+        <p14:creationId xmlns="" xmlns:p14="http://schemas.microsoft.com/office/powerpoint/2010/main" val="3185166434"/>
       </p:ext>
     </p:extLst>
   </p:cSld>
@@ -35988,7 +35962,7 @@
           <a:blip r:embed="rId3" cstate="print">
             <a:extLst>
               <a:ext uri="{28A0092B-C50C-407E-A947-70E740481C1C}">
-                <a14:useLocalDpi xmlns:a14="http://schemas.microsoft.com/office/drawing/2010/main" xmlns="" val="0"/>
+                <a14:useLocalDpi xmlns="" xmlns:a14="http://schemas.microsoft.com/office/drawing/2010/main" val="0"/>
               </a:ext>
             </a:extLst>
           </a:blip>
@@ -36008,7 +35982,7 @@
           <a:noFill/>
           <a:extLst>
             <a:ext uri="{909E8E84-426E-40DD-AFC4-6F175D3DCCD1}">
-              <a14:hiddenFill xmlns:a14="http://schemas.microsoft.com/office/drawing/2010/main" xmlns="">
+              <a14:hiddenFill xmlns="" xmlns:a14="http://schemas.microsoft.com/office/drawing/2010/main">
                 <a:solidFill>
                   <a:srgbClr val="FFFFFF"/>
                 </a:solidFill>
@@ -36029,7 +36003,7 @@
           <a:blip r:embed="rId4" cstate="print">
             <a:extLst>
               <a:ext uri="{28A0092B-C50C-407E-A947-70E740481C1C}">
-                <a14:useLocalDpi xmlns:a14="http://schemas.microsoft.com/office/drawing/2010/main" xmlns="" val="0"/>
+                <a14:useLocalDpi xmlns="" xmlns:a14="http://schemas.microsoft.com/office/drawing/2010/main" val="0"/>
               </a:ext>
             </a:extLst>
           </a:blip>
@@ -36049,7 +36023,7 @@
           <a:noFill/>
           <a:extLst>
             <a:ext uri="{909E8E84-426E-40DD-AFC4-6F175D3DCCD1}">
-              <a14:hiddenFill xmlns:a14="http://schemas.microsoft.com/office/drawing/2010/main" xmlns="">
+              <a14:hiddenFill xmlns="" xmlns:a14="http://schemas.microsoft.com/office/drawing/2010/main">
                 <a:solidFill>
                   <a:srgbClr val="FFFFFF"/>
                 </a:solidFill>
@@ -36305,7 +36279,7 @@
     </p:spTree>
     <p:extLst>
       <p:ext uri="{BB962C8B-B14F-4D97-AF65-F5344CB8AC3E}">
-        <p14:creationId xmlns:p14="http://schemas.microsoft.com/office/powerpoint/2010/main" xmlns="" val="4010760893"/>
+        <p14:creationId xmlns="" xmlns:p14="http://schemas.microsoft.com/office/powerpoint/2010/main" val="4010760893"/>
       </p:ext>
     </p:extLst>
   </p:cSld>
@@ -36352,7 +36326,7 @@
           <a:blip r:embed="rId3" cstate="print">
             <a:extLst>
               <a:ext uri="{28A0092B-C50C-407E-A947-70E740481C1C}">
-                <a14:useLocalDpi xmlns:a14="http://schemas.microsoft.com/office/drawing/2010/main" xmlns="" val="0"/>
+                <a14:useLocalDpi xmlns="" xmlns:a14="http://schemas.microsoft.com/office/drawing/2010/main" val="0"/>
               </a:ext>
             </a:extLst>
           </a:blip>
@@ -36372,7 +36346,7 @@
           <a:noFill/>
           <a:extLst>
             <a:ext uri="{909E8E84-426E-40DD-AFC4-6F175D3DCCD1}">
-              <a14:hiddenFill xmlns:a14="http://schemas.microsoft.com/office/drawing/2010/main" xmlns="">
+              <a14:hiddenFill xmlns="" xmlns:a14="http://schemas.microsoft.com/office/drawing/2010/main">
                 <a:solidFill>
                   <a:srgbClr val="FFFFFF"/>
                 </a:solidFill>
@@ -36393,7 +36367,7 @@
           <a:blip r:embed="rId4" cstate="print">
             <a:extLst>
               <a:ext uri="{28A0092B-C50C-407E-A947-70E740481C1C}">
-                <a14:useLocalDpi xmlns:a14="http://schemas.microsoft.com/office/drawing/2010/main" xmlns="" val="0"/>
+                <a14:useLocalDpi xmlns="" xmlns:a14="http://schemas.microsoft.com/office/drawing/2010/main" val="0"/>
               </a:ext>
             </a:extLst>
           </a:blip>
@@ -36413,7 +36387,7 @@
           <a:noFill/>
           <a:extLst>
             <a:ext uri="{909E8E84-426E-40DD-AFC4-6F175D3DCCD1}">
-              <a14:hiddenFill xmlns:a14="http://schemas.microsoft.com/office/drawing/2010/main" xmlns="">
+              <a14:hiddenFill xmlns="" xmlns:a14="http://schemas.microsoft.com/office/drawing/2010/main">
                 <a:solidFill>
                   <a:srgbClr val="FFFFFF"/>
                 </a:solidFill>
@@ -36458,7 +36432,7 @@
           <p:nvPr>
             <p:extLst>
               <p:ext uri="{D42A27DB-BD31-4B8C-83A1-F6EECF244321}">
-                <p14:modId xmlns:p14="http://schemas.microsoft.com/office/powerpoint/2010/main" xmlns="" val="2455211"/>
+                <p14:modId xmlns="" xmlns:p14="http://schemas.microsoft.com/office/powerpoint/2010/main" val="2455211"/>
               </p:ext>
             </p:extLst>
           </p:nvPr>
@@ -36476,7 +36450,7 @@
     </p:spTree>
     <p:extLst>
       <p:ext uri="{BB962C8B-B14F-4D97-AF65-F5344CB8AC3E}">
-        <p14:creationId xmlns:p14="http://schemas.microsoft.com/office/powerpoint/2010/main" xmlns="" val="1850118340"/>
+        <p14:creationId xmlns="" xmlns:p14="http://schemas.microsoft.com/office/powerpoint/2010/main" val="1850118340"/>
       </p:ext>
     </p:extLst>
   </p:cSld>
@@ -36836,7 +36810,7 @@
           <a:blip r:embed="rId3" cstate="print">
             <a:extLst>
               <a:ext uri="{28A0092B-C50C-407E-A947-70E740481C1C}">
-                <a14:useLocalDpi xmlns:a14="http://schemas.microsoft.com/office/drawing/2010/main" xmlns="" val="0"/>
+                <a14:useLocalDpi xmlns="" xmlns:a14="http://schemas.microsoft.com/office/drawing/2010/main" val="0"/>
               </a:ext>
             </a:extLst>
           </a:blip>
@@ -36856,7 +36830,7 @@
           <a:noFill/>
           <a:extLst>
             <a:ext uri="{909E8E84-426E-40DD-AFC4-6F175D3DCCD1}">
-              <a14:hiddenFill xmlns:a14="http://schemas.microsoft.com/office/drawing/2010/main" xmlns="">
+              <a14:hiddenFill xmlns="" xmlns:a14="http://schemas.microsoft.com/office/drawing/2010/main">
                 <a:solidFill>
                   <a:srgbClr val="FFFFFF"/>
                 </a:solidFill>
@@ -36877,7 +36851,7 @@
           <a:blip r:embed="rId4" cstate="print">
             <a:extLst>
               <a:ext uri="{28A0092B-C50C-407E-A947-70E740481C1C}">
-                <a14:useLocalDpi xmlns:a14="http://schemas.microsoft.com/office/drawing/2010/main" xmlns="" val="0"/>
+                <a14:useLocalDpi xmlns="" xmlns:a14="http://schemas.microsoft.com/office/drawing/2010/main" val="0"/>
               </a:ext>
             </a:extLst>
           </a:blip>
@@ -36897,7 +36871,7 @@
           <a:noFill/>
           <a:extLst>
             <a:ext uri="{909E8E84-426E-40DD-AFC4-6F175D3DCCD1}">
-              <a14:hiddenFill xmlns:a14="http://schemas.microsoft.com/office/drawing/2010/main" xmlns="">
+              <a14:hiddenFill xmlns="" xmlns:a14="http://schemas.microsoft.com/office/drawing/2010/main">
                 <a:solidFill>
                   <a:srgbClr val="FFFFFF"/>
                 </a:solidFill>
@@ -36909,7 +36883,7 @@
     </p:spTree>
     <p:extLst>
       <p:ext uri="{BB962C8B-B14F-4D97-AF65-F5344CB8AC3E}">
-        <p14:creationId xmlns:p14="http://schemas.microsoft.com/office/powerpoint/2010/main" xmlns="" val="3730440862"/>
+        <p14:creationId xmlns="" xmlns:p14="http://schemas.microsoft.com/office/powerpoint/2010/main" val="3730440862"/>
       </p:ext>
     </p:extLst>
   </p:cSld>

--- a/Documentacion/Proyecto/Presentacion Final/Exposicion Final.pptx
+++ b/Documentacion/Proyecto/Presentacion Final/Exposicion Final.pptx
@@ -1553,7 +1553,7 @@
   <dgm:whole/>
   <dgm:extLst>
     <a:ext uri="http://schemas.microsoft.com/office/drawing/2008/diagram">
-      <dsp:dataModelExt xmlns="" xmlns:dsp="http://schemas.microsoft.com/office/drawing/2008/diagram" relId="rId9" minVer="http://schemas.openxmlformats.org/drawingml/2006/diagram"/>
+      <dsp:dataModelExt xmlns:dsp="http://schemas.microsoft.com/office/drawing/2008/diagram" xmlns="" relId="rId9" minVer="http://schemas.openxmlformats.org/drawingml/2006/diagram"/>
     </a:ext>
   </dgm:extLst>
 </dgm:dataModel>
@@ -3867,7 +3867,7 @@
     </p:spTree>
     <p:extLst>
       <p:ext uri="{BB962C8B-B14F-4D97-AF65-F5344CB8AC3E}">
-        <p14:creationId xmlns="" xmlns:p14="http://schemas.microsoft.com/office/powerpoint/2010/main" val="2850839577"/>
+        <p14:creationId xmlns:p14="http://schemas.microsoft.com/office/powerpoint/2010/main" xmlns="" val="2850839577"/>
       </p:ext>
     </p:extLst>
   </p:cSld>
@@ -10013,7 +10013,7 @@
     </p:spTree>
     <p:extLst>
       <p:ext uri="{BB962C8B-B14F-4D97-AF65-F5344CB8AC3E}">
-        <p14:creationId xmlns="" xmlns:p14="http://schemas.microsoft.com/office/powerpoint/2010/main" val="1330727078"/>
+        <p14:creationId xmlns:p14="http://schemas.microsoft.com/office/powerpoint/2010/main" xmlns="" val="1330727078"/>
       </p:ext>
     </p:extLst>
   </p:cSld>
@@ -10189,7 +10189,7 @@
     </p:spTree>
     <p:extLst>
       <p:ext uri="{BB962C8B-B14F-4D97-AF65-F5344CB8AC3E}">
-        <p14:creationId xmlns="" xmlns:p14="http://schemas.microsoft.com/office/powerpoint/2010/main" val="72257086"/>
+        <p14:creationId xmlns:p14="http://schemas.microsoft.com/office/powerpoint/2010/main" xmlns="" val="72257086"/>
       </p:ext>
     </p:extLst>
   </p:cSld>
@@ -10375,7 +10375,7 @@
     </p:spTree>
     <p:extLst>
       <p:ext uri="{BB962C8B-B14F-4D97-AF65-F5344CB8AC3E}">
-        <p14:creationId xmlns="" xmlns:p14="http://schemas.microsoft.com/office/powerpoint/2010/main" val="3996790497"/>
+        <p14:creationId xmlns:p14="http://schemas.microsoft.com/office/powerpoint/2010/main" xmlns="" val="3996790497"/>
       </p:ext>
     </p:extLst>
   </p:cSld>
@@ -10551,7 +10551,7 @@
     </p:spTree>
     <p:extLst>
       <p:ext uri="{BB962C8B-B14F-4D97-AF65-F5344CB8AC3E}">
-        <p14:creationId xmlns="" xmlns:p14="http://schemas.microsoft.com/office/powerpoint/2010/main" val="3822553965"/>
+        <p14:creationId xmlns:p14="http://schemas.microsoft.com/office/powerpoint/2010/main" xmlns="" val="3822553965"/>
       </p:ext>
     </p:extLst>
   </p:cSld>
@@ -10803,7 +10803,7 @@
     </p:spTree>
     <p:extLst>
       <p:ext uri="{BB962C8B-B14F-4D97-AF65-F5344CB8AC3E}">
-        <p14:creationId xmlns="" xmlns:p14="http://schemas.microsoft.com/office/powerpoint/2010/main" val="352929955"/>
+        <p14:creationId xmlns:p14="http://schemas.microsoft.com/office/powerpoint/2010/main" xmlns="" val="352929955"/>
       </p:ext>
     </p:extLst>
   </p:cSld>
@@ -11041,7 +11041,7 @@
     </p:spTree>
     <p:extLst>
       <p:ext uri="{BB962C8B-B14F-4D97-AF65-F5344CB8AC3E}">
-        <p14:creationId xmlns="" xmlns:p14="http://schemas.microsoft.com/office/powerpoint/2010/main" val="1863607196"/>
+        <p14:creationId xmlns:p14="http://schemas.microsoft.com/office/powerpoint/2010/main" xmlns="" val="1863607196"/>
       </p:ext>
     </p:extLst>
   </p:cSld>
@@ -11477,7 +11477,7 @@
     </p:spTree>
     <p:extLst>
       <p:ext uri="{BB962C8B-B14F-4D97-AF65-F5344CB8AC3E}">
-        <p14:creationId xmlns="" xmlns:p14="http://schemas.microsoft.com/office/powerpoint/2010/main" val="2276288299"/>
+        <p14:creationId xmlns:p14="http://schemas.microsoft.com/office/powerpoint/2010/main" xmlns="" val="2276288299"/>
       </p:ext>
     </p:extLst>
   </p:cSld>
@@ -11601,7 +11601,7 @@
     </p:spTree>
     <p:extLst>
       <p:ext uri="{BB962C8B-B14F-4D97-AF65-F5344CB8AC3E}">
-        <p14:creationId xmlns="" xmlns:p14="http://schemas.microsoft.com/office/powerpoint/2010/main" val="3533055302"/>
+        <p14:creationId xmlns:p14="http://schemas.microsoft.com/office/powerpoint/2010/main" xmlns="" val="3533055302"/>
       </p:ext>
     </p:extLst>
   </p:cSld>
@@ -11702,7 +11702,7 @@
     </p:spTree>
     <p:extLst>
       <p:ext uri="{BB962C8B-B14F-4D97-AF65-F5344CB8AC3E}">
-        <p14:creationId xmlns="" xmlns:p14="http://schemas.microsoft.com/office/powerpoint/2010/main" val="512267318"/>
+        <p14:creationId xmlns:p14="http://schemas.microsoft.com/office/powerpoint/2010/main" xmlns="" val="512267318"/>
       </p:ext>
     </p:extLst>
   </p:cSld>
@@ -14807,7 +14807,7 @@
     </p:spTree>
     <p:extLst>
       <p:ext uri="{BB962C8B-B14F-4D97-AF65-F5344CB8AC3E}">
-        <p14:creationId xmlns="" xmlns:p14="http://schemas.microsoft.com/office/powerpoint/2010/main" val="1507695741"/>
+        <p14:creationId xmlns:p14="http://schemas.microsoft.com/office/powerpoint/2010/main" xmlns="" val="1507695741"/>
       </p:ext>
     </p:extLst>
   </p:cSld>
@@ -17898,7 +17898,7 @@
     </p:spTree>
     <p:extLst>
       <p:ext uri="{BB962C8B-B14F-4D97-AF65-F5344CB8AC3E}">
-        <p14:creationId xmlns="" xmlns:p14="http://schemas.microsoft.com/office/powerpoint/2010/main" val="2962261683"/>
+        <p14:creationId xmlns:p14="http://schemas.microsoft.com/office/powerpoint/2010/main" xmlns="" val="2962261683"/>
       </p:ext>
     </p:extLst>
   </p:cSld>
@@ -20904,7 +20904,7 @@
     </p:spTree>
     <p:extLst>
       <p:ext uri="{BB962C8B-B14F-4D97-AF65-F5344CB8AC3E}">
-        <p14:creationId xmlns="" xmlns:p14="http://schemas.microsoft.com/office/powerpoint/2010/main" val="1509962220"/>
+        <p14:creationId xmlns:p14="http://schemas.microsoft.com/office/powerpoint/2010/main" xmlns="" val="1509962220"/>
       </p:ext>
     </p:extLst>
   </p:cSld>
@@ -21474,7 +21474,7 @@
           <a:noFill/>
           <a:extLst>
             <a:ext uri="{909E8E84-426E-40DD-AFC4-6F175D3DCCD1}">
-              <a14:hiddenFill xmlns="" xmlns:a14="http://schemas.microsoft.com/office/drawing/2010/main">
+              <a14:hiddenFill xmlns:a14="http://schemas.microsoft.com/office/drawing/2010/main" xmlns="">
                 <a:solidFill>
                   <a:srgbClr val="FFFFFF"/>
                 </a:solidFill>
@@ -21510,7 +21510,7 @@
           <a:blip r:embed="rId3" cstate="print">
             <a:extLst>
               <a:ext uri="{28A0092B-C50C-407E-A947-70E740481C1C}">
-                <a14:useLocalDpi xmlns="" xmlns:a14="http://schemas.microsoft.com/office/drawing/2010/main" val="0"/>
+                <a14:useLocalDpi xmlns:a14="http://schemas.microsoft.com/office/drawing/2010/main" xmlns="" val="0"/>
               </a:ext>
             </a:extLst>
           </a:blip>
@@ -21530,7 +21530,7 @@
           <a:noFill/>
           <a:extLst>
             <a:ext uri="{909E8E84-426E-40DD-AFC4-6F175D3DCCD1}">
-              <a14:hiddenFill xmlns="" xmlns:a14="http://schemas.microsoft.com/office/drawing/2010/main">
+              <a14:hiddenFill xmlns:a14="http://schemas.microsoft.com/office/drawing/2010/main" xmlns="">
                 <a:solidFill>
                   <a:srgbClr val="FFFFFF"/>
                 </a:solidFill>
@@ -21551,7 +21551,7 @@
           <a:blip r:embed="rId4" cstate="print">
             <a:extLst>
               <a:ext uri="{28A0092B-C50C-407E-A947-70E740481C1C}">
-                <a14:useLocalDpi xmlns="" xmlns:a14="http://schemas.microsoft.com/office/drawing/2010/main" val="0"/>
+                <a14:useLocalDpi xmlns:a14="http://schemas.microsoft.com/office/drawing/2010/main" xmlns="" val="0"/>
               </a:ext>
             </a:extLst>
           </a:blip>
@@ -21571,7 +21571,7 @@
           <a:noFill/>
           <a:extLst>
             <a:ext uri="{909E8E84-426E-40DD-AFC4-6F175D3DCCD1}">
-              <a14:hiddenFill xmlns="" xmlns:a14="http://schemas.microsoft.com/office/drawing/2010/main">
+              <a14:hiddenFill xmlns:a14="http://schemas.microsoft.com/office/drawing/2010/main" xmlns="">
                 <a:solidFill>
                   <a:srgbClr val="FFFFFF"/>
                 </a:solidFill>
@@ -21583,7 +21583,7 @@
     </p:spTree>
     <p:extLst>
       <p:ext uri="{BB962C8B-B14F-4D97-AF65-F5344CB8AC3E}">
-        <p14:creationId xmlns="" xmlns:p14="http://schemas.microsoft.com/office/powerpoint/2010/main" val="1948239631"/>
+        <p14:creationId xmlns:p14="http://schemas.microsoft.com/office/powerpoint/2010/main" xmlns="" val="1948239631"/>
       </p:ext>
     </p:extLst>
   </p:cSld>
@@ -21923,7 +21923,6 @@
               <a:rPr lang="es-ES" dirty="0" smtClean="0"/>
               <a:t>Utilización de licenciamiento gratuito en el desarrollo del software.</a:t>
             </a:r>
-            <a:endParaRPr lang="es-ES" dirty="0" smtClean="0"/>
           </a:p>
         </p:txBody>
       </p:sp>
@@ -21939,7 +21938,7 @@
           <a:blip r:embed="rId3" cstate="print">
             <a:extLst>
               <a:ext uri="{28A0092B-C50C-407E-A947-70E740481C1C}">
-                <a14:useLocalDpi xmlns="" xmlns:a14="http://schemas.microsoft.com/office/drawing/2010/main" val="0"/>
+                <a14:useLocalDpi xmlns:a14="http://schemas.microsoft.com/office/drawing/2010/main" xmlns="" val="0"/>
               </a:ext>
             </a:extLst>
           </a:blip>
@@ -21959,7 +21958,7 @@
           <a:noFill/>
           <a:extLst>
             <a:ext uri="{909E8E84-426E-40DD-AFC4-6F175D3DCCD1}">
-              <a14:hiddenFill xmlns="" xmlns:a14="http://schemas.microsoft.com/office/drawing/2010/main">
+              <a14:hiddenFill xmlns:a14="http://schemas.microsoft.com/office/drawing/2010/main" xmlns="">
                 <a:solidFill>
                   <a:srgbClr val="FFFFFF"/>
                 </a:solidFill>
@@ -21980,7 +21979,7 @@
           <a:blip r:embed="rId4" cstate="print">
             <a:extLst>
               <a:ext uri="{28A0092B-C50C-407E-A947-70E740481C1C}">
-                <a14:useLocalDpi xmlns="" xmlns:a14="http://schemas.microsoft.com/office/drawing/2010/main" val="0"/>
+                <a14:useLocalDpi xmlns:a14="http://schemas.microsoft.com/office/drawing/2010/main" xmlns="" val="0"/>
               </a:ext>
             </a:extLst>
           </a:blip>
@@ -22000,7 +21999,7 @@
           <a:noFill/>
           <a:extLst>
             <a:ext uri="{909E8E84-426E-40DD-AFC4-6F175D3DCCD1}">
-              <a14:hiddenFill xmlns="" xmlns:a14="http://schemas.microsoft.com/office/drawing/2010/main">
+              <a14:hiddenFill xmlns:a14="http://schemas.microsoft.com/office/drawing/2010/main" xmlns="">
                 <a:solidFill>
                   <a:srgbClr val="FFFFFF"/>
                 </a:solidFill>
@@ -22012,7 +22011,7 @@
     </p:spTree>
     <p:extLst>
       <p:ext uri="{BB962C8B-B14F-4D97-AF65-F5344CB8AC3E}">
-        <p14:creationId xmlns="" xmlns:p14="http://schemas.microsoft.com/office/powerpoint/2010/main" val="3730440862"/>
+        <p14:creationId xmlns:p14="http://schemas.microsoft.com/office/powerpoint/2010/main" xmlns="" val="3730440862"/>
       </p:ext>
     </p:extLst>
   </p:cSld>
@@ -22090,7 +22089,7 @@
           <a:blip r:embed="rId3" cstate="print">
             <a:extLst>
               <a:ext uri="{28A0092B-C50C-407E-A947-70E740481C1C}">
-                <a14:useLocalDpi xmlns="" xmlns:a14="http://schemas.microsoft.com/office/drawing/2010/main" val="0"/>
+                <a14:useLocalDpi xmlns:a14="http://schemas.microsoft.com/office/drawing/2010/main" xmlns="" val="0"/>
               </a:ext>
             </a:extLst>
           </a:blip>
@@ -22110,7 +22109,7 @@
           <a:noFill/>
           <a:extLst>
             <a:ext uri="{909E8E84-426E-40DD-AFC4-6F175D3DCCD1}">
-              <a14:hiddenFill xmlns="" xmlns:a14="http://schemas.microsoft.com/office/drawing/2010/main">
+              <a14:hiddenFill xmlns:a14="http://schemas.microsoft.com/office/drawing/2010/main" xmlns="">
                 <a:solidFill>
                   <a:srgbClr val="FFFFFF"/>
                 </a:solidFill>
@@ -22131,7 +22130,7 @@
           <a:blip r:embed="rId4" cstate="print">
             <a:extLst>
               <a:ext uri="{28A0092B-C50C-407E-A947-70E740481C1C}">
-                <a14:useLocalDpi xmlns="" xmlns:a14="http://schemas.microsoft.com/office/drawing/2010/main" val="0"/>
+                <a14:useLocalDpi xmlns:a14="http://schemas.microsoft.com/office/drawing/2010/main" xmlns="" val="0"/>
               </a:ext>
             </a:extLst>
           </a:blip>
@@ -22151,7 +22150,7 @@
           <a:noFill/>
           <a:extLst>
             <a:ext uri="{909E8E84-426E-40DD-AFC4-6F175D3DCCD1}">
-              <a14:hiddenFill xmlns="" xmlns:a14="http://schemas.microsoft.com/office/drawing/2010/main">
+              <a14:hiddenFill xmlns:a14="http://schemas.microsoft.com/office/drawing/2010/main" xmlns="">
                 <a:solidFill>
                   <a:srgbClr val="FFFFFF"/>
                 </a:solidFill>
@@ -22598,7 +22597,7 @@
           <a:blip r:embed="rId5" cstate="print">
             <a:extLst>
               <a:ext uri="{28A0092B-C50C-407E-A947-70E740481C1C}">
-                <a14:useLocalDpi xmlns="" xmlns:a14="http://schemas.microsoft.com/office/drawing/2010/main" val="0"/>
+                <a14:useLocalDpi xmlns:a14="http://schemas.microsoft.com/office/drawing/2010/main" xmlns="" val="0"/>
               </a:ext>
             </a:extLst>
           </a:blip>
@@ -22657,7 +22656,7 @@
     </p:spTree>
     <p:extLst>
       <p:ext uri="{BB962C8B-B14F-4D97-AF65-F5344CB8AC3E}">
-        <p14:creationId xmlns="" xmlns:p14="http://schemas.microsoft.com/office/powerpoint/2010/main" val="371114157"/>
+        <p14:creationId xmlns:p14="http://schemas.microsoft.com/office/powerpoint/2010/main" xmlns="" val="371114157"/>
       </p:ext>
     </p:extLst>
   </p:cSld>
@@ -22735,7 +22734,7 @@
           <a:blip r:embed="rId3" cstate="print">
             <a:extLst>
               <a:ext uri="{28A0092B-C50C-407E-A947-70E740481C1C}">
-                <a14:useLocalDpi xmlns="" xmlns:a14="http://schemas.microsoft.com/office/drawing/2010/main" val="0"/>
+                <a14:useLocalDpi xmlns:a14="http://schemas.microsoft.com/office/drawing/2010/main" xmlns="" val="0"/>
               </a:ext>
             </a:extLst>
           </a:blip>
@@ -22755,7 +22754,7 @@
           <a:noFill/>
           <a:extLst>
             <a:ext uri="{909E8E84-426E-40DD-AFC4-6F175D3DCCD1}">
-              <a14:hiddenFill xmlns="" xmlns:a14="http://schemas.microsoft.com/office/drawing/2010/main">
+              <a14:hiddenFill xmlns:a14="http://schemas.microsoft.com/office/drawing/2010/main" xmlns="">
                 <a:solidFill>
                   <a:srgbClr val="FFFFFF"/>
                 </a:solidFill>
@@ -22776,7 +22775,7 @@
           <a:blip r:embed="rId4" cstate="print">
             <a:extLst>
               <a:ext uri="{28A0092B-C50C-407E-A947-70E740481C1C}">
-                <a14:useLocalDpi xmlns="" xmlns:a14="http://schemas.microsoft.com/office/drawing/2010/main" val="0"/>
+                <a14:useLocalDpi xmlns:a14="http://schemas.microsoft.com/office/drawing/2010/main" xmlns="" val="0"/>
               </a:ext>
             </a:extLst>
           </a:blip>
@@ -22796,7 +22795,7 @@
           <a:noFill/>
           <a:extLst>
             <a:ext uri="{909E8E84-426E-40DD-AFC4-6F175D3DCCD1}">
-              <a14:hiddenFill xmlns="" xmlns:a14="http://schemas.microsoft.com/office/drawing/2010/main">
+              <a14:hiddenFill xmlns:a14="http://schemas.microsoft.com/office/drawing/2010/main" xmlns="">
                 <a:solidFill>
                   <a:srgbClr val="FFFFFF"/>
                 </a:solidFill>
@@ -23265,7 +23264,7 @@
     </p:spTree>
     <p:extLst>
       <p:ext uri="{BB962C8B-B14F-4D97-AF65-F5344CB8AC3E}">
-        <p14:creationId xmlns="" xmlns:p14="http://schemas.microsoft.com/office/powerpoint/2010/main" val="2451265666"/>
+        <p14:creationId xmlns:p14="http://schemas.microsoft.com/office/powerpoint/2010/main" xmlns="" val="2451265666"/>
       </p:ext>
     </p:extLst>
   </p:cSld>
@@ -23343,7 +23342,7 @@
           <a:blip r:embed="rId3" cstate="print">
             <a:extLst>
               <a:ext uri="{28A0092B-C50C-407E-A947-70E740481C1C}">
-                <a14:useLocalDpi xmlns="" xmlns:a14="http://schemas.microsoft.com/office/drawing/2010/main" val="0"/>
+                <a14:useLocalDpi xmlns:a14="http://schemas.microsoft.com/office/drawing/2010/main" xmlns="" val="0"/>
               </a:ext>
             </a:extLst>
           </a:blip>
@@ -23363,7 +23362,7 @@
           <a:noFill/>
           <a:extLst>
             <a:ext uri="{909E8E84-426E-40DD-AFC4-6F175D3DCCD1}">
-              <a14:hiddenFill xmlns="" xmlns:a14="http://schemas.microsoft.com/office/drawing/2010/main">
+              <a14:hiddenFill xmlns:a14="http://schemas.microsoft.com/office/drawing/2010/main" xmlns="">
                 <a:solidFill>
                   <a:srgbClr val="FFFFFF"/>
                 </a:solidFill>
@@ -23384,7 +23383,7 @@
           <a:blip r:embed="rId4" cstate="print">
             <a:extLst>
               <a:ext uri="{28A0092B-C50C-407E-A947-70E740481C1C}">
-                <a14:useLocalDpi xmlns="" xmlns:a14="http://schemas.microsoft.com/office/drawing/2010/main" val="0"/>
+                <a14:useLocalDpi xmlns:a14="http://schemas.microsoft.com/office/drawing/2010/main" xmlns="" val="0"/>
               </a:ext>
             </a:extLst>
           </a:blip>
@@ -23404,7 +23403,7 @@
           <a:noFill/>
           <a:extLst>
             <a:ext uri="{909E8E84-426E-40DD-AFC4-6F175D3DCCD1}">
-              <a14:hiddenFill xmlns="" xmlns:a14="http://schemas.microsoft.com/office/drawing/2010/main">
+              <a14:hiddenFill xmlns:a14="http://schemas.microsoft.com/office/drawing/2010/main" xmlns="">
                 <a:solidFill>
                   <a:srgbClr val="FFFFFF"/>
                 </a:solidFill>
@@ -23698,7 +23697,7 @@
     </p:spTree>
     <p:extLst>
       <p:ext uri="{BB962C8B-B14F-4D97-AF65-F5344CB8AC3E}">
-        <p14:creationId xmlns="" xmlns:p14="http://schemas.microsoft.com/office/powerpoint/2010/main" val="2270680916"/>
+        <p14:creationId xmlns:p14="http://schemas.microsoft.com/office/powerpoint/2010/main" xmlns="" val="2270680916"/>
       </p:ext>
     </p:extLst>
   </p:cSld>
@@ -23776,7 +23775,7 @@
           <a:blip r:embed="rId3" cstate="print">
             <a:extLst>
               <a:ext uri="{28A0092B-C50C-407E-A947-70E740481C1C}">
-                <a14:useLocalDpi xmlns="" xmlns:a14="http://schemas.microsoft.com/office/drawing/2010/main" val="0"/>
+                <a14:useLocalDpi xmlns:a14="http://schemas.microsoft.com/office/drawing/2010/main" xmlns="" val="0"/>
               </a:ext>
             </a:extLst>
           </a:blip>
@@ -23796,7 +23795,7 @@
           <a:noFill/>
           <a:extLst>
             <a:ext uri="{909E8E84-426E-40DD-AFC4-6F175D3DCCD1}">
-              <a14:hiddenFill xmlns="" xmlns:a14="http://schemas.microsoft.com/office/drawing/2010/main">
+              <a14:hiddenFill xmlns:a14="http://schemas.microsoft.com/office/drawing/2010/main" xmlns="">
                 <a:solidFill>
                   <a:srgbClr val="FFFFFF"/>
                 </a:solidFill>
@@ -23817,7 +23816,7 @@
           <a:blip r:embed="rId4" cstate="print">
             <a:extLst>
               <a:ext uri="{28A0092B-C50C-407E-A947-70E740481C1C}">
-                <a14:useLocalDpi xmlns="" xmlns:a14="http://schemas.microsoft.com/office/drawing/2010/main" val="0"/>
+                <a14:useLocalDpi xmlns:a14="http://schemas.microsoft.com/office/drawing/2010/main" xmlns="" val="0"/>
               </a:ext>
             </a:extLst>
           </a:blip>
@@ -23837,7 +23836,7 @@
           <a:noFill/>
           <a:extLst>
             <a:ext uri="{909E8E84-426E-40DD-AFC4-6F175D3DCCD1}">
-              <a14:hiddenFill xmlns="" xmlns:a14="http://schemas.microsoft.com/office/drawing/2010/main">
+              <a14:hiddenFill xmlns:a14="http://schemas.microsoft.com/office/drawing/2010/main" xmlns="">
                 <a:solidFill>
                   <a:srgbClr val="FFFFFF"/>
                 </a:solidFill>
@@ -24356,7 +24355,7 @@
     </p:spTree>
     <p:extLst>
       <p:ext uri="{BB962C8B-B14F-4D97-AF65-F5344CB8AC3E}">
-        <p14:creationId xmlns="" xmlns:p14="http://schemas.microsoft.com/office/powerpoint/2010/main" val="1231639983"/>
+        <p14:creationId xmlns:p14="http://schemas.microsoft.com/office/powerpoint/2010/main" xmlns="" val="1231639983"/>
       </p:ext>
     </p:extLst>
   </p:cSld>
@@ -24434,7 +24433,7 @@
           <a:blip r:embed="rId3" cstate="print">
             <a:extLst>
               <a:ext uri="{28A0092B-C50C-407E-A947-70E740481C1C}">
-                <a14:useLocalDpi xmlns="" xmlns:a14="http://schemas.microsoft.com/office/drawing/2010/main" val="0"/>
+                <a14:useLocalDpi xmlns:a14="http://schemas.microsoft.com/office/drawing/2010/main" xmlns="" val="0"/>
               </a:ext>
             </a:extLst>
           </a:blip>
@@ -24454,7 +24453,7 @@
           <a:noFill/>
           <a:extLst>
             <a:ext uri="{909E8E84-426E-40DD-AFC4-6F175D3DCCD1}">
-              <a14:hiddenFill xmlns="" xmlns:a14="http://schemas.microsoft.com/office/drawing/2010/main">
+              <a14:hiddenFill xmlns:a14="http://schemas.microsoft.com/office/drawing/2010/main" xmlns="">
                 <a:solidFill>
                   <a:srgbClr val="FFFFFF"/>
                 </a:solidFill>
@@ -24475,7 +24474,7 @@
           <a:blip r:embed="rId4" cstate="print">
             <a:extLst>
               <a:ext uri="{28A0092B-C50C-407E-A947-70E740481C1C}">
-                <a14:useLocalDpi xmlns="" xmlns:a14="http://schemas.microsoft.com/office/drawing/2010/main" val="0"/>
+                <a14:useLocalDpi xmlns:a14="http://schemas.microsoft.com/office/drawing/2010/main" xmlns="" val="0"/>
               </a:ext>
             </a:extLst>
           </a:blip>
@@ -24495,7 +24494,7 @@
           <a:noFill/>
           <a:extLst>
             <a:ext uri="{909E8E84-426E-40DD-AFC4-6F175D3DCCD1}">
-              <a14:hiddenFill xmlns="" xmlns:a14="http://schemas.microsoft.com/office/drawing/2010/main">
+              <a14:hiddenFill xmlns:a14="http://schemas.microsoft.com/office/drawing/2010/main" xmlns="">
                 <a:solidFill>
                   <a:srgbClr val="FFFFFF"/>
                 </a:solidFill>
@@ -24784,7 +24783,7 @@
           <a:blip r:embed="rId5" cstate="print">
             <a:extLst>
               <a:ext uri="{28A0092B-C50C-407E-A947-70E740481C1C}">
-                <a14:useLocalDpi xmlns="" xmlns:a14="http://schemas.microsoft.com/office/drawing/2010/main" val="0"/>
+                <a14:useLocalDpi xmlns:a14="http://schemas.microsoft.com/office/drawing/2010/main" xmlns="" val="0"/>
               </a:ext>
             </a:extLst>
           </a:blip>
@@ -24805,7 +24804,7 @@
     </p:spTree>
     <p:extLst>
       <p:ext uri="{BB962C8B-B14F-4D97-AF65-F5344CB8AC3E}">
-        <p14:creationId xmlns="" xmlns:p14="http://schemas.microsoft.com/office/powerpoint/2010/main" val="2631451680"/>
+        <p14:creationId xmlns:p14="http://schemas.microsoft.com/office/powerpoint/2010/main" xmlns="" val="2631451680"/>
       </p:ext>
     </p:extLst>
   </p:cSld>
@@ -24883,7 +24882,7 @@
           <a:blip r:embed="rId3" cstate="print">
             <a:extLst>
               <a:ext uri="{28A0092B-C50C-407E-A947-70E740481C1C}">
-                <a14:useLocalDpi xmlns="" xmlns:a14="http://schemas.microsoft.com/office/drawing/2010/main" val="0"/>
+                <a14:useLocalDpi xmlns:a14="http://schemas.microsoft.com/office/drawing/2010/main" xmlns="" val="0"/>
               </a:ext>
             </a:extLst>
           </a:blip>
@@ -24903,7 +24902,7 @@
           <a:noFill/>
           <a:extLst>
             <a:ext uri="{909E8E84-426E-40DD-AFC4-6F175D3DCCD1}">
-              <a14:hiddenFill xmlns="" xmlns:a14="http://schemas.microsoft.com/office/drawing/2010/main">
+              <a14:hiddenFill xmlns:a14="http://schemas.microsoft.com/office/drawing/2010/main" xmlns="">
                 <a:solidFill>
                   <a:srgbClr val="FFFFFF"/>
                 </a:solidFill>
@@ -24924,7 +24923,7 @@
           <a:blip r:embed="rId4" cstate="print">
             <a:extLst>
               <a:ext uri="{28A0092B-C50C-407E-A947-70E740481C1C}">
-                <a14:useLocalDpi xmlns="" xmlns:a14="http://schemas.microsoft.com/office/drawing/2010/main" val="0"/>
+                <a14:useLocalDpi xmlns:a14="http://schemas.microsoft.com/office/drawing/2010/main" xmlns="" val="0"/>
               </a:ext>
             </a:extLst>
           </a:blip>
@@ -24944,7 +24943,7 @@
           <a:noFill/>
           <a:extLst>
             <a:ext uri="{909E8E84-426E-40DD-AFC4-6F175D3DCCD1}">
-              <a14:hiddenFill xmlns="" xmlns:a14="http://schemas.microsoft.com/office/drawing/2010/main">
+              <a14:hiddenFill xmlns:a14="http://schemas.microsoft.com/office/drawing/2010/main" xmlns="">
                 <a:solidFill>
                   <a:srgbClr val="FFFFFF"/>
                 </a:solidFill>
@@ -25465,7 +25464,7 @@
     </p:spTree>
     <p:extLst>
       <p:ext uri="{BB962C8B-B14F-4D97-AF65-F5344CB8AC3E}">
-        <p14:creationId xmlns="" xmlns:p14="http://schemas.microsoft.com/office/powerpoint/2010/main" val="3569134236"/>
+        <p14:creationId xmlns:p14="http://schemas.microsoft.com/office/powerpoint/2010/main" xmlns="" val="3569134236"/>
       </p:ext>
     </p:extLst>
   </p:cSld>
@@ -25543,7 +25542,7 @@
           <a:blip r:embed="rId3" cstate="print">
             <a:extLst>
               <a:ext uri="{28A0092B-C50C-407E-A947-70E740481C1C}">
-                <a14:useLocalDpi xmlns="" xmlns:a14="http://schemas.microsoft.com/office/drawing/2010/main" val="0"/>
+                <a14:useLocalDpi xmlns:a14="http://schemas.microsoft.com/office/drawing/2010/main" xmlns="" val="0"/>
               </a:ext>
             </a:extLst>
           </a:blip>
@@ -25563,7 +25562,7 @@
           <a:noFill/>
           <a:extLst>
             <a:ext uri="{909E8E84-426E-40DD-AFC4-6F175D3DCCD1}">
-              <a14:hiddenFill xmlns="" xmlns:a14="http://schemas.microsoft.com/office/drawing/2010/main">
+              <a14:hiddenFill xmlns:a14="http://schemas.microsoft.com/office/drawing/2010/main" xmlns="">
                 <a:solidFill>
                   <a:srgbClr val="FFFFFF"/>
                 </a:solidFill>
@@ -25584,7 +25583,7 @@
           <a:blip r:embed="rId4" cstate="print">
             <a:extLst>
               <a:ext uri="{28A0092B-C50C-407E-A947-70E740481C1C}">
-                <a14:useLocalDpi xmlns="" xmlns:a14="http://schemas.microsoft.com/office/drawing/2010/main" val="0"/>
+                <a14:useLocalDpi xmlns:a14="http://schemas.microsoft.com/office/drawing/2010/main" xmlns="" val="0"/>
               </a:ext>
             </a:extLst>
           </a:blip>
@@ -25604,7 +25603,7 @@
           <a:noFill/>
           <a:extLst>
             <a:ext uri="{909E8E84-426E-40DD-AFC4-6F175D3DCCD1}">
-              <a14:hiddenFill xmlns="" xmlns:a14="http://schemas.microsoft.com/office/drawing/2010/main">
+              <a14:hiddenFill xmlns:a14="http://schemas.microsoft.com/office/drawing/2010/main" xmlns="">
                 <a:solidFill>
                   <a:srgbClr val="FFFFFF"/>
                 </a:solidFill>
@@ -26137,7 +26136,7 @@
     </p:spTree>
     <p:extLst>
       <p:ext uri="{BB962C8B-B14F-4D97-AF65-F5344CB8AC3E}">
-        <p14:creationId xmlns="" xmlns:p14="http://schemas.microsoft.com/office/powerpoint/2010/main" val="3452687192"/>
+        <p14:creationId xmlns:p14="http://schemas.microsoft.com/office/powerpoint/2010/main" xmlns="" val="3452687192"/>
       </p:ext>
     </p:extLst>
   </p:cSld>
@@ -26215,7 +26214,7 @@
           <a:blip r:embed="rId3" cstate="print">
             <a:extLst>
               <a:ext uri="{28A0092B-C50C-407E-A947-70E740481C1C}">
-                <a14:useLocalDpi xmlns="" xmlns:a14="http://schemas.microsoft.com/office/drawing/2010/main" val="0"/>
+                <a14:useLocalDpi xmlns:a14="http://schemas.microsoft.com/office/drawing/2010/main" xmlns="" val="0"/>
               </a:ext>
             </a:extLst>
           </a:blip>
@@ -26235,7 +26234,7 @@
           <a:noFill/>
           <a:extLst>
             <a:ext uri="{909E8E84-426E-40DD-AFC4-6F175D3DCCD1}">
-              <a14:hiddenFill xmlns="" xmlns:a14="http://schemas.microsoft.com/office/drawing/2010/main">
+              <a14:hiddenFill xmlns:a14="http://schemas.microsoft.com/office/drawing/2010/main" xmlns="">
                 <a:solidFill>
                   <a:srgbClr val="FFFFFF"/>
                 </a:solidFill>
@@ -26256,7 +26255,7 @@
           <a:blip r:embed="rId4" cstate="print">
             <a:extLst>
               <a:ext uri="{28A0092B-C50C-407E-A947-70E740481C1C}">
-                <a14:useLocalDpi xmlns="" xmlns:a14="http://schemas.microsoft.com/office/drawing/2010/main" val="0"/>
+                <a14:useLocalDpi xmlns:a14="http://schemas.microsoft.com/office/drawing/2010/main" xmlns="" val="0"/>
               </a:ext>
             </a:extLst>
           </a:blip>
@@ -26276,7 +26275,7 @@
           <a:noFill/>
           <a:extLst>
             <a:ext uri="{909E8E84-426E-40DD-AFC4-6F175D3DCCD1}">
-              <a14:hiddenFill xmlns="" xmlns:a14="http://schemas.microsoft.com/office/drawing/2010/main">
+              <a14:hiddenFill xmlns:a14="http://schemas.microsoft.com/office/drawing/2010/main" xmlns="">
                 <a:solidFill>
                   <a:srgbClr val="FFFFFF"/>
                 </a:solidFill>
@@ -26770,7 +26769,7 @@
           <a:blip r:embed="rId5" cstate="print">
             <a:extLst>
               <a:ext uri="{28A0092B-C50C-407E-A947-70E740481C1C}">
-                <a14:useLocalDpi xmlns="" xmlns:a14="http://schemas.microsoft.com/office/drawing/2010/main" val="0"/>
+                <a14:useLocalDpi xmlns:a14="http://schemas.microsoft.com/office/drawing/2010/main" xmlns="" val="0"/>
               </a:ext>
             </a:extLst>
           </a:blip>
@@ -26791,7 +26790,7 @@
     </p:spTree>
     <p:extLst>
       <p:ext uri="{BB962C8B-B14F-4D97-AF65-F5344CB8AC3E}">
-        <p14:creationId xmlns="" xmlns:p14="http://schemas.microsoft.com/office/powerpoint/2010/main" val="1895813771"/>
+        <p14:creationId xmlns:p14="http://schemas.microsoft.com/office/powerpoint/2010/main" xmlns="" val="1895813771"/>
       </p:ext>
     </p:extLst>
   </p:cSld>
@@ -26869,7 +26868,7 @@
           <a:blip r:embed="rId3" cstate="print">
             <a:extLst>
               <a:ext uri="{28A0092B-C50C-407E-A947-70E740481C1C}">
-                <a14:useLocalDpi xmlns="" xmlns:a14="http://schemas.microsoft.com/office/drawing/2010/main" val="0"/>
+                <a14:useLocalDpi xmlns:a14="http://schemas.microsoft.com/office/drawing/2010/main" xmlns="" val="0"/>
               </a:ext>
             </a:extLst>
           </a:blip>
@@ -26889,7 +26888,7 @@
           <a:noFill/>
           <a:extLst>
             <a:ext uri="{909E8E84-426E-40DD-AFC4-6F175D3DCCD1}">
-              <a14:hiddenFill xmlns="" xmlns:a14="http://schemas.microsoft.com/office/drawing/2010/main">
+              <a14:hiddenFill xmlns:a14="http://schemas.microsoft.com/office/drawing/2010/main" xmlns="">
                 <a:solidFill>
                   <a:srgbClr val="FFFFFF"/>
                 </a:solidFill>
@@ -26910,7 +26909,7 @@
           <a:blip r:embed="rId4" cstate="print">
             <a:extLst>
               <a:ext uri="{28A0092B-C50C-407E-A947-70E740481C1C}">
-                <a14:useLocalDpi xmlns="" xmlns:a14="http://schemas.microsoft.com/office/drawing/2010/main" val="0"/>
+                <a14:useLocalDpi xmlns:a14="http://schemas.microsoft.com/office/drawing/2010/main" xmlns="" val="0"/>
               </a:ext>
             </a:extLst>
           </a:blip>
@@ -26930,7 +26929,7 @@
           <a:noFill/>
           <a:extLst>
             <a:ext uri="{909E8E84-426E-40DD-AFC4-6F175D3DCCD1}">
-              <a14:hiddenFill xmlns="" xmlns:a14="http://schemas.microsoft.com/office/drawing/2010/main">
+              <a14:hiddenFill xmlns:a14="http://schemas.microsoft.com/office/drawing/2010/main" xmlns="">
                 <a:solidFill>
                   <a:srgbClr val="FFFFFF"/>
                 </a:solidFill>
@@ -27424,7 +27423,7 @@
           <a:blip r:embed="rId5" cstate="print">
             <a:extLst>
               <a:ext uri="{28A0092B-C50C-407E-A947-70E740481C1C}">
-                <a14:useLocalDpi xmlns="" xmlns:a14="http://schemas.microsoft.com/office/drawing/2010/main" val="0"/>
+                <a14:useLocalDpi xmlns:a14="http://schemas.microsoft.com/office/drawing/2010/main" xmlns="" val="0"/>
               </a:ext>
             </a:extLst>
           </a:blip>
@@ -27445,7 +27444,7 @@
     </p:spTree>
     <p:extLst>
       <p:ext uri="{BB962C8B-B14F-4D97-AF65-F5344CB8AC3E}">
-        <p14:creationId xmlns="" xmlns:p14="http://schemas.microsoft.com/office/powerpoint/2010/main" val="1731941927"/>
+        <p14:creationId xmlns:p14="http://schemas.microsoft.com/office/powerpoint/2010/main" xmlns="" val="1731941927"/>
       </p:ext>
     </p:extLst>
   </p:cSld>
@@ -27900,7 +27899,7 @@
           <a:blip r:embed="rId3" cstate="print">
             <a:extLst>
               <a:ext uri="{28A0092B-C50C-407E-A947-70E740481C1C}">
-                <a14:useLocalDpi xmlns="" xmlns:a14="http://schemas.microsoft.com/office/drawing/2010/main" val="0"/>
+                <a14:useLocalDpi xmlns:a14="http://schemas.microsoft.com/office/drawing/2010/main" xmlns="" val="0"/>
               </a:ext>
             </a:extLst>
           </a:blip>
@@ -27920,7 +27919,7 @@
           <a:noFill/>
           <a:extLst>
             <a:ext uri="{909E8E84-426E-40DD-AFC4-6F175D3DCCD1}">
-              <a14:hiddenFill xmlns="" xmlns:a14="http://schemas.microsoft.com/office/drawing/2010/main">
+              <a14:hiddenFill xmlns:a14="http://schemas.microsoft.com/office/drawing/2010/main" xmlns="">
                 <a:solidFill>
                   <a:srgbClr val="FFFFFF"/>
                 </a:solidFill>
@@ -27941,7 +27940,7 @@
           <a:blip r:embed="rId4" cstate="print">
             <a:extLst>
               <a:ext uri="{28A0092B-C50C-407E-A947-70E740481C1C}">
-                <a14:useLocalDpi xmlns="" xmlns:a14="http://schemas.microsoft.com/office/drawing/2010/main" val="0"/>
+                <a14:useLocalDpi xmlns:a14="http://schemas.microsoft.com/office/drawing/2010/main" xmlns="" val="0"/>
               </a:ext>
             </a:extLst>
           </a:blip>
@@ -27961,7 +27960,7 @@
           <a:noFill/>
           <a:extLst>
             <a:ext uri="{909E8E84-426E-40DD-AFC4-6F175D3DCCD1}">
-              <a14:hiddenFill xmlns="" xmlns:a14="http://schemas.microsoft.com/office/drawing/2010/main">
+              <a14:hiddenFill xmlns:a14="http://schemas.microsoft.com/office/drawing/2010/main" xmlns="">
                 <a:solidFill>
                   <a:srgbClr val="FFFFFF"/>
                 </a:solidFill>
@@ -27973,7 +27972,7 @@
     </p:spTree>
     <p:extLst>
       <p:ext uri="{BB962C8B-B14F-4D97-AF65-F5344CB8AC3E}">
-        <p14:creationId xmlns="" xmlns:p14="http://schemas.microsoft.com/office/powerpoint/2010/main" val="326677412"/>
+        <p14:creationId xmlns:p14="http://schemas.microsoft.com/office/powerpoint/2010/main" xmlns="" val="326677412"/>
       </p:ext>
     </p:extLst>
   </p:cSld>
@@ -28051,7 +28050,7 @@
           <a:blip r:embed="rId3" cstate="print">
             <a:extLst>
               <a:ext uri="{28A0092B-C50C-407E-A947-70E740481C1C}">
-                <a14:useLocalDpi xmlns="" xmlns:a14="http://schemas.microsoft.com/office/drawing/2010/main" val="0"/>
+                <a14:useLocalDpi xmlns:a14="http://schemas.microsoft.com/office/drawing/2010/main" xmlns="" val="0"/>
               </a:ext>
             </a:extLst>
           </a:blip>
@@ -28071,7 +28070,7 @@
           <a:noFill/>
           <a:extLst>
             <a:ext uri="{909E8E84-426E-40DD-AFC4-6F175D3DCCD1}">
-              <a14:hiddenFill xmlns="" xmlns:a14="http://schemas.microsoft.com/office/drawing/2010/main">
+              <a14:hiddenFill xmlns:a14="http://schemas.microsoft.com/office/drawing/2010/main" xmlns="">
                 <a:solidFill>
                   <a:srgbClr val="FFFFFF"/>
                 </a:solidFill>
@@ -28092,7 +28091,7 @@
           <a:blip r:embed="rId4" cstate="print">
             <a:extLst>
               <a:ext uri="{28A0092B-C50C-407E-A947-70E740481C1C}">
-                <a14:useLocalDpi xmlns="" xmlns:a14="http://schemas.microsoft.com/office/drawing/2010/main" val="0"/>
+                <a14:useLocalDpi xmlns:a14="http://schemas.microsoft.com/office/drawing/2010/main" xmlns="" val="0"/>
               </a:ext>
             </a:extLst>
           </a:blip>
@@ -28112,7 +28111,7 @@
           <a:noFill/>
           <a:extLst>
             <a:ext uri="{909E8E84-426E-40DD-AFC4-6F175D3DCCD1}">
-              <a14:hiddenFill xmlns="" xmlns:a14="http://schemas.microsoft.com/office/drawing/2010/main">
+              <a14:hiddenFill xmlns:a14="http://schemas.microsoft.com/office/drawing/2010/main" xmlns="">
                 <a:solidFill>
                   <a:srgbClr val="FFFFFF"/>
                 </a:solidFill>
@@ -28662,7 +28661,7 @@
     </p:spTree>
     <p:extLst>
       <p:ext uri="{BB962C8B-B14F-4D97-AF65-F5344CB8AC3E}">
-        <p14:creationId xmlns="" xmlns:p14="http://schemas.microsoft.com/office/powerpoint/2010/main" val="2144027803"/>
+        <p14:creationId xmlns:p14="http://schemas.microsoft.com/office/powerpoint/2010/main" xmlns="" val="2144027803"/>
       </p:ext>
     </p:extLst>
   </p:cSld>
@@ -28740,7 +28739,7 @@
           <a:blip r:embed="rId3" cstate="print">
             <a:extLst>
               <a:ext uri="{28A0092B-C50C-407E-A947-70E740481C1C}">
-                <a14:useLocalDpi xmlns="" xmlns:a14="http://schemas.microsoft.com/office/drawing/2010/main" val="0"/>
+                <a14:useLocalDpi xmlns:a14="http://schemas.microsoft.com/office/drawing/2010/main" xmlns="" val="0"/>
               </a:ext>
             </a:extLst>
           </a:blip>
@@ -28760,7 +28759,7 @@
           <a:noFill/>
           <a:extLst>
             <a:ext uri="{909E8E84-426E-40DD-AFC4-6F175D3DCCD1}">
-              <a14:hiddenFill xmlns="" xmlns:a14="http://schemas.microsoft.com/office/drawing/2010/main">
+              <a14:hiddenFill xmlns:a14="http://schemas.microsoft.com/office/drawing/2010/main" xmlns="">
                 <a:solidFill>
                   <a:srgbClr val="FFFFFF"/>
                 </a:solidFill>
@@ -28781,7 +28780,7 @@
           <a:blip r:embed="rId4" cstate="print">
             <a:extLst>
               <a:ext uri="{28A0092B-C50C-407E-A947-70E740481C1C}">
-                <a14:useLocalDpi xmlns="" xmlns:a14="http://schemas.microsoft.com/office/drawing/2010/main" val="0"/>
+                <a14:useLocalDpi xmlns:a14="http://schemas.microsoft.com/office/drawing/2010/main" xmlns="" val="0"/>
               </a:ext>
             </a:extLst>
           </a:blip>
@@ -28801,7 +28800,7 @@
           <a:noFill/>
           <a:extLst>
             <a:ext uri="{909E8E84-426E-40DD-AFC4-6F175D3DCCD1}">
-              <a14:hiddenFill xmlns="" xmlns:a14="http://schemas.microsoft.com/office/drawing/2010/main">
+              <a14:hiddenFill xmlns:a14="http://schemas.microsoft.com/office/drawing/2010/main" xmlns="">
                 <a:solidFill>
                   <a:srgbClr val="FFFFFF"/>
                 </a:solidFill>
@@ -29342,7 +29341,7 @@
     </p:spTree>
     <p:extLst>
       <p:ext uri="{BB962C8B-B14F-4D97-AF65-F5344CB8AC3E}">
-        <p14:creationId xmlns="" xmlns:p14="http://schemas.microsoft.com/office/powerpoint/2010/main" val="3033221212"/>
+        <p14:creationId xmlns:p14="http://schemas.microsoft.com/office/powerpoint/2010/main" xmlns="" val="3033221212"/>
       </p:ext>
     </p:extLst>
   </p:cSld>
@@ -29420,7 +29419,7 @@
           <a:blip r:embed="rId3" cstate="print">
             <a:extLst>
               <a:ext uri="{28A0092B-C50C-407E-A947-70E740481C1C}">
-                <a14:useLocalDpi xmlns="" xmlns:a14="http://schemas.microsoft.com/office/drawing/2010/main" val="0"/>
+                <a14:useLocalDpi xmlns:a14="http://schemas.microsoft.com/office/drawing/2010/main" xmlns="" val="0"/>
               </a:ext>
             </a:extLst>
           </a:blip>
@@ -29440,7 +29439,7 @@
           <a:noFill/>
           <a:extLst>
             <a:ext uri="{909E8E84-426E-40DD-AFC4-6F175D3DCCD1}">
-              <a14:hiddenFill xmlns="" xmlns:a14="http://schemas.microsoft.com/office/drawing/2010/main">
+              <a14:hiddenFill xmlns:a14="http://schemas.microsoft.com/office/drawing/2010/main" xmlns="">
                 <a:solidFill>
                   <a:srgbClr val="FFFFFF"/>
                 </a:solidFill>
@@ -29461,7 +29460,7 @@
           <a:blip r:embed="rId4" cstate="print">
             <a:extLst>
               <a:ext uri="{28A0092B-C50C-407E-A947-70E740481C1C}">
-                <a14:useLocalDpi xmlns="" xmlns:a14="http://schemas.microsoft.com/office/drawing/2010/main" val="0"/>
+                <a14:useLocalDpi xmlns:a14="http://schemas.microsoft.com/office/drawing/2010/main" xmlns="" val="0"/>
               </a:ext>
             </a:extLst>
           </a:blip>
@@ -29481,7 +29480,7 @@
           <a:noFill/>
           <a:extLst>
             <a:ext uri="{909E8E84-426E-40DD-AFC4-6F175D3DCCD1}">
-              <a14:hiddenFill xmlns="" xmlns:a14="http://schemas.microsoft.com/office/drawing/2010/main">
+              <a14:hiddenFill xmlns:a14="http://schemas.microsoft.com/office/drawing/2010/main" xmlns="">
                 <a:solidFill>
                   <a:srgbClr val="FFFFFF"/>
                 </a:solidFill>
@@ -29783,7 +29782,7 @@
     </p:spTree>
     <p:extLst>
       <p:ext uri="{BB962C8B-B14F-4D97-AF65-F5344CB8AC3E}">
-        <p14:creationId xmlns="" xmlns:p14="http://schemas.microsoft.com/office/powerpoint/2010/main" val="2045473191"/>
+        <p14:creationId xmlns:p14="http://schemas.microsoft.com/office/powerpoint/2010/main" xmlns="" val="2045473191"/>
       </p:ext>
     </p:extLst>
   </p:cSld>
@@ -29861,7 +29860,7 @@
           <a:blip r:embed="rId3" cstate="print">
             <a:extLst>
               <a:ext uri="{28A0092B-C50C-407E-A947-70E740481C1C}">
-                <a14:useLocalDpi xmlns="" xmlns:a14="http://schemas.microsoft.com/office/drawing/2010/main" val="0"/>
+                <a14:useLocalDpi xmlns:a14="http://schemas.microsoft.com/office/drawing/2010/main" xmlns="" val="0"/>
               </a:ext>
             </a:extLst>
           </a:blip>
@@ -29881,7 +29880,7 @@
           <a:noFill/>
           <a:extLst>
             <a:ext uri="{909E8E84-426E-40DD-AFC4-6F175D3DCCD1}">
-              <a14:hiddenFill xmlns="" xmlns:a14="http://schemas.microsoft.com/office/drawing/2010/main">
+              <a14:hiddenFill xmlns:a14="http://schemas.microsoft.com/office/drawing/2010/main" xmlns="">
                 <a:solidFill>
                   <a:srgbClr val="FFFFFF"/>
                 </a:solidFill>
@@ -29902,7 +29901,7 @@
           <a:blip r:embed="rId4" cstate="print">
             <a:extLst>
               <a:ext uri="{28A0092B-C50C-407E-A947-70E740481C1C}">
-                <a14:useLocalDpi xmlns="" xmlns:a14="http://schemas.microsoft.com/office/drawing/2010/main" val="0"/>
+                <a14:useLocalDpi xmlns:a14="http://schemas.microsoft.com/office/drawing/2010/main" xmlns="" val="0"/>
               </a:ext>
             </a:extLst>
           </a:blip>
@@ -29922,7 +29921,7 @@
           <a:noFill/>
           <a:extLst>
             <a:ext uri="{909E8E84-426E-40DD-AFC4-6F175D3DCCD1}">
-              <a14:hiddenFill xmlns="" xmlns:a14="http://schemas.microsoft.com/office/drawing/2010/main">
+              <a14:hiddenFill xmlns:a14="http://schemas.microsoft.com/office/drawing/2010/main" xmlns="">
                 <a:solidFill>
                   <a:srgbClr val="FFFFFF"/>
                 </a:solidFill>
@@ -30439,7 +30438,7 @@
     </p:spTree>
     <p:extLst>
       <p:ext uri="{BB962C8B-B14F-4D97-AF65-F5344CB8AC3E}">
-        <p14:creationId xmlns="" xmlns:p14="http://schemas.microsoft.com/office/powerpoint/2010/main" val="3791234836"/>
+        <p14:creationId xmlns:p14="http://schemas.microsoft.com/office/powerpoint/2010/main" xmlns="" val="3791234836"/>
       </p:ext>
     </p:extLst>
   </p:cSld>
@@ -30664,7 +30663,7 @@
           <a:noFill/>
           <a:extLst>
             <a:ext uri="{909E8E84-426E-40DD-AFC4-6F175D3DCCD1}">
-              <a14:hiddenFill xmlns="" xmlns:a14="http://schemas.microsoft.com/office/drawing/2010/main">
+              <a14:hiddenFill xmlns:a14="http://schemas.microsoft.com/office/drawing/2010/main" xmlns="">
                 <a:solidFill>
                   <a:srgbClr val="FFFFFF"/>
                 </a:solidFill>
@@ -30700,7 +30699,7 @@
           <a:blip r:embed="rId3" cstate="print">
             <a:extLst>
               <a:ext uri="{28A0092B-C50C-407E-A947-70E740481C1C}">
-                <a14:useLocalDpi xmlns="" xmlns:a14="http://schemas.microsoft.com/office/drawing/2010/main" val="0"/>
+                <a14:useLocalDpi xmlns:a14="http://schemas.microsoft.com/office/drawing/2010/main" xmlns="" val="0"/>
               </a:ext>
             </a:extLst>
           </a:blip>
@@ -30720,7 +30719,7 @@
           <a:noFill/>
           <a:extLst>
             <a:ext uri="{909E8E84-426E-40DD-AFC4-6F175D3DCCD1}">
-              <a14:hiddenFill xmlns="" xmlns:a14="http://schemas.microsoft.com/office/drawing/2010/main">
+              <a14:hiddenFill xmlns:a14="http://schemas.microsoft.com/office/drawing/2010/main" xmlns="">
                 <a:solidFill>
                   <a:srgbClr val="FFFFFF"/>
                 </a:solidFill>
@@ -30741,7 +30740,7 @@
           <a:blip r:embed="rId4" cstate="print">
             <a:extLst>
               <a:ext uri="{28A0092B-C50C-407E-A947-70E740481C1C}">
-                <a14:useLocalDpi xmlns="" xmlns:a14="http://schemas.microsoft.com/office/drawing/2010/main" val="0"/>
+                <a14:useLocalDpi xmlns:a14="http://schemas.microsoft.com/office/drawing/2010/main" xmlns="" val="0"/>
               </a:ext>
             </a:extLst>
           </a:blip>
@@ -30761,7 +30760,7 @@
           <a:noFill/>
           <a:extLst>
             <a:ext uri="{909E8E84-426E-40DD-AFC4-6F175D3DCCD1}">
-              <a14:hiddenFill xmlns="" xmlns:a14="http://schemas.microsoft.com/office/drawing/2010/main">
+              <a14:hiddenFill xmlns:a14="http://schemas.microsoft.com/office/drawing/2010/main" xmlns="">
                 <a:solidFill>
                   <a:srgbClr val="FFFFFF"/>
                 </a:solidFill>
@@ -30773,7 +30772,7 @@
     </p:spTree>
     <p:extLst>
       <p:ext uri="{BB962C8B-B14F-4D97-AF65-F5344CB8AC3E}">
-        <p14:creationId xmlns="" xmlns:p14="http://schemas.microsoft.com/office/powerpoint/2010/main" val="1948239631"/>
+        <p14:creationId xmlns:p14="http://schemas.microsoft.com/office/powerpoint/2010/main" xmlns="" val="1948239631"/>
       </p:ext>
     </p:extLst>
   </p:cSld>
@@ -30973,7 +30972,7 @@
           <a:blip r:embed="rId3" cstate="print">
             <a:extLst>
               <a:ext uri="{28A0092B-C50C-407E-A947-70E740481C1C}">
-                <a14:useLocalDpi xmlns="" xmlns:a14="http://schemas.microsoft.com/office/drawing/2010/main" val="0"/>
+                <a14:useLocalDpi xmlns:a14="http://schemas.microsoft.com/office/drawing/2010/main" xmlns="" val="0"/>
               </a:ext>
             </a:extLst>
           </a:blip>
@@ -30993,7 +30992,7 @@
           <a:noFill/>
           <a:extLst>
             <a:ext uri="{909E8E84-426E-40DD-AFC4-6F175D3DCCD1}">
-              <a14:hiddenFill xmlns="" xmlns:a14="http://schemas.microsoft.com/office/drawing/2010/main">
+              <a14:hiddenFill xmlns:a14="http://schemas.microsoft.com/office/drawing/2010/main" xmlns="">
                 <a:solidFill>
                   <a:srgbClr val="FFFFFF"/>
                 </a:solidFill>
@@ -31014,7 +31013,7 @@
           <a:blip r:embed="rId4" cstate="print">
             <a:extLst>
               <a:ext uri="{28A0092B-C50C-407E-A947-70E740481C1C}">
-                <a14:useLocalDpi xmlns="" xmlns:a14="http://schemas.microsoft.com/office/drawing/2010/main" val="0"/>
+                <a14:useLocalDpi xmlns:a14="http://schemas.microsoft.com/office/drawing/2010/main" xmlns="" val="0"/>
               </a:ext>
             </a:extLst>
           </a:blip>
@@ -31034,7 +31033,7 @@
           <a:noFill/>
           <a:extLst>
             <a:ext uri="{909E8E84-426E-40DD-AFC4-6F175D3DCCD1}">
-              <a14:hiddenFill xmlns="" xmlns:a14="http://schemas.microsoft.com/office/drawing/2010/main">
+              <a14:hiddenFill xmlns:a14="http://schemas.microsoft.com/office/drawing/2010/main" xmlns="">
                 <a:solidFill>
                   <a:srgbClr val="FFFFFF"/>
                 </a:solidFill>
@@ -31046,7 +31045,7 @@
     </p:spTree>
     <p:extLst>
       <p:ext uri="{BB962C8B-B14F-4D97-AF65-F5344CB8AC3E}">
-        <p14:creationId xmlns="" xmlns:p14="http://schemas.microsoft.com/office/powerpoint/2010/main" val="1648912756"/>
+        <p14:creationId xmlns:p14="http://schemas.microsoft.com/office/powerpoint/2010/main" xmlns="" val="1648912756"/>
       </p:ext>
     </p:extLst>
   </p:cSld>
@@ -31192,7 +31191,7 @@
           <a:blip r:embed="rId3" cstate="print">
             <a:extLst>
               <a:ext uri="{28A0092B-C50C-407E-A947-70E740481C1C}">
-                <a14:useLocalDpi xmlns="" xmlns:a14="http://schemas.microsoft.com/office/drawing/2010/main" val="0"/>
+                <a14:useLocalDpi xmlns:a14="http://schemas.microsoft.com/office/drawing/2010/main" xmlns="" val="0"/>
               </a:ext>
             </a:extLst>
           </a:blip>
@@ -31212,7 +31211,7 @@
           <a:noFill/>
           <a:extLst>
             <a:ext uri="{909E8E84-426E-40DD-AFC4-6F175D3DCCD1}">
-              <a14:hiddenFill xmlns="" xmlns:a14="http://schemas.microsoft.com/office/drawing/2010/main">
+              <a14:hiddenFill xmlns:a14="http://schemas.microsoft.com/office/drawing/2010/main" xmlns="">
                 <a:solidFill>
                   <a:srgbClr val="FFFFFF"/>
                 </a:solidFill>
@@ -31233,7 +31232,7 @@
           <a:blip r:embed="rId4" cstate="print">
             <a:extLst>
               <a:ext uri="{28A0092B-C50C-407E-A947-70E740481C1C}">
-                <a14:useLocalDpi xmlns="" xmlns:a14="http://schemas.microsoft.com/office/drawing/2010/main" val="0"/>
+                <a14:useLocalDpi xmlns:a14="http://schemas.microsoft.com/office/drawing/2010/main" xmlns="" val="0"/>
               </a:ext>
             </a:extLst>
           </a:blip>
@@ -31253,7 +31252,7 @@
           <a:noFill/>
           <a:extLst>
             <a:ext uri="{909E8E84-426E-40DD-AFC4-6F175D3DCCD1}">
-              <a14:hiddenFill xmlns="" xmlns:a14="http://schemas.microsoft.com/office/drawing/2010/main">
+              <a14:hiddenFill xmlns:a14="http://schemas.microsoft.com/office/drawing/2010/main" xmlns="">
                 <a:solidFill>
                   <a:srgbClr val="FFFFFF"/>
                 </a:solidFill>
@@ -31368,7 +31367,7 @@
     </p:spTree>
     <p:extLst>
       <p:ext uri="{BB962C8B-B14F-4D97-AF65-F5344CB8AC3E}">
-        <p14:creationId xmlns="" xmlns:p14="http://schemas.microsoft.com/office/powerpoint/2010/main" val="565033084"/>
+        <p14:creationId xmlns:p14="http://schemas.microsoft.com/office/powerpoint/2010/main" xmlns="" val="565033084"/>
       </p:ext>
     </p:extLst>
   </p:cSld>
@@ -31445,7 +31444,7 @@
           <a:blip r:embed="rId3" cstate="print">
             <a:extLst>
               <a:ext uri="{28A0092B-C50C-407E-A947-70E740481C1C}">
-                <a14:useLocalDpi xmlns="" xmlns:a14="http://schemas.microsoft.com/office/drawing/2010/main" val="0"/>
+                <a14:useLocalDpi xmlns:a14="http://schemas.microsoft.com/office/drawing/2010/main" xmlns="" val="0"/>
               </a:ext>
             </a:extLst>
           </a:blip>
@@ -31465,7 +31464,7 @@
           <a:noFill/>
           <a:extLst>
             <a:ext uri="{909E8E84-426E-40DD-AFC4-6F175D3DCCD1}">
-              <a14:hiddenFill xmlns="" xmlns:a14="http://schemas.microsoft.com/office/drawing/2010/main">
+              <a14:hiddenFill xmlns:a14="http://schemas.microsoft.com/office/drawing/2010/main" xmlns="">
                 <a:solidFill>
                   <a:srgbClr val="FFFFFF"/>
                 </a:solidFill>
@@ -31486,7 +31485,7 @@
           <a:blip r:embed="rId4" cstate="print">
             <a:extLst>
               <a:ext uri="{28A0092B-C50C-407E-A947-70E740481C1C}">
-                <a14:useLocalDpi xmlns="" xmlns:a14="http://schemas.microsoft.com/office/drawing/2010/main" val="0"/>
+                <a14:useLocalDpi xmlns:a14="http://schemas.microsoft.com/office/drawing/2010/main" xmlns="" val="0"/>
               </a:ext>
             </a:extLst>
           </a:blip>
@@ -31506,7 +31505,7 @@
           <a:noFill/>
           <a:extLst>
             <a:ext uri="{909E8E84-426E-40DD-AFC4-6F175D3DCCD1}">
-              <a14:hiddenFill xmlns="" xmlns:a14="http://schemas.microsoft.com/office/drawing/2010/main">
+              <a14:hiddenFill xmlns:a14="http://schemas.microsoft.com/office/drawing/2010/main" xmlns="">
                 <a:solidFill>
                   <a:srgbClr val="FFFFFF"/>
                 </a:solidFill>
@@ -31570,7 +31569,7 @@
     </p:spTree>
     <p:extLst>
       <p:ext uri="{BB962C8B-B14F-4D97-AF65-F5344CB8AC3E}">
-        <p14:creationId xmlns="" xmlns:p14="http://schemas.microsoft.com/office/powerpoint/2010/main" val="3710940657"/>
+        <p14:creationId xmlns:p14="http://schemas.microsoft.com/office/powerpoint/2010/main" xmlns="" val="3710940657"/>
       </p:ext>
     </p:extLst>
   </p:cSld>
@@ -31648,7 +31647,7 @@
           <a:blip r:embed="rId3" cstate="print">
             <a:extLst>
               <a:ext uri="{28A0092B-C50C-407E-A947-70E740481C1C}">
-                <a14:useLocalDpi xmlns="" xmlns:a14="http://schemas.microsoft.com/office/drawing/2010/main" val="0"/>
+                <a14:useLocalDpi xmlns:a14="http://schemas.microsoft.com/office/drawing/2010/main" xmlns="" val="0"/>
               </a:ext>
             </a:extLst>
           </a:blip>
@@ -31668,7 +31667,7 @@
           <a:noFill/>
           <a:extLst>
             <a:ext uri="{909E8E84-426E-40DD-AFC4-6F175D3DCCD1}">
-              <a14:hiddenFill xmlns="" xmlns:a14="http://schemas.microsoft.com/office/drawing/2010/main">
+              <a14:hiddenFill xmlns:a14="http://schemas.microsoft.com/office/drawing/2010/main" xmlns="">
                 <a:solidFill>
                   <a:srgbClr val="FFFFFF"/>
                 </a:solidFill>
@@ -31689,7 +31688,7 @@
           <a:blip r:embed="rId4" cstate="print">
             <a:extLst>
               <a:ext uri="{28A0092B-C50C-407E-A947-70E740481C1C}">
-                <a14:useLocalDpi xmlns="" xmlns:a14="http://schemas.microsoft.com/office/drawing/2010/main" val="0"/>
+                <a14:useLocalDpi xmlns:a14="http://schemas.microsoft.com/office/drawing/2010/main" xmlns="" val="0"/>
               </a:ext>
             </a:extLst>
           </a:blip>
@@ -31709,7 +31708,7 @@
           <a:noFill/>
           <a:extLst>
             <a:ext uri="{909E8E84-426E-40DD-AFC4-6F175D3DCCD1}">
-              <a14:hiddenFill xmlns="" xmlns:a14="http://schemas.microsoft.com/office/drawing/2010/main">
+              <a14:hiddenFill xmlns:a14="http://schemas.microsoft.com/office/drawing/2010/main" xmlns="">
                 <a:solidFill>
                   <a:srgbClr val="FFFFFF"/>
                 </a:solidFill>
@@ -32148,7 +32147,7 @@
     </p:spTree>
     <p:extLst>
       <p:ext uri="{BB962C8B-B14F-4D97-AF65-F5344CB8AC3E}">
-        <p14:creationId xmlns="" xmlns:p14="http://schemas.microsoft.com/office/powerpoint/2010/main" val="2045473191"/>
+        <p14:creationId xmlns:p14="http://schemas.microsoft.com/office/powerpoint/2010/main" xmlns="" val="2045473191"/>
       </p:ext>
     </p:extLst>
   </p:cSld>
@@ -32255,7 +32254,7 @@
           <a:blip r:embed="rId3" cstate="print">
             <a:extLst>
               <a:ext uri="{28A0092B-C50C-407E-A947-70E740481C1C}">
-                <a14:useLocalDpi xmlns="" xmlns:a14="http://schemas.microsoft.com/office/drawing/2010/main" val="0"/>
+                <a14:useLocalDpi xmlns:a14="http://schemas.microsoft.com/office/drawing/2010/main" xmlns="" val="0"/>
               </a:ext>
             </a:extLst>
           </a:blip>
@@ -32275,7 +32274,7 @@
           <a:noFill/>
           <a:extLst>
             <a:ext uri="{909E8E84-426E-40DD-AFC4-6F175D3DCCD1}">
-              <a14:hiddenFill xmlns="" xmlns:a14="http://schemas.microsoft.com/office/drawing/2010/main">
+              <a14:hiddenFill xmlns:a14="http://schemas.microsoft.com/office/drawing/2010/main" xmlns="">
                 <a:solidFill>
                   <a:srgbClr val="FFFFFF"/>
                 </a:solidFill>
@@ -32296,7 +32295,7 @@
           <a:blip r:embed="rId4" cstate="print">
             <a:extLst>
               <a:ext uri="{28A0092B-C50C-407E-A947-70E740481C1C}">
-                <a14:useLocalDpi xmlns="" xmlns:a14="http://schemas.microsoft.com/office/drawing/2010/main" val="0"/>
+                <a14:useLocalDpi xmlns:a14="http://schemas.microsoft.com/office/drawing/2010/main" xmlns="" val="0"/>
               </a:ext>
             </a:extLst>
           </a:blip>
@@ -32316,7 +32315,7 @@
           <a:noFill/>
           <a:extLst>
             <a:ext uri="{909E8E84-426E-40DD-AFC4-6F175D3DCCD1}">
-              <a14:hiddenFill xmlns="" xmlns:a14="http://schemas.microsoft.com/office/drawing/2010/main">
+              <a14:hiddenFill xmlns:a14="http://schemas.microsoft.com/office/drawing/2010/main" xmlns="">
                 <a:solidFill>
                   <a:srgbClr val="FFFFFF"/>
                 </a:solidFill>
@@ -32328,7 +32327,7 @@
     </p:spTree>
     <p:extLst>
       <p:ext uri="{BB962C8B-B14F-4D97-AF65-F5344CB8AC3E}">
-        <p14:creationId xmlns="" xmlns:p14="http://schemas.microsoft.com/office/powerpoint/2010/main" val="4139888175"/>
+        <p14:creationId xmlns:p14="http://schemas.microsoft.com/office/powerpoint/2010/main" xmlns="" val="4139888175"/>
       </p:ext>
     </p:extLst>
   </p:cSld>
@@ -32518,7 +32517,7 @@
           <a:blip r:embed="rId3" cstate="print">
             <a:extLst>
               <a:ext uri="{28A0092B-C50C-407E-A947-70E740481C1C}">
-                <a14:useLocalDpi xmlns="" xmlns:a14="http://schemas.microsoft.com/office/drawing/2010/main" val="0"/>
+                <a14:useLocalDpi xmlns:a14="http://schemas.microsoft.com/office/drawing/2010/main" xmlns="" val="0"/>
               </a:ext>
             </a:extLst>
           </a:blip>
@@ -32538,7 +32537,7 @@
           <a:noFill/>
           <a:extLst>
             <a:ext uri="{909E8E84-426E-40DD-AFC4-6F175D3DCCD1}">
-              <a14:hiddenFill xmlns="" xmlns:a14="http://schemas.microsoft.com/office/drawing/2010/main">
+              <a14:hiddenFill xmlns:a14="http://schemas.microsoft.com/office/drawing/2010/main" xmlns="">
                 <a:solidFill>
                   <a:srgbClr val="FFFFFF"/>
                 </a:solidFill>
@@ -32559,7 +32558,7 @@
           <a:blip r:embed="rId4" cstate="print">
             <a:extLst>
               <a:ext uri="{28A0092B-C50C-407E-A947-70E740481C1C}">
-                <a14:useLocalDpi xmlns="" xmlns:a14="http://schemas.microsoft.com/office/drawing/2010/main" val="0"/>
+                <a14:useLocalDpi xmlns:a14="http://schemas.microsoft.com/office/drawing/2010/main" xmlns="" val="0"/>
               </a:ext>
             </a:extLst>
           </a:blip>
@@ -32579,7 +32578,7 @@
           <a:noFill/>
           <a:extLst>
             <a:ext uri="{909E8E84-426E-40DD-AFC4-6F175D3DCCD1}">
-              <a14:hiddenFill xmlns="" xmlns:a14="http://schemas.microsoft.com/office/drawing/2010/main">
+              <a14:hiddenFill xmlns:a14="http://schemas.microsoft.com/office/drawing/2010/main" xmlns="">
                 <a:solidFill>
                   <a:srgbClr val="FFFFFF"/>
                 </a:solidFill>
@@ -32591,7 +32590,7 @@
     </p:spTree>
     <p:extLst>
       <p:ext uri="{BB962C8B-B14F-4D97-AF65-F5344CB8AC3E}">
-        <p14:creationId xmlns="" xmlns:p14="http://schemas.microsoft.com/office/powerpoint/2010/main" val="1263464234"/>
+        <p14:creationId xmlns:p14="http://schemas.microsoft.com/office/powerpoint/2010/main" xmlns="" val="1263464234"/>
       </p:ext>
     </p:extLst>
   </p:cSld>
@@ -32694,7 +32693,22 @@
             </a:pPr>
             <a:r>
               <a:rPr lang="es-AR" dirty="0" smtClean="0"/>
-              <a:t>Mayor visibilidad en proyectos y tareas</a:t>
+              <a:t>Mayor disponibilidad y exactitud de información</a:t>
+            </a:r>
+          </a:p>
+          <a:p>
+            <a:pPr>
+              <a:lnSpc>
+                <a:spcPct val="150000"/>
+              </a:lnSpc>
+            </a:pPr>
+            <a:r>
+              <a:rPr lang="es-AR" dirty="0" smtClean="0"/>
+              <a:t>Mayor </a:t>
+            </a:r>
+            <a:r>
+              <a:rPr lang="es-AR" dirty="0" smtClean="0"/>
+              <a:t>visibilidad en proyectos y tareas</a:t>
             </a:r>
           </a:p>
           <a:p>
@@ -32727,18 +32741,11 @@
             </a:pPr>
             <a:r>
               <a:rPr lang="es-AR" dirty="0" smtClean="0"/>
-              <a:t>Mayor disponibilidad y exactitud de información</a:t>
+              <a:t>Detección </a:t>
             </a:r>
-          </a:p>
-          <a:p>
-            <a:pPr>
-              <a:lnSpc>
-                <a:spcPct val="150000"/>
-              </a:lnSpc>
-            </a:pPr>
             <a:r>
               <a:rPr lang="es-AR" dirty="0" smtClean="0"/>
-              <a:t>Detección a tiempo de problemas administrativos</a:t>
+              <a:t>a tiempo de problemas administrativos</a:t>
             </a:r>
           </a:p>
           <a:p>
@@ -32761,7 +32768,7 @@
           <a:blip r:embed="rId3" cstate="print">
             <a:extLst>
               <a:ext uri="{28A0092B-C50C-407E-A947-70E740481C1C}">
-                <a14:useLocalDpi xmlns="" xmlns:a14="http://schemas.microsoft.com/office/drawing/2010/main" val="0"/>
+                <a14:useLocalDpi xmlns:a14="http://schemas.microsoft.com/office/drawing/2010/main" xmlns="" val="0"/>
               </a:ext>
             </a:extLst>
           </a:blip>
@@ -32781,7 +32788,7 @@
           <a:noFill/>
           <a:extLst>
             <a:ext uri="{909E8E84-426E-40DD-AFC4-6F175D3DCCD1}">
-              <a14:hiddenFill xmlns="" xmlns:a14="http://schemas.microsoft.com/office/drawing/2010/main">
+              <a14:hiddenFill xmlns:a14="http://schemas.microsoft.com/office/drawing/2010/main" xmlns="">
                 <a:solidFill>
                   <a:srgbClr val="FFFFFF"/>
                 </a:solidFill>
@@ -32802,7 +32809,7 @@
           <a:blip r:embed="rId4" cstate="print">
             <a:extLst>
               <a:ext uri="{28A0092B-C50C-407E-A947-70E740481C1C}">
-                <a14:useLocalDpi xmlns="" xmlns:a14="http://schemas.microsoft.com/office/drawing/2010/main" val="0"/>
+                <a14:useLocalDpi xmlns:a14="http://schemas.microsoft.com/office/drawing/2010/main" xmlns="" val="0"/>
               </a:ext>
             </a:extLst>
           </a:blip>
@@ -32822,7 +32829,7 @@
           <a:noFill/>
           <a:extLst>
             <a:ext uri="{909E8E84-426E-40DD-AFC4-6F175D3DCCD1}">
-              <a14:hiddenFill xmlns="" xmlns:a14="http://schemas.microsoft.com/office/drawing/2010/main">
+              <a14:hiddenFill xmlns:a14="http://schemas.microsoft.com/office/drawing/2010/main" xmlns="">
                 <a:solidFill>
                   <a:srgbClr val="FFFFFF"/>
                 </a:solidFill>
@@ -32834,7 +32841,7 @@
     </p:spTree>
     <p:extLst>
       <p:ext uri="{BB962C8B-B14F-4D97-AF65-F5344CB8AC3E}">
-        <p14:creationId xmlns="" xmlns:p14="http://schemas.microsoft.com/office/powerpoint/2010/main" val="3706723102"/>
+        <p14:creationId xmlns:p14="http://schemas.microsoft.com/office/powerpoint/2010/main" xmlns="" val="3706723102"/>
       </p:ext>
     </p:extLst>
   </p:cSld>
@@ -33050,7 +33057,7 @@
           <a:blip r:embed="rId3" cstate="print">
             <a:extLst>
               <a:ext uri="{28A0092B-C50C-407E-A947-70E740481C1C}">
-                <a14:useLocalDpi xmlns="" xmlns:a14="http://schemas.microsoft.com/office/drawing/2010/main" val="0"/>
+                <a14:useLocalDpi xmlns:a14="http://schemas.microsoft.com/office/drawing/2010/main" xmlns="" val="0"/>
               </a:ext>
             </a:extLst>
           </a:blip>
@@ -33070,7 +33077,7 @@
           <a:noFill/>
           <a:extLst>
             <a:ext uri="{909E8E84-426E-40DD-AFC4-6F175D3DCCD1}">
-              <a14:hiddenFill xmlns="" xmlns:a14="http://schemas.microsoft.com/office/drawing/2010/main">
+              <a14:hiddenFill xmlns:a14="http://schemas.microsoft.com/office/drawing/2010/main" xmlns="">
                 <a:solidFill>
                   <a:srgbClr val="FFFFFF"/>
                 </a:solidFill>
@@ -33091,7 +33098,7 @@
           <a:blip r:embed="rId4" cstate="print">
             <a:extLst>
               <a:ext uri="{28A0092B-C50C-407E-A947-70E740481C1C}">
-                <a14:useLocalDpi xmlns="" xmlns:a14="http://schemas.microsoft.com/office/drawing/2010/main" val="0"/>
+                <a14:useLocalDpi xmlns:a14="http://schemas.microsoft.com/office/drawing/2010/main" xmlns="" val="0"/>
               </a:ext>
             </a:extLst>
           </a:blip>
@@ -33111,7 +33118,7 @@
           <a:noFill/>
           <a:extLst>
             <a:ext uri="{909E8E84-426E-40DD-AFC4-6F175D3DCCD1}">
-              <a14:hiddenFill xmlns="" xmlns:a14="http://schemas.microsoft.com/office/drawing/2010/main">
+              <a14:hiddenFill xmlns:a14="http://schemas.microsoft.com/office/drawing/2010/main" xmlns="">
                 <a:solidFill>
                   <a:srgbClr val="FFFFFF"/>
                 </a:solidFill>
@@ -33123,7 +33130,7 @@
     </p:spTree>
     <p:extLst>
       <p:ext uri="{BB962C8B-B14F-4D97-AF65-F5344CB8AC3E}">
-        <p14:creationId xmlns="" xmlns:p14="http://schemas.microsoft.com/office/powerpoint/2010/main" val="3706723102"/>
+        <p14:creationId xmlns:p14="http://schemas.microsoft.com/office/powerpoint/2010/main" xmlns="" val="3706723102"/>
       </p:ext>
     </p:extLst>
   </p:cSld>
@@ -33359,7 +33366,7 @@
           <a:blip r:embed="rId3" cstate="print">
             <a:extLst>
               <a:ext uri="{28A0092B-C50C-407E-A947-70E740481C1C}">
-                <a14:useLocalDpi xmlns="" xmlns:a14="http://schemas.microsoft.com/office/drawing/2010/main" val="0"/>
+                <a14:useLocalDpi xmlns:a14="http://schemas.microsoft.com/office/drawing/2010/main" xmlns="" val="0"/>
               </a:ext>
             </a:extLst>
           </a:blip>
@@ -33379,7 +33386,7 @@
           <a:noFill/>
           <a:extLst>
             <a:ext uri="{909E8E84-426E-40DD-AFC4-6F175D3DCCD1}">
-              <a14:hiddenFill xmlns="" xmlns:a14="http://schemas.microsoft.com/office/drawing/2010/main">
+              <a14:hiddenFill xmlns:a14="http://schemas.microsoft.com/office/drawing/2010/main" xmlns="">
                 <a:solidFill>
                   <a:srgbClr val="FFFFFF"/>
                 </a:solidFill>
@@ -33400,7 +33407,7 @@
           <a:blip r:embed="rId4" cstate="print">
             <a:extLst>
               <a:ext uri="{28A0092B-C50C-407E-A947-70E740481C1C}">
-                <a14:useLocalDpi xmlns="" xmlns:a14="http://schemas.microsoft.com/office/drawing/2010/main" val="0"/>
+                <a14:useLocalDpi xmlns:a14="http://schemas.microsoft.com/office/drawing/2010/main" xmlns="" val="0"/>
               </a:ext>
             </a:extLst>
           </a:blip>
@@ -33420,7 +33427,7 @@
           <a:noFill/>
           <a:extLst>
             <a:ext uri="{909E8E84-426E-40DD-AFC4-6F175D3DCCD1}">
-              <a14:hiddenFill xmlns="" xmlns:a14="http://schemas.microsoft.com/office/drawing/2010/main">
+              <a14:hiddenFill xmlns:a14="http://schemas.microsoft.com/office/drawing/2010/main" xmlns="">
                 <a:solidFill>
                   <a:srgbClr val="FFFFFF"/>
                 </a:solidFill>
@@ -33432,7 +33439,7 @@
     </p:spTree>
     <p:extLst>
       <p:ext uri="{BB962C8B-B14F-4D97-AF65-F5344CB8AC3E}">
-        <p14:creationId xmlns="" xmlns:p14="http://schemas.microsoft.com/office/powerpoint/2010/main" val="3706723102"/>
+        <p14:creationId xmlns:p14="http://schemas.microsoft.com/office/powerpoint/2010/main" xmlns="" val="3706723102"/>
       </p:ext>
     </p:extLst>
   </p:cSld>
@@ -33611,7 +33618,7 @@
           <a:blip r:embed="rId3" cstate="print">
             <a:extLst>
               <a:ext uri="{28A0092B-C50C-407E-A947-70E740481C1C}">
-                <a14:useLocalDpi xmlns="" xmlns:a14="http://schemas.microsoft.com/office/drawing/2010/main" val="0"/>
+                <a14:useLocalDpi xmlns:a14="http://schemas.microsoft.com/office/drawing/2010/main" xmlns="" val="0"/>
               </a:ext>
             </a:extLst>
           </a:blip>
@@ -33631,7 +33638,7 @@
           <a:noFill/>
           <a:extLst>
             <a:ext uri="{909E8E84-426E-40DD-AFC4-6F175D3DCCD1}">
-              <a14:hiddenFill xmlns="" xmlns:a14="http://schemas.microsoft.com/office/drawing/2010/main">
+              <a14:hiddenFill xmlns:a14="http://schemas.microsoft.com/office/drawing/2010/main" xmlns="">
                 <a:solidFill>
                   <a:srgbClr val="FFFFFF"/>
                 </a:solidFill>
@@ -33652,7 +33659,7 @@
           <a:blip r:embed="rId4" cstate="print">
             <a:extLst>
               <a:ext uri="{28A0092B-C50C-407E-A947-70E740481C1C}">
-                <a14:useLocalDpi xmlns="" xmlns:a14="http://schemas.microsoft.com/office/drawing/2010/main" val="0"/>
+                <a14:useLocalDpi xmlns:a14="http://schemas.microsoft.com/office/drawing/2010/main" xmlns="" val="0"/>
               </a:ext>
             </a:extLst>
           </a:blip>
@@ -33672,7 +33679,7 @@
           <a:noFill/>
           <a:extLst>
             <a:ext uri="{909E8E84-426E-40DD-AFC4-6F175D3DCCD1}">
-              <a14:hiddenFill xmlns="" xmlns:a14="http://schemas.microsoft.com/office/drawing/2010/main">
+              <a14:hiddenFill xmlns:a14="http://schemas.microsoft.com/office/drawing/2010/main" xmlns="">
                 <a:solidFill>
                   <a:srgbClr val="FFFFFF"/>
                 </a:solidFill>
@@ -33684,7 +33691,7 @@
     </p:spTree>
     <p:extLst>
       <p:ext uri="{BB962C8B-B14F-4D97-AF65-F5344CB8AC3E}">
-        <p14:creationId xmlns="" xmlns:p14="http://schemas.microsoft.com/office/powerpoint/2010/main" val="3706723102"/>
+        <p14:creationId xmlns:p14="http://schemas.microsoft.com/office/powerpoint/2010/main" xmlns="" val="3706723102"/>
       </p:ext>
     </p:extLst>
   </p:cSld>
@@ -33809,7 +33816,7 @@
           <a:blip r:embed="rId3" cstate="print">
             <a:extLst>
               <a:ext uri="{28A0092B-C50C-407E-A947-70E740481C1C}">
-                <a14:useLocalDpi xmlns="" xmlns:a14="http://schemas.microsoft.com/office/drawing/2010/main" val="0"/>
+                <a14:useLocalDpi xmlns:a14="http://schemas.microsoft.com/office/drawing/2010/main" xmlns="" val="0"/>
               </a:ext>
             </a:extLst>
           </a:blip>
@@ -33829,7 +33836,7 @@
           <a:noFill/>
           <a:extLst>
             <a:ext uri="{909E8E84-426E-40DD-AFC4-6F175D3DCCD1}">
-              <a14:hiddenFill xmlns="" xmlns:a14="http://schemas.microsoft.com/office/drawing/2010/main">
+              <a14:hiddenFill xmlns:a14="http://schemas.microsoft.com/office/drawing/2010/main" xmlns="">
                 <a:solidFill>
                   <a:srgbClr val="FFFFFF"/>
                 </a:solidFill>
@@ -33850,7 +33857,7 @@
           <a:blip r:embed="rId4" cstate="print">
             <a:extLst>
               <a:ext uri="{28A0092B-C50C-407E-A947-70E740481C1C}">
-                <a14:useLocalDpi xmlns="" xmlns:a14="http://schemas.microsoft.com/office/drawing/2010/main" val="0"/>
+                <a14:useLocalDpi xmlns:a14="http://schemas.microsoft.com/office/drawing/2010/main" xmlns="" val="0"/>
               </a:ext>
             </a:extLst>
           </a:blip>
@@ -33870,7 +33877,7 @@
           <a:noFill/>
           <a:extLst>
             <a:ext uri="{909E8E84-426E-40DD-AFC4-6F175D3DCCD1}">
-              <a14:hiddenFill xmlns="" xmlns:a14="http://schemas.microsoft.com/office/drawing/2010/main">
+              <a14:hiddenFill xmlns:a14="http://schemas.microsoft.com/office/drawing/2010/main" xmlns="">
                 <a:solidFill>
                   <a:srgbClr val="FFFFFF"/>
                 </a:solidFill>
@@ -33882,7 +33889,7 @@
     </p:spTree>
     <p:extLst>
       <p:ext uri="{BB962C8B-B14F-4D97-AF65-F5344CB8AC3E}">
-        <p14:creationId xmlns="" xmlns:p14="http://schemas.microsoft.com/office/powerpoint/2010/main" val="3706723102"/>
+        <p14:creationId xmlns:p14="http://schemas.microsoft.com/office/powerpoint/2010/main" xmlns="" val="3706723102"/>
       </p:ext>
     </p:extLst>
   </p:cSld>
@@ -33953,7 +33960,7 @@
           <a:blip r:embed="rId3" cstate="print">
             <a:extLst>
               <a:ext uri="{28A0092B-C50C-407E-A947-70E740481C1C}">
-                <a14:useLocalDpi xmlns="" xmlns:a14="http://schemas.microsoft.com/office/drawing/2010/main" val="0"/>
+                <a14:useLocalDpi xmlns:a14="http://schemas.microsoft.com/office/drawing/2010/main" xmlns="" val="0"/>
               </a:ext>
             </a:extLst>
           </a:blip>
@@ -33977,14 +33984,14 @@
           <a:effectLst/>
           <a:extLst>
             <a:ext uri="{909E8E84-426E-40DD-AFC4-6F175D3DCCD1}">
-              <a14:hiddenFill xmlns="" xmlns:a14="http://schemas.microsoft.com/office/drawing/2010/main">
+              <a14:hiddenFill xmlns:a14="http://schemas.microsoft.com/office/drawing/2010/main" xmlns="">
                 <a:solidFill>
                   <a:schemeClr val="accent1"/>
                 </a:solidFill>
               </a14:hiddenFill>
             </a:ext>
             <a:ext uri="{91240B29-F687-4F45-9708-019B960494DF}">
-              <a14:hiddenLine xmlns="" xmlns:a14="http://schemas.microsoft.com/office/drawing/2010/main" w="9525">
+              <a14:hiddenLine xmlns:a14="http://schemas.microsoft.com/office/drawing/2010/main" xmlns="" w="9525">
                 <a:solidFill>
                   <a:schemeClr val="tx1"/>
                 </a:solidFill>
@@ -33994,7 +34001,7 @@
               </a14:hiddenLine>
             </a:ext>
             <a:ext uri="{AF507438-7753-43E0-B8FC-AC1667EBCBE1}">
-              <a14:hiddenEffects xmlns="" xmlns:a14="http://schemas.microsoft.com/office/drawing/2010/main">
+              <a14:hiddenEffects xmlns:a14="http://schemas.microsoft.com/office/drawing/2010/main" xmlns="">
                 <a:effectLst>
                   <a:outerShdw dist="35921" dir="2700000" algn="ctr" rotWithShape="0">
                     <a:schemeClr val="bg2"/>
@@ -34017,7 +34024,7 @@
           <a:blip r:embed="rId4" cstate="print">
             <a:extLst>
               <a:ext uri="{28A0092B-C50C-407E-A947-70E740481C1C}">
-                <a14:useLocalDpi xmlns="" xmlns:a14="http://schemas.microsoft.com/office/drawing/2010/main" val="0"/>
+                <a14:useLocalDpi xmlns:a14="http://schemas.microsoft.com/office/drawing/2010/main" xmlns="" val="0"/>
               </a:ext>
             </a:extLst>
           </a:blip>
@@ -34037,7 +34044,7 @@
           <a:noFill/>
           <a:extLst>
             <a:ext uri="{909E8E84-426E-40DD-AFC4-6F175D3DCCD1}">
-              <a14:hiddenFill xmlns="" xmlns:a14="http://schemas.microsoft.com/office/drawing/2010/main">
+              <a14:hiddenFill xmlns:a14="http://schemas.microsoft.com/office/drawing/2010/main" xmlns="">
                 <a:solidFill>
                   <a:srgbClr val="FFFFFF"/>
                 </a:solidFill>
@@ -34058,7 +34065,7 @@
           <a:blip r:embed="rId5" cstate="print">
             <a:extLst>
               <a:ext uri="{28A0092B-C50C-407E-A947-70E740481C1C}">
-                <a14:useLocalDpi xmlns="" xmlns:a14="http://schemas.microsoft.com/office/drawing/2010/main" val="0"/>
+                <a14:useLocalDpi xmlns:a14="http://schemas.microsoft.com/office/drawing/2010/main" xmlns="" val="0"/>
               </a:ext>
             </a:extLst>
           </a:blip>
@@ -34078,7 +34085,7 @@
           <a:noFill/>
           <a:extLst>
             <a:ext uri="{909E8E84-426E-40DD-AFC4-6F175D3DCCD1}">
-              <a14:hiddenFill xmlns="" xmlns:a14="http://schemas.microsoft.com/office/drawing/2010/main">
+              <a14:hiddenFill xmlns:a14="http://schemas.microsoft.com/office/drawing/2010/main" xmlns="">
                 <a:solidFill>
                   <a:srgbClr val="FFFFFF"/>
                 </a:solidFill>
@@ -34090,7 +34097,7 @@
     </p:spTree>
     <p:extLst>
       <p:ext uri="{BB962C8B-B14F-4D97-AF65-F5344CB8AC3E}">
-        <p14:creationId xmlns="" xmlns:p14="http://schemas.microsoft.com/office/powerpoint/2010/main" val="1450032067"/>
+        <p14:creationId xmlns:p14="http://schemas.microsoft.com/office/powerpoint/2010/main" xmlns="" val="1450032067"/>
       </p:ext>
     </p:extLst>
   </p:cSld>
@@ -34161,7 +34168,7 @@
           <a:blip r:embed="rId3" cstate="print">
             <a:extLst>
               <a:ext uri="{28A0092B-C50C-407E-A947-70E740481C1C}">
-                <a14:useLocalDpi xmlns="" xmlns:a14="http://schemas.microsoft.com/office/drawing/2010/main" val="0"/>
+                <a14:useLocalDpi xmlns:a14="http://schemas.microsoft.com/office/drawing/2010/main" xmlns="" val="0"/>
               </a:ext>
             </a:extLst>
           </a:blip>
@@ -34181,7 +34188,7 @@
           <a:noFill/>
           <a:extLst>
             <a:ext uri="{909E8E84-426E-40DD-AFC4-6F175D3DCCD1}">
-              <a14:hiddenFill xmlns="" xmlns:a14="http://schemas.microsoft.com/office/drawing/2010/main">
+              <a14:hiddenFill xmlns:a14="http://schemas.microsoft.com/office/drawing/2010/main" xmlns="">
                 <a:solidFill>
                   <a:srgbClr val="FFFFFF"/>
                 </a:solidFill>
@@ -34202,7 +34209,7 @@
           <a:blip r:embed="rId4" cstate="print">
             <a:extLst>
               <a:ext uri="{28A0092B-C50C-407E-A947-70E740481C1C}">
-                <a14:useLocalDpi xmlns="" xmlns:a14="http://schemas.microsoft.com/office/drawing/2010/main" val="0"/>
+                <a14:useLocalDpi xmlns:a14="http://schemas.microsoft.com/office/drawing/2010/main" xmlns="" val="0"/>
               </a:ext>
             </a:extLst>
           </a:blip>
@@ -34222,7 +34229,7 @@
           <a:noFill/>
           <a:extLst>
             <a:ext uri="{909E8E84-426E-40DD-AFC4-6F175D3DCCD1}">
-              <a14:hiddenFill xmlns="" xmlns:a14="http://schemas.microsoft.com/office/drawing/2010/main">
+              <a14:hiddenFill xmlns:a14="http://schemas.microsoft.com/office/drawing/2010/main" xmlns="">
                 <a:solidFill>
                   <a:srgbClr val="FFFFFF"/>
                 </a:solidFill>
@@ -34243,7 +34250,7 @@
           <a:blip r:embed="rId5" cstate="print">
             <a:extLst>
               <a:ext uri="{28A0092B-C50C-407E-A947-70E740481C1C}">
-                <a14:useLocalDpi xmlns="" xmlns:a14="http://schemas.microsoft.com/office/drawing/2010/main" val="0"/>
+                <a14:useLocalDpi xmlns:a14="http://schemas.microsoft.com/office/drawing/2010/main" xmlns="" val="0"/>
               </a:ext>
             </a:extLst>
           </a:blip>
@@ -34263,7 +34270,7 @@
           <a:noFill/>
           <a:extLst>
             <a:ext uri="{909E8E84-426E-40DD-AFC4-6F175D3DCCD1}">
-              <a14:hiddenFill xmlns="" xmlns:a14="http://schemas.microsoft.com/office/drawing/2010/main">
+              <a14:hiddenFill xmlns:a14="http://schemas.microsoft.com/office/drawing/2010/main" xmlns="">
                 <a:solidFill>
                   <a:srgbClr val="FFFFFF"/>
                 </a:solidFill>
@@ -34275,7 +34282,7 @@
     </p:spTree>
     <p:extLst>
       <p:ext uri="{BB962C8B-B14F-4D97-AF65-F5344CB8AC3E}">
-        <p14:creationId xmlns="" xmlns:p14="http://schemas.microsoft.com/office/powerpoint/2010/main" val="1688055498"/>
+        <p14:creationId xmlns:p14="http://schemas.microsoft.com/office/powerpoint/2010/main" xmlns="" val="1688055498"/>
       </p:ext>
     </p:extLst>
   </p:cSld>
@@ -34322,7 +34329,7 @@
           <a:blip r:embed="rId3" cstate="print">
             <a:extLst>
               <a:ext uri="{28A0092B-C50C-407E-A947-70E740481C1C}">
-                <a14:useLocalDpi xmlns="" xmlns:a14="http://schemas.microsoft.com/office/drawing/2010/main" val="0"/>
+                <a14:useLocalDpi xmlns:a14="http://schemas.microsoft.com/office/drawing/2010/main" xmlns="" val="0"/>
               </a:ext>
             </a:extLst>
           </a:blip>
@@ -34342,7 +34349,7 @@
           <a:noFill/>
           <a:extLst>
             <a:ext uri="{909E8E84-426E-40DD-AFC4-6F175D3DCCD1}">
-              <a14:hiddenFill xmlns="" xmlns:a14="http://schemas.microsoft.com/office/drawing/2010/main">
+              <a14:hiddenFill xmlns:a14="http://schemas.microsoft.com/office/drawing/2010/main" xmlns="">
                 <a:solidFill>
                   <a:srgbClr val="FFFFFF"/>
                 </a:solidFill>
@@ -34618,7 +34625,7 @@
           <a:blip r:embed="rId4" cstate="print">
             <a:extLst>
               <a:ext uri="{28A0092B-C50C-407E-A947-70E740481C1C}">
-                <a14:useLocalDpi xmlns="" xmlns:a14="http://schemas.microsoft.com/office/drawing/2010/main" val="0"/>
+                <a14:useLocalDpi xmlns:a14="http://schemas.microsoft.com/office/drawing/2010/main" xmlns="" val="0"/>
               </a:ext>
             </a:extLst>
           </a:blip>
@@ -34638,7 +34645,7 @@
           <a:noFill/>
           <a:extLst>
             <a:ext uri="{909E8E84-426E-40DD-AFC4-6F175D3DCCD1}">
-              <a14:hiddenFill xmlns="" xmlns:a14="http://schemas.microsoft.com/office/drawing/2010/main">
+              <a14:hiddenFill xmlns:a14="http://schemas.microsoft.com/office/drawing/2010/main" xmlns="">
                 <a:solidFill>
                   <a:srgbClr val="FFFFFF"/>
                 </a:solidFill>
@@ -35160,7 +35167,7 @@
     </p:spTree>
     <p:extLst>
       <p:ext uri="{BB962C8B-B14F-4D97-AF65-F5344CB8AC3E}">
-        <p14:creationId xmlns="" xmlns:p14="http://schemas.microsoft.com/office/powerpoint/2010/main" val="4128302494"/>
+        <p14:creationId xmlns:p14="http://schemas.microsoft.com/office/powerpoint/2010/main" xmlns="" val="4128302494"/>
       </p:ext>
     </p:extLst>
   </p:cSld>
@@ -35236,7 +35243,7 @@
           <a:blip r:embed="rId3" cstate="print">
             <a:extLst>
               <a:ext uri="{28A0092B-C50C-407E-A947-70E740481C1C}">
-                <a14:useLocalDpi xmlns="" xmlns:a14="http://schemas.microsoft.com/office/drawing/2010/main" val="0"/>
+                <a14:useLocalDpi xmlns:a14="http://schemas.microsoft.com/office/drawing/2010/main" xmlns="" val="0"/>
               </a:ext>
             </a:extLst>
           </a:blip>
@@ -35256,7 +35263,7 @@
           <a:noFill/>
           <a:extLst>
             <a:ext uri="{909E8E84-426E-40DD-AFC4-6F175D3DCCD1}">
-              <a14:hiddenFill xmlns="" xmlns:a14="http://schemas.microsoft.com/office/drawing/2010/main">
+              <a14:hiddenFill xmlns:a14="http://schemas.microsoft.com/office/drawing/2010/main" xmlns="">
                 <a:solidFill>
                   <a:srgbClr val="FFFFFF"/>
                 </a:solidFill>
@@ -35277,7 +35284,7 @@
           <a:blip r:embed="rId4" cstate="print">
             <a:extLst>
               <a:ext uri="{28A0092B-C50C-407E-A947-70E740481C1C}">
-                <a14:useLocalDpi xmlns="" xmlns:a14="http://schemas.microsoft.com/office/drawing/2010/main" val="0"/>
+                <a14:useLocalDpi xmlns:a14="http://schemas.microsoft.com/office/drawing/2010/main" xmlns="" val="0"/>
               </a:ext>
             </a:extLst>
           </a:blip>
@@ -35297,7 +35304,7 @@
           <a:noFill/>
           <a:extLst>
             <a:ext uri="{909E8E84-426E-40DD-AFC4-6F175D3DCCD1}">
-              <a14:hiddenFill xmlns="" xmlns:a14="http://schemas.microsoft.com/office/drawing/2010/main">
+              <a14:hiddenFill xmlns:a14="http://schemas.microsoft.com/office/drawing/2010/main" xmlns="">
                 <a:solidFill>
                   <a:srgbClr val="FFFFFF"/>
                 </a:solidFill>
@@ -35597,11 +35604,7 @@
             </a:r>
             <a:r>
               <a:rPr lang="es-ES" dirty="0" smtClean="0"/>
-              <a:t>en</a:t>
-            </a:r>
-            <a:r>
-              <a:rPr lang="es-ES" dirty="0" smtClean="0"/>
-              <a:t> </a:t>
+              <a:t>en </a:t>
             </a:r>
             <a:r>
               <a:rPr lang="es-ES" dirty="0"/>
@@ -35609,11 +35612,7 @@
             </a:r>
             <a:r>
               <a:rPr lang="es-ES" dirty="0" smtClean="0"/>
-              <a:t>obtener </a:t>
-            </a:r>
-            <a:r>
-              <a:rPr lang="es-ES" dirty="0" smtClean="0"/>
-              <a:t>información.</a:t>
+              <a:t>obtener información.</a:t>
             </a:r>
             <a:endParaRPr lang="es-ES" dirty="0"/>
           </a:p>
@@ -35654,7 +35653,7 @@
     </p:spTree>
     <p:extLst>
       <p:ext uri="{BB962C8B-B14F-4D97-AF65-F5344CB8AC3E}">
-        <p14:creationId xmlns="" xmlns:p14="http://schemas.microsoft.com/office/powerpoint/2010/main" val="1435359822"/>
+        <p14:creationId xmlns:p14="http://schemas.microsoft.com/office/powerpoint/2010/main" xmlns="" val="1435359822"/>
       </p:ext>
     </p:extLst>
   </p:cSld>
@@ -35813,7 +35812,7 @@
           <a:blip r:embed="rId3" cstate="print">
             <a:extLst>
               <a:ext uri="{28A0092B-C50C-407E-A947-70E740481C1C}">
-                <a14:useLocalDpi xmlns="" xmlns:a14="http://schemas.microsoft.com/office/drawing/2010/main" val="0"/>
+                <a14:useLocalDpi xmlns:a14="http://schemas.microsoft.com/office/drawing/2010/main" xmlns="" val="0"/>
               </a:ext>
             </a:extLst>
           </a:blip>
@@ -35833,7 +35832,7 @@
           <a:noFill/>
           <a:extLst>
             <a:ext uri="{909E8E84-426E-40DD-AFC4-6F175D3DCCD1}">
-              <a14:hiddenFill xmlns="" xmlns:a14="http://schemas.microsoft.com/office/drawing/2010/main">
+              <a14:hiddenFill xmlns:a14="http://schemas.microsoft.com/office/drawing/2010/main" xmlns="">
                 <a:solidFill>
                   <a:srgbClr val="FFFFFF"/>
                 </a:solidFill>
@@ -35854,7 +35853,7 @@
           <a:blip r:embed="rId4" cstate="print">
             <a:extLst>
               <a:ext uri="{28A0092B-C50C-407E-A947-70E740481C1C}">
-                <a14:useLocalDpi xmlns="" xmlns:a14="http://schemas.microsoft.com/office/drawing/2010/main" val="0"/>
+                <a14:useLocalDpi xmlns:a14="http://schemas.microsoft.com/office/drawing/2010/main" xmlns="" val="0"/>
               </a:ext>
             </a:extLst>
           </a:blip>
@@ -35874,7 +35873,7 @@
           <a:noFill/>
           <a:extLst>
             <a:ext uri="{909E8E84-426E-40DD-AFC4-6F175D3DCCD1}">
-              <a14:hiddenFill xmlns="" xmlns:a14="http://schemas.microsoft.com/office/drawing/2010/main">
+              <a14:hiddenFill xmlns:a14="http://schemas.microsoft.com/office/drawing/2010/main" xmlns="">
                 <a:solidFill>
                   <a:srgbClr val="FFFFFF"/>
                 </a:solidFill>
@@ -35886,7 +35885,7 @@
     </p:spTree>
     <p:extLst>
       <p:ext uri="{BB962C8B-B14F-4D97-AF65-F5344CB8AC3E}">
-        <p14:creationId xmlns="" xmlns:p14="http://schemas.microsoft.com/office/powerpoint/2010/main" val="3185166434"/>
+        <p14:creationId xmlns:p14="http://schemas.microsoft.com/office/powerpoint/2010/main" xmlns="" val="3185166434"/>
       </p:ext>
     </p:extLst>
   </p:cSld>
@@ -35962,7 +35961,7 @@
           <a:blip r:embed="rId3" cstate="print">
             <a:extLst>
               <a:ext uri="{28A0092B-C50C-407E-A947-70E740481C1C}">
-                <a14:useLocalDpi xmlns="" xmlns:a14="http://schemas.microsoft.com/office/drawing/2010/main" val="0"/>
+                <a14:useLocalDpi xmlns:a14="http://schemas.microsoft.com/office/drawing/2010/main" xmlns="" val="0"/>
               </a:ext>
             </a:extLst>
           </a:blip>
@@ -35982,7 +35981,7 @@
           <a:noFill/>
           <a:extLst>
             <a:ext uri="{909E8E84-426E-40DD-AFC4-6F175D3DCCD1}">
-              <a14:hiddenFill xmlns="" xmlns:a14="http://schemas.microsoft.com/office/drawing/2010/main">
+              <a14:hiddenFill xmlns:a14="http://schemas.microsoft.com/office/drawing/2010/main" xmlns="">
                 <a:solidFill>
                   <a:srgbClr val="FFFFFF"/>
                 </a:solidFill>
@@ -36003,7 +36002,7 @@
           <a:blip r:embed="rId4" cstate="print">
             <a:extLst>
               <a:ext uri="{28A0092B-C50C-407E-A947-70E740481C1C}">
-                <a14:useLocalDpi xmlns="" xmlns:a14="http://schemas.microsoft.com/office/drawing/2010/main" val="0"/>
+                <a14:useLocalDpi xmlns:a14="http://schemas.microsoft.com/office/drawing/2010/main" xmlns="" val="0"/>
               </a:ext>
             </a:extLst>
           </a:blip>
@@ -36023,7 +36022,7 @@
           <a:noFill/>
           <a:extLst>
             <a:ext uri="{909E8E84-426E-40DD-AFC4-6F175D3DCCD1}">
-              <a14:hiddenFill xmlns="" xmlns:a14="http://schemas.microsoft.com/office/drawing/2010/main">
+              <a14:hiddenFill xmlns:a14="http://schemas.microsoft.com/office/drawing/2010/main" xmlns="">
                 <a:solidFill>
                   <a:srgbClr val="FFFFFF"/>
                 </a:solidFill>
@@ -36279,7 +36278,7 @@
     </p:spTree>
     <p:extLst>
       <p:ext uri="{BB962C8B-B14F-4D97-AF65-F5344CB8AC3E}">
-        <p14:creationId xmlns="" xmlns:p14="http://schemas.microsoft.com/office/powerpoint/2010/main" val="4010760893"/>
+        <p14:creationId xmlns:p14="http://schemas.microsoft.com/office/powerpoint/2010/main" xmlns="" val="4010760893"/>
       </p:ext>
     </p:extLst>
   </p:cSld>
@@ -36326,7 +36325,7 @@
           <a:blip r:embed="rId3" cstate="print">
             <a:extLst>
               <a:ext uri="{28A0092B-C50C-407E-A947-70E740481C1C}">
-                <a14:useLocalDpi xmlns="" xmlns:a14="http://schemas.microsoft.com/office/drawing/2010/main" val="0"/>
+                <a14:useLocalDpi xmlns:a14="http://schemas.microsoft.com/office/drawing/2010/main" xmlns="" val="0"/>
               </a:ext>
             </a:extLst>
           </a:blip>
@@ -36346,7 +36345,7 @@
           <a:noFill/>
           <a:extLst>
             <a:ext uri="{909E8E84-426E-40DD-AFC4-6F175D3DCCD1}">
-              <a14:hiddenFill xmlns="" xmlns:a14="http://schemas.microsoft.com/office/drawing/2010/main">
+              <a14:hiddenFill xmlns:a14="http://schemas.microsoft.com/office/drawing/2010/main" xmlns="">
                 <a:solidFill>
                   <a:srgbClr val="FFFFFF"/>
                 </a:solidFill>
@@ -36367,7 +36366,7 @@
           <a:blip r:embed="rId4" cstate="print">
             <a:extLst>
               <a:ext uri="{28A0092B-C50C-407E-A947-70E740481C1C}">
-                <a14:useLocalDpi xmlns="" xmlns:a14="http://schemas.microsoft.com/office/drawing/2010/main" val="0"/>
+                <a14:useLocalDpi xmlns:a14="http://schemas.microsoft.com/office/drawing/2010/main" xmlns="" val="0"/>
               </a:ext>
             </a:extLst>
           </a:blip>
@@ -36387,7 +36386,7 @@
           <a:noFill/>
           <a:extLst>
             <a:ext uri="{909E8E84-426E-40DD-AFC4-6F175D3DCCD1}">
-              <a14:hiddenFill xmlns="" xmlns:a14="http://schemas.microsoft.com/office/drawing/2010/main">
+              <a14:hiddenFill xmlns:a14="http://schemas.microsoft.com/office/drawing/2010/main" xmlns="">
                 <a:solidFill>
                   <a:srgbClr val="FFFFFF"/>
                 </a:solidFill>
@@ -36432,7 +36431,7 @@
           <p:nvPr>
             <p:extLst>
               <p:ext uri="{D42A27DB-BD31-4B8C-83A1-F6EECF244321}">
-                <p14:modId xmlns="" xmlns:p14="http://schemas.microsoft.com/office/powerpoint/2010/main" val="2455211"/>
+                <p14:modId xmlns:p14="http://schemas.microsoft.com/office/powerpoint/2010/main" xmlns="" val="2455211"/>
               </p:ext>
             </p:extLst>
           </p:nvPr>
@@ -36450,7 +36449,7 @@
     </p:spTree>
     <p:extLst>
       <p:ext uri="{BB962C8B-B14F-4D97-AF65-F5344CB8AC3E}">
-        <p14:creationId xmlns="" xmlns:p14="http://schemas.microsoft.com/office/powerpoint/2010/main" val="1850118340"/>
+        <p14:creationId xmlns:p14="http://schemas.microsoft.com/office/powerpoint/2010/main" xmlns="" val="1850118340"/>
       </p:ext>
     </p:extLst>
   </p:cSld>
@@ -36810,7 +36809,7 @@
           <a:blip r:embed="rId3" cstate="print">
             <a:extLst>
               <a:ext uri="{28A0092B-C50C-407E-A947-70E740481C1C}">
-                <a14:useLocalDpi xmlns="" xmlns:a14="http://schemas.microsoft.com/office/drawing/2010/main" val="0"/>
+                <a14:useLocalDpi xmlns:a14="http://schemas.microsoft.com/office/drawing/2010/main" xmlns="" val="0"/>
               </a:ext>
             </a:extLst>
           </a:blip>
@@ -36830,7 +36829,7 @@
           <a:noFill/>
           <a:extLst>
             <a:ext uri="{909E8E84-426E-40DD-AFC4-6F175D3DCCD1}">
-              <a14:hiddenFill xmlns="" xmlns:a14="http://schemas.microsoft.com/office/drawing/2010/main">
+              <a14:hiddenFill xmlns:a14="http://schemas.microsoft.com/office/drawing/2010/main" xmlns="">
                 <a:solidFill>
                   <a:srgbClr val="FFFFFF"/>
                 </a:solidFill>
@@ -36851,7 +36850,7 @@
           <a:blip r:embed="rId4" cstate="print">
             <a:extLst>
               <a:ext uri="{28A0092B-C50C-407E-A947-70E740481C1C}">
-                <a14:useLocalDpi xmlns="" xmlns:a14="http://schemas.microsoft.com/office/drawing/2010/main" val="0"/>
+                <a14:useLocalDpi xmlns:a14="http://schemas.microsoft.com/office/drawing/2010/main" xmlns="" val="0"/>
               </a:ext>
             </a:extLst>
           </a:blip>
@@ -36871,7 +36870,7 @@
           <a:noFill/>
           <a:extLst>
             <a:ext uri="{909E8E84-426E-40DD-AFC4-6F175D3DCCD1}">
-              <a14:hiddenFill xmlns="" xmlns:a14="http://schemas.microsoft.com/office/drawing/2010/main">
+              <a14:hiddenFill xmlns:a14="http://schemas.microsoft.com/office/drawing/2010/main" xmlns="">
                 <a:solidFill>
                   <a:srgbClr val="FFFFFF"/>
                 </a:solidFill>
@@ -36883,7 +36882,7 @@
     </p:spTree>
     <p:extLst>
       <p:ext uri="{BB962C8B-B14F-4D97-AF65-F5344CB8AC3E}">
-        <p14:creationId xmlns="" xmlns:p14="http://schemas.microsoft.com/office/powerpoint/2010/main" val="3730440862"/>
+        <p14:creationId xmlns:p14="http://schemas.microsoft.com/office/powerpoint/2010/main" xmlns="" val="3730440862"/>
       </p:ext>
     </p:extLst>
   </p:cSld>
